--- a/WhatsNewInASPNET45.pptx
+++ b/WhatsNewInASPNET45.pptx
@@ -6,21 +6,26 @@
     <p:sldMasterId id="2147483779" r:id="rId5"/>
   </p:sldMasterIdLst>
   <p:notesMasterIdLst>
-    <p:notesMasterId r:id="rId10"/>
+    <p:notesMasterId r:id="rId15"/>
   </p:notesMasterIdLst>
   <p:handoutMasterIdLst>
-    <p:handoutMasterId r:id="rId11"/>
+    <p:handoutMasterId r:id="rId16"/>
   </p:handoutMasterIdLst>
   <p:sldIdLst>
     <p:sldId id="296" r:id="rId6"/>
     <p:sldId id="293" r:id="rId7"/>
     <p:sldId id="257" r:id="rId8"/>
-    <p:sldId id="292" r:id="rId9"/>
+    <p:sldId id="297" r:id="rId9"/>
+    <p:sldId id="302" r:id="rId10"/>
+    <p:sldId id="298" r:id="rId11"/>
+    <p:sldId id="299" r:id="rId12"/>
+    <p:sldId id="303" r:id="rId13"/>
+    <p:sldId id="292" r:id="rId14"/>
   </p:sldIdLst>
   <p:sldSz cx="12188825" cy="6858000"/>
   <p:notesSz cx="6858000" cy="9296400"/>
   <p:custDataLst>
-    <p:tags r:id="rId12"/>
+    <p:tags r:id="rId17"/>
   </p:custDataLst>
   <p:defaultTextStyle>
     <a:defPPr>
@@ -267,7 +272,7 @@
               <a:rPr lang="en-US" smtClean="0">
                 <a:latin typeface="Segoe UI" pitchFamily="34" charset="0"/>
               </a:rPr>
-              <a:t>11/8/2012</a:t>
+              <a:t>11/20/2012</a:t>
             </a:fld>
             <a:endParaRPr lang="en-US" dirty="0">
               <a:latin typeface="Segoe UI" pitchFamily="34" charset="0"/>
@@ -449,7 +454,7 @@
             <a:fld id="{CAE3F082-F902-42D8-A765-720E172C3194}" type="datetimeFigureOut">
               <a:rPr lang="en-US" smtClean="0"/>
               <a:pPr/>
-              <a:t>11/8/2012</a:t>
+              <a:t>11/20/2012</a:t>
             </a:fld>
             <a:endParaRPr lang="en-US" dirty="0"/>
           </a:p>
@@ -720,6 +725,208 @@
     </a:lvl9pPr>
   </p:notesStyle>
 </p:notesMaster>
+</file>
+
+<file path=ppt/notesSlides/notesSlide1.xml><?xml version="1.0" encoding="utf-8"?>
+<p:notes xmlns:a="http://schemas.openxmlformats.org/drawingml/2006/main" xmlns:r="http://schemas.openxmlformats.org/officeDocument/2006/relationships" xmlns:p="http://schemas.openxmlformats.org/presentationml/2006/main">
+  <p:cSld>
+    <p:spTree>
+      <p:nvGrpSpPr>
+        <p:cNvPr id="1" name=""/>
+        <p:cNvGrpSpPr/>
+        <p:nvPr/>
+      </p:nvGrpSpPr>
+      <p:grpSpPr>
+        <a:xfrm>
+          <a:off x="0" y="0"/>
+          <a:ext cx="0" cy="0"/>
+          <a:chOff x="0" y="0"/>
+          <a:chExt cx="0" cy="0"/>
+        </a:xfrm>
+      </p:grpSpPr>
+      <p:sp>
+        <p:nvSpPr>
+          <p:cNvPr id="2" name="Slide Image Placeholder 1"/>
+          <p:cNvSpPr>
+            <a:spLocks noGrp="1" noRot="1" noChangeAspect="1"/>
+          </p:cNvSpPr>
+          <p:nvPr>
+            <p:ph type="sldImg"/>
+          </p:nvPr>
+        </p:nvSpPr>
+        <p:spPr/>
+      </p:sp>
+      <p:sp>
+        <p:nvSpPr>
+          <p:cNvPr id="3" name="Notes Placeholder 2"/>
+          <p:cNvSpPr>
+            <a:spLocks noGrp="1"/>
+          </p:cNvSpPr>
+          <p:nvPr>
+            <p:ph type="body" idx="1"/>
+          </p:nvPr>
+        </p:nvSpPr>
+        <p:spPr/>
+        <p:txBody>
+          <a:bodyPr/>
+          <a:lstStyle/>
+          <a:p>
+            <a:pPr lvl="0"/>
+            <a:r>
+              <a:rPr lang="en-US" sz="1600" kern="1200" dirty="0" smtClean="0">
+                <a:solidFill>
+                  <a:schemeClr val="tx1"/>
+                </a:solidFill>
+                <a:effectLst/>
+                <a:latin typeface="Segoe UI" pitchFamily="34" charset="0"/>
+                <a:ea typeface="+mn-ea"/>
+                <a:cs typeface="+mn-cs"/>
+              </a:rPr>
+              <a:t>ASP.NET 4.5 Web Forms [slides]</a:t>
+            </a:r>
+          </a:p>
+          <a:p>
+            <a:pPr lvl="1"/>
+            <a:r>
+              <a:rPr lang="en-US" sz="1600" kern="1200" dirty="0" smtClean="0">
+                <a:solidFill>
+                  <a:schemeClr val="tx1"/>
+                </a:solidFill>
+                <a:effectLst/>
+                <a:latin typeface="Segoe UI" pitchFamily="34" charset="0"/>
+                <a:ea typeface="+mn-ea"/>
+                <a:cs typeface="+mn-cs"/>
+              </a:rPr>
+              <a:t>Binding &amp; strongly typed controls (5 minutes)</a:t>
+            </a:r>
+          </a:p>
+          <a:p>
+            <a:pPr lvl="1"/>
+            <a:r>
+              <a:rPr lang="en-US" sz="1600" kern="1200" dirty="0" smtClean="0">
+                <a:solidFill>
+                  <a:schemeClr val="tx1"/>
+                </a:solidFill>
+                <a:effectLst/>
+                <a:latin typeface="Segoe UI" pitchFamily="34" charset="0"/>
+                <a:ea typeface="+mn-ea"/>
+                <a:cs typeface="+mn-cs"/>
+              </a:rPr>
+              <a:t>Friendly URLs (5 minutes)</a:t>
+            </a:r>
+          </a:p>
+          <a:p>
+            <a:pPr lvl="0"/>
+            <a:r>
+              <a:rPr lang="en-US" sz="1600" kern="1200" dirty="0" smtClean="0">
+                <a:solidFill>
+                  <a:schemeClr val="tx1"/>
+                </a:solidFill>
+                <a:effectLst/>
+                <a:latin typeface="Segoe UI" pitchFamily="34" charset="0"/>
+                <a:ea typeface="+mn-ea"/>
+                <a:cs typeface="+mn-cs"/>
+              </a:rPr>
+              <a:t>Visual Studio 2012 features for web developers [demo]</a:t>
+            </a:r>
+          </a:p>
+          <a:p>
+            <a:pPr lvl="1"/>
+            <a:r>
+              <a:rPr lang="en-US" sz="1600" kern="1200" dirty="0" smtClean="0">
+                <a:solidFill>
+                  <a:schemeClr val="tx1"/>
+                </a:solidFill>
+                <a:effectLst/>
+                <a:latin typeface="Segoe UI" pitchFamily="34" charset="0"/>
+                <a:ea typeface="+mn-ea"/>
+                <a:cs typeface="+mn-cs"/>
+              </a:rPr>
+              <a:t>Page Inspector (5 minutes)</a:t>
+            </a:r>
+          </a:p>
+          <a:p>
+            <a:pPr lvl="1"/>
+            <a:r>
+              <a:rPr lang="en-US" sz="1600" kern="1200" dirty="0" smtClean="0">
+                <a:solidFill>
+                  <a:schemeClr val="tx1"/>
+                </a:solidFill>
+                <a:effectLst/>
+                <a:latin typeface="Segoe UI" pitchFamily="34" charset="0"/>
+                <a:ea typeface="+mn-ea"/>
+                <a:cs typeface="+mn-cs"/>
+              </a:rPr>
+              <a:t>JavaScript &amp; CSS (5 minutes)</a:t>
+            </a:r>
+          </a:p>
+          <a:p>
+            <a:pPr lvl="1"/>
+            <a:r>
+              <a:rPr lang="en-US" sz="1600" kern="1200" dirty="0" smtClean="0">
+                <a:solidFill>
+                  <a:schemeClr val="tx1"/>
+                </a:solidFill>
+                <a:effectLst/>
+                <a:latin typeface="Segoe UI" pitchFamily="34" charset="0"/>
+                <a:ea typeface="+mn-ea"/>
+                <a:cs typeface="+mn-cs"/>
+              </a:rPr>
+              <a:t>Web Essentials (5 minutes)</a:t>
+            </a:r>
+          </a:p>
+          <a:p>
+            <a:pPr lvl="0"/>
+            <a:r>
+              <a:rPr lang="en-US" sz="1600" kern="1200" dirty="0" smtClean="0">
+                <a:solidFill>
+                  <a:schemeClr val="tx1"/>
+                </a:solidFill>
+                <a:effectLst/>
+                <a:latin typeface="Segoe UI" pitchFamily="34" charset="0"/>
+                <a:ea typeface="+mn-ea"/>
+                <a:cs typeface="+mn-cs"/>
+              </a:rPr>
+              <a:t>Bundling &amp; Optimization (5 minutes) [slides]</a:t>
+            </a:r>
+          </a:p>
+        </p:txBody>
+      </p:sp>
+      <p:sp>
+        <p:nvSpPr>
+          <p:cNvPr id="4" name="Slide Number Placeholder 3"/>
+          <p:cNvSpPr>
+            <a:spLocks noGrp="1"/>
+          </p:cNvSpPr>
+          <p:nvPr>
+            <p:ph type="sldNum" sz="quarter" idx="10"/>
+          </p:nvPr>
+        </p:nvSpPr>
+        <p:spPr/>
+        <p:txBody>
+          <a:bodyPr/>
+          <a:lstStyle/>
+          <a:p>
+            <a:fld id="{82AABF77-E2E4-44CA-BA5C-65E132CF08D8}" type="slidenum">
+              <a:rPr lang="en-US" smtClean="0"/>
+              <a:pPr/>
+              <a:t>1</a:t>
+            </a:fld>
+            <a:endParaRPr lang="en-US" dirty="0"/>
+          </a:p>
+        </p:txBody>
+      </p:sp>
+    </p:spTree>
+    <p:extLst>
+      <p:ext uri="{BB962C8B-B14F-4D97-AF65-F5344CB8AC3E}">
+        <p14:creationId xmlns:p14="http://schemas.microsoft.com/office/powerpoint/2010/main" val="2177455710"/>
+      </p:ext>
+    </p:extLst>
+  </p:cSld>
+  <p:clrMapOvr>
+    <a:masterClrMapping/>
+  </p:clrMapOvr>
+</p:notes>
 </file>
 
 <file path=ppt/slideLayouts/slideLayout1.xml><?xml version="1.0" encoding="utf-8"?>
@@ -13669,7 +13876,7 @@
             <p:nvPr/>
           </p:nvPicPr>
           <p:blipFill>
-            <a:blip r:embed="rId2" cstate="print">
+            <a:blip r:embed="rId3" cstate="print">
               <a:extLst>
                 <a:ext uri="{28A0092B-C50C-407E-A947-70E740481C1C}">
                   <a14:useLocalDpi xmlns:a14="http://schemas.microsoft.com/office/drawing/2010/main" val="0"/>
@@ -14022,7 +14229,7 @@
             <p:nvPr/>
           </p:nvPicPr>
           <p:blipFill>
-            <a:blip r:embed="rId3">
+            <a:blip r:embed="rId4">
               <a:extLst>
                 <a:ext uri="{28A0092B-C50C-407E-A947-70E740481C1C}">
                   <a14:useLocalDpi xmlns:a14="http://schemas.microsoft.com/office/drawing/2010/main" val="0"/>
@@ -14276,7 +14483,7 @@
           <a:graphicData uri="http://schemas.openxmlformats.org/presentationml/2006/ole">
             <mc:AlternateContent xmlns:mc="http://schemas.openxmlformats.org/markup-compatibility/2006">
               <mc:Choice xmlns:v="urn:schemas-microsoft-com:vml" Requires="v">
-                <p:oleObj spid="_x0000_s59486" name="think-cell Slide" r:id="rId4" imgW="270" imgH="270" progId="TCLayout.ActiveDocument.1">
+                <p:oleObj spid="_x0000_s59490" name="think-cell Slide" r:id="rId4" imgW="270" imgH="270" progId="TCLayout.ActiveDocument.1">
                   <p:embed/>
                 </p:oleObj>
               </mc:Choice>
@@ -14448,7 +14655,7 @@
           <a:graphicData uri="http://schemas.openxmlformats.org/presentationml/2006/ole">
             <mc:AlternateContent xmlns:mc="http://schemas.openxmlformats.org/markup-compatibility/2006">
               <mc:Choice xmlns:v="urn:schemas-microsoft-com:vml" Requires="v">
-                <p:oleObj spid="_x0000_s23651" name="think-cell Slide" r:id="rId6" imgW="270" imgH="270" progId="TCLayout.ActiveDocument.1">
+                <p:oleObj spid="_x0000_s23655" name="think-cell Slide" r:id="rId6" imgW="270" imgH="270" progId="TCLayout.ActiveDocument.1">
                   <p:embed/>
                 </p:oleObj>
               </mc:Choice>
@@ -14524,15 +14731,49 @@
         </p:nvSpPr>
         <p:spPr>
           <a:xfrm>
-            <a:off x="3473804" y="3641568"/>
-            <a:ext cx="6945312" cy="794064"/>
+            <a:off x="3473803" y="1591778"/>
+            <a:ext cx="8194321" cy="4893647"/>
           </a:xfrm>
         </p:spPr>
         <p:txBody>
           <a:bodyPr/>
           <a:lstStyle/>
           <a:p>
-            <a:endParaRPr lang="en-US" dirty="0"/>
+            <a:r>
+              <a:rPr lang="en-US" sz="4000" dirty="0" smtClean="0"/>
+              <a:t>Web Forms Model Binding</a:t>
+            </a:r>
+          </a:p>
+          <a:p>
+            <a:r>
+              <a:rPr lang="en-US" sz="4000" dirty="0" smtClean="0"/>
+              <a:t>Friendly URLs</a:t>
+            </a:r>
+          </a:p>
+          <a:p>
+            <a:r>
+              <a:rPr lang="en-US" sz="4000" dirty="0" smtClean="0"/>
+              <a:t>Page Inspector</a:t>
+            </a:r>
+          </a:p>
+          <a:p>
+            <a:r>
+              <a:rPr lang="en-US" sz="4000" dirty="0" smtClean="0"/>
+              <a:t>Visual Studio web editor features</a:t>
+            </a:r>
+          </a:p>
+          <a:p>
+            <a:r>
+              <a:rPr lang="en-US" sz="4000" dirty="0" smtClean="0"/>
+              <a:t>Web Essentials</a:t>
+            </a:r>
+          </a:p>
+          <a:p>
+            <a:r>
+              <a:rPr lang="en-US" sz="4000" dirty="0" smtClean="0"/>
+              <a:t>Bundling &amp; Optimization</a:t>
+            </a:r>
+            <a:endParaRPr lang="en-US" sz="4000" dirty="0"/>
           </a:p>
         </p:txBody>
       </p:sp>
@@ -14585,6 +14826,460 @@
           <a:chExt cx="0" cy="0"/>
         </a:xfrm>
       </p:grpSpPr>
+      <p:sp>
+        <p:nvSpPr>
+          <p:cNvPr id="4" name="Title 3"/>
+          <p:cNvSpPr>
+            <a:spLocks noGrp="1"/>
+          </p:cNvSpPr>
+          <p:nvPr>
+            <p:ph type="title"/>
+          </p:nvPr>
+        </p:nvSpPr>
+        <p:spPr/>
+        <p:txBody>
+          <a:bodyPr/>
+          <a:lstStyle/>
+          <a:p>
+            <a:r>
+              <a:rPr lang="en-US" dirty="0" smtClean="0"/>
+              <a:t>Web Forms: Model Binding</a:t>
+            </a:r>
+            <a:endParaRPr lang="en-US" dirty="0"/>
+          </a:p>
+        </p:txBody>
+      </p:sp>
+      <p:sp>
+        <p:nvSpPr>
+          <p:cNvPr id="5" name="Text Placeholder 4"/>
+          <p:cNvSpPr>
+            <a:spLocks noGrp="1"/>
+          </p:cNvSpPr>
+          <p:nvPr>
+            <p:ph type="body" sz="quarter" idx="10"/>
+          </p:nvPr>
+        </p:nvSpPr>
+        <p:spPr/>
+        <p:txBody>
+          <a:bodyPr/>
+          <a:lstStyle/>
+          <a:p>
+            <a:endParaRPr lang="en-US"/>
+          </a:p>
+        </p:txBody>
+      </p:sp>
+    </p:spTree>
+    <p:extLst>
+      <p:ext uri="{BB962C8B-B14F-4D97-AF65-F5344CB8AC3E}">
+        <p14:creationId xmlns:p14="http://schemas.microsoft.com/office/powerpoint/2010/main" val="1593210750"/>
+      </p:ext>
+    </p:extLst>
+  </p:cSld>
+  <p:clrMapOvr>
+    <a:masterClrMapping/>
+  </p:clrMapOvr>
+  <p:transition>
+    <p:fade/>
+  </p:transition>
+</p:sld>
+</file>
+
+<file path=ppt/slides/slide5.xml><?xml version="1.0" encoding="utf-8"?>
+<p:sld xmlns:a="http://schemas.openxmlformats.org/drawingml/2006/main" xmlns:r="http://schemas.openxmlformats.org/officeDocument/2006/relationships" xmlns:p="http://schemas.openxmlformats.org/presentationml/2006/main">
+  <p:cSld>
+    <p:spTree>
+      <p:nvGrpSpPr>
+        <p:cNvPr id="1" name=""/>
+        <p:cNvGrpSpPr/>
+        <p:nvPr/>
+      </p:nvGrpSpPr>
+      <p:grpSpPr>
+        <a:xfrm>
+          <a:off x="0" y="0"/>
+          <a:ext cx="0" cy="0"/>
+          <a:chOff x="0" y="0"/>
+          <a:chExt cx="0" cy="0"/>
+        </a:xfrm>
+      </p:grpSpPr>
+      <p:sp>
+        <p:nvSpPr>
+          <p:cNvPr id="4" name="Title 3"/>
+          <p:cNvSpPr>
+            <a:spLocks noGrp="1"/>
+          </p:cNvSpPr>
+          <p:nvPr>
+            <p:ph type="title"/>
+          </p:nvPr>
+        </p:nvSpPr>
+        <p:spPr/>
+        <p:txBody>
+          <a:bodyPr/>
+          <a:lstStyle/>
+          <a:p>
+            <a:r>
+              <a:rPr lang="en-US" dirty="0" smtClean="0"/>
+              <a:t>Web Forms: Friendly URLs</a:t>
+            </a:r>
+            <a:endParaRPr lang="en-US" dirty="0"/>
+          </a:p>
+        </p:txBody>
+      </p:sp>
+      <p:sp>
+        <p:nvSpPr>
+          <p:cNvPr id="5" name="Text Placeholder 4"/>
+          <p:cNvSpPr>
+            <a:spLocks noGrp="1"/>
+          </p:cNvSpPr>
+          <p:nvPr>
+            <p:ph type="body" sz="quarter" idx="10"/>
+          </p:nvPr>
+        </p:nvSpPr>
+        <p:spPr/>
+        <p:txBody>
+          <a:bodyPr/>
+          <a:lstStyle/>
+          <a:p>
+            <a:endParaRPr lang="en-US"/>
+          </a:p>
+        </p:txBody>
+      </p:sp>
+    </p:spTree>
+    <p:extLst>
+      <p:ext uri="{BB962C8B-B14F-4D97-AF65-F5344CB8AC3E}">
+        <p14:creationId xmlns:p14="http://schemas.microsoft.com/office/powerpoint/2010/main" val="2367441720"/>
+      </p:ext>
+    </p:extLst>
+  </p:cSld>
+  <p:clrMapOvr>
+    <a:masterClrMapping/>
+  </p:clrMapOvr>
+  <p:transition>
+    <p:fade/>
+  </p:transition>
+</p:sld>
+</file>
+
+<file path=ppt/slides/slide6.xml><?xml version="1.0" encoding="utf-8"?>
+<p:sld xmlns:a="http://schemas.openxmlformats.org/drawingml/2006/main" xmlns:r="http://schemas.openxmlformats.org/officeDocument/2006/relationships" xmlns:p="http://schemas.openxmlformats.org/presentationml/2006/main">
+  <p:cSld>
+    <p:spTree>
+      <p:nvGrpSpPr>
+        <p:cNvPr id="1" name=""/>
+        <p:cNvGrpSpPr/>
+        <p:nvPr/>
+      </p:nvGrpSpPr>
+      <p:grpSpPr>
+        <a:xfrm>
+          <a:off x="0" y="0"/>
+          <a:ext cx="0" cy="0"/>
+          <a:chOff x="0" y="0"/>
+          <a:chExt cx="0" cy="0"/>
+        </a:xfrm>
+      </p:grpSpPr>
+      <p:sp>
+        <p:nvSpPr>
+          <p:cNvPr id="4" name="Title 3"/>
+          <p:cNvSpPr>
+            <a:spLocks noGrp="1"/>
+          </p:cNvSpPr>
+          <p:nvPr>
+            <p:ph type="title"/>
+          </p:nvPr>
+        </p:nvSpPr>
+        <p:spPr/>
+        <p:txBody>
+          <a:bodyPr/>
+          <a:lstStyle/>
+          <a:p>
+            <a:r>
+              <a:rPr lang="en-US" dirty="0" smtClean="0"/>
+              <a:t>Bundling and Optimization</a:t>
+            </a:r>
+            <a:endParaRPr lang="en-US" dirty="0"/>
+          </a:p>
+        </p:txBody>
+      </p:sp>
+      <p:sp>
+        <p:nvSpPr>
+          <p:cNvPr id="5" name="Text Placeholder 4"/>
+          <p:cNvSpPr>
+            <a:spLocks noGrp="1"/>
+          </p:cNvSpPr>
+          <p:nvPr>
+            <p:ph type="body" sz="quarter" idx="10"/>
+          </p:nvPr>
+        </p:nvSpPr>
+        <p:spPr/>
+        <p:txBody>
+          <a:bodyPr/>
+          <a:lstStyle/>
+          <a:p>
+            <a:endParaRPr lang="en-US"/>
+          </a:p>
+        </p:txBody>
+      </p:sp>
+    </p:spTree>
+    <p:extLst>
+      <p:ext uri="{BB962C8B-B14F-4D97-AF65-F5344CB8AC3E}">
+        <p14:creationId xmlns:p14="http://schemas.microsoft.com/office/powerpoint/2010/main" val="2442005903"/>
+      </p:ext>
+    </p:extLst>
+  </p:cSld>
+  <p:clrMapOvr>
+    <a:masterClrMapping/>
+  </p:clrMapOvr>
+  <p:transition>
+    <p:fade/>
+  </p:transition>
+</p:sld>
+</file>
+
+<file path=ppt/slides/slide7.xml><?xml version="1.0" encoding="utf-8"?>
+<p:sld xmlns:a="http://schemas.openxmlformats.org/drawingml/2006/main" xmlns:r="http://schemas.openxmlformats.org/officeDocument/2006/relationships" xmlns:p="http://schemas.openxmlformats.org/presentationml/2006/main">
+  <p:cSld>
+    <p:spTree>
+      <p:nvGrpSpPr>
+        <p:cNvPr id="1" name=""/>
+        <p:cNvGrpSpPr/>
+        <p:nvPr/>
+      </p:nvGrpSpPr>
+      <p:grpSpPr>
+        <a:xfrm>
+          <a:off x="0" y="0"/>
+          <a:ext cx="0" cy="0"/>
+          <a:chOff x="0" y="0"/>
+          <a:chExt cx="0" cy="0"/>
+        </a:xfrm>
+      </p:grpSpPr>
+      <p:sp>
+        <p:nvSpPr>
+          <p:cNvPr id="4" name="Title 3"/>
+          <p:cNvSpPr>
+            <a:spLocks noGrp="1"/>
+          </p:cNvSpPr>
+          <p:nvPr>
+            <p:ph type="title"/>
+          </p:nvPr>
+        </p:nvSpPr>
+        <p:spPr/>
+        <p:txBody>
+          <a:bodyPr/>
+          <a:lstStyle/>
+          <a:p>
+            <a:r>
+              <a:rPr lang="en-US" dirty="0" smtClean="0"/>
+              <a:t>Visual Studio 2012 web </a:t>
+            </a:r>
+            <a:r>
+              <a:rPr lang="en-US" dirty="0" err="1" smtClean="0"/>
+              <a:t>dev</a:t>
+            </a:r>
+            <a:r>
+              <a:rPr lang="en-US" dirty="0" smtClean="0"/>
+              <a:t> features</a:t>
+            </a:r>
+            <a:endParaRPr lang="en-US" dirty="0"/>
+          </a:p>
+        </p:txBody>
+      </p:sp>
+      <p:sp>
+        <p:nvSpPr>
+          <p:cNvPr id="5" name="Text Placeholder 4"/>
+          <p:cNvSpPr>
+            <a:spLocks noGrp="1"/>
+          </p:cNvSpPr>
+          <p:nvPr>
+            <p:ph type="body" sz="quarter" idx="10"/>
+          </p:nvPr>
+        </p:nvSpPr>
+        <p:spPr>
+          <a:xfrm>
+            <a:off x="519112" y="1447799"/>
+            <a:ext cx="11149013" cy="2562240"/>
+          </a:xfrm>
+        </p:spPr>
+        <p:txBody>
+          <a:bodyPr/>
+          <a:lstStyle/>
+          <a:p>
+            <a:pPr marL="574675" indent="-571500">
+              <a:buFont typeface="Arial" panose="020B0604020202020204" pitchFamily="34" charset="0"/>
+              <a:buChar char="•"/>
+            </a:pPr>
+            <a:r>
+              <a:rPr lang="en-US" dirty="0" smtClean="0"/>
+              <a:t>Page Inspector</a:t>
+            </a:r>
+          </a:p>
+          <a:p>
+            <a:pPr marL="574675" indent="-571500">
+              <a:buFont typeface="Arial" panose="020B0604020202020204" pitchFamily="34" charset="0"/>
+              <a:buChar char="•"/>
+            </a:pPr>
+            <a:r>
+              <a:rPr lang="en-US" dirty="0" smtClean="0"/>
+              <a:t>CSS and HTML editor</a:t>
+            </a:r>
+          </a:p>
+          <a:p>
+            <a:pPr marL="574675" indent="-571500">
+              <a:buFont typeface="Arial" panose="020B0604020202020204" pitchFamily="34" charset="0"/>
+              <a:buChar char="•"/>
+            </a:pPr>
+            <a:r>
+              <a:rPr lang="en-US" dirty="0" smtClean="0"/>
+              <a:t>JavaScript editor</a:t>
+            </a:r>
+          </a:p>
+          <a:p>
+            <a:pPr marL="574675" indent="-571500">
+              <a:buFont typeface="Arial" panose="020B0604020202020204" pitchFamily="34" charset="0"/>
+              <a:buChar char="•"/>
+            </a:pPr>
+            <a:r>
+              <a:rPr lang="en-US" dirty="0" smtClean="0"/>
+              <a:t>Web Essentials</a:t>
+            </a:r>
+            <a:endParaRPr lang="en-US" dirty="0"/>
+          </a:p>
+        </p:txBody>
+      </p:sp>
+    </p:spTree>
+    <p:extLst>
+      <p:ext uri="{BB962C8B-B14F-4D97-AF65-F5344CB8AC3E}">
+        <p14:creationId xmlns:p14="http://schemas.microsoft.com/office/powerpoint/2010/main" val="2353100225"/>
+      </p:ext>
+    </p:extLst>
+  </p:cSld>
+  <p:clrMapOvr>
+    <a:masterClrMapping/>
+  </p:clrMapOvr>
+  <p:transition>
+    <p:fade/>
+  </p:transition>
+</p:sld>
+</file>
+
+<file path=ppt/slides/slide8.xml><?xml version="1.0" encoding="utf-8"?>
+<p:sld xmlns:a="http://schemas.openxmlformats.org/drawingml/2006/main" xmlns:r="http://schemas.openxmlformats.org/officeDocument/2006/relationships" xmlns:p="http://schemas.openxmlformats.org/presentationml/2006/main">
+  <p:cSld>
+    <p:spTree>
+      <p:nvGrpSpPr>
+        <p:cNvPr id="1" name=""/>
+        <p:cNvGrpSpPr/>
+        <p:nvPr/>
+      </p:nvGrpSpPr>
+      <p:grpSpPr>
+        <a:xfrm>
+          <a:off x="0" y="0"/>
+          <a:ext cx="0" cy="0"/>
+          <a:chOff x="0" y="0"/>
+          <a:chExt cx="0" cy="0"/>
+        </a:xfrm>
+      </p:grpSpPr>
+      <p:sp>
+        <p:nvSpPr>
+          <p:cNvPr id="2" name="Title 1"/>
+          <p:cNvSpPr>
+            <a:spLocks noGrp="1"/>
+          </p:cNvSpPr>
+          <p:nvPr>
+            <p:ph type="ctrTitle"/>
+          </p:nvPr>
+        </p:nvSpPr>
+        <p:spPr>
+          <a:xfrm>
+            <a:off x="1889124" y="1447800"/>
+            <a:ext cx="5273675" cy="1523494"/>
+          </a:xfrm>
+        </p:spPr>
+        <p:txBody>
+          <a:bodyPr/>
+          <a:lstStyle/>
+          <a:p>
+            <a:r>
+              <a:rPr lang="en-US" dirty="0" smtClean="0"/>
+              <a:t>Visual Studio 2012 and Web Essentials</a:t>
+            </a:r>
+            <a:endParaRPr lang="en-US" dirty="0"/>
+          </a:p>
+        </p:txBody>
+      </p:sp>
+      <p:sp>
+        <p:nvSpPr>
+          <p:cNvPr id="3" name="Subtitle 2"/>
+          <p:cNvSpPr>
+            <a:spLocks noGrp="1"/>
+          </p:cNvSpPr>
+          <p:nvPr>
+            <p:ph type="subTitle" idx="1"/>
+          </p:nvPr>
+        </p:nvSpPr>
+        <p:spPr/>
+        <p:txBody>
+          <a:bodyPr/>
+          <a:lstStyle/>
+          <a:p>
+            <a:endParaRPr lang="en-US"/>
+          </a:p>
+        </p:txBody>
+      </p:sp>
+      <p:sp>
+        <p:nvSpPr>
+          <p:cNvPr id="4" name="Text Placeholder 3"/>
+          <p:cNvSpPr>
+            <a:spLocks noGrp="1"/>
+          </p:cNvSpPr>
+          <p:nvPr>
+            <p:ph type="body" sz="quarter" idx="10"/>
+          </p:nvPr>
+        </p:nvSpPr>
+        <p:spPr/>
+        <p:txBody>
+          <a:bodyPr/>
+          <a:lstStyle/>
+          <a:p>
+            <a:r>
+              <a:rPr lang="en-US" dirty="0" smtClean="0"/>
+              <a:t>demo</a:t>
+            </a:r>
+            <a:endParaRPr lang="en-US" dirty="0"/>
+          </a:p>
+        </p:txBody>
+      </p:sp>
+    </p:spTree>
+    <p:extLst>
+      <p:ext uri="{BB962C8B-B14F-4D97-AF65-F5344CB8AC3E}">
+        <p14:creationId xmlns:p14="http://schemas.microsoft.com/office/powerpoint/2010/main" val="1836187333"/>
+      </p:ext>
+    </p:extLst>
+  </p:cSld>
+  <p:clrMapOvr>
+    <a:masterClrMapping/>
+  </p:clrMapOvr>
+  <p:transition>
+    <p:fade/>
+  </p:transition>
+</p:sld>
+</file>
+
+<file path=ppt/slides/slide9.xml><?xml version="1.0" encoding="utf-8"?>
+<p:sld xmlns:a="http://schemas.openxmlformats.org/drawingml/2006/main" xmlns:r="http://schemas.openxmlformats.org/officeDocument/2006/relationships" xmlns:p="http://schemas.openxmlformats.org/presentationml/2006/main">
+  <p:cSld>
+    <p:spTree>
+      <p:nvGrpSpPr>
+        <p:cNvPr id="1" name=""/>
+        <p:cNvGrpSpPr/>
+        <p:nvPr/>
+      </p:nvGrpSpPr>
+      <p:grpSpPr>
+        <a:xfrm>
+          <a:off x="0" y="0"/>
+          <a:ext cx="0" cy="0"/>
+          <a:chOff x="0" y="0"/>
+          <a:chExt cx="0" cy="0"/>
+        </a:xfrm>
+      </p:grpSpPr>
       <p:graphicFrame>
         <p:nvGraphicFramePr>
           <p:cNvPr id="2" name="Object 1" hidden="1"/>
@@ -14610,7 +15305,7 @@
           <a:graphicData uri="http://schemas.openxmlformats.org/presentationml/2006/ole">
             <mc:AlternateContent xmlns:mc="http://schemas.openxmlformats.org/markup-compatibility/2006">
               <mc:Choice xmlns:v="urn:schemas-microsoft-com:vml" Requires="v">
-                <p:oleObj spid="_x0000_s58466" name="think-cell Slide" r:id="rId4" imgW="270" imgH="270" progId="TCLayout.ActiveDocument.1">
+                <p:oleObj spid="_x0000_s58470" name="think-cell Slide" r:id="rId4" imgW="270" imgH="270" progId="TCLayout.ActiveDocument.1">
                   <p:embed/>
                 </p:oleObj>
               </mc:Choice>
@@ -15919,14 +16614,12 @@
 </file>
 
 <file path=customXml/item1.xml><?xml version="1.0" encoding="utf-8"?>
-<p:properties xmlns:p="http://schemas.microsoft.com/office/2006/metadata/properties" xmlns:xsi="http://www.w3.org/2001/XMLSchema-instance" xmlns:pc="http://schemas.microsoft.com/office/infopath/2007/PartnerControls">
-  <documentManagement>
-    <TaxKeywordTaxHTField xmlns="230e9df3-be65-4c73-a93b-d1236ebd677e">
-      <Terms xmlns="http://schemas.microsoft.com/office/infopath/2007/PartnerControls"/>
-    </TaxKeywordTaxHTField>
-    <TaxCatchAll xmlns="230e9df3-be65-4c73-a93b-d1236ebd677e"/>
-  </documentManagement>
-</p:properties>
+<?mso-contentType ?>
+<FormTemplates xmlns="http://schemas.microsoft.com/sharepoint/v3/contenttype/forms">
+  <Display>DocumentLibraryForm</Display>
+  <Edit>DocumentLibraryForm</Edit>
+  <New>DocumentLibraryForm</New>
+</FormTemplates>
 </file>
 
 <file path=customXml/item2.xml><?xml version="1.0" encoding="utf-8"?>
@@ -16082,26 +16775,20 @@
 </file>
 
 <file path=customXml/item3.xml><?xml version="1.0" encoding="utf-8"?>
-<?mso-contentType ?>
-<FormTemplates xmlns="http://schemas.microsoft.com/sharepoint/v3/contenttype/forms">
-  <Display>DocumentLibraryForm</Display>
-  <Edit>DocumentLibraryForm</Edit>
-  <New>DocumentLibraryForm</New>
-</FormTemplates>
+<p:properties xmlns:p="http://schemas.microsoft.com/office/2006/metadata/properties" xmlns:xsi="http://www.w3.org/2001/XMLSchema-instance" xmlns:pc="http://schemas.microsoft.com/office/infopath/2007/PartnerControls">
+  <documentManagement>
+    <TaxKeywordTaxHTField xmlns="230e9df3-be65-4c73-a93b-d1236ebd677e">
+      <Terms xmlns="http://schemas.microsoft.com/office/infopath/2007/PartnerControls"/>
+    </TaxKeywordTaxHTField>
+    <TaxCatchAll xmlns="230e9df3-be65-4c73-a93b-d1236ebd677e"/>
+  </documentManagement>
+</p:properties>
 </file>
 
 <file path=customXml/itemProps1.xml><?xml version="1.0" encoding="utf-8"?>
-<ds:datastoreItem xmlns:ds="http://schemas.openxmlformats.org/officeDocument/2006/customXml" ds:itemID="{69B2F97D-0457-4986-9734-D03EB073C5EA}">
+<ds:datastoreItem xmlns:ds="http://schemas.openxmlformats.org/officeDocument/2006/customXml" ds:itemID="{B882D8D6-9D38-4159-A398-AAC3689D3D7C}">
   <ds:schemaRefs>
-    <ds:schemaRef ds:uri="http://schemas.microsoft.com/office/infopath/2007/PartnerControls"/>
-    <ds:schemaRef ds:uri="http://purl.org/dc/terms/"/>
-    <ds:schemaRef ds:uri="http://schemas.microsoft.com/office/2006/documentManagement/types"/>
-    <ds:schemaRef ds:uri="http://purl.org/dc/elements/1.1/"/>
-    <ds:schemaRef ds:uri="http://schemas.openxmlformats.org/package/2006/metadata/core-properties"/>
-    <ds:schemaRef ds:uri="230e9df3-be65-4c73-a93b-d1236ebd677e"/>
-    <ds:schemaRef ds:uri="http://schemas.microsoft.com/office/2006/metadata/properties"/>
-    <ds:schemaRef ds:uri="http://www.w3.org/XML/1998/namespace"/>
-    <ds:schemaRef ds:uri="http://purl.org/dc/dcmitype/"/>
+    <ds:schemaRef ds:uri="http://schemas.microsoft.com/sharepoint/v3/contenttype/forms"/>
   </ds:schemaRefs>
 </ds:datastoreItem>
 </file>
@@ -16125,9 +16812,17 @@
 </file>
 
 <file path=customXml/itemProps3.xml><?xml version="1.0" encoding="utf-8"?>
-<ds:datastoreItem xmlns:ds="http://schemas.openxmlformats.org/officeDocument/2006/customXml" ds:itemID="{B882D8D6-9D38-4159-A398-AAC3689D3D7C}">
+<ds:datastoreItem xmlns:ds="http://schemas.openxmlformats.org/officeDocument/2006/customXml" ds:itemID="{69B2F97D-0457-4986-9734-D03EB073C5EA}">
   <ds:schemaRefs>
-    <ds:schemaRef ds:uri="http://schemas.microsoft.com/sharepoint/v3/contenttype/forms"/>
+    <ds:schemaRef ds:uri="http://schemas.microsoft.com/office/infopath/2007/PartnerControls"/>
+    <ds:schemaRef ds:uri="http://purl.org/dc/terms/"/>
+    <ds:schemaRef ds:uri="http://schemas.microsoft.com/office/2006/documentManagement/types"/>
+    <ds:schemaRef ds:uri="http://purl.org/dc/elements/1.1/"/>
+    <ds:schemaRef ds:uri="http://schemas.openxmlformats.org/package/2006/metadata/core-properties"/>
+    <ds:schemaRef ds:uri="230e9df3-be65-4c73-a93b-d1236ebd677e"/>
+    <ds:schemaRef ds:uri="http://schemas.microsoft.com/office/2006/metadata/properties"/>
+    <ds:schemaRef ds:uri="http://www.w3.org/XML/1998/namespace"/>
+    <ds:schemaRef ds:uri="http://purl.org/dc/dcmitype/"/>
   </ds:schemaRefs>
 </ds:datastoreItem>
 </file>
--- a/WhatsNewInASPNET45.pptx
+++ b/WhatsNewInASPNET45.pptx
@@ -6,26 +6,31 @@
     <p:sldMasterId id="2147483779" r:id="rId5"/>
   </p:sldMasterIdLst>
   <p:notesMasterIdLst>
-    <p:notesMasterId r:id="rId15"/>
+    <p:notesMasterId r:id="rId20"/>
   </p:notesMasterIdLst>
   <p:handoutMasterIdLst>
-    <p:handoutMasterId r:id="rId16"/>
+    <p:handoutMasterId r:id="rId21"/>
   </p:handoutMasterIdLst>
   <p:sldIdLst>
     <p:sldId id="296" r:id="rId6"/>
     <p:sldId id="293" r:id="rId7"/>
     <p:sldId id="257" r:id="rId8"/>
-    <p:sldId id="297" r:id="rId9"/>
-    <p:sldId id="302" r:id="rId10"/>
-    <p:sldId id="298" r:id="rId11"/>
-    <p:sldId id="299" r:id="rId12"/>
-    <p:sldId id="303" r:id="rId13"/>
-    <p:sldId id="292" r:id="rId14"/>
+    <p:sldId id="304" r:id="rId9"/>
+    <p:sldId id="305" r:id="rId10"/>
+    <p:sldId id="306" r:id="rId11"/>
+    <p:sldId id="302" r:id="rId12"/>
+    <p:sldId id="307" r:id="rId13"/>
+    <p:sldId id="298" r:id="rId14"/>
+    <p:sldId id="308" r:id="rId15"/>
+    <p:sldId id="309" r:id="rId16"/>
+    <p:sldId id="299" r:id="rId17"/>
+    <p:sldId id="303" r:id="rId18"/>
+    <p:sldId id="292" r:id="rId19"/>
   </p:sldIdLst>
   <p:sldSz cx="12188825" cy="6858000"/>
   <p:notesSz cx="6858000" cy="9296400"/>
   <p:custDataLst>
-    <p:tags r:id="rId17"/>
+    <p:tags r:id="rId22"/>
   </p:custDataLst>
   <p:defaultTextStyle>
     <a:defPPr>
@@ -180,6 +185,2537 @@
 </p:presentation>
 </file>
 
+<file path=ppt/diagrams/colors1.xml><?xml version="1.0" encoding="utf-8"?>
+<dgm:colorsDef xmlns:dgm="http://schemas.openxmlformats.org/drawingml/2006/diagram" xmlns:a="http://schemas.openxmlformats.org/drawingml/2006/main" uniqueId="urn:microsoft.com/office/officeart/2005/8/colors/colorful3">
+  <dgm:title val=""/>
+  <dgm:desc val=""/>
+  <dgm:catLst>
+    <dgm:cat type="colorful" pri="10300"/>
+  </dgm:catLst>
+  <dgm:styleLbl name="node0">
+    <dgm:fillClrLst meth="repeat">
+      <a:schemeClr val="accent2"/>
+    </dgm:fillClrLst>
+    <dgm:linClrLst meth="repeat">
+      <a:schemeClr val="lt1"/>
+    </dgm:linClrLst>
+    <dgm:effectClrLst/>
+    <dgm:txLinClrLst/>
+    <dgm:txFillClrLst/>
+    <dgm:txEffectClrLst/>
+  </dgm:styleLbl>
+  <dgm:styleLbl name="node1">
+    <dgm:fillClrLst>
+      <a:schemeClr val="accent3"/>
+      <a:schemeClr val="accent4"/>
+    </dgm:fillClrLst>
+    <dgm:linClrLst meth="repeat">
+      <a:schemeClr val="lt1"/>
+    </dgm:linClrLst>
+    <dgm:effectClrLst/>
+    <dgm:txLinClrLst/>
+    <dgm:txFillClrLst/>
+    <dgm:txEffectClrLst/>
+  </dgm:styleLbl>
+  <dgm:styleLbl name="alignNode1">
+    <dgm:fillClrLst>
+      <a:schemeClr val="accent3"/>
+      <a:schemeClr val="accent4"/>
+    </dgm:fillClrLst>
+    <dgm:linClrLst>
+      <a:schemeClr val="accent3"/>
+      <a:schemeClr val="accent4"/>
+    </dgm:linClrLst>
+    <dgm:effectClrLst/>
+    <dgm:txLinClrLst/>
+    <dgm:txFillClrLst/>
+    <dgm:txEffectClrLst/>
+  </dgm:styleLbl>
+  <dgm:styleLbl name="lnNode1">
+    <dgm:fillClrLst>
+      <a:schemeClr val="accent3"/>
+      <a:schemeClr val="accent4"/>
+    </dgm:fillClrLst>
+    <dgm:linClrLst meth="repeat">
+      <a:schemeClr val="lt1"/>
+    </dgm:linClrLst>
+    <dgm:effectClrLst/>
+    <dgm:txLinClrLst/>
+    <dgm:txFillClrLst/>
+    <dgm:txEffectClrLst/>
+  </dgm:styleLbl>
+  <dgm:styleLbl name="vennNode1">
+    <dgm:fillClrLst>
+      <a:schemeClr val="accent3">
+        <a:alpha val="50000"/>
+      </a:schemeClr>
+      <a:schemeClr val="accent4">
+        <a:alpha val="50000"/>
+      </a:schemeClr>
+    </dgm:fillClrLst>
+    <dgm:linClrLst meth="repeat">
+      <a:schemeClr val="lt1"/>
+    </dgm:linClrLst>
+    <dgm:effectClrLst/>
+    <dgm:txLinClrLst/>
+    <dgm:txFillClrLst/>
+    <dgm:txEffectClrLst/>
+  </dgm:styleLbl>
+  <dgm:styleLbl name="node2">
+    <dgm:fillClrLst>
+      <a:schemeClr val="accent4"/>
+    </dgm:fillClrLst>
+    <dgm:linClrLst meth="repeat">
+      <a:schemeClr val="lt1"/>
+    </dgm:linClrLst>
+    <dgm:effectClrLst/>
+    <dgm:txLinClrLst/>
+    <dgm:txFillClrLst/>
+    <dgm:txEffectClrLst/>
+  </dgm:styleLbl>
+  <dgm:styleLbl name="node3">
+    <dgm:fillClrLst>
+      <a:schemeClr val="accent5"/>
+    </dgm:fillClrLst>
+    <dgm:linClrLst meth="repeat">
+      <a:schemeClr val="lt1"/>
+    </dgm:linClrLst>
+    <dgm:effectClrLst/>
+    <dgm:txLinClrLst/>
+    <dgm:txFillClrLst/>
+    <dgm:txEffectClrLst/>
+  </dgm:styleLbl>
+  <dgm:styleLbl name="node4">
+    <dgm:fillClrLst>
+      <a:schemeClr val="accent6"/>
+    </dgm:fillClrLst>
+    <dgm:linClrLst meth="repeat">
+      <a:schemeClr val="lt1"/>
+    </dgm:linClrLst>
+    <dgm:effectClrLst/>
+    <dgm:txLinClrLst/>
+    <dgm:txFillClrLst/>
+    <dgm:txEffectClrLst/>
+  </dgm:styleLbl>
+  <dgm:styleLbl name="fgImgPlace1">
+    <dgm:fillClrLst>
+      <a:schemeClr val="accent3">
+        <a:tint val="50000"/>
+      </a:schemeClr>
+      <a:schemeClr val="accent4">
+        <a:tint val="50000"/>
+      </a:schemeClr>
+    </dgm:fillClrLst>
+    <dgm:linClrLst meth="repeat">
+      <a:schemeClr val="lt1"/>
+    </dgm:linClrLst>
+    <dgm:effectClrLst/>
+    <dgm:txLinClrLst/>
+    <dgm:txFillClrLst meth="repeat">
+      <a:schemeClr val="lt1"/>
+    </dgm:txFillClrLst>
+    <dgm:txEffectClrLst/>
+  </dgm:styleLbl>
+  <dgm:styleLbl name="alignImgPlace1">
+    <dgm:fillClrLst>
+      <a:schemeClr val="accent3">
+        <a:tint val="50000"/>
+      </a:schemeClr>
+      <a:schemeClr val="accent4">
+        <a:tint val="20000"/>
+      </a:schemeClr>
+    </dgm:fillClrLst>
+    <dgm:linClrLst meth="repeat">
+      <a:schemeClr val="lt1"/>
+    </dgm:linClrLst>
+    <dgm:effectClrLst/>
+    <dgm:txLinClrLst/>
+    <dgm:txFillClrLst meth="repeat">
+      <a:schemeClr val="lt1"/>
+    </dgm:txFillClrLst>
+    <dgm:txEffectClrLst/>
+  </dgm:styleLbl>
+  <dgm:styleLbl name="bgImgPlace1">
+    <dgm:fillClrLst>
+      <a:schemeClr val="accent3">
+        <a:tint val="50000"/>
+      </a:schemeClr>
+      <a:schemeClr val="accent4">
+        <a:tint val="20000"/>
+      </a:schemeClr>
+    </dgm:fillClrLst>
+    <dgm:linClrLst meth="repeat">
+      <a:schemeClr val="lt1"/>
+    </dgm:linClrLst>
+    <dgm:effectClrLst/>
+    <dgm:txLinClrLst/>
+    <dgm:txFillClrLst meth="repeat">
+      <a:schemeClr val="lt1"/>
+    </dgm:txFillClrLst>
+    <dgm:txEffectClrLst/>
+  </dgm:styleLbl>
+  <dgm:styleLbl name="sibTrans2D1">
+    <dgm:fillClrLst>
+      <a:schemeClr val="accent3"/>
+      <a:schemeClr val="accent4"/>
+    </dgm:fillClrLst>
+    <dgm:linClrLst meth="repeat">
+      <a:schemeClr val="lt1"/>
+    </dgm:linClrLst>
+    <dgm:effectClrLst/>
+    <dgm:txLinClrLst/>
+    <dgm:txFillClrLst/>
+    <dgm:txEffectClrLst/>
+  </dgm:styleLbl>
+  <dgm:styleLbl name="fgSibTrans2D1">
+    <dgm:fillClrLst>
+      <a:schemeClr val="accent3"/>
+      <a:schemeClr val="accent4"/>
+    </dgm:fillClrLst>
+    <dgm:linClrLst meth="repeat">
+      <a:schemeClr val="lt1"/>
+    </dgm:linClrLst>
+    <dgm:effectClrLst/>
+    <dgm:txLinClrLst/>
+    <dgm:txFillClrLst meth="repeat">
+      <a:schemeClr val="lt1"/>
+    </dgm:txFillClrLst>
+    <dgm:txEffectClrLst/>
+  </dgm:styleLbl>
+  <dgm:styleLbl name="bgSibTrans2D1">
+    <dgm:fillClrLst>
+      <a:schemeClr val="accent3"/>
+      <a:schemeClr val="accent4"/>
+    </dgm:fillClrLst>
+    <dgm:linClrLst meth="repeat">
+      <a:schemeClr val="lt1"/>
+    </dgm:linClrLst>
+    <dgm:effectClrLst/>
+    <dgm:txLinClrLst/>
+    <dgm:txFillClrLst meth="repeat">
+      <a:schemeClr val="lt1"/>
+    </dgm:txFillClrLst>
+    <dgm:txEffectClrLst/>
+  </dgm:styleLbl>
+  <dgm:styleLbl name="sibTrans1D1">
+    <dgm:fillClrLst/>
+    <dgm:linClrLst>
+      <a:schemeClr val="accent3"/>
+      <a:schemeClr val="accent4"/>
+    </dgm:linClrLst>
+    <dgm:effectClrLst/>
+    <dgm:txLinClrLst/>
+    <dgm:txFillClrLst meth="repeat">
+      <a:schemeClr val="tx1"/>
+    </dgm:txFillClrLst>
+    <dgm:txEffectClrLst/>
+  </dgm:styleLbl>
+  <dgm:styleLbl name="callout">
+    <dgm:fillClrLst meth="repeat">
+      <a:schemeClr val="accent3"/>
+    </dgm:fillClrLst>
+    <dgm:linClrLst meth="repeat">
+      <a:schemeClr val="accent3">
+        <a:tint val="50000"/>
+      </a:schemeClr>
+    </dgm:linClrLst>
+    <dgm:effectClrLst/>
+    <dgm:txLinClrLst/>
+    <dgm:txFillClrLst meth="repeat">
+      <a:schemeClr val="tx1"/>
+    </dgm:txFillClrLst>
+    <dgm:txEffectClrLst/>
+  </dgm:styleLbl>
+  <dgm:styleLbl name="asst0">
+    <dgm:fillClrLst meth="repeat">
+      <a:schemeClr val="accent3"/>
+    </dgm:fillClrLst>
+    <dgm:linClrLst meth="repeat">
+      <a:schemeClr val="lt1">
+        <a:shade val="80000"/>
+      </a:schemeClr>
+    </dgm:linClrLst>
+    <dgm:effectClrLst/>
+    <dgm:txLinClrLst/>
+    <dgm:txFillClrLst/>
+    <dgm:txEffectClrLst/>
+  </dgm:styleLbl>
+  <dgm:styleLbl name="asst1">
+    <dgm:fillClrLst meth="repeat">
+      <a:schemeClr val="accent4"/>
+    </dgm:fillClrLst>
+    <dgm:linClrLst meth="repeat">
+      <a:schemeClr val="lt1">
+        <a:shade val="80000"/>
+      </a:schemeClr>
+    </dgm:linClrLst>
+    <dgm:effectClrLst/>
+    <dgm:txLinClrLst/>
+    <dgm:txFillClrLst/>
+    <dgm:txEffectClrLst/>
+  </dgm:styleLbl>
+  <dgm:styleLbl name="asst2">
+    <dgm:fillClrLst>
+      <a:schemeClr val="accent5"/>
+    </dgm:fillClrLst>
+    <dgm:linClrLst meth="repeat">
+      <a:schemeClr val="lt1"/>
+    </dgm:linClrLst>
+    <dgm:effectClrLst/>
+    <dgm:txLinClrLst/>
+    <dgm:txFillClrLst/>
+    <dgm:txEffectClrLst/>
+  </dgm:styleLbl>
+  <dgm:styleLbl name="asst3">
+    <dgm:fillClrLst>
+      <a:schemeClr val="accent6"/>
+    </dgm:fillClrLst>
+    <dgm:linClrLst meth="repeat">
+      <a:schemeClr val="lt1"/>
+    </dgm:linClrLst>
+    <dgm:effectClrLst/>
+    <dgm:txLinClrLst/>
+    <dgm:txFillClrLst/>
+    <dgm:txEffectClrLst/>
+  </dgm:styleLbl>
+  <dgm:styleLbl name="asst4">
+    <dgm:fillClrLst>
+      <a:schemeClr val="accent1"/>
+    </dgm:fillClrLst>
+    <dgm:linClrLst meth="repeat">
+      <a:schemeClr val="lt1"/>
+    </dgm:linClrLst>
+    <dgm:effectClrLst/>
+    <dgm:txLinClrLst/>
+    <dgm:txFillClrLst/>
+    <dgm:txEffectClrLst/>
+  </dgm:styleLbl>
+  <dgm:styleLbl name="parChTrans2D1">
+    <dgm:fillClrLst meth="repeat">
+      <a:schemeClr val="accent2"/>
+    </dgm:fillClrLst>
+    <dgm:linClrLst meth="repeat">
+      <a:schemeClr val="lt1"/>
+    </dgm:linClrLst>
+    <dgm:effectClrLst/>
+    <dgm:txLinClrLst/>
+    <dgm:txFillClrLst meth="repeat">
+      <a:schemeClr val="lt1"/>
+    </dgm:txFillClrLst>
+    <dgm:txEffectClrLst/>
+  </dgm:styleLbl>
+  <dgm:styleLbl name="parChTrans2D2">
+    <dgm:fillClrLst meth="repeat">
+      <a:schemeClr val="accent3"/>
+    </dgm:fillClrLst>
+    <dgm:linClrLst meth="repeat">
+      <a:schemeClr val="lt1"/>
+    </dgm:linClrLst>
+    <dgm:effectClrLst/>
+    <dgm:txLinClrLst/>
+    <dgm:txFillClrLst/>
+    <dgm:txEffectClrLst/>
+  </dgm:styleLbl>
+  <dgm:styleLbl name="parChTrans2D3">
+    <dgm:fillClrLst meth="repeat">
+      <a:schemeClr val="accent4"/>
+    </dgm:fillClrLst>
+    <dgm:linClrLst meth="repeat">
+      <a:schemeClr val="lt1"/>
+    </dgm:linClrLst>
+    <dgm:effectClrLst/>
+    <dgm:txLinClrLst/>
+    <dgm:txFillClrLst/>
+    <dgm:txEffectClrLst/>
+  </dgm:styleLbl>
+  <dgm:styleLbl name="parChTrans2D4">
+    <dgm:fillClrLst meth="repeat">
+      <a:schemeClr val="accent5"/>
+    </dgm:fillClrLst>
+    <dgm:linClrLst meth="repeat">
+      <a:schemeClr val="lt1"/>
+    </dgm:linClrLst>
+    <dgm:effectClrLst/>
+    <dgm:txLinClrLst/>
+    <dgm:txFillClrLst meth="repeat">
+      <a:schemeClr val="lt1"/>
+    </dgm:txFillClrLst>
+    <dgm:txEffectClrLst/>
+  </dgm:styleLbl>
+  <dgm:styleLbl name="parChTrans1D1">
+    <dgm:fillClrLst meth="repeat">
+      <a:schemeClr val="accent3"/>
+    </dgm:fillClrLst>
+    <dgm:linClrLst meth="repeat">
+      <a:schemeClr val="accent3"/>
+    </dgm:linClrLst>
+    <dgm:effectClrLst/>
+    <dgm:txLinClrLst/>
+    <dgm:txFillClrLst meth="repeat">
+      <a:schemeClr val="tx1"/>
+    </dgm:txFillClrLst>
+    <dgm:txEffectClrLst/>
+  </dgm:styleLbl>
+  <dgm:styleLbl name="parChTrans1D2">
+    <dgm:fillClrLst meth="repeat">
+      <a:schemeClr val="accent2">
+        <a:tint val="90000"/>
+      </a:schemeClr>
+    </dgm:fillClrLst>
+    <dgm:linClrLst meth="repeat">
+      <a:schemeClr val="accent4"/>
+    </dgm:linClrLst>
+    <dgm:effectClrLst/>
+    <dgm:txLinClrLst/>
+    <dgm:txFillClrLst meth="repeat">
+      <a:schemeClr val="tx1"/>
+    </dgm:txFillClrLst>
+    <dgm:txEffectClrLst/>
+  </dgm:styleLbl>
+  <dgm:styleLbl name="parChTrans1D3">
+    <dgm:fillClrLst meth="repeat">
+      <a:schemeClr val="accent2">
+        <a:tint val="70000"/>
+      </a:schemeClr>
+    </dgm:fillClrLst>
+    <dgm:linClrLst meth="repeat">
+      <a:schemeClr val="accent5"/>
+    </dgm:linClrLst>
+    <dgm:effectClrLst/>
+    <dgm:txLinClrLst/>
+    <dgm:txFillClrLst meth="repeat">
+      <a:schemeClr val="tx1"/>
+    </dgm:txFillClrLst>
+    <dgm:txEffectClrLst/>
+  </dgm:styleLbl>
+  <dgm:styleLbl name="parChTrans1D4">
+    <dgm:fillClrLst meth="repeat">
+      <a:schemeClr val="accent6">
+        <a:tint val="50000"/>
+      </a:schemeClr>
+    </dgm:fillClrLst>
+    <dgm:linClrLst meth="repeat">
+      <a:schemeClr val="accent6"/>
+    </dgm:linClrLst>
+    <dgm:effectClrLst/>
+    <dgm:txLinClrLst/>
+    <dgm:txFillClrLst meth="repeat">
+      <a:schemeClr val="tx1"/>
+    </dgm:txFillClrLst>
+    <dgm:txEffectClrLst/>
+  </dgm:styleLbl>
+  <dgm:styleLbl name="fgAcc1">
+    <dgm:fillClrLst meth="repeat">
+      <a:schemeClr val="lt1">
+        <a:alpha val="90000"/>
+      </a:schemeClr>
+    </dgm:fillClrLst>
+    <dgm:linClrLst>
+      <a:schemeClr val="accent3"/>
+      <a:schemeClr val="accent4"/>
+    </dgm:linClrLst>
+    <dgm:effectClrLst/>
+    <dgm:txLinClrLst/>
+    <dgm:txFillClrLst meth="repeat">
+      <a:schemeClr val="dk1"/>
+    </dgm:txFillClrLst>
+    <dgm:txEffectClrLst/>
+  </dgm:styleLbl>
+  <dgm:styleLbl name="conFgAcc1">
+    <dgm:fillClrLst meth="repeat">
+      <a:schemeClr val="lt1">
+        <a:alpha val="90000"/>
+      </a:schemeClr>
+    </dgm:fillClrLst>
+    <dgm:linClrLst>
+      <a:schemeClr val="accent3"/>
+      <a:schemeClr val="accent4"/>
+    </dgm:linClrLst>
+    <dgm:effectClrLst/>
+    <dgm:txLinClrLst/>
+    <dgm:txFillClrLst meth="repeat">
+      <a:schemeClr val="dk1"/>
+    </dgm:txFillClrLst>
+    <dgm:txEffectClrLst/>
+  </dgm:styleLbl>
+  <dgm:styleLbl name="alignAcc1">
+    <dgm:fillClrLst meth="repeat">
+      <a:schemeClr val="lt1">
+        <a:alpha val="90000"/>
+      </a:schemeClr>
+    </dgm:fillClrLst>
+    <dgm:linClrLst>
+      <a:schemeClr val="accent3"/>
+      <a:schemeClr val="accent4"/>
+    </dgm:linClrLst>
+    <dgm:effectClrLst/>
+    <dgm:txLinClrLst/>
+    <dgm:txFillClrLst meth="repeat">
+      <a:schemeClr val="dk1"/>
+    </dgm:txFillClrLst>
+    <dgm:txEffectClrLst/>
+  </dgm:styleLbl>
+  <dgm:styleLbl name="trAlignAcc1">
+    <dgm:fillClrLst meth="repeat">
+      <a:schemeClr val="lt1">
+        <a:alpha val="40000"/>
+      </a:schemeClr>
+    </dgm:fillClrLst>
+    <dgm:linClrLst meth="repeat">
+      <a:schemeClr val="accent2"/>
+    </dgm:linClrLst>
+    <dgm:effectClrLst/>
+    <dgm:txLinClrLst/>
+    <dgm:txFillClrLst meth="repeat">
+      <a:schemeClr val="dk1"/>
+    </dgm:txFillClrLst>
+    <dgm:txEffectClrLst/>
+  </dgm:styleLbl>
+  <dgm:styleLbl name="bgAcc1">
+    <dgm:fillClrLst meth="repeat">
+      <a:schemeClr val="lt1">
+        <a:alpha val="90000"/>
+      </a:schemeClr>
+    </dgm:fillClrLst>
+    <dgm:linClrLst>
+      <a:schemeClr val="accent3"/>
+      <a:schemeClr val="accent4"/>
+    </dgm:linClrLst>
+    <dgm:effectClrLst/>
+    <dgm:txLinClrLst/>
+    <dgm:txFillClrLst meth="repeat">
+      <a:schemeClr val="dk1"/>
+    </dgm:txFillClrLst>
+    <dgm:txEffectClrLst/>
+  </dgm:styleLbl>
+  <dgm:styleLbl name="solidFgAcc1">
+    <dgm:fillClrLst meth="repeat">
+      <a:schemeClr val="lt1"/>
+    </dgm:fillClrLst>
+    <dgm:linClrLst>
+      <a:schemeClr val="accent3"/>
+      <a:schemeClr val="accent4"/>
+    </dgm:linClrLst>
+    <dgm:effectClrLst/>
+    <dgm:txLinClrLst/>
+    <dgm:txFillClrLst meth="repeat">
+      <a:schemeClr val="dk1"/>
+    </dgm:txFillClrLst>
+    <dgm:txEffectClrLst/>
+  </dgm:styleLbl>
+  <dgm:styleLbl name="solidAlignAcc1">
+    <dgm:fillClrLst meth="repeat">
+      <a:schemeClr val="lt1"/>
+    </dgm:fillClrLst>
+    <dgm:linClrLst>
+      <a:schemeClr val="accent3"/>
+      <a:schemeClr val="accent4"/>
+    </dgm:linClrLst>
+    <dgm:effectClrLst/>
+    <dgm:txLinClrLst/>
+    <dgm:txFillClrLst meth="repeat">
+      <a:schemeClr val="dk1"/>
+    </dgm:txFillClrLst>
+    <dgm:txEffectClrLst/>
+  </dgm:styleLbl>
+  <dgm:styleLbl name="solidBgAcc1">
+    <dgm:fillClrLst meth="repeat">
+      <a:schemeClr val="lt1"/>
+    </dgm:fillClrLst>
+    <dgm:linClrLst>
+      <a:schemeClr val="accent3"/>
+      <a:schemeClr val="accent4"/>
+    </dgm:linClrLst>
+    <dgm:effectClrLst/>
+    <dgm:txLinClrLst/>
+    <dgm:txFillClrLst meth="repeat">
+      <a:schemeClr val="dk1"/>
+    </dgm:txFillClrLst>
+    <dgm:txEffectClrLst/>
+  </dgm:styleLbl>
+  <dgm:styleLbl name="fgAccFollowNode1">
+    <dgm:fillClrLst>
+      <a:schemeClr val="accent3">
+        <a:tint val="40000"/>
+        <a:alpha val="90000"/>
+      </a:schemeClr>
+      <a:schemeClr val="accent4">
+        <a:tint val="40000"/>
+        <a:alpha val="90000"/>
+      </a:schemeClr>
+    </dgm:fillClrLst>
+    <dgm:linClrLst>
+      <a:schemeClr val="accent3">
+        <a:tint val="40000"/>
+        <a:alpha val="90000"/>
+      </a:schemeClr>
+      <a:schemeClr val="accent4">
+        <a:tint val="40000"/>
+        <a:alpha val="90000"/>
+      </a:schemeClr>
+    </dgm:linClrLst>
+    <dgm:effectClrLst/>
+    <dgm:txLinClrLst/>
+    <dgm:txFillClrLst meth="repeat">
+      <a:schemeClr val="dk1"/>
+    </dgm:txFillClrLst>
+    <dgm:txEffectClrLst/>
+  </dgm:styleLbl>
+  <dgm:styleLbl name="alignAccFollowNode1">
+    <dgm:fillClrLst>
+      <a:schemeClr val="accent3">
+        <a:tint val="40000"/>
+        <a:alpha val="90000"/>
+      </a:schemeClr>
+      <a:schemeClr val="accent4">
+        <a:tint val="40000"/>
+        <a:alpha val="90000"/>
+      </a:schemeClr>
+    </dgm:fillClrLst>
+    <dgm:linClrLst>
+      <a:schemeClr val="accent3">
+        <a:tint val="40000"/>
+        <a:alpha val="90000"/>
+      </a:schemeClr>
+      <a:schemeClr val="accent4">
+        <a:tint val="40000"/>
+        <a:alpha val="90000"/>
+      </a:schemeClr>
+    </dgm:linClrLst>
+    <dgm:effectClrLst/>
+    <dgm:txLinClrLst/>
+    <dgm:txFillClrLst meth="repeat">
+      <a:schemeClr val="dk1"/>
+    </dgm:txFillClrLst>
+    <dgm:txEffectClrLst/>
+  </dgm:styleLbl>
+  <dgm:styleLbl name="bgAccFollowNode1">
+    <dgm:fillClrLst>
+      <a:schemeClr val="accent3">
+        <a:tint val="40000"/>
+        <a:alpha val="90000"/>
+      </a:schemeClr>
+      <a:schemeClr val="accent4">
+        <a:tint val="40000"/>
+        <a:alpha val="90000"/>
+      </a:schemeClr>
+    </dgm:fillClrLst>
+    <dgm:linClrLst>
+      <a:schemeClr val="accent3">
+        <a:tint val="40000"/>
+        <a:alpha val="90000"/>
+      </a:schemeClr>
+      <a:schemeClr val="accent4">
+        <a:tint val="40000"/>
+        <a:alpha val="90000"/>
+      </a:schemeClr>
+    </dgm:linClrLst>
+    <dgm:effectClrLst/>
+    <dgm:txLinClrLst/>
+    <dgm:txFillClrLst meth="repeat">
+      <a:schemeClr val="dk1"/>
+    </dgm:txFillClrLst>
+    <dgm:txEffectClrLst/>
+  </dgm:styleLbl>
+  <dgm:styleLbl name="fgAcc0">
+    <dgm:fillClrLst meth="repeat">
+      <a:schemeClr val="lt1">
+        <a:alpha val="90000"/>
+      </a:schemeClr>
+    </dgm:fillClrLst>
+    <dgm:linClrLst>
+      <a:schemeClr val="accent2"/>
+    </dgm:linClrLst>
+    <dgm:effectClrLst/>
+    <dgm:txLinClrLst/>
+    <dgm:txFillClrLst meth="repeat">
+      <a:schemeClr val="dk1"/>
+    </dgm:txFillClrLst>
+    <dgm:txEffectClrLst/>
+  </dgm:styleLbl>
+  <dgm:styleLbl name="fgAcc2">
+    <dgm:fillClrLst meth="repeat">
+      <a:schemeClr val="lt1">
+        <a:alpha val="90000"/>
+      </a:schemeClr>
+    </dgm:fillClrLst>
+    <dgm:linClrLst>
+      <a:schemeClr val="accent4"/>
+    </dgm:linClrLst>
+    <dgm:effectClrLst/>
+    <dgm:txLinClrLst/>
+    <dgm:txFillClrLst meth="repeat">
+      <a:schemeClr val="dk1"/>
+    </dgm:txFillClrLst>
+    <dgm:txEffectClrLst/>
+  </dgm:styleLbl>
+  <dgm:styleLbl name="fgAcc3">
+    <dgm:fillClrLst meth="repeat">
+      <a:schemeClr val="lt1">
+        <a:alpha val="90000"/>
+      </a:schemeClr>
+    </dgm:fillClrLst>
+    <dgm:linClrLst>
+      <a:schemeClr val="accent5"/>
+    </dgm:linClrLst>
+    <dgm:effectClrLst/>
+    <dgm:txLinClrLst/>
+    <dgm:txFillClrLst meth="repeat">
+      <a:schemeClr val="dk1"/>
+    </dgm:txFillClrLst>
+    <dgm:txEffectClrLst/>
+  </dgm:styleLbl>
+  <dgm:styleLbl name="fgAcc4">
+    <dgm:fillClrLst meth="repeat">
+      <a:schemeClr val="lt1">
+        <a:alpha val="90000"/>
+      </a:schemeClr>
+    </dgm:fillClrLst>
+    <dgm:linClrLst>
+      <a:schemeClr val="accent6"/>
+    </dgm:linClrLst>
+    <dgm:effectClrLst/>
+    <dgm:txLinClrLst/>
+    <dgm:txFillClrLst meth="repeat">
+      <a:schemeClr val="dk1"/>
+    </dgm:txFillClrLst>
+    <dgm:txEffectClrLst/>
+  </dgm:styleLbl>
+  <dgm:styleLbl name="bgShp">
+    <dgm:fillClrLst meth="repeat">
+      <a:schemeClr val="accent3">
+        <a:tint val="40000"/>
+      </a:schemeClr>
+    </dgm:fillClrLst>
+    <dgm:linClrLst meth="repeat">
+      <a:schemeClr val="dk1"/>
+    </dgm:linClrLst>
+    <dgm:effectClrLst/>
+    <dgm:txLinClrLst/>
+    <dgm:txFillClrLst meth="repeat">
+      <a:schemeClr val="dk1"/>
+    </dgm:txFillClrLst>
+    <dgm:txEffectClrLst/>
+  </dgm:styleLbl>
+  <dgm:styleLbl name="dkBgShp">
+    <dgm:fillClrLst meth="repeat">
+      <a:schemeClr val="accent3">
+        <a:shade val="90000"/>
+      </a:schemeClr>
+    </dgm:fillClrLst>
+    <dgm:linClrLst meth="repeat">
+      <a:schemeClr val="dk1"/>
+    </dgm:linClrLst>
+    <dgm:effectClrLst/>
+    <dgm:txLinClrLst/>
+    <dgm:txFillClrLst meth="repeat">
+      <a:schemeClr val="lt1"/>
+    </dgm:txFillClrLst>
+    <dgm:txEffectClrLst/>
+  </dgm:styleLbl>
+  <dgm:styleLbl name="trBgShp">
+    <dgm:fillClrLst meth="repeat">
+      <a:schemeClr val="accent2">
+        <a:tint val="50000"/>
+        <a:alpha val="40000"/>
+      </a:schemeClr>
+    </dgm:fillClrLst>
+    <dgm:linClrLst meth="repeat">
+      <a:schemeClr val="accent3"/>
+    </dgm:linClrLst>
+    <dgm:effectClrLst/>
+    <dgm:txLinClrLst/>
+    <dgm:txFillClrLst meth="repeat">
+      <a:schemeClr val="lt1"/>
+    </dgm:txFillClrLst>
+    <dgm:txEffectClrLst/>
+  </dgm:styleLbl>
+  <dgm:styleLbl name="fgShp">
+    <dgm:fillClrLst meth="repeat">
+      <a:schemeClr val="accent3">
+        <a:tint val="40000"/>
+      </a:schemeClr>
+    </dgm:fillClrLst>
+    <dgm:linClrLst meth="repeat">
+      <a:schemeClr val="lt1"/>
+    </dgm:linClrLst>
+    <dgm:effectClrLst/>
+    <dgm:txLinClrLst/>
+    <dgm:txFillClrLst meth="repeat">
+      <a:schemeClr val="dk1"/>
+    </dgm:txFillClrLst>
+    <dgm:txEffectClrLst/>
+  </dgm:styleLbl>
+  <dgm:styleLbl name="revTx">
+    <dgm:fillClrLst meth="repeat">
+      <a:schemeClr val="lt1">
+        <a:alpha val="0"/>
+      </a:schemeClr>
+    </dgm:fillClrLst>
+    <dgm:linClrLst meth="repeat">
+      <a:schemeClr val="dk1">
+        <a:alpha val="0"/>
+      </a:schemeClr>
+    </dgm:linClrLst>
+    <dgm:effectClrLst/>
+    <dgm:txLinClrLst/>
+    <dgm:txFillClrLst meth="repeat">
+      <a:schemeClr val="tx1"/>
+    </dgm:txFillClrLst>
+    <dgm:txEffectClrLst/>
+  </dgm:styleLbl>
+</dgm:colorsDef>
+</file>
+
+<file path=ppt/diagrams/data1.xml><?xml version="1.0" encoding="utf-8"?>
+<dgm:dataModel xmlns:dgm="http://schemas.openxmlformats.org/drawingml/2006/diagram" xmlns:a="http://schemas.openxmlformats.org/drawingml/2006/main">
+  <dgm:ptLst>
+    <dgm:pt modelId="{67C25DCC-A7EC-4ADD-A44B-93147C6EDE35}" type="doc">
+      <dgm:prSet loTypeId="urn:microsoft.com/office/officeart/2005/8/layout/default" loCatId="list" qsTypeId="urn:microsoft.com/office/officeart/2005/8/quickstyle/simple1" qsCatId="simple" csTypeId="urn:microsoft.com/office/officeart/2005/8/colors/colorful3" csCatId="colorful"/>
+      <dgm:spPr/>
+      <dgm:t>
+        <a:bodyPr/>
+        <a:lstStyle/>
+        <a:p>
+          <a:endParaRPr lang="en-US"/>
+        </a:p>
+      </dgm:t>
+    </dgm:pt>
+    <dgm:pt modelId="{DE5C8380-D856-41AF-BE8A-22DDDC2E60CD}">
+      <dgm:prSet/>
+      <dgm:spPr/>
+      <dgm:t>
+        <a:bodyPr/>
+        <a:lstStyle/>
+        <a:p>
+          <a:pPr rtl="0"/>
+          <a:r>
+            <a:rPr lang="en-US" baseline="0" smtClean="0"/>
+            <a:t>Page Inspector</a:t>
+          </a:r>
+          <a:endParaRPr lang="en-US"/>
+        </a:p>
+      </dgm:t>
+    </dgm:pt>
+    <dgm:pt modelId="{E2F759E8-4CDC-46BC-97B0-5D0E9282499C}" type="parTrans" cxnId="{B718B0A8-FB1C-40C2-9E3E-5458CDC234D1}">
+      <dgm:prSet/>
+      <dgm:spPr/>
+      <dgm:t>
+        <a:bodyPr/>
+        <a:lstStyle/>
+        <a:p>
+          <a:endParaRPr lang="en-US"/>
+        </a:p>
+      </dgm:t>
+    </dgm:pt>
+    <dgm:pt modelId="{F22CB3D8-761E-4E0E-B4BE-AD53D190E50B}" type="sibTrans" cxnId="{B718B0A8-FB1C-40C2-9E3E-5458CDC234D1}">
+      <dgm:prSet/>
+      <dgm:spPr/>
+      <dgm:t>
+        <a:bodyPr/>
+        <a:lstStyle/>
+        <a:p>
+          <a:endParaRPr lang="en-US"/>
+        </a:p>
+      </dgm:t>
+    </dgm:pt>
+    <dgm:pt modelId="{34AC925F-1D6E-4543-AFB2-EA4F959D6A65}">
+      <dgm:prSet/>
+      <dgm:spPr/>
+      <dgm:t>
+        <a:bodyPr/>
+        <a:lstStyle/>
+        <a:p>
+          <a:pPr rtl="0"/>
+          <a:r>
+            <a:rPr lang="en-US" baseline="0" smtClean="0"/>
+            <a:t>CSS and HTML editor</a:t>
+          </a:r>
+          <a:endParaRPr lang="en-US"/>
+        </a:p>
+      </dgm:t>
+    </dgm:pt>
+    <dgm:pt modelId="{C96C97F8-303B-4790-9267-99E78DE1027C}" type="parTrans" cxnId="{275E89B0-A86A-49B8-909D-5B7C189D0003}">
+      <dgm:prSet/>
+      <dgm:spPr/>
+      <dgm:t>
+        <a:bodyPr/>
+        <a:lstStyle/>
+        <a:p>
+          <a:endParaRPr lang="en-US"/>
+        </a:p>
+      </dgm:t>
+    </dgm:pt>
+    <dgm:pt modelId="{6CB0C62F-01F5-432C-AD93-2F234BEBF8E5}" type="sibTrans" cxnId="{275E89B0-A86A-49B8-909D-5B7C189D0003}">
+      <dgm:prSet/>
+      <dgm:spPr/>
+      <dgm:t>
+        <a:bodyPr/>
+        <a:lstStyle/>
+        <a:p>
+          <a:endParaRPr lang="en-US"/>
+        </a:p>
+      </dgm:t>
+    </dgm:pt>
+    <dgm:pt modelId="{506CD2EB-4A1B-46BD-BEE0-7D3B932E38BA}">
+      <dgm:prSet/>
+      <dgm:spPr/>
+      <dgm:t>
+        <a:bodyPr/>
+        <a:lstStyle/>
+        <a:p>
+          <a:pPr rtl="0"/>
+          <a:r>
+            <a:rPr lang="en-US" baseline="0" smtClean="0"/>
+            <a:t>JavaScript editor</a:t>
+          </a:r>
+          <a:endParaRPr lang="en-US"/>
+        </a:p>
+      </dgm:t>
+    </dgm:pt>
+    <dgm:pt modelId="{FC02A905-9EEB-4262-9F78-A204EE5DC782}" type="parTrans" cxnId="{E15F1C8D-E3EC-4853-A82E-61E1B70A49AB}">
+      <dgm:prSet/>
+      <dgm:spPr/>
+      <dgm:t>
+        <a:bodyPr/>
+        <a:lstStyle/>
+        <a:p>
+          <a:endParaRPr lang="en-US"/>
+        </a:p>
+      </dgm:t>
+    </dgm:pt>
+    <dgm:pt modelId="{223A6FA0-E002-4168-BF56-249BF17895F7}" type="sibTrans" cxnId="{E15F1C8D-E3EC-4853-A82E-61E1B70A49AB}">
+      <dgm:prSet/>
+      <dgm:spPr/>
+      <dgm:t>
+        <a:bodyPr/>
+        <a:lstStyle/>
+        <a:p>
+          <a:endParaRPr lang="en-US"/>
+        </a:p>
+      </dgm:t>
+    </dgm:pt>
+    <dgm:pt modelId="{D16C91B0-D3E5-4820-8F53-E60967A8BF35}">
+      <dgm:prSet/>
+      <dgm:spPr/>
+      <dgm:t>
+        <a:bodyPr/>
+        <a:lstStyle/>
+        <a:p>
+          <a:pPr rtl="0"/>
+          <a:r>
+            <a:rPr lang="en-US" baseline="0" smtClean="0"/>
+            <a:t>Web Essentials</a:t>
+          </a:r>
+          <a:endParaRPr lang="en-US"/>
+        </a:p>
+      </dgm:t>
+    </dgm:pt>
+    <dgm:pt modelId="{D3904FA1-B312-4835-8A67-B9C1805817E9}" type="parTrans" cxnId="{9BC98921-2966-4DF1-86FC-DB5596913536}">
+      <dgm:prSet/>
+      <dgm:spPr/>
+      <dgm:t>
+        <a:bodyPr/>
+        <a:lstStyle/>
+        <a:p>
+          <a:endParaRPr lang="en-US"/>
+        </a:p>
+      </dgm:t>
+    </dgm:pt>
+    <dgm:pt modelId="{1883E58C-7EB7-4079-8913-61AB20C99F2E}" type="sibTrans" cxnId="{9BC98921-2966-4DF1-86FC-DB5596913536}">
+      <dgm:prSet/>
+      <dgm:spPr/>
+      <dgm:t>
+        <a:bodyPr/>
+        <a:lstStyle/>
+        <a:p>
+          <a:endParaRPr lang="en-US"/>
+        </a:p>
+      </dgm:t>
+    </dgm:pt>
+    <dgm:pt modelId="{9F061ED2-4327-45B8-AEEE-002FEE24C26D}" type="pres">
+      <dgm:prSet presAssocID="{67C25DCC-A7EC-4ADD-A44B-93147C6EDE35}" presName="diagram" presStyleCnt="0">
+        <dgm:presLayoutVars>
+          <dgm:dir/>
+          <dgm:resizeHandles val="exact"/>
+        </dgm:presLayoutVars>
+      </dgm:prSet>
+      <dgm:spPr/>
+    </dgm:pt>
+    <dgm:pt modelId="{DF0449B5-FF59-4BCF-836A-626BACA7A9DD}" type="pres">
+      <dgm:prSet presAssocID="{DE5C8380-D856-41AF-BE8A-22DDDC2E60CD}" presName="node" presStyleLbl="node1" presStyleIdx="0" presStyleCnt="4">
+        <dgm:presLayoutVars>
+          <dgm:bulletEnabled val="1"/>
+        </dgm:presLayoutVars>
+      </dgm:prSet>
+      <dgm:spPr/>
+    </dgm:pt>
+    <dgm:pt modelId="{C5A61973-D579-4BB1-BAC6-B48A66B39627}" type="pres">
+      <dgm:prSet presAssocID="{F22CB3D8-761E-4E0E-B4BE-AD53D190E50B}" presName="sibTrans" presStyleCnt="0"/>
+      <dgm:spPr/>
+    </dgm:pt>
+    <dgm:pt modelId="{2E613A4B-4AEC-43D1-B2CD-91759A8A8A43}" type="pres">
+      <dgm:prSet presAssocID="{34AC925F-1D6E-4543-AFB2-EA4F959D6A65}" presName="node" presStyleLbl="node1" presStyleIdx="1" presStyleCnt="4">
+        <dgm:presLayoutVars>
+          <dgm:bulletEnabled val="1"/>
+        </dgm:presLayoutVars>
+      </dgm:prSet>
+      <dgm:spPr/>
+    </dgm:pt>
+    <dgm:pt modelId="{24B66693-2C85-4808-8F25-FA83EE61FE55}" type="pres">
+      <dgm:prSet presAssocID="{6CB0C62F-01F5-432C-AD93-2F234BEBF8E5}" presName="sibTrans" presStyleCnt="0"/>
+      <dgm:spPr/>
+    </dgm:pt>
+    <dgm:pt modelId="{500A1CB0-53AC-479C-975D-29358BF3A54E}" type="pres">
+      <dgm:prSet presAssocID="{506CD2EB-4A1B-46BD-BEE0-7D3B932E38BA}" presName="node" presStyleLbl="node1" presStyleIdx="2" presStyleCnt="4">
+        <dgm:presLayoutVars>
+          <dgm:bulletEnabled val="1"/>
+        </dgm:presLayoutVars>
+      </dgm:prSet>
+      <dgm:spPr/>
+    </dgm:pt>
+    <dgm:pt modelId="{1A6A4B05-01BC-4325-80D1-D85805E27964}" type="pres">
+      <dgm:prSet presAssocID="{223A6FA0-E002-4168-BF56-249BF17895F7}" presName="sibTrans" presStyleCnt="0"/>
+      <dgm:spPr/>
+    </dgm:pt>
+    <dgm:pt modelId="{301A6D02-1F2B-4599-9D6B-3F92086250EC}" type="pres">
+      <dgm:prSet presAssocID="{D16C91B0-D3E5-4820-8F53-E60967A8BF35}" presName="node" presStyleLbl="node1" presStyleIdx="3" presStyleCnt="4">
+        <dgm:presLayoutVars>
+          <dgm:bulletEnabled val="1"/>
+        </dgm:presLayoutVars>
+      </dgm:prSet>
+      <dgm:spPr/>
+    </dgm:pt>
+  </dgm:ptLst>
+  <dgm:cxnLst>
+    <dgm:cxn modelId="{604EFCE5-FB1E-40FA-BF06-300F593FD07B}" type="presOf" srcId="{34AC925F-1D6E-4543-AFB2-EA4F959D6A65}" destId="{2E613A4B-4AEC-43D1-B2CD-91759A8A8A43}" srcOrd="0" destOrd="0" presId="urn:microsoft.com/office/officeart/2005/8/layout/default"/>
+    <dgm:cxn modelId="{F39147B0-2EC7-4F9A-9F56-EBDC0C77FB58}" type="presOf" srcId="{DE5C8380-D856-41AF-BE8A-22DDDC2E60CD}" destId="{DF0449B5-FF59-4BCF-836A-626BACA7A9DD}" srcOrd="0" destOrd="0" presId="urn:microsoft.com/office/officeart/2005/8/layout/default"/>
+    <dgm:cxn modelId="{57C1FE8B-9D43-4A84-9967-ED3EFA4EADAE}" type="presOf" srcId="{67C25DCC-A7EC-4ADD-A44B-93147C6EDE35}" destId="{9F061ED2-4327-45B8-AEEE-002FEE24C26D}" srcOrd="0" destOrd="0" presId="urn:microsoft.com/office/officeart/2005/8/layout/default"/>
+    <dgm:cxn modelId="{275E89B0-A86A-49B8-909D-5B7C189D0003}" srcId="{67C25DCC-A7EC-4ADD-A44B-93147C6EDE35}" destId="{34AC925F-1D6E-4543-AFB2-EA4F959D6A65}" srcOrd="1" destOrd="0" parTransId="{C96C97F8-303B-4790-9267-99E78DE1027C}" sibTransId="{6CB0C62F-01F5-432C-AD93-2F234BEBF8E5}"/>
+    <dgm:cxn modelId="{87ACA2FD-F74D-4834-9F06-DF7F7051E395}" type="presOf" srcId="{D16C91B0-D3E5-4820-8F53-E60967A8BF35}" destId="{301A6D02-1F2B-4599-9D6B-3F92086250EC}" srcOrd="0" destOrd="0" presId="urn:microsoft.com/office/officeart/2005/8/layout/default"/>
+    <dgm:cxn modelId="{9BC98921-2966-4DF1-86FC-DB5596913536}" srcId="{67C25DCC-A7EC-4ADD-A44B-93147C6EDE35}" destId="{D16C91B0-D3E5-4820-8F53-E60967A8BF35}" srcOrd="3" destOrd="0" parTransId="{D3904FA1-B312-4835-8A67-B9C1805817E9}" sibTransId="{1883E58C-7EB7-4079-8913-61AB20C99F2E}"/>
+    <dgm:cxn modelId="{B718B0A8-FB1C-40C2-9E3E-5458CDC234D1}" srcId="{67C25DCC-A7EC-4ADD-A44B-93147C6EDE35}" destId="{DE5C8380-D856-41AF-BE8A-22DDDC2E60CD}" srcOrd="0" destOrd="0" parTransId="{E2F759E8-4CDC-46BC-97B0-5D0E9282499C}" sibTransId="{F22CB3D8-761E-4E0E-B4BE-AD53D190E50B}"/>
+    <dgm:cxn modelId="{E15F1C8D-E3EC-4853-A82E-61E1B70A49AB}" srcId="{67C25DCC-A7EC-4ADD-A44B-93147C6EDE35}" destId="{506CD2EB-4A1B-46BD-BEE0-7D3B932E38BA}" srcOrd="2" destOrd="0" parTransId="{FC02A905-9EEB-4262-9F78-A204EE5DC782}" sibTransId="{223A6FA0-E002-4168-BF56-249BF17895F7}"/>
+    <dgm:cxn modelId="{F06D920B-B9C4-4DC1-BE83-B2AD6B2D5CAE}" type="presOf" srcId="{506CD2EB-4A1B-46BD-BEE0-7D3B932E38BA}" destId="{500A1CB0-53AC-479C-975D-29358BF3A54E}" srcOrd="0" destOrd="0" presId="urn:microsoft.com/office/officeart/2005/8/layout/default"/>
+    <dgm:cxn modelId="{F69162F6-D958-46C0-B2D1-7338EE72B9F7}" type="presParOf" srcId="{9F061ED2-4327-45B8-AEEE-002FEE24C26D}" destId="{DF0449B5-FF59-4BCF-836A-626BACA7A9DD}" srcOrd="0" destOrd="0" presId="urn:microsoft.com/office/officeart/2005/8/layout/default"/>
+    <dgm:cxn modelId="{FE55CA9F-FC1C-46AE-968A-9F3B6BCF2E81}" type="presParOf" srcId="{9F061ED2-4327-45B8-AEEE-002FEE24C26D}" destId="{C5A61973-D579-4BB1-BAC6-B48A66B39627}" srcOrd="1" destOrd="0" presId="urn:microsoft.com/office/officeart/2005/8/layout/default"/>
+    <dgm:cxn modelId="{43331EBA-3AC7-479C-B730-5BA9B92353D4}" type="presParOf" srcId="{9F061ED2-4327-45B8-AEEE-002FEE24C26D}" destId="{2E613A4B-4AEC-43D1-B2CD-91759A8A8A43}" srcOrd="2" destOrd="0" presId="urn:microsoft.com/office/officeart/2005/8/layout/default"/>
+    <dgm:cxn modelId="{EBD2CDC4-0A41-4FBA-B0C5-3AA22C7E8E55}" type="presParOf" srcId="{9F061ED2-4327-45B8-AEEE-002FEE24C26D}" destId="{24B66693-2C85-4808-8F25-FA83EE61FE55}" srcOrd="3" destOrd="0" presId="urn:microsoft.com/office/officeart/2005/8/layout/default"/>
+    <dgm:cxn modelId="{BB0FCB54-7FF0-42A9-A1B0-B127942427A2}" type="presParOf" srcId="{9F061ED2-4327-45B8-AEEE-002FEE24C26D}" destId="{500A1CB0-53AC-479C-975D-29358BF3A54E}" srcOrd="4" destOrd="0" presId="urn:microsoft.com/office/officeart/2005/8/layout/default"/>
+    <dgm:cxn modelId="{5E0752B7-978C-4D44-885C-2BDAFA11E188}" type="presParOf" srcId="{9F061ED2-4327-45B8-AEEE-002FEE24C26D}" destId="{1A6A4B05-01BC-4325-80D1-D85805E27964}" srcOrd="5" destOrd="0" presId="urn:microsoft.com/office/officeart/2005/8/layout/default"/>
+    <dgm:cxn modelId="{8AB94583-4E17-4227-88F4-BE01AD57A653}" type="presParOf" srcId="{9F061ED2-4327-45B8-AEEE-002FEE24C26D}" destId="{301A6D02-1F2B-4599-9D6B-3F92086250EC}" srcOrd="6" destOrd="0" presId="urn:microsoft.com/office/officeart/2005/8/layout/default"/>
+  </dgm:cxnLst>
+  <dgm:bg/>
+  <dgm:whole/>
+  <dgm:extLst>
+    <a:ext uri="http://schemas.microsoft.com/office/drawing/2008/diagram">
+      <dsp:dataModelExt xmlns:dsp="http://schemas.microsoft.com/office/drawing/2008/diagram" relId="rId6" minVer="http://schemas.openxmlformats.org/drawingml/2006/diagram"/>
+    </a:ext>
+  </dgm:extLst>
+</dgm:dataModel>
+</file>
+
+<file path=ppt/diagrams/drawing1.xml><?xml version="1.0" encoding="utf-8"?>
+<dsp:drawing xmlns:dgm="http://schemas.openxmlformats.org/drawingml/2006/diagram" xmlns:dsp="http://schemas.microsoft.com/office/drawing/2008/diagram" xmlns:a="http://schemas.openxmlformats.org/drawingml/2006/main">
+  <dsp:spTree>
+    <dsp:nvGrpSpPr>
+      <dsp:cNvPr id="0" name=""/>
+      <dsp:cNvGrpSpPr/>
+    </dsp:nvGrpSpPr>
+    <dsp:grpSpPr/>
+    <dsp:sp modelId="{DF0449B5-FF59-4BCF-836A-626BACA7A9DD}">
+      <dsp:nvSpPr>
+        <dsp:cNvPr id="0" name=""/>
+        <dsp:cNvSpPr/>
+      </dsp:nvSpPr>
+      <dsp:spPr>
+        <a:xfrm>
+          <a:off x="3266" y="503737"/>
+          <a:ext cx="2591274" cy="1554764"/>
+        </a:xfrm>
+        <a:prstGeom prst="rect">
+          <a:avLst/>
+        </a:prstGeom>
+        <a:solidFill>
+          <a:schemeClr val="accent3">
+            <a:hueOff val="0"/>
+            <a:satOff val="0"/>
+            <a:lumOff val="0"/>
+            <a:alphaOff val="0"/>
+          </a:schemeClr>
+        </a:solidFill>
+        <a:ln w="25400" cap="flat" cmpd="sng" algn="ctr">
+          <a:solidFill>
+            <a:schemeClr val="lt1">
+              <a:hueOff val="0"/>
+              <a:satOff val="0"/>
+              <a:lumOff val="0"/>
+              <a:alphaOff val="0"/>
+            </a:schemeClr>
+          </a:solidFill>
+          <a:prstDash val="solid"/>
+        </a:ln>
+        <a:effectLst/>
+      </dsp:spPr>
+      <dsp:style>
+        <a:lnRef idx="2">
+          <a:scrgbClr r="0" g="0" b="0"/>
+        </a:lnRef>
+        <a:fillRef idx="1">
+          <a:scrgbClr r="0" g="0" b="0"/>
+        </a:fillRef>
+        <a:effectRef idx="0">
+          <a:scrgbClr r="0" g="0" b="0"/>
+        </a:effectRef>
+        <a:fontRef idx="minor">
+          <a:schemeClr val="lt1"/>
+        </a:fontRef>
+      </dsp:style>
+      <dsp:txBody>
+        <a:bodyPr spcFirstLastPara="0" vert="horz" wrap="square" lIns="125730" tIns="125730" rIns="125730" bIns="125730" numCol="1" spcCol="1270" anchor="ctr" anchorCtr="0">
+          <a:noAutofit/>
+        </a:bodyPr>
+        <a:lstStyle/>
+        <a:p>
+          <a:pPr lvl="0" algn="ctr" defTabSz="1466850" rtl="0">
+            <a:lnSpc>
+              <a:spcPct val="90000"/>
+            </a:lnSpc>
+            <a:spcBef>
+              <a:spcPct val="0"/>
+            </a:spcBef>
+            <a:spcAft>
+              <a:spcPct val="35000"/>
+            </a:spcAft>
+          </a:pPr>
+          <a:r>
+            <a:rPr lang="en-US" sz="3300" kern="1200" baseline="0" smtClean="0"/>
+            <a:t>Page Inspector</a:t>
+          </a:r>
+          <a:endParaRPr lang="en-US" sz="3300" kern="1200"/>
+        </a:p>
+      </dsp:txBody>
+      <dsp:txXfrm>
+        <a:off x="3266" y="503737"/>
+        <a:ext cx="2591274" cy="1554764"/>
+      </dsp:txXfrm>
+    </dsp:sp>
+    <dsp:sp modelId="{2E613A4B-4AEC-43D1-B2CD-91759A8A8A43}">
+      <dsp:nvSpPr>
+        <dsp:cNvPr id="0" name=""/>
+        <dsp:cNvSpPr/>
+      </dsp:nvSpPr>
+      <dsp:spPr>
+        <a:xfrm>
+          <a:off x="2853668" y="503737"/>
+          <a:ext cx="2591274" cy="1554764"/>
+        </a:xfrm>
+        <a:prstGeom prst="rect">
+          <a:avLst/>
+        </a:prstGeom>
+        <a:solidFill>
+          <a:schemeClr val="accent3">
+            <a:hueOff val="-4448485"/>
+            <a:satOff val="0"/>
+            <a:lumOff val="3464"/>
+            <a:alphaOff val="0"/>
+          </a:schemeClr>
+        </a:solidFill>
+        <a:ln w="25400" cap="flat" cmpd="sng" algn="ctr">
+          <a:solidFill>
+            <a:schemeClr val="lt1">
+              <a:hueOff val="0"/>
+              <a:satOff val="0"/>
+              <a:lumOff val="0"/>
+              <a:alphaOff val="0"/>
+            </a:schemeClr>
+          </a:solidFill>
+          <a:prstDash val="solid"/>
+        </a:ln>
+        <a:effectLst/>
+      </dsp:spPr>
+      <dsp:style>
+        <a:lnRef idx="2">
+          <a:scrgbClr r="0" g="0" b="0"/>
+        </a:lnRef>
+        <a:fillRef idx="1">
+          <a:scrgbClr r="0" g="0" b="0"/>
+        </a:fillRef>
+        <a:effectRef idx="0">
+          <a:scrgbClr r="0" g="0" b="0"/>
+        </a:effectRef>
+        <a:fontRef idx="minor">
+          <a:schemeClr val="lt1"/>
+        </a:fontRef>
+      </dsp:style>
+      <dsp:txBody>
+        <a:bodyPr spcFirstLastPara="0" vert="horz" wrap="square" lIns="125730" tIns="125730" rIns="125730" bIns="125730" numCol="1" spcCol="1270" anchor="ctr" anchorCtr="0">
+          <a:noAutofit/>
+        </a:bodyPr>
+        <a:lstStyle/>
+        <a:p>
+          <a:pPr lvl="0" algn="ctr" defTabSz="1466850" rtl="0">
+            <a:lnSpc>
+              <a:spcPct val="90000"/>
+            </a:lnSpc>
+            <a:spcBef>
+              <a:spcPct val="0"/>
+            </a:spcBef>
+            <a:spcAft>
+              <a:spcPct val="35000"/>
+            </a:spcAft>
+          </a:pPr>
+          <a:r>
+            <a:rPr lang="en-US" sz="3300" kern="1200" baseline="0" smtClean="0"/>
+            <a:t>CSS and HTML editor</a:t>
+          </a:r>
+          <a:endParaRPr lang="en-US" sz="3300" kern="1200"/>
+        </a:p>
+      </dsp:txBody>
+      <dsp:txXfrm>
+        <a:off x="2853668" y="503737"/>
+        <a:ext cx="2591274" cy="1554764"/>
+      </dsp:txXfrm>
+    </dsp:sp>
+    <dsp:sp modelId="{500A1CB0-53AC-479C-975D-29358BF3A54E}">
+      <dsp:nvSpPr>
+        <dsp:cNvPr id="0" name=""/>
+        <dsp:cNvSpPr/>
+      </dsp:nvSpPr>
+      <dsp:spPr>
+        <a:xfrm>
+          <a:off x="5704070" y="503737"/>
+          <a:ext cx="2591274" cy="1554764"/>
+        </a:xfrm>
+        <a:prstGeom prst="rect">
+          <a:avLst/>
+        </a:prstGeom>
+        <a:solidFill>
+          <a:schemeClr val="accent3">
+            <a:hueOff val="-8896970"/>
+            <a:satOff val="0"/>
+            <a:lumOff val="6928"/>
+            <a:alphaOff val="0"/>
+          </a:schemeClr>
+        </a:solidFill>
+        <a:ln w="25400" cap="flat" cmpd="sng" algn="ctr">
+          <a:solidFill>
+            <a:schemeClr val="lt1">
+              <a:hueOff val="0"/>
+              <a:satOff val="0"/>
+              <a:lumOff val="0"/>
+              <a:alphaOff val="0"/>
+            </a:schemeClr>
+          </a:solidFill>
+          <a:prstDash val="solid"/>
+        </a:ln>
+        <a:effectLst/>
+      </dsp:spPr>
+      <dsp:style>
+        <a:lnRef idx="2">
+          <a:scrgbClr r="0" g="0" b="0"/>
+        </a:lnRef>
+        <a:fillRef idx="1">
+          <a:scrgbClr r="0" g="0" b="0"/>
+        </a:fillRef>
+        <a:effectRef idx="0">
+          <a:scrgbClr r="0" g="0" b="0"/>
+        </a:effectRef>
+        <a:fontRef idx="minor">
+          <a:schemeClr val="lt1"/>
+        </a:fontRef>
+      </dsp:style>
+      <dsp:txBody>
+        <a:bodyPr spcFirstLastPara="0" vert="horz" wrap="square" lIns="125730" tIns="125730" rIns="125730" bIns="125730" numCol="1" spcCol="1270" anchor="ctr" anchorCtr="0">
+          <a:noAutofit/>
+        </a:bodyPr>
+        <a:lstStyle/>
+        <a:p>
+          <a:pPr lvl="0" algn="ctr" defTabSz="1466850" rtl="0">
+            <a:lnSpc>
+              <a:spcPct val="90000"/>
+            </a:lnSpc>
+            <a:spcBef>
+              <a:spcPct val="0"/>
+            </a:spcBef>
+            <a:spcAft>
+              <a:spcPct val="35000"/>
+            </a:spcAft>
+          </a:pPr>
+          <a:r>
+            <a:rPr lang="en-US" sz="3300" kern="1200" baseline="0" smtClean="0"/>
+            <a:t>JavaScript editor</a:t>
+          </a:r>
+          <a:endParaRPr lang="en-US" sz="3300" kern="1200"/>
+        </a:p>
+      </dsp:txBody>
+      <dsp:txXfrm>
+        <a:off x="5704070" y="503737"/>
+        <a:ext cx="2591274" cy="1554764"/>
+      </dsp:txXfrm>
+    </dsp:sp>
+    <dsp:sp modelId="{301A6D02-1F2B-4599-9D6B-3F92086250EC}">
+      <dsp:nvSpPr>
+        <dsp:cNvPr id="0" name=""/>
+        <dsp:cNvSpPr/>
+      </dsp:nvSpPr>
+      <dsp:spPr>
+        <a:xfrm>
+          <a:off x="8554472" y="503737"/>
+          <a:ext cx="2591274" cy="1554764"/>
+        </a:xfrm>
+        <a:prstGeom prst="rect">
+          <a:avLst/>
+        </a:prstGeom>
+        <a:solidFill>
+          <a:schemeClr val="accent3">
+            <a:hueOff val="-13345455"/>
+            <a:satOff val="0"/>
+            <a:lumOff val="10392"/>
+            <a:alphaOff val="0"/>
+          </a:schemeClr>
+        </a:solidFill>
+        <a:ln w="25400" cap="flat" cmpd="sng" algn="ctr">
+          <a:solidFill>
+            <a:schemeClr val="lt1">
+              <a:hueOff val="0"/>
+              <a:satOff val="0"/>
+              <a:lumOff val="0"/>
+              <a:alphaOff val="0"/>
+            </a:schemeClr>
+          </a:solidFill>
+          <a:prstDash val="solid"/>
+        </a:ln>
+        <a:effectLst/>
+      </dsp:spPr>
+      <dsp:style>
+        <a:lnRef idx="2">
+          <a:scrgbClr r="0" g="0" b="0"/>
+        </a:lnRef>
+        <a:fillRef idx="1">
+          <a:scrgbClr r="0" g="0" b="0"/>
+        </a:fillRef>
+        <a:effectRef idx="0">
+          <a:scrgbClr r="0" g="0" b="0"/>
+        </a:effectRef>
+        <a:fontRef idx="minor">
+          <a:schemeClr val="lt1"/>
+        </a:fontRef>
+      </dsp:style>
+      <dsp:txBody>
+        <a:bodyPr spcFirstLastPara="0" vert="horz" wrap="square" lIns="125730" tIns="125730" rIns="125730" bIns="125730" numCol="1" spcCol="1270" anchor="ctr" anchorCtr="0">
+          <a:noAutofit/>
+        </a:bodyPr>
+        <a:lstStyle/>
+        <a:p>
+          <a:pPr lvl="0" algn="ctr" defTabSz="1466850" rtl="0">
+            <a:lnSpc>
+              <a:spcPct val="90000"/>
+            </a:lnSpc>
+            <a:spcBef>
+              <a:spcPct val="0"/>
+            </a:spcBef>
+            <a:spcAft>
+              <a:spcPct val="35000"/>
+            </a:spcAft>
+          </a:pPr>
+          <a:r>
+            <a:rPr lang="en-US" sz="3300" kern="1200" baseline="0" smtClean="0"/>
+            <a:t>Web Essentials</a:t>
+          </a:r>
+          <a:endParaRPr lang="en-US" sz="3300" kern="1200"/>
+        </a:p>
+      </dsp:txBody>
+      <dsp:txXfrm>
+        <a:off x="8554472" y="503737"/>
+        <a:ext cx="2591274" cy="1554764"/>
+      </dsp:txXfrm>
+    </dsp:sp>
+  </dsp:spTree>
+</dsp:drawing>
+</file>
+
+<file path=ppt/diagrams/layout1.xml><?xml version="1.0" encoding="utf-8"?>
+<dgm:layoutDef xmlns:dgm="http://schemas.openxmlformats.org/drawingml/2006/diagram" xmlns:a="http://schemas.openxmlformats.org/drawingml/2006/main" uniqueId="urn:microsoft.com/office/officeart/2005/8/layout/default">
+  <dgm:title val=""/>
+  <dgm:desc val=""/>
+  <dgm:catLst>
+    <dgm:cat type="list" pri="400"/>
+  </dgm:catLst>
+  <dgm:sampData>
+    <dgm:dataModel>
+      <dgm:ptLst>
+        <dgm:pt modelId="0" type="doc"/>
+        <dgm:pt modelId="1">
+          <dgm:prSet phldr="1"/>
+        </dgm:pt>
+        <dgm:pt modelId="2">
+          <dgm:prSet phldr="1"/>
+        </dgm:pt>
+        <dgm:pt modelId="3">
+          <dgm:prSet phldr="1"/>
+        </dgm:pt>
+        <dgm:pt modelId="4">
+          <dgm:prSet phldr="1"/>
+        </dgm:pt>
+        <dgm:pt modelId="5">
+          <dgm:prSet phldr="1"/>
+        </dgm:pt>
+      </dgm:ptLst>
+      <dgm:cxnLst>
+        <dgm:cxn modelId="6" srcId="0" destId="1" srcOrd="0" destOrd="0"/>
+        <dgm:cxn modelId="7" srcId="0" destId="2" srcOrd="1" destOrd="0"/>
+        <dgm:cxn modelId="8" srcId="0" destId="3" srcOrd="2" destOrd="0"/>
+        <dgm:cxn modelId="9" srcId="0" destId="4" srcOrd="3" destOrd="0"/>
+        <dgm:cxn modelId="10" srcId="0" destId="5" srcOrd="4" destOrd="0"/>
+      </dgm:cxnLst>
+      <dgm:bg/>
+      <dgm:whole/>
+    </dgm:dataModel>
+  </dgm:sampData>
+  <dgm:styleData>
+    <dgm:dataModel>
+      <dgm:ptLst>
+        <dgm:pt modelId="0" type="doc"/>
+        <dgm:pt modelId="1"/>
+        <dgm:pt modelId="2"/>
+      </dgm:ptLst>
+      <dgm:cxnLst>
+        <dgm:cxn modelId="3" srcId="0" destId="1" srcOrd="0" destOrd="0"/>
+        <dgm:cxn modelId="4" srcId="0" destId="2" srcOrd="1" destOrd="0"/>
+      </dgm:cxnLst>
+      <dgm:bg/>
+      <dgm:whole/>
+    </dgm:dataModel>
+  </dgm:styleData>
+  <dgm:clrData>
+    <dgm:dataModel>
+      <dgm:ptLst>
+        <dgm:pt modelId="0" type="doc"/>
+        <dgm:pt modelId="1"/>
+        <dgm:pt modelId="2"/>
+        <dgm:pt modelId="3"/>
+        <dgm:pt modelId="4"/>
+        <dgm:pt modelId="5"/>
+        <dgm:pt modelId="6"/>
+      </dgm:ptLst>
+      <dgm:cxnLst>
+        <dgm:cxn modelId="7" srcId="0" destId="1" srcOrd="0" destOrd="0"/>
+        <dgm:cxn modelId="8" srcId="0" destId="2" srcOrd="1" destOrd="0"/>
+        <dgm:cxn modelId="9" srcId="0" destId="3" srcOrd="2" destOrd="0"/>
+        <dgm:cxn modelId="10" srcId="0" destId="4" srcOrd="3" destOrd="0"/>
+        <dgm:cxn modelId="11" srcId="0" destId="5" srcOrd="4" destOrd="0"/>
+        <dgm:cxn modelId="12" srcId="0" destId="6" srcOrd="5" destOrd="0"/>
+      </dgm:cxnLst>
+      <dgm:bg/>
+      <dgm:whole/>
+    </dgm:dataModel>
+  </dgm:clrData>
+  <dgm:layoutNode name="diagram">
+    <dgm:varLst>
+      <dgm:dir/>
+      <dgm:resizeHandles val="exact"/>
+    </dgm:varLst>
+    <dgm:choose name="Name0">
+      <dgm:if name="Name1" func="var" arg="dir" op="equ" val="norm">
+        <dgm:alg type="snake">
+          <dgm:param type="grDir" val="tL"/>
+          <dgm:param type="flowDir" val="row"/>
+          <dgm:param type="contDir" val="sameDir"/>
+          <dgm:param type="off" val="ctr"/>
+        </dgm:alg>
+      </dgm:if>
+      <dgm:else name="Name2">
+        <dgm:alg type="snake">
+          <dgm:param type="grDir" val="tR"/>
+          <dgm:param type="flowDir" val="row"/>
+          <dgm:param type="contDir" val="sameDir"/>
+          <dgm:param type="off" val="ctr"/>
+        </dgm:alg>
+      </dgm:else>
+    </dgm:choose>
+    <dgm:shape xmlns:r="http://schemas.openxmlformats.org/officeDocument/2006/relationships" r:blip="">
+      <dgm:adjLst/>
+    </dgm:shape>
+    <dgm:presOf/>
+    <dgm:constrLst>
+      <dgm:constr type="w" for="ch" forName="node" refType="w"/>
+      <dgm:constr type="h" for="ch" forName="node" refType="w" refFor="ch" refForName="node" fact="0.6"/>
+      <dgm:constr type="w" for="ch" forName="sibTrans" refType="w" refFor="ch" refForName="node" fact="0.1"/>
+      <dgm:constr type="sp" refType="w" refFor="ch" refForName="sibTrans"/>
+      <dgm:constr type="primFontSz" for="ch" forName="node" op="equ" val="65"/>
+    </dgm:constrLst>
+    <dgm:ruleLst/>
+    <dgm:forEach name="Name3" axis="ch" ptType="node">
+      <dgm:layoutNode name="node">
+        <dgm:varLst>
+          <dgm:bulletEnabled val="1"/>
+        </dgm:varLst>
+        <dgm:alg type="tx"/>
+        <dgm:shape xmlns:r="http://schemas.openxmlformats.org/officeDocument/2006/relationships" type="rect" r:blip="">
+          <dgm:adjLst/>
+        </dgm:shape>
+        <dgm:presOf axis="desOrSelf" ptType="node"/>
+        <dgm:constrLst>
+          <dgm:constr type="lMarg" refType="primFontSz" fact="0.3"/>
+          <dgm:constr type="rMarg" refType="primFontSz" fact="0.3"/>
+          <dgm:constr type="tMarg" refType="primFontSz" fact="0.3"/>
+          <dgm:constr type="bMarg" refType="primFontSz" fact="0.3"/>
+        </dgm:constrLst>
+        <dgm:ruleLst>
+          <dgm:rule type="primFontSz" val="5" fact="NaN" max="NaN"/>
+        </dgm:ruleLst>
+      </dgm:layoutNode>
+      <dgm:forEach name="Name4" axis="followSib" ptType="sibTrans" cnt="1">
+        <dgm:layoutNode name="sibTrans">
+          <dgm:alg type="sp"/>
+          <dgm:shape xmlns:r="http://schemas.openxmlformats.org/officeDocument/2006/relationships" r:blip="">
+            <dgm:adjLst/>
+          </dgm:shape>
+          <dgm:presOf/>
+          <dgm:constrLst/>
+          <dgm:ruleLst/>
+        </dgm:layoutNode>
+      </dgm:forEach>
+    </dgm:forEach>
+  </dgm:layoutNode>
+</dgm:layoutDef>
+</file>
+
+<file path=ppt/diagrams/quickStyle1.xml><?xml version="1.0" encoding="utf-8"?>
+<dgm:styleDef xmlns:dgm="http://schemas.openxmlformats.org/drawingml/2006/diagram" xmlns:a="http://schemas.openxmlformats.org/drawingml/2006/main" uniqueId="urn:microsoft.com/office/officeart/2005/8/quickstyle/simple1">
+  <dgm:title val=""/>
+  <dgm:desc val=""/>
+  <dgm:catLst>
+    <dgm:cat type="simple" pri="10100"/>
+  </dgm:catLst>
+  <dgm:scene3d>
+    <a:camera prst="orthographicFront"/>
+    <a:lightRig rig="threePt" dir="t"/>
+  </dgm:scene3d>
+  <dgm:styleLbl name="node0">
+    <dgm:scene3d>
+      <a:camera prst="orthographicFront"/>
+      <a:lightRig rig="threePt" dir="t"/>
+    </dgm:scene3d>
+    <dgm:sp3d/>
+    <dgm:txPr/>
+    <dgm:style>
+      <a:lnRef idx="2">
+        <a:scrgbClr r="0" g="0" b="0"/>
+      </a:lnRef>
+      <a:fillRef idx="1">
+        <a:scrgbClr r="0" g="0" b="0"/>
+      </a:fillRef>
+      <a:effectRef idx="0">
+        <a:scrgbClr r="0" g="0" b="0"/>
+      </a:effectRef>
+      <a:fontRef idx="minor">
+        <a:schemeClr val="lt1"/>
+      </a:fontRef>
+    </dgm:style>
+  </dgm:styleLbl>
+  <dgm:styleLbl name="lnNode1">
+    <dgm:scene3d>
+      <a:camera prst="orthographicFront"/>
+      <a:lightRig rig="threePt" dir="t"/>
+    </dgm:scene3d>
+    <dgm:sp3d/>
+    <dgm:txPr/>
+    <dgm:style>
+      <a:lnRef idx="2">
+        <a:scrgbClr r="0" g="0" b="0"/>
+      </a:lnRef>
+      <a:fillRef idx="1">
+        <a:scrgbClr r="0" g="0" b="0"/>
+      </a:fillRef>
+      <a:effectRef idx="0">
+        <a:scrgbClr r="0" g="0" b="0"/>
+      </a:effectRef>
+      <a:fontRef idx="minor">
+        <a:schemeClr val="lt1"/>
+      </a:fontRef>
+    </dgm:style>
+  </dgm:styleLbl>
+  <dgm:styleLbl name="vennNode1">
+    <dgm:scene3d>
+      <a:camera prst="orthographicFront"/>
+      <a:lightRig rig="threePt" dir="t"/>
+    </dgm:scene3d>
+    <dgm:sp3d/>
+    <dgm:txPr/>
+    <dgm:style>
+      <a:lnRef idx="2">
+        <a:scrgbClr r="0" g="0" b="0"/>
+      </a:lnRef>
+      <a:fillRef idx="1">
+        <a:scrgbClr r="0" g="0" b="0"/>
+      </a:fillRef>
+      <a:effectRef idx="0">
+        <a:scrgbClr r="0" g="0" b="0"/>
+      </a:effectRef>
+      <a:fontRef idx="minor">
+        <a:schemeClr val="tx1"/>
+      </a:fontRef>
+    </dgm:style>
+  </dgm:styleLbl>
+  <dgm:styleLbl name="alignNode1">
+    <dgm:scene3d>
+      <a:camera prst="orthographicFront"/>
+      <a:lightRig rig="threePt" dir="t"/>
+    </dgm:scene3d>
+    <dgm:sp3d/>
+    <dgm:txPr/>
+    <dgm:style>
+      <a:lnRef idx="2">
+        <a:scrgbClr r="0" g="0" b="0"/>
+      </a:lnRef>
+      <a:fillRef idx="1">
+        <a:scrgbClr r="0" g="0" b="0"/>
+      </a:fillRef>
+      <a:effectRef idx="0">
+        <a:scrgbClr r="0" g="0" b="0"/>
+      </a:effectRef>
+      <a:fontRef idx="minor">
+        <a:schemeClr val="lt1"/>
+      </a:fontRef>
+    </dgm:style>
+  </dgm:styleLbl>
+  <dgm:styleLbl name="node1">
+    <dgm:scene3d>
+      <a:camera prst="orthographicFront"/>
+      <a:lightRig rig="threePt" dir="t"/>
+    </dgm:scene3d>
+    <dgm:sp3d/>
+    <dgm:txPr/>
+    <dgm:style>
+      <a:lnRef idx="2">
+        <a:scrgbClr r="0" g="0" b="0"/>
+      </a:lnRef>
+      <a:fillRef idx="1">
+        <a:scrgbClr r="0" g="0" b="0"/>
+      </a:fillRef>
+      <a:effectRef idx="0">
+        <a:scrgbClr r="0" g="0" b="0"/>
+      </a:effectRef>
+      <a:fontRef idx="minor">
+        <a:schemeClr val="lt1"/>
+      </a:fontRef>
+    </dgm:style>
+  </dgm:styleLbl>
+  <dgm:styleLbl name="node2">
+    <dgm:scene3d>
+      <a:camera prst="orthographicFront"/>
+      <a:lightRig rig="threePt" dir="t"/>
+    </dgm:scene3d>
+    <dgm:sp3d/>
+    <dgm:txPr/>
+    <dgm:style>
+      <a:lnRef idx="2">
+        <a:scrgbClr r="0" g="0" b="0"/>
+      </a:lnRef>
+      <a:fillRef idx="1">
+        <a:scrgbClr r="0" g="0" b="0"/>
+      </a:fillRef>
+      <a:effectRef idx="0">
+        <a:scrgbClr r="0" g="0" b="0"/>
+      </a:effectRef>
+      <a:fontRef idx="minor">
+        <a:schemeClr val="lt1"/>
+      </a:fontRef>
+    </dgm:style>
+  </dgm:styleLbl>
+  <dgm:styleLbl name="node3">
+    <dgm:scene3d>
+      <a:camera prst="orthographicFront"/>
+      <a:lightRig rig="threePt" dir="t"/>
+    </dgm:scene3d>
+    <dgm:sp3d/>
+    <dgm:txPr/>
+    <dgm:style>
+      <a:lnRef idx="2">
+        <a:scrgbClr r="0" g="0" b="0"/>
+      </a:lnRef>
+      <a:fillRef idx="1">
+        <a:scrgbClr r="0" g="0" b="0"/>
+      </a:fillRef>
+      <a:effectRef idx="0">
+        <a:scrgbClr r="0" g="0" b="0"/>
+      </a:effectRef>
+      <a:fontRef idx="minor">
+        <a:schemeClr val="lt1"/>
+      </a:fontRef>
+    </dgm:style>
+  </dgm:styleLbl>
+  <dgm:styleLbl name="node4">
+    <dgm:scene3d>
+      <a:camera prst="orthographicFront"/>
+      <a:lightRig rig="threePt" dir="t"/>
+    </dgm:scene3d>
+    <dgm:sp3d/>
+    <dgm:txPr/>
+    <dgm:style>
+      <a:lnRef idx="2">
+        <a:scrgbClr r="0" g="0" b="0"/>
+      </a:lnRef>
+      <a:fillRef idx="1">
+        <a:scrgbClr r="0" g="0" b="0"/>
+      </a:fillRef>
+      <a:effectRef idx="0">
+        <a:scrgbClr r="0" g="0" b="0"/>
+      </a:effectRef>
+      <a:fontRef idx="minor">
+        <a:schemeClr val="lt1"/>
+      </a:fontRef>
+    </dgm:style>
+  </dgm:styleLbl>
+  <dgm:styleLbl name="fgImgPlace1">
+    <dgm:scene3d>
+      <a:camera prst="orthographicFront"/>
+      <a:lightRig rig="threePt" dir="t"/>
+    </dgm:scene3d>
+    <dgm:sp3d/>
+    <dgm:txPr/>
+    <dgm:style>
+      <a:lnRef idx="2">
+        <a:scrgbClr r="0" g="0" b="0"/>
+      </a:lnRef>
+      <a:fillRef idx="1">
+        <a:scrgbClr r="0" g="0" b="0"/>
+      </a:fillRef>
+      <a:effectRef idx="0">
+        <a:scrgbClr r="0" g="0" b="0"/>
+      </a:effectRef>
+      <a:fontRef idx="minor"/>
+    </dgm:style>
+  </dgm:styleLbl>
+  <dgm:styleLbl name="alignImgPlace1">
+    <dgm:scene3d>
+      <a:camera prst="orthographicFront"/>
+      <a:lightRig rig="threePt" dir="t"/>
+    </dgm:scene3d>
+    <dgm:sp3d/>
+    <dgm:txPr/>
+    <dgm:style>
+      <a:lnRef idx="2">
+        <a:scrgbClr r="0" g="0" b="0"/>
+      </a:lnRef>
+      <a:fillRef idx="1">
+        <a:scrgbClr r="0" g="0" b="0"/>
+      </a:fillRef>
+      <a:effectRef idx="0">
+        <a:scrgbClr r="0" g="0" b="0"/>
+      </a:effectRef>
+      <a:fontRef idx="minor"/>
+    </dgm:style>
+  </dgm:styleLbl>
+  <dgm:styleLbl name="bgImgPlace1">
+    <dgm:scene3d>
+      <a:camera prst="orthographicFront"/>
+      <a:lightRig rig="threePt" dir="t"/>
+    </dgm:scene3d>
+    <dgm:sp3d/>
+    <dgm:txPr/>
+    <dgm:style>
+      <a:lnRef idx="2">
+        <a:scrgbClr r="0" g="0" b="0"/>
+      </a:lnRef>
+      <a:fillRef idx="1">
+        <a:scrgbClr r="0" g="0" b="0"/>
+      </a:fillRef>
+      <a:effectRef idx="0">
+        <a:scrgbClr r="0" g="0" b="0"/>
+      </a:effectRef>
+      <a:fontRef idx="minor"/>
+    </dgm:style>
+  </dgm:styleLbl>
+  <dgm:styleLbl name="sibTrans2D1">
+    <dgm:scene3d>
+      <a:camera prst="orthographicFront"/>
+      <a:lightRig rig="threePt" dir="t"/>
+    </dgm:scene3d>
+    <dgm:sp3d/>
+    <dgm:txPr/>
+    <dgm:style>
+      <a:lnRef idx="0">
+        <a:scrgbClr r="0" g="0" b="0"/>
+      </a:lnRef>
+      <a:fillRef idx="1">
+        <a:scrgbClr r="0" g="0" b="0"/>
+      </a:fillRef>
+      <a:effectRef idx="0">
+        <a:scrgbClr r="0" g="0" b="0"/>
+      </a:effectRef>
+      <a:fontRef idx="minor">
+        <a:schemeClr val="lt1"/>
+      </a:fontRef>
+    </dgm:style>
+  </dgm:styleLbl>
+  <dgm:styleLbl name="fgSibTrans2D1">
+    <dgm:scene3d>
+      <a:camera prst="orthographicFront"/>
+      <a:lightRig rig="threePt" dir="t"/>
+    </dgm:scene3d>
+    <dgm:sp3d/>
+    <dgm:txPr/>
+    <dgm:style>
+      <a:lnRef idx="0">
+        <a:scrgbClr r="0" g="0" b="0"/>
+      </a:lnRef>
+      <a:fillRef idx="1">
+        <a:scrgbClr r="0" g="0" b="0"/>
+      </a:fillRef>
+      <a:effectRef idx="0">
+        <a:scrgbClr r="0" g="0" b="0"/>
+      </a:effectRef>
+      <a:fontRef idx="minor">
+        <a:schemeClr val="lt1"/>
+      </a:fontRef>
+    </dgm:style>
+  </dgm:styleLbl>
+  <dgm:styleLbl name="bgSibTrans2D1">
+    <dgm:scene3d>
+      <a:camera prst="orthographicFront"/>
+      <a:lightRig rig="threePt" dir="t"/>
+    </dgm:scene3d>
+    <dgm:sp3d/>
+    <dgm:txPr/>
+    <dgm:style>
+      <a:lnRef idx="0">
+        <a:scrgbClr r="0" g="0" b="0"/>
+      </a:lnRef>
+      <a:fillRef idx="1">
+        <a:scrgbClr r="0" g="0" b="0"/>
+      </a:fillRef>
+      <a:effectRef idx="0">
+        <a:scrgbClr r="0" g="0" b="0"/>
+      </a:effectRef>
+      <a:fontRef idx="minor">
+        <a:schemeClr val="lt1"/>
+      </a:fontRef>
+    </dgm:style>
+  </dgm:styleLbl>
+  <dgm:styleLbl name="sibTrans1D1">
+    <dgm:scene3d>
+      <a:camera prst="orthographicFront"/>
+      <a:lightRig rig="threePt" dir="t"/>
+    </dgm:scene3d>
+    <dgm:sp3d/>
+    <dgm:txPr/>
+    <dgm:style>
+      <a:lnRef idx="1">
+        <a:scrgbClr r="0" g="0" b="0"/>
+      </a:lnRef>
+      <a:fillRef idx="0">
+        <a:scrgbClr r="0" g="0" b="0"/>
+      </a:fillRef>
+      <a:effectRef idx="0">
+        <a:scrgbClr r="0" g="0" b="0"/>
+      </a:effectRef>
+      <a:fontRef idx="minor"/>
+    </dgm:style>
+  </dgm:styleLbl>
+  <dgm:styleLbl name="callout">
+    <dgm:scene3d>
+      <a:camera prst="orthographicFront"/>
+      <a:lightRig rig="threePt" dir="t"/>
+    </dgm:scene3d>
+    <dgm:sp3d/>
+    <dgm:txPr/>
+    <dgm:style>
+      <a:lnRef idx="2">
+        <a:scrgbClr r="0" g="0" b="0"/>
+      </a:lnRef>
+      <a:fillRef idx="1">
+        <a:scrgbClr r="0" g="0" b="0"/>
+      </a:fillRef>
+      <a:effectRef idx="0">
+        <a:scrgbClr r="0" g="0" b="0"/>
+      </a:effectRef>
+      <a:fontRef idx="minor"/>
+    </dgm:style>
+  </dgm:styleLbl>
+  <dgm:styleLbl name="asst0">
+    <dgm:scene3d>
+      <a:camera prst="orthographicFront"/>
+      <a:lightRig rig="threePt" dir="t"/>
+    </dgm:scene3d>
+    <dgm:sp3d/>
+    <dgm:txPr/>
+    <dgm:style>
+      <a:lnRef idx="2">
+        <a:scrgbClr r="0" g="0" b="0"/>
+      </a:lnRef>
+      <a:fillRef idx="1">
+        <a:scrgbClr r="0" g="0" b="0"/>
+      </a:fillRef>
+      <a:effectRef idx="0">
+        <a:scrgbClr r="0" g="0" b="0"/>
+      </a:effectRef>
+      <a:fontRef idx="minor">
+        <a:schemeClr val="lt1"/>
+      </a:fontRef>
+    </dgm:style>
+  </dgm:styleLbl>
+  <dgm:styleLbl name="asst1">
+    <dgm:scene3d>
+      <a:camera prst="orthographicFront"/>
+      <a:lightRig rig="threePt" dir="t"/>
+    </dgm:scene3d>
+    <dgm:sp3d/>
+    <dgm:txPr/>
+    <dgm:style>
+      <a:lnRef idx="2">
+        <a:scrgbClr r="0" g="0" b="0"/>
+      </a:lnRef>
+      <a:fillRef idx="1">
+        <a:scrgbClr r="0" g="0" b="0"/>
+      </a:fillRef>
+      <a:effectRef idx="0">
+        <a:scrgbClr r="0" g="0" b="0"/>
+      </a:effectRef>
+      <a:fontRef idx="minor">
+        <a:schemeClr val="lt1"/>
+      </a:fontRef>
+    </dgm:style>
+  </dgm:styleLbl>
+  <dgm:styleLbl name="asst2">
+    <dgm:scene3d>
+      <a:camera prst="orthographicFront"/>
+      <a:lightRig rig="threePt" dir="t"/>
+    </dgm:scene3d>
+    <dgm:sp3d/>
+    <dgm:txPr/>
+    <dgm:style>
+      <a:lnRef idx="2">
+        <a:scrgbClr r="0" g="0" b="0"/>
+      </a:lnRef>
+      <a:fillRef idx="1">
+        <a:scrgbClr r="0" g="0" b="0"/>
+      </a:fillRef>
+      <a:effectRef idx="0">
+        <a:scrgbClr r="0" g="0" b="0"/>
+      </a:effectRef>
+      <a:fontRef idx="minor">
+        <a:schemeClr val="lt1"/>
+      </a:fontRef>
+    </dgm:style>
+  </dgm:styleLbl>
+  <dgm:styleLbl name="asst3">
+    <dgm:scene3d>
+      <a:camera prst="orthographicFront"/>
+      <a:lightRig rig="threePt" dir="t"/>
+    </dgm:scene3d>
+    <dgm:sp3d/>
+    <dgm:txPr/>
+    <dgm:style>
+      <a:lnRef idx="2">
+        <a:scrgbClr r="0" g="0" b="0"/>
+      </a:lnRef>
+      <a:fillRef idx="1">
+        <a:scrgbClr r="0" g="0" b="0"/>
+      </a:fillRef>
+      <a:effectRef idx="0">
+        <a:scrgbClr r="0" g="0" b="0"/>
+      </a:effectRef>
+      <a:fontRef idx="minor">
+        <a:schemeClr val="lt1"/>
+      </a:fontRef>
+    </dgm:style>
+  </dgm:styleLbl>
+  <dgm:styleLbl name="asst4">
+    <dgm:scene3d>
+      <a:camera prst="orthographicFront"/>
+      <a:lightRig rig="threePt" dir="t"/>
+    </dgm:scene3d>
+    <dgm:sp3d/>
+    <dgm:txPr/>
+    <dgm:style>
+      <a:lnRef idx="2">
+        <a:scrgbClr r="0" g="0" b="0"/>
+      </a:lnRef>
+      <a:fillRef idx="1">
+        <a:scrgbClr r="0" g="0" b="0"/>
+      </a:fillRef>
+      <a:effectRef idx="0">
+        <a:scrgbClr r="0" g="0" b="0"/>
+      </a:effectRef>
+      <a:fontRef idx="minor">
+        <a:schemeClr val="lt1"/>
+      </a:fontRef>
+    </dgm:style>
+  </dgm:styleLbl>
+  <dgm:styleLbl name="parChTrans2D1">
+    <dgm:scene3d>
+      <a:camera prst="orthographicFront"/>
+      <a:lightRig rig="threePt" dir="t"/>
+    </dgm:scene3d>
+    <dgm:sp3d/>
+    <dgm:txPr/>
+    <dgm:style>
+      <a:lnRef idx="2">
+        <a:scrgbClr r="0" g="0" b="0"/>
+      </a:lnRef>
+      <a:fillRef idx="1">
+        <a:scrgbClr r="0" g="0" b="0"/>
+      </a:fillRef>
+      <a:effectRef idx="0">
+        <a:scrgbClr r="0" g="0" b="0"/>
+      </a:effectRef>
+      <a:fontRef idx="minor">
+        <a:schemeClr val="lt1"/>
+      </a:fontRef>
+    </dgm:style>
+  </dgm:styleLbl>
+  <dgm:styleLbl name="parChTrans2D2">
+    <dgm:scene3d>
+      <a:camera prst="orthographicFront"/>
+      <a:lightRig rig="threePt" dir="t"/>
+    </dgm:scene3d>
+    <dgm:sp3d/>
+    <dgm:txPr/>
+    <dgm:style>
+      <a:lnRef idx="2">
+        <a:scrgbClr r="0" g="0" b="0"/>
+      </a:lnRef>
+      <a:fillRef idx="1">
+        <a:scrgbClr r="0" g="0" b="0"/>
+      </a:fillRef>
+      <a:effectRef idx="0">
+        <a:scrgbClr r="0" g="0" b="0"/>
+      </a:effectRef>
+      <a:fontRef idx="minor">
+        <a:schemeClr val="lt1"/>
+      </a:fontRef>
+    </dgm:style>
+  </dgm:styleLbl>
+  <dgm:styleLbl name="parChTrans2D3">
+    <dgm:scene3d>
+      <a:camera prst="orthographicFront"/>
+      <a:lightRig rig="threePt" dir="t"/>
+    </dgm:scene3d>
+    <dgm:sp3d/>
+    <dgm:txPr/>
+    <dgm:style>
+      <a:lnRef idx="2">
+        <a:scrgbClr r="0" g="0" b="0"/>
+      </a:lnRef>
+      <a:fillRef idx="1">
+        <a:scrgbClr r="0" g="0" b="0"/>
+      </a:fillRef>
+      <a:effectRef idx="0">
+        <a:scrgbClr r="0" g="0" b="0"/>
+      </a:effectRef>
+      <a:fontRef idx="minor">
+        <a:schemeClr val="lt1"/>
+      </a:fontRef>
+    </dgm:style>
+  </dgm:styleLbl>
+  <dgm:styleLbl name="parChTrans2D4">
+    <dgm:scene3d>
+      <a:camera prst="orthographicFront"/>
+      <a:lightRig rig="threePt" dir="t"/>
+    </dgm:scene3d>
+    <dgm:sp3d/>
+    <dgm:txPr/>
+    <dgm:style>
+      <a:lnRef idx="2">
+        <a:scrgbClr r="0" g="0" b="0"/>
+      </a:lnRef>
+      <a:fillRef idx="1">
+        <a:scrgbClr r="0" g="0" b="0"/>
+      </a:fillRef>
+      <a:effectRef idx="0">
+        <a:scrgbClr r="0" g="0" b="0"/>
+      </a:effectRef>
+      <a:fontRef idx="minor">
+        <a:schemeClr val="lt1"/>
+      </a:fontRef>
+    </dgm:style>
+  </dgm:styleLbl>
+  <dgm:styleLbl name="parChTrans1D1">
+    <dgm:scene3d>
+      <a:camera prst="orthographicFront"/>
+      <a:lightRig rig="threePt" dir="t"/>
+    </dgm:scene3d>
+    <dgm:sp3d/>
+    <dgm:txPr/>
+    <dgm:style>
+      <a:lnRef idx="2">
+        <a:scrgbClr r="0" g="0" b="0"/>
+      </a:lnRef>
+      <a:fillRef idx="0">
+        <a:scrgbClr r="0" g="0" b="0"/>
+      </a:fillRef>
+      <a:effectRef idx="0">
+        <a:scrgbClr r="0" g="0" b="0"/>
+      </a:effectRef>
+      <a:fontRef idx="minor"/>
+    </dgm:style>
+  </dgm:styleLbl>
+  <dgm:styleLbl name="parChTrans1D2">
+    <dgm:scene3d>
+      <a:camera prst="orthographicFront"/>
+      <a:lightRig rig="threePt" dir="t"/>
+    </dgm:scene3d>
+    <dgm:sp3d/>
+    <dgm:txPr/>
+    <dgm:style>
+      <a:lnRef idx="2">
+        <a:scrgbClr r="0" g="0" b="0"/>
+      </a:lnRef>
+      <a:fillRef idx="0">
+        <a:scrgbClr r="0" g="0" b="0"/>
+      </a:fillRef>
+      <a:effectRef idx="0">
+        <a:scrgbClr r="0" g="0" b="0"/>
+      </a:effectRef>
+      <a:fontRef idx="minor"/>
+    </dgm:style>
+  </dgm:styleLbl>
+  <dgm:styleLbl name="parChTrans1D3">
+    <dgm:scene3d>
+      <a:camera prst="orthographicFront"/>
+      <a:lightRig rig="threePt" dir="t"/>
+    </dgm:scene3d>
+    <dgm:sp3d/>
+    <dgm:txPr/>
+    <dgm:style>
+      <a:lnRef idx="2">
+        <a:scrgbClr r="0" g="0" b="0"/>
+      </a:lnRef>
+      <a:fillRef idx="0">
+        <a:scrgbClr r="0" g="0" b="0"/>
+      </a:fillRef>
+      <a:effectRef idx="0">
+        <a:scrgbClr r="0" g="0" b="0"/>
+      </a:effectRef>
+      <a:fontRef idx="minor"/>
+    </dgm:style>
+  </dgm:styleLbl>
+  <dgm:styleLbl name="parChTrans1D4">
+    <dgm:scene3d>
+      <a:camera prst="orthographicFront"/>
+      <a:lightRig rig="threePt" dir="t"/>
+    </dgm:scene3d>
+    <dgm:sp3d/>
+    <dgm:txPr/>
+    <dgm:style>
+      <a:lnRef idx="2">
+        <a:scrgbClr r="0" g="0" b="0"/>
+      </a:lnRef>
+      <a:fillRef idx="0">
+        <a:scrgbClr r="0" g="0" b="0"/>
+      </a:fillRef>
+      <a:effectRef idx="0">
+        <a:scrgbClr r="0" g="0" b="0"/>
+      </a:effectRef>
+      <a:fontRef idx="minor"/>
+    </dgm:style>
+  </dgm:styleLbl>
+  <dgm:styleLbl name="fgAcc1">
+    <dgm:scene3d>
+      <a:camera prst="orthographicFront"/>
+      <a:lightRig rig="threePt" dir="t"/>
+    </dgm:scene3d>
+    <dgm:sp3d/>
+    <dgm:txPr/>
+    <dgm:style>
+      <a:lnRef idx="2">
+        <a:scrgbClr r="0" g="0" b="0"/>
+      </a:lnRef>
+      <a:fillRef idx="1">
+        <a:scrgbClr r="0" g="0" b="0"/>
+      </a:fillRef>
+      <a:effectRef idx="0">
+        <a:scrgbClr r="0" g="0" b="0"/>
+      </a:effectRef>
+      <a:fontRef idx="minor"/>
+    </dgm:style>
+  </dgm:styleLbl>
+  <dgm:styleLbl name="conFgAcc1">
+    <dgm:scene3d>
+      <a:camera prst="orthographicFront"/>
+      <a:lightRig rig="threePt" dir="t"/>
+    </dgm:scene3d>
+    <dgm:sp3d/>
+    <dgm:txPr/>
+    <dgm:style>
+      <a:lnRef idx="2">
+        <a:scrgbClr r="0" g="0" b="0"/>
+      </a:lnRef>
+      <a:fillRef idx="1">
+        <a:scrgbClr r="0" g="0" b="0"/>
+      </a:fillRef>
+      <a:effectRef idx="0">
+        <a:scrgbClr r="0" g="0" b="0"/>
+      </a:effectRef>
+      <a:fontRef idx="minor"/>
+    </dgm:style>
+  </dgm:styleLbl>
+  <dgm:styleLbl name="alignAcc1">
+    <dgm:scene3d>
+      <a:camera prst="orthographicFront"/>
+      <a:lightRig rig="threePt" dir="t"/>
+    </dgm:scene3d>
+    <dgm:sp3d/>
+    <dgm:txPr/>
+    <dgm:style>
+      <a:lnRef idx="2">
+        <a:scrgbClr r="0" g="0" b="0"/>
+      </a:lnRef>
+      <a:fillRef idx="1">
+        <a:scrgbClr r="0" g="0" b="0"/>
+      </a:fillRef>
+      <a:effectRef idx="0">
+        <a:scrgbClr r="0" g="0" b="0"/>
+      </a:effectRef>
+      <a:fontRef idx="minor"/>
+    </dgm:style>
+  </dgm:styleLbl>
+  <dgm:styleLbl name="trAlignAcc1">
+    <dgm:scene3d>
+      <a:camera prst="orthographicFront"/>
+      <a:lightRig rig="threePt" dir="t"/>
+    </dgm:scene3d>
+    <dgm:sp3d/>
+    <dgm:txPr/>
+    <dgm:style>
+      <a:lnRef idx="1">
+        <a:scrgbClr r="0" g="0" b="0"/>
+      </a:lnRef>
+      <a:fillRef idx="1">
+        <a:scrgbClr r="0" g="0" b="0"/>
+      </a:fillRef>
+      <a:effectRef idx="0">
+        <a:scrgbClr r="0" g="0" b="0"/>
+      </a:effectRef>
+      <a:fontRef idx="minor"/>
+    </dgm:style>
+  </dgm:styleLbl>
+  <dgm:styleLbl name="bgAcc1">
+    <dgm:scene3d>
+      <a:camera prst="orthographicFront"/>
+      <a:lightRig rig="threePt" dir="t"/>
+    </dgm:scene3d>
+    <dgm:sp3d/>
+    <dgm:txPr/>
+    <dgm:style>
+      <a:lnRef idx="2">
+        <a:scrgbClr r="0" g="0" b="0"/>
+      </a:lnRef>
+      <a:fillRef idx="1">
+        <a:scrgbClr r="0" g="0" b="0"/>
+      </a:fillRef>
+      <a:effectRef idx="0">
+        <a:scrgbClr r="0" g="0" b="0"/>
+      </a:effectRef>
+      <a:fontRef idx="minor"/>
+    </dgm:style>
+  </dgm:styleLbl>
+  <dgm:styleLbl name="solidFgAcc1">
+    <dgm:scene3d>
+      <a:camera prst="orthographicFront"/>
+      <a:lightRig rig="threePt" dir="t"/>
+    </dgm:scene3d>
+    <dgm:sp3d/>
+    <dgm:txPr/>
+    <dgm:style>
+      <a:lnRef idx="2">
+        <a:scrgbClr r="0" g="0" b="0"/>
+      </a:lnRef>
+      <a:fillRef idx="1">
+        <a:scrgbClr r="0" g="0" b="0"/>
+      </a:fillRef>
+      <a:effectRef idx="0">
+        <a:scrgbClr r="0" g="0" b="0"/>
+      </a:effectRef>
+      <a:fontRef idx="minor"/>
+    </dgm:style>
+  </dgm:styleLbl>
+  <dgm:styleLbl name="solidAlignAcc1">
+    <dgm:scene3d>
+      <a:camera prst="orthographicFront"/>
+      <a:lightRig rig="threePt" dir="t"/>
+    </dgm:scene3d>
+    <dgm:sp3d/>
+    <dgm:txPr/>
+    <dgm:style>
+      <a:lnRef idx="2">
+        <a:scrgbClr r="0" g="0" b="0"/>
+      </a:lnRef>
+      <a:fillRef idx="1">
+        <a:scrgbClr r="0" g="0" b="0"/>
+      </a:fillRef>
+      <a:effectRef idx="0">
+        <a:scrgbClr r="0" g="0" b="0"/>
+      </a:effectRef>
+      <a:fontRef idx="minor"/>
+    </dgm:style>
+  </dgm:styleLbl>
+  <dgm:styleLbl name="solidBgAcc1">
+    <dgm:scene3d>
+      <a:camera prst="orthographicFront"/>
+      <a:lightRig rig="threePt" dir="t"/>
+    </dgm:scene3d>
+    <dgm:sp3d/>
+    <dgm:txPr/>
+    <dgm:style>
+      <a:lnRef idx="2">
+        <a:scrgbClr r="0" g="0" b="0"/>
+      </a:lnRef>
+      <a:fillRef idx="1">
+        <a:scrgbClr r="0" g="0" b="0"/>
+      </a:fillRef>
+      <a:effectRef idx="0">
+        <a:scrgbClr r="0" g="0" b="0"/>
+      </a:effectRef>
+      <a:fontRef idx="minor"/>
+    </dgm:style>
+  </dgm:styleLbl>
+  <dgm:styleLbl name="fgAccFollowNode1">
+    <dgm:scene3d>
+      <a:camera prst="orthographicFront"/>
+      <a:lightRig rig="threePt" dir="t"/>
+    </dgm:scene3d>
+    <dgm:sp3d/>
+    <dgm:txPr/>
+    <dgm:style>
+      <a:lnRef idx="2">
+        <a:scrgbClr r="0" g="0" b="0"/>
+      </a:lnRef>
+      <a:fillRef idx="1">
+        <a:scrgbClr r="0" g="0" b="0"/>
+      </a:fillRef>
+      <a:effectRef idx="0">
+        <a:scrgbClr r="0" g="0" b="0"/>
+      </a:effectRef>
+      <a:fontRef idx="minor"/>
+    </dgm:style>
+  </dgm:styleLbl>
+  <dgm:styleLbl name="alignAccFollowNode1">
+    <dgm:scene3d>
+      <a:camera prst="orthographicFront"/>
+      <a:lightRig rig="threePt" dir="t"/>
+    </dgm:scene3d>
+    <dgm:sp3d/>
+    <dgm:txPr/>
+    <dgm:style>
+      <a:lnRef idx="2">
+        <a:scrgbClr r="0" g="0" b="0"/>
+      </a:lnRef>
+      <a:fillRef idx="1">
+        <a:scrgbClr r="0" g="0" b="0"/>
+      </a:fillRef>
+      <a:effectRef idx="0">
+        <a:scrgbClr r="0" g="0" b="0"/>
+      </a:effectRef>
+      <a:fontRef idx="minor"/>
+    </dgm:style>
+  </dgm:styleLbl>
+  <dgm:styleLbl name="bgAccFollowNode1">
+    <dgm:scene3d>
+      <a:camera prst="orthographicFront"/>
+      <a:lightRig rig="threePt" dir="t"/>
+    </dgm:scene3d>
+    <dgm:sp3d/>
+    <dgm:txPr/>
+    <dgm:style>
+      <a:lnRef idx="2">
+        <a:scrgbClr r="0" g="0" b="0"/>
+      </a:lnRef>
+      <a:fillRef idx="1">
+        <a:scrgbClr r="0" g="0" b="0"/>
+      </a:fillRef>
+      <a:effectRef idx="0">
+        <a:scrgbClr r="0" g="0" b="0"/>
+      </a:effectRef>
+      <a:fontRef idx="minor"/>
+    </dgm:style>
+  </dgm:styleLbl>
+  <dgm:styleLbl name="fgAcc0">
+    <dgm:scene3d>
+      <a:camera prst="orthographicFront"/>
+      <a:lightRig rig="threePt" dir="t"/>
+    </dgm:scene3d>
+    <dgm:sp3d/>
+    <dgm:txPr/>
+    <dgm:style>
+      <a:lnRef idx="2">
+        <a:scrgbClr r="0" g="0" b="0"/>
+      </a:lnRef>
+      <a:fillRef idx="1">
+        <a:scrgbClr r="0" g="0" b="0"/>
+      </a:fillRef>
+      <a:effectRef idx="0">
+        <a:scrgbClr r="0" g="0" b="0"/>
+      </a:effectRef>
+      <a:fontRef idx="minor"/>
+    </dgm:style>
+  </dgm:styleLbl>
+  <dgm:styleLbl name="fgAcc2">
+    <dgm:scene3d>
+      <a:camera prst="orthographicFront"/>
+      <a:lightRig rig="threePt" dir="t"/>
+    </dgm:scene3d>
+    <dgm:sp3d/>
+    <dgm:txPr/>
+    <dgm:style>
+      <a:lnRef idx="2">
+        <a:scrgbClr r="0" g="0" b="0"/>
+      </a:lnRef>
+      <a:fillRef idx="1">
+        <a:scrgbClr r="0" g="0" b="0"/>
+      </a:fillRef>
+      <a:effectRef idx="0">
+        <a:scrgbClr r="0" g="0" b="0"/>
+      </a:effectRef>
+      <a:fontRef idx="minor"/>
+    </dgm:style>
+  </dgm:styleLbl>
+  <dgm:styleLbl name="fgAcc3">
+    <dgm:scene3d>
+      <a:camera prst="orthographicFront"/>
+      <a:lightRig rig="threePt" dir="t"/>
+    </dgm:scene3d>
+    <dgm:sp3d/>
+    <dgm:txPr/>
+    <dgm:style>
+      <a:lnRef idx="2">
+        <a:scrgbClr r="0" g="0" b="0"/>
+      </a:lnRef>
+      <a:fillRef idx="1">
+        <a:scrgbClr r="0" g="0" b="0"/>
+      </a:fillRef>
+      <a:effectRef idx="0">
+        <a:scrgbClr r="0" g="0" b="0"/>
+      </a:effectRef>
+      <a:fontRef idx="minor"/>
+    </dgm:style>
+  </dgm:styleLbl>
+  <dgm:styleLbl name="fgAcc4">
+    <dgm:scene3d>
+      <a:camera prst="orthographicFront"/>
+      <a:lightRig rig="threePt" dir="t"/>
+    </dgm:scene3d>
+    <dgm:sp3d/>
+    <dgm:txPr/>
+    <dgm:style>
+      <a:lnRef idx="2">
+        <a:scrgbClr r="0" g="0" b="0"/>
+      </a:lnRef>
+      <a:fillRef idx="1">
+        <a:scrgbClr r="0" g="0" b="0"/>
+      </a:fillRef>
+      <a:effectRef idx="0">
+        <a:scrgbClr r="0" g="0" b="0"/>
+      </a:effectRef>
+      <a:fontRef idx="minor"/>
+    </dgm:style>
+  </dgm:styleLbl>
+  <dgm:styleLbl name="bgShp">
+    <dgm:scene3d>
+      <a:camera prst="orthographicFront"/>
+      <a:lightRig rig="threePt" dir="t"/>
+    </dgm:scene3d>
+    <dgm:sp3d/>
+    <dgm:txPr/>
+    <dgm:style>
+      <a:lnRef idx="0">
+        <a:scrgbClr r="0" g="0" b="0"/>
+      </a:lnRef>
+      <a:fillRef idx="1">
+        <a:scrgbClr r="0" g="0" b="0"/>
+      </a:fillRef>
+      <a:effectRef idx="0">
+        <a:scrgbClr r="0" g="0" b="0"/>
+      </a:effectRef>
+      <a:fontRef idx="minor"/>
+    </dgm:style>
+  </dgm:styleLbl>
+  <dgm:styleLbl name="dkBgShp">
+    <dgm:scene3d>
+      <a:camera prst="orthographicFront"/>
+      <a:lightRig rig="threePt" dir="t"/>
+    </dgm:scene3d>
+    <dgm:sp3d/>
+    <dgm:txPr/>
+    <dgm:style>
+      <a:lnRef idx="0">
+        <a:scrgbClr r="0" g="0" b="0"/>
+      </a:lnRef>
+      <a:fillRef idx="1">
+        <a:scrgbClr r="0" g="0" b="0"/>
+      </a:fillRef>
+      <a:effectRef idx="0">
+        <a:scrgbClr r="0" g="0" b="0"/>
+      </a:effectRef>
+      <a:fontRef idx="minor"/>
+    </dgm:style>
+  </dgm:styleLbl>
+  <dgm:styleLbl name="trBgShp">
+    <dgm:scene3d>
+      <a:camera prst="orthographicFront"/>
+      <a:lightRig rig="threePt" dir="t"/>
+    </dgm:scene3d>
+    <dgm:sp3d/>
+    <dgm:txPr/>
+    <dgm:style>
+      <a:lnRef idx="0">
+        <a:scrgbClr r="0" g="0" b="0"/>
+      </a:lnRef>
+      <a:fillRef idx="1">
+        <a:scrgbClr r="0" g="0" b="0"/>
+      </a:fillRef>
+      <a:effectRef idx="0">
+        <a:scrgbClr r="0" g="0" b="0"/>
+      </a:effectRef>
+      <a:fontRef idx="minor"/>
+    </dgm:style>
+  </dgm:styleLbl>
+  <dgm:styleLbl name="fgShp">
+    <dgm:scene3d>
+      <a:camera prst="orthographicFront"/>
+      <a:lightRig rig="threePt" dir="t"/>
+    </dgm:scene3d>
+    <dgm:sp3d/>
+    <dgm:txPr/>
+    <dgm:style>
+      <a:lnRef idx="2">
+        <a:scrgbClr r="0" g="0" b="0"/>
+      </a:lnRef>
+      <a:fillRef idx="1">
+        <a:scrgbClr r="0" g="0" b="0"/>
+      </a:fillRef>
+      <a:effectRef idx="0">
+        <a:scrgbClr r="0" g="0" b="0"/>
+      </a:effectRef>
+      <a:fontRef idx="minor"/>
+    </dgm:style>
+  </dgm:styleLbl>
+  <dgm:styleLbl name="revTx">
+    <dgm:scene3d>
+      <a:camera prst="orthographicFront"/>
+      <a:lightRig rig="threePt" dir="t"/>
+    </dgm:scene3d>
+    <dgm:sp3d/>
+    <dgm:txPr/>
+    <dgm:style>
+      <a:lnRef idx="0">
+        <a:scrgbClr r="0" g="0" b="0"/>
+      </a:lnRef>
+      <a:fillRef idx="0">
+        <a:scrgbClr r="0" g="0" b="0"/>
+      </a:fillRef>
+      <a:effectRef idx="0">
+        <a:scrgbClr r="0" g="0" b="0"/>
+      </a:effectRef>
+      <a:fontRef idx="minor"/>
+    </dgm:style>
+  </dgm:styleLbl>
+</dgm:styleDef>
+</file>
+
 <file path=ppt/handoutMasters/handoutMaster1.xml><?xml version="1.0" encoding="utf-8"?>
 <p:handoutMaster xmlns:a="http://schemas.openxmlformats.org/drawingml/2006/main" xmlns:r="http://schemas.openxmlformats.org/officeDocument/2006/relationships" xmlns:p="http://schemas.openxmlformats.org/presentationml/2006/main">
   <p:cSld>
@@ -272,7 +2808,7 @@
               <a:rPr lang="en-US" smtClean="0">
                 <a:latin typeface="Segoe UI" pitchFamily="34" charset="0"/>
               </a:rPr>
-              <a:t>11/20/2012</a:t>
+              <a:t>11/21/2012</a:t>
             </a:fld>
             <a:endParaRPr lang="en-US" dirty="0">
               <a:latin typeface="Segoe UI" pitchFamily="34" charset="0"/>
@@ -454,7 +2990,7 @@
             <a:fld id="{CAE3F082-F902-42D8-A765-720E172C3194}" type="datetimeFigureOut">
               <a:rPr lang="en-US" smtClean="0"/>
               <a:pPr/>
-              <a:t>11/20/2012</a:t>
+              <a:t>11/21/2012</a:t>
             </a:fld>
             <a:endParaRPr lang="en-US" dirty="0"/>
           </a:p>
@@ -920,6 +3456,657 @@
     <p:extLst>
       <p:ext uri="{BB962C8B-B14F-4D97-AF65-F5344CB8AC3E}">
         <p14:creationId xmlns:p14="http://schemas.microsoft.com/office/powerpoint/2010/main" val="2177455710"/>
+      </p:ext>
+    </p:extLst>
+  </p:cSld>
+  <p:clrMapOvr>
+    <a:masterClrMapping/>
+  </p:clrMapOvr>
+</p:notes>
+</file>
+
+<file path=ppt/notesSlides/notesSlide2.xml><?xml version="1.0" encoding="utf-8"?>
+<p:notes xmlns:a="http://schemas.openxmlformats.org/drawingml/2006/main" xmlns:r="http://schemas.openxmlformats.org/officeDocument/2006/relationships" xmlns:p="http://schemas.openxmlformats.org/presentationml/2006/main">
+  <p:cSld>
+    <p:spTree>
+      <p:nvGrpSpPr>
+        <p:cNvPr id="1" name=""/>
+        <p:cNvGrpSpPr/>
+        <p:nvPr/>
+      </p:nvGrpSpPr>
+      <p:grpSpPr>
+        <a:xfrm>
+          <a:off x="0" y="0"/>
+          <a:ext cx="0" cy="0"/>
+          <a:chOff x="0" y="0"/>
+          <a:chExt cx="0" cy="0"/>
+        </a:xfrm>
+      </p:grpSpPr>
+      <p:sp>
+        <p:nvSpPr>
+          <p:cNvPr id="2" name="Slide Image Placeholder 1"/>
+          <p:cNvSpPr>
+            <a:spLocks noGrp="1" noRot="1" noChangeAspect="1"/>
+          </p:cNvSpPr>
+          <p:nvPr>
+            <p:ph type="sldImg"/>
+          </p:nvPr>
+        </p:nvSpPr>
+        <p:spPr/>
+      </p:sp>
+      <p:sp>
+        <p:nvSpPr>
+          <p:cNvPr id="3" name="Notes Placeholder 2"/>
+          <p:cNvSpPr>
+            <a:spLocks noGrp="1"/>
+          </p:cNvSpPr>
+          <p:nvPr>
+            <p:ph type="body" idx="1"/>
+          </p:nvPr>
+        </p:nvSpPr>
+        <p:spPr/>
+        <p:txBody>
+          <a:bodyPr/>
+          <a:lstStyle/>
+          <a:p>
+            <a:r>
+              <a:rPr lang="en-US" dirty="0" smtClean="0"/>
+              <a:t>1</a:t>
+            </a:r>
+            <a:r>
+              <a:rPr lang="en-US" baseline="0" dirty="0" smtClean="0"/>
+              <a:t> minute</a:t>
+            </a:r>
+          </a:p>
+          <a:p>
+            <a:endParaRPr lang="en-US" baseline="0" dirty="0" smtClean="0"/>
+          </a:p>
+          <a:p>
+            <a:r>
+              <a:rPr lang="en-US" baseline="0" dirty="0" smtClean="0"/>
+              <a:t>The transition from code to markup is one of the most elegant things about Razor but there a few rules that are worth knowing about.  </a:t>
+            </a:r>
+          </a:p>
+          <a:p>
+            <a:endParaRPr lang="es-AR" baseline="0" dirty="0" smtClean="0"/>
+          </a:p>
+          <a:p>
+            <a:r>
+              <a:rPr lang="en-US" b="1" u="sng" baseline="0" noProof="0" dirty="0" smtClean="0"/>
+              <a:t>Option</a:t>
+            </a:r>
+            <a:r>
+              <a:rPr lang="es-AR" b="1" u="sng" baseline="0" dirty="0" smtClean="0"/>
+              <a:t> 1:</a:t>
+            </a:r>
+            <a:endParaRPr lang="en-US" b="1" u="sng" baseline="0" dirty="0" smtClean="0"/>
+          </a:p>
+          <a:p>
+            <a:r>
+              <a:rPr lang="en-US" baseline="0" dirty="0" smtClean="0"/>
+              <a:t>Code is the primary citizen in a code block, not HTML.  This means the parser will always expect code unless it finds valid opening (and closing) tags. </a:t>
+            </a:r>
+            <a:r>
+              <a:rPr lang="en-US" i="0" baseline="0" dirty="0" smtClean="0"/>
+              <a:t>In the first option block you see that after the @{ a name variable is defined. No additional tag is necessary. </a:t>
+            </a:r>
+          </a:p>
+          <a:p>
+            <a:r>
+              <a:rPr lang="en-US" i="0" baseline="0" dirty="0" smtClean="0"/>
+              <a:t>A &lt;div&gt; section tells Razor that what follows should be taken as literal. Then the @name indicates a variable that needs to be replaced with its value.</a:t>
+            </a:r>
+          </a:p>
+          <a:p>
+            <a:endParaRPr lang="es-AR" baseline="0" dirty="0" smtClean="0"/>
+          </a:p>
+          <a:p>
+            <a:r>
+              <a:rPr lang="en-US" b="1" u="sng" baseline="0" noProof="0" dirty="0" smtClean="0"/>
+              <a:t>Option 2:</a:t>
+            </a:r>
+          </a:p>
+          <a:p>
+            <a:r>
+              <a:rPr lang="en-US" baseline="0" dirty="0" smtClean="0"/>
+              <a:t>Similarly, to explicitly call out text in a code block as HTML, wrap it in a &lt;text&gt; tag</a:t>
+            </a:r>
+          </a:p>
+          <a:p>
+            <a:endParaRPr lang="es-AR" baseline="0" dirty="0" smtClean="0"/>
+          </a:p>
+          <a:p>
+            <a:pPr defTabSz="924458">
+              <a:defRPr/>
+            </a:pPr>
+            <a:r>
+              <a:rPr lang="en-US" b="1" u="sng" baseline="0" noProof="0" dirty="0" smtClean="0"/>
+              <a:t>Option 3:</a:t>
+            </a:r>
+          </a:p>
+          <a:p>
+            <a:r>
+              <a:rPr lang="en-US" baseline="0" dirty="0" smtClean="0"/>
+              <a:t>Single line of output within markup can be denoted by @:</a:t>
+            </a:r>
+          </a:p>
+          <a:p>
+            <a:pPr defTabSz="924458">
+              <a:defRPr/>
+            </a:pPr>
+            <a:r>
+              <a:rPr lang="en-US" i="0" baseline="0" noProof="0" dirty="0" smtClean="0"/>
+              <a:t>This option is useful when you don’t want to render an </a:t>
+            </a:r>
+            <a:r>
+              <a:rPr lang="en-US" i="0" dirty="0" smtClean="0"/>
+              <a:t>HTML element as part of the output. </a:t>
+            </a:r>
+            <a:endParaRPr lang="en-US" i="0" baseline="0" dirty="0" smtClean="0"/>
+          </a:p>
+          <a:p>
+            <a:endParaRPr lang="en-US" baseline="0" dirty="0" smtClean="0"/>
+          </a:p>
+          <a:p>
+            <a:pPr defTabSz="924458">
+              <a:defRPr/>
+            </a:pPr>
+            <a:r>
+              <a:rPr lang="en-US" dirty="0" smtClean="0"/>
+              <a:t>Extra Knowledge (Advanced):</a:t>
+            </a:r>
+          </a:p>
+          <a:p>
+            <a:pPr defTabSz="924458">
+              <a:defRPr/>
+            </a:pPr>
+            <a:endParaRPr lang="en-US" dirty="0" smtClean="0"/>
+          </a:p>
+          <a:p>
+            <a:pPr defTabSz="924458">
+              <a:defRPr/>
+            </a:pPr>
+            <a:r>
+              <a:rPr lang="en-US" dirty="0" smtClean="0"/>
+              <a:t>The</a:t>
+            </a:r>
+            <a:r>
+              <a:rPr lang="en-US" baseline="0" dirty="0" smtClean="0"/>
+              <a:t> Parser that understands Razor is itself a standalone assembly (</a:t>
+            </a:r>
+            <a:r>
+              <a:rPr lang="en-US" dirty="0" smtClean="0"/>
+              <a:t>System.Web.Razor.dll)</a:t>
+            </a:r>
+            <a:r>
+              <a:rPr lang="en-US" baseline="0" dirty="0" smtClean="0"/>
+              <a:t> which has no dependencies on ASP.NET which means you can use it to parse CSHTML/VBHTML files and produce C#/VB code in any .NET application.  </a:t>
+            </a:r>
+            <a:endParaRPr lang="en-US" dirty="0" smtClean="0"/>
+          </a:p>
+        </p:txBody>
+      </p:sp>
+      <p:sp>
+        <p:nvSpPr>
+          <p:cNvPr id="4" name="Slide Number Placeholder 3"/>
+          <p:cNvSpPr>
+            <a:spLocks noGrp="1"/>
+          </p:cNvSpPr>
+          <p:nvPr>
+            <p:ph type="sldNum" sz="quarter" idx="10"/>
+          </p:nvPr>
+        </p:nvSpPr>
+        <p:spPr/>
+        <p:txBody>
+          <a:bodyPr/>
+          <a:lstStyle/>
+          <a:p>
+            <a:fld id="{D88053AA-761C-4194-BE5B-5E836C7C1428}" type="slidenum">
+              <a:rPr lang="en-US" smtClean="0"/>
+              <a:t>4</a:t>
+            </a:fld>
+            <a:endParaRPr lang="en-US"/>
+          </a:p>
+        </p:txBody>
+      </p:sp>
+    </p:spTree>
+    <p:extLst>
+      <p:ext uri="{BB962C8B-B14F-4D97-AF65-F5344CB8AC3E}">
+        <p14:creationId xmlns:p14="http://schemas.microsoft.com/office/powerpoint/2010/main" val="488352489"/>
+      </p:ext>
+    </p:extLst>
+  </p:cSld>
+  <p:clrMapOvr>
+    <a:masterClrMapping/>
+  </p:clrMapOvr>
+</p:notes>
+</file>
+
+<file path=ppt/notesSlides/notesSlide3.xml><?xml version="1.0" encoding="utf-8"?>
+<p:notes xmlns:a="http://schemas.openxmlformats.org/drawingml/2006/main" xmlns:r="http://schemas.openxmlformats.org/officeDocument/2006/relationships" xmlns:p="http://schemas.openxmlformats.org/presentationml/2006/main">
+  <p:cSld>
+    <p:spTree>
+      <p:nvGrpSpPr>
+        <p:cNvPr id="1" name=""/>
+        <p:cNvGrpSpPr/>
+        <p:nvPr/>
+      </p:nvGrpSpPr>
+      <p:grpSpPr>
+        <a:xfrm>
+          <a:off x="0" y="0"/>
+          <a:ext cx="0" cy="0"/>
+          <a:chOff x="0" y="0"/>
+          <a:chExt cx="0" cy="0"/>
+        </a:xfrm>
+      </p:grpSpPr>
+      <p:sp>
+        <p:nvSpPr>
+          <p:cNvPr id="2" name="Slide Image Placeholder 1"/>
+          <p:cNvSpPr>
+            <a:spLocks noGrp="1" noRot="1" noChangeAspect="1"/>
+          </p:cNvSpPr>
+          <p:nvPr>
+            <p:ph type="sldImg"/>
+          </p:nvPr>
+        </p:nvSpPr>
+        <p:spPr/>
+      </p:sp>
+      <p:sp>
+        <p:nvSpPr>
+          <p:cNvPr id="3" name="Notes Placeholder 2"/>
+          <p:cNvSpPr>
+            <a:spLocks noGrp="1"/>
+          </p:cNvSpPr>
+          <p:nvPr>
+            <p:ph type="body" idx="1"/>
+          </p:nvPr>
+        </p:nvSpPr>
+        <p:spPr/>
+        <p:txBody>
+          <a:bodyPr/>
+          <a:lstStyle/>
+          <a:p>
+            <a:r>
+              <a:rPr lang="en-US" dirty="0" smtClean="0"/>
+              <a:t>1</a:t>
+            </a:r>
+            <a:r>
+              <a:rPr lang="en-US" baseline="0" dirty="0" smtClean="0"/>
+              <a:t> minute</a:t>
+            </a:r>
+          </a:p>
+          <a:p>
+            <a:endParaRPr lang="en-US" baseline="0" dirty="0" smtClean="0"/>
+          </a:p>
+          <a:p>
+            <a:r>
+              <a:rPr lang="en-US" baseline="0" dirty="0" smtClean="0"/>
+              <a:t>The transition from code to markup is one of the most elegant things about Razor but there a few rules that are worth knowing about.  </a:t>
+            </a:r>
+          </a:p>
+          <a:p>
+            <a:endParaRPr lang="es-AR" baseline="0" dirty="0" smtClean="0"/>
+          </a:p>
+          <a:p>
+            <a:r>
+              <a:rPr lang="en-US" b="1" u="sng" baseline="0" noProof="0" dirty="0" smtClean="0"/>
+              <a:t>Option</a:t>
+            </a:r>
+            <a:r>
+              <a:rPr lang="es-AR" b="1" u="sng" baseline="0" dirty="0" smtClean="0"/>
+              <a:t> 1:</a:t>
+            </a:r>
+            <a:endParaRPr lang="en-US" b="1" u="sng" baseline="0" dirty="0" smtClean="0"/>
+          </a:p>
+          <a:p>
+            <a:r>
+              <a:rPr lang="en-US" baseline="0" dirty="0" smtClean="0"/>
+              <a:t>Code is the primary citizen in a code block, not HTML.  This means the parser will always expect code unless it finds valid opening (and closing) tags. </a:t>
+            </a:r>
+            <a:r>
+              <a:rPr lang="en-US" i="0" baseline="0" dirty="0" smtClean="0"/>
+              <a:t>In the first option block you see that after the @{ a name variable is defined. No additional tag is necessary. </a:t>
+            </a:r>
+          </a:p>
+          <a:p>
+            <a:r>
+              <a:rPr lang="en-US" i="0" baseline="0" dirty="0" smtClean="0"/>
+              <a:t>A &lt;div&gt; section tells Razor that what follows should be taken as literal. Then the @name indicates a variable that needs to be replaced with its value.</a:t>
+            </a:r>
+          </a:p>
+          <a:p>
+            <a:endParaRPr lang="es-AR" baseline="0" dirty="0" smtClean="0"/>
+          </a:p>
+          <a:p>
+            <a:r>
+              <a:rPr lang="en-US" b="1" u="sng" baseline="0" noProof="0" dirty="0" smtClean="0"/>
+              <a:t>Option 2:</a:t>
+            </a:r>
+          </a:p>
+          <a:p>
+            <a:r>
+              <a:rPr lang="en-US" baseline="0" dirty="0" smtClean="0"/>
+              <a:t>Similarly, to explicitly call out text in a code block as HTML, wrap it in a &lt;text&gt; tag</a:t>
+            </a:r>
+          </a:p>
+          <a:p>
+            <a:endParaRPr lang="es-AR" baseline="0" dirty="0" smtClean="0"/>
+          </a:p>
+          <a:p>
+            <a:pPr defTabSz="924458">
+              <a:defRPr/>
+            </a:pPr>
+            <a:r>
+              <a:rPr lang="en-US" b="1" u="sng" baseline="0" noProof="0" dirty="0" smtClean="0"/>
+              <a:t>Option 3:</a:t>
+            </a:r>
+          </a:p>
+          <a:p>
+            <a:r>
+              <a:rPr lang="en-US" baseline="0" dirty="0" smtClean="0"/>
+              <a:t>Single line of output within markup can be denoted by @:</a:t>
+            </a:r>
+          </a:p>
+          <a:p>
+            <a:pPr defTabSz="924458">
+              <a:defRPr/>
+            </a:pPr>
+            <a:r>
+              <a:rPr lang="en-US" i="0" baseline="0" noProof="0" dirty="0" smtClean="0"/>
+              <a:t>This option is useful when you don’t want to render an </a:t>
+            </a:r>
+            <a:r>
+              <a:rPr lang="en-US" i="0" dirty="0" smtClean="0"/>
+              <a:t>HTML element as part of the output. </a:t>
+            </a:r>
+            <a:endParaRPr lang="en-US" i="0" baseline="0" dirty="0" smtClean="0"/>
+          </a:p>
+          <a:p>
+            <a:endParaRPr lang="en-US" baseline="0" dirty="0" smtClean="0"/>
+          </a:p>
+          <a:p>
+            <a:pPr defTabSz="924458">
+              <a:defRPr/>
+            </a:pPr>
+            <a:r>
+              <a:rPr lang="en-US" dirty="0" smtClean="0"/>
+              <a:t>Extra Knowledge (Advanced):</a:t>
+            </a:r>
+          </a:p>
+          <a:p>
+            <a:pPr defTabSz="924458">
+              <a:defRPr/>
+            </a:pPr>
+            <a:endParaRPr lang="en-US" dirty="0" smtClean="0"/>
+          </a:p>
+          <a:p>
+            <a:pPr defTabSz="924458">
+              <a:defRPr/>
+            </a:pPr>
+            <a:r>
+              <a:rPr lang="en-US" dirty="0" smtClean="0"/>
+              <a:t>The</a:t>
+            </a:r>
+            <a:r>
+              <a:rPr lang="en-US" baseline="0" dirty="0" smtClean="0"/>
+              <a:t> Parser that understands Razor is itself a standalone assembly (</a:t>
+            </a:r>
+            <a:r>
+              <a:rPr lang="en-US" dirty="0" smtClean="0"/>
+              <a:t>System.Web.Razor.dll)</a:t>
+            </a:r>
+            <a:r>
+              <a:rPr lang="en-US" baseline="0" dirty="0" smtClean="0"/>
+              <a:t> which has no dependencies on ASP.NET which means you can use it to parse CSHTML/VBHTML files and produce C#/VB code in any .NET application.  </a:t>
+            </a:r>
+            <a:endParaRPr lang="en-US" dirty="0" smtClean="0"/>
+          </a:p>
+        </p:txBody>
+      </p:sp>
+      <p:sp>
+        <p:nvSpPr>
+          <p:cNvPr id="4" name="Slide Number Placeholder 3"/>
+          <p:cNvSpPr>
+            <a:spLocks noGrp="1"/>
+          </p:cNvSpPr>
+          <p:nvPr>
+            <p:ph type="sldNum" sz="quarter" idx="10"/>
+          </p:nvPr>
+        </p:nvSpPr>
+        <p:spPr/>
+        <p:txBody>
+          <a:bodyPr/>
+          <a:lstStyle/>
+          <a:p>
+            <a:fld id="{D88053AA-761C-4194-BE5B-5E836C7C1428}" type="slidenum">
+              <a:rPr lang="en-US" smtClean="0"/>
+              <a:t>5</a:t>
+            </a:fld>
+            <a:endParaRPr lang="en-US"/>
+          </a:p>
+        </p:txBody>
+      </p:sp>
+    </p:spTree>
+    <p:extLst>
+      <p:ext uri="{BB962C8B-B14F-4D97-AF65-F5344CB8AC3E}">
+        <p14:creationId xmlns:p14="http://schemas.microsoft.com/office/powerpoint/2010/main" val="96361263"/>
+      </p:ext>
+    </p:extLst>
+  </p:cSld>
+  <p:clrMapOvr>
+    <a:masterClrMapping/>
+  </p:clrMapOvr>
+</p:notes>
+</file>
+
+<file path=ppt/notesSlides/notesSlide4.xml><?xml version="1.0" encoding="utf-8"?>
+<p:notes xmlns:a="http://schemas.openxmlformats.org/drawingml/2006/main" xmlns:r="http://schemas.openxmlformats.org/officeDocument/2006/relationships" xmlns:p="http://schemas.openxmlformats.org/presentationml/2006/main">
+  <p:cSld>
+    <p:spTree>
+      <p:nvGrpSpPr>
+        <p:cNvPr id="1" name=""/>
+        <p:cNvGrpSpPr/>
+        <p:nvPr/>
+      </p:nvGrpSpPr>
+      <p:grpSpPr>
+        <a:xfrm>
+          <a:off x="0" y="0"/>
+          <a:ext cx="0" cy="0"/>
+          <a:chOff x="0" y="0"/>
+          <a:chExt cx="0" cy="0"/>
+        </a:xfrm>
+      </p:grpSpPr>
+      <p:sp>
+        <p:nvSpPr>
+          <p:cNvPr id="2" name="Slide Image Placeholder 1"/>
+          <p:cNvSpPr>
+            <a:spLocks noGrp="1" noRot="1" noChangeAspect="1"/>
+          </p:cNvSpPr>
+          <p:nvPr>
+            <p:ph type="sldImg"/>
+          </p:nvPr>
+        </p:nvSpPr>
+        <p:spPr/>
+      </p:sp>
+      <p:sp>
+        <p:nvSpPr>
+          <p:cNvPr id="3" name="Notes Placeholder 2"/>
+          <p:cNvSpPr>
+            <a:spLocks noGrp="1"/>
+          </p:cNvSpPr>
+          <p:nvPr>
+            <p:ph type="body" idx="1"/>
+          </p:nvPr>
+        </p:nvSpPr>
+        <p:spPr/>
+        <p:txBody>
+          <a:bodyPr/>
+          <a:lstStyle/>
+          <a:p>
+            <a:r>
+              <a:rPr lang="en-US" dirty="0" smtClean="0"/>
+              <a:t>1</a:t>
+            </a:r>
+            <a:r>
+              <a:rPr lang="en-US" baseline="0" dirty="0" smtClean="0"/>
+              <a:t> minute</a:t>
+            </a:r>
+          </a:p>
+          <a:p>
+            <a:endParaRPr lang="en-US" baseline="0" dirty="0" smtClean="0"/>
+          </a:p>
+          <a:p>
+            <a:r>
+              <a:rPr lang="en-US" baseline="0" dirty="0" smtClean="0"/>
+              <a:t>The transition from code to markup is one of the most elegant things about Razor but there a few rules that are worth knowing about.  </a:t>
+            </a:r>
+          </a:p>
+          <a:p>
+            <a:endParaRPr lang="es-AR" baseline="0" dirty="0" smtClean="0"/>
+          </a:p>
+          <a:p>
+            <a:r>
+              <a:rPr lang="en-US" b="1" u="sng" baseline="0" noProof="0" dirty="0" smtClean="0"/>
+              <a:t>Option</a:t>
+            </a:r>
+            <a:r>
+              <a:rPr lang="es-AR" b="1" u="sng" baseline="0" dirty="0" smtClean="0"/>
+              <a:t> 1:</a:t>
+            </a:r>
+            <a:endParaRPr lang="en-US" b="1" u="sng" baseline="0" dirty="0" smtClean="0"/>
+          </a:p>
+          <a:p>
+            <a:r>
+              <a:rPr lang="en-US" baseline="0" dirty="0" smtClean="0"/>
+              <a:t>Code is the primary citizen in a code block, not HTML.  This means the parser will always expect code unless it finds valid opening (and closing) tags. </a:t>
+            </a:r>
+            <a:r>
+              <a:rPr lang="en-US" i="0" baseline="0" dirty="0" smtClean="0"/>
+              <a:t>In the first option block you see that after the @{ a name variable is defined. No additional tag is necessary. </a:t>
+            </a:r>
+          </a:p>
+          <a:p>
+            <a:r>
+              <a:rPr lang="en-US" i="0" baseline="0" dirty="0" smtClean="0"/>
+              <a:t>A &lt;div&gt; section tells Razor that what follows should be taken as literal. Then the @name indicates a variable that needs to be replaced with its value.</a:t>
+            </a:r>
+          </a:p>
+          <a:p>
+            <a:endParaRPr lang="es-AR" baseline="0" dirty="0" smtClean="0"/>
+          </a:p>
+          <a:p>
+            <a:r>
+              <a:rPr lang="en-US" b="1" u="sng" baseline="0" noProof="0" dirty="0" smtClean="0"/>
+              <a:t>Option 2:</a:t>
+            </a:r>
+          </a:p>
+          <a:p>
+            <a:r>
+              <a:rPr lang="en-US" baseline="0" dirty="0" smtClean="0"/>
+              <a:t>Similarly, to explicitly call out text in a code block as HTML, wrap it in a &lt;text&gt; tag</a:t>
+            </a:r>
+          </a:p>
+          <a:p>
+            <a:endParaRPr lang="es-AR" baseline="0" dirty="0" smtClean="0"/>
+          </a:p>
+          <a:p>
+            <a:pPr defTabSz="924458">
+              <a:defRPr/>
+            </a:pPr>
+            <a:r>
+              <a:rPr lang="en-US" b="1" u="sng" baseline="0" noProof="0" dirty="0" smtClean="0"/>
+              <a:t>Option 3:</a:t>
+            </a:r>
+          </a:p>
+          <a:p>
+            <a:r>
+              <a:rPr lang="en-US" baseline="0" dirty="0" smtClean="0"/>
+              <a:t>Single line of output within markup can be denoted by @:</a:t>
+            </a:r>
+          </a:p>
+          <a:p>
+            <a:pPr defTabSz="924458">
+              <a:defRPr/>
+            </a:pPr>
+            <a:r>
+              <a:rPr lang="en-US" i="0" baseline="0" noProof="0" dirty="0" smtClean="0"/>
+              <a:t>This option is useful when you don’t want to render an </a:t>
+            </a:r>
+            <a:r>
+              <a:rPr lang="en-US" i="0" dirty="0" smtClean="0"/>
+              <a:t>HTML element as part of the output. </a:t>
+            </a:r>
+            <a:endParaRPr lang="en-US" i="0" baseline="0" dirty="0" smtClean="0"/>
+          </a:p>
+          <a:p>
+            <a:endParaRPr lang="en-US" baseline="0" dirty="0" smtClean="0"/>
+          </a:p>
+          <a:p>
+            <a:pPr defTabSz="924458">
+              <a:defRPr/>
+            </a:pPr>
+            <a:r>
+              <a:rPr lang="en-US" dirty="0" smtClean="0"/>
+              <a:t>Extra Knowledge (Advanced):</a:t>
+            </a:r>
+          </a:p>
+          <a:p>
+            <a:pPr defTabSz="924458">
+              <a:defRPr/>
+            </a:pPr>
+            <a:endParaRPr lang="en-US" dirty="0" smtClean="0"/>
+          </a:p>
+          <a:p>
+            <a:pPr defTabSz="924458">
+              <a:defRPr/>
+            </a:pPr>
+            <a:r>
+              <a:rPr lang="en-US" dirty="0" smtClean="0"/>
+              <a:t>The</a:t>
+            </a:r>
+            <a:r>
+              <a:rPr lang="en-US" baseline="0" dirty="0" smtClean="0"/>
+              <a:t> Parser that understands Razor is itself a standalone assembly (</a:t>
+            </a:r>
+            <a:r>
+              <a:rPr lang="en-US" dirty="0" smtClean="0"/>
+              <a:t>System.Web.Razor.dll)</a:t>
+            </a:r>
+            <a:r>
+              <a:rPr lang="en-US" baseline="0" dirty="0" smtClean="0"/>
+              <a:t> which has no dependencies on ASP.NET which means you can use it to parse CSHTML/VBHTML files and produce C#/VB code in any .NET application.  </a:t>
+            </a:r>
+            <a:endParaRPr lang="en-US" dirty="0" smtClean="0"/>
+          </a:p>
+        </p:txBody>
+      </p:sp>
+      <p:sp>
+        <p:nvSpPr>
+          <p:cNvPr id="4" name="Slide Number Placeholder 3"/>
+          <p:cNvSpPr>
+            <a:spLocks noGrp="1"/>
+          </p:cNvSpPr>
+          <p:nvPr>
+            <p:ph type="sldNum" sz="quarter" idx="10"/>
+          </p:nvPr>
+        </p:nvSpPr>
+        <p:spPr/>
+        <p:txBody>
+          <a:bodyPr/>
+          <a:lstStyle/>
+          <a:p>
+            <a:fld id="{D88053AA-761C-4194-BE5B-5E836C7C1428}" type="slidenum">
+              <a:rPr lang="en-US" smtClean="0"/>
+              <a:t>6</a:t>
+            </a:fld>
+            <a:endParaRPr lang="en-US"/>
+          </a:p>
+        </p:txBody>
+      </p:sp>
+    </p:spTree>
+    <p:extLst>
+      <p:ext uri="{BB962C8B-B14F-4D97-AF65-F5344CB8AC3E}">
+        <p14:creationId xmlns:p14="http://schemas.microsoft.com/office/powerpoint/2010/main" val="3146662772"/>
       </p:ext>
     </p:extLst>
   </p:cSld>
@@ -14441,6 +17628,1055 @@
 </p:sld>
 </file>
 
+<file path=ppt/slides/slide10.xml><?xml version="1.0" encoding="utf-8"?>
+<p:sld xmlns:a="http://schemas.openxmlformats.org/drawingml/2006/main" xmlns:r="http://schemas.openxmlformats.org/officeDocument/2006/relationships" xmlns:p="http://schemas.openxmlformats.org/presentationml/2006/main">
+  <p:cSld>
+    <p:spTree>
+      <p:nvGrpSpPr>
+        <p:cNvPr id="1" name=""/>
+        <p:cNvGrpSpPr/>
+        <p:nvPr/>
+      </p:nvGrpSpPr>
+      <p:grpSpPr>
+        <a:xfrm>
+          <a:off x="0" y="0"/>
+          <a:ext cx="0" cy="0"/>
+          <a:chOff x="0" y="0"/>
+          <a:chExt cx="0" cy="0"/>
+        </a:xfrm>
+      </p:grpSpPr>
+      <p:sp>
+        <p:nvSpPr>
+          <p:cNvPr id="4" name="Title 3"/>
+          <p:cNvSpPr>
+            <a:spLocks noGrp="1"/>
+          </p:cNvSpPr>
+          <p:nvPr>
+            <p:ph type="title"/>
+          </p:nvPr>
+        </p:nvSpPr>
+        <p:spPr/>
+        <p:txBody>
+          <a:bodyPr/>
+          <a:lstStyle/>
+          <a:p>
+            <a:r>
+              <a:rPr lang="en-US" dirty="0" smtClean="0"/>
+              <a:t>Bundling and Optimization</a:t>
+            </a:r>
+            <a:endParaRPr lang="en-US" dirty="0"/>
+          </a:p>
+        </p:txBody>
+      </p:sp>
+      <p:sp>
+        <p:nvSpPr>
+          <p:cNvPr id="5" name="Text Placeholder 4"/>
+          <p:cNvSpPr>
+            <a:spLocks noGrp="1"/>
+          </p:cNvSpPr>
+          <p:nvPr>
+            <p:ph type="body" sz="quarter" idx="10"/>
+          </p:nvPr>
+        </p:nvSpPr>
+        <p:spPr>
+          <a:xfrm>
+            <a:off x="519111" y="2235450"/>
+            <a:ext cx="11149013" cy="553998"/>
+          </a:xfrm>
+        </p:spPr>
+        <p:txBody>
+          <a:bodyPr/>
+          <a:lstStyle/>
+          <a:p>
+            <a:r>
+              <a:rPr lang="en-US" b="1" dirty="0" smtClean="0">
+                <a:solidFill>
+                  <a:schemeClr val="accent2"/>
+                </a:solidFill>
+              </a:rPr>
+              <a:t>Bundling</a:t>
+            </a:r>
+            <a:r>
+              <a:rPr lang="en-US" dirty="0" smtClean="0"/>
+              <a:t> combines CSS and  JavaScript requests</a:t>
+            </a:r>
+          </a:p>
+        </p:txBody>
+      </p:sp>
+      <p:pic>
+        <p:nvPicPr>
+          <p:cNvPr id="63490" name="Picture 2" descr="http://weblogs.asp.net/blogs/scottgu/image_53C34CB0.png"/>
+          <p:cNvPicPr>
+            <a:picLocks noChangeAspect="1" noChangeArrowheads="1"/>
+          </p:cNvPicPr>
+          <p:nvPr/>
+        </p:nvPicPr>
+        <p:blipFill>
+          <a:blip r:embed="rId2">
+            <a:extLst>
+              <a:ext uri="{28A0092B-C50C-407E-A947-70E740481C1C}">
+                <a14:useLocalDpi xmlns:a14="http://schemas.microsoft.com/office/drawing/2010/main" val="0"/>
+              </a:ext>
+            </a:extLst>
+          </a:blip>
+          <a:srcRect/>
+          <a:stretch>
+            <a:fillRect/>
+          </a:stretch>
+        </p:blipFill>
+        <p:spPr bwMode="auto">
+          <a:xfrm>
+            <a:off x="7244438" y="3032156"/>
+            <a:ext cx="4286250" cy="1295401"/>
+          </a:xfrm>
+          <a:prstGeom prst="rect">
+            <a:avLst/>
+          </a:prstGeom>
+          <a:noFill/>
+          <a:extLst>
+            <a:ext uri="{909E8E84-426E-40DD-AFC4-6F175D3DCCD1}">
+              <a14:hiddenFill xmlns:a14="http://schemas.microsoft.com/office/drawing/2010/main">
+                <a:solidFill>
+                  <a:srgbClr val="FFFFFF"/>
+                </a:solidFill>
+              </a14:hiddenFill>
+            </a:ext>
+          </a:extLst>
+        </p:spPr>
+      </p:pic>
+      <p:pic>
+        <p:nvPicPr>
+          <p:cNvPr id="6" name="Picture 2" descr="http://weblogs.asp.net/blogs/scottgu/image_432B51C2.png"/>
+          <p:cNvPicPr>
+            <a:picLocks noChangeAspect="1" noChangeArrowheads="1"/>
+          </p:cNvPicPr>
+          <p:nvPr/>
+        </p:nvPicPr>
+        <p:blipFill>
+          <a:blip r:embed="rId3">
+            <a:extLst>
+              <a:ext uri="{28A0092B-C50C-407E-A947-70E740481C1C}">
+                <a14:useLocalDpi xmlns:a14="http://schemas.microsoft.com/office/drawing/2010/main" val="0"/>
+              </a:ext>
+            </a:extLst>
+          </a:blip>
+          <a:srcRect/>
+          <a:stretch>
+            <a:fillRect/>
+          </a:stretch>
+        </p:blipFill>
+        <p:spPr bwMode="auto">
+          <a:xfrm>
+            <a:off x="519112" y="3032156"/>
+            <a:ext cx="4286250" cy="2438400"/>
+          </a:xfrm>
+          <a:prstGeom prst="rect">
+            <a:avLst/>
+          </a:prstGeom>
+          <a:noFill/>
+          <a:extLst>
+            <a:ext uri="{909E8E84-426E-40DD-AFC4-6F175D3DCCD1}">
+              <a14:hiddenFill xmlns:a14="http://schemas.microsoft.com/office/drawing/2010/main">
+                <a:solidFill>
+                  <a:srgbClr val="FFFFFF"/>
+                </a:solidFill>
+              </a14:hiddenFill>
+            </a:ext>
+          </a:extLst>
+        </p:spPr>
+      </p:pic>
+      <p:sp>
+        <p:nvSpPr>
+          <p:cNvPr id="2" name="Right Arrow 1"/>
+          <p:cNvSpPr/>
+          <p:nvPr/>
+        </p:nvSpPr>
+        <p:spPr bwMode="auto">
+          <a:xfrm>
+            <a:off x="4965644" y="3403725"/>
+            <a:ext cx="2118511" cy="552261"/>
+          </a:xfrm>
+          <a:prstGeom prst="rightArrow">
+            <a:avLst/>
+          </a:prstGeom>
+          <a:solidFill>
+            <a:schemeClr val="accent2"/>
+          </a:solidFill>
+          <a:ln>
+            <a:noFill/>
+            <a:headEnd type="none" w="med" len="med"/>
+            <a:tailEnd type="none" w="med" len="med"/>
+          </a:ln>
+          <a:effectLst/>
+        </p:spPr>
+        <p:style>
+          <a:lnRef idx="1">
+            <a:schemeClr val="accent2"/>
+          </a:lnRef>
+          <a:fillRef idx="3">
+            <a:schemeClr val="accent2"/>
+          </a:fillRef>
+          <a:effectRef idx="2">
+            <a:schemeClr val="accent2"/>
+          </a:effectRef>
+          <a:fontRef idx="minor">
+            <a:schemeClr val="lt1"/>
+          </a:fontRef>
+        </p:style>
+        <p:txBody>
+          <a:bodyPr vert="horz" wrap="square" lIns="91436" tIns="45718" rIns="91436" bIns="45718" numCol="1" rtlCol="0" anchor="ctr" anchorCtr="0" compatLnSpc="1">
+            <a:prstTxWarp prst="textNoShape">
+              <a:avLst/>
+            </a:prstTxWarp>
+          </a:bodyPr>
+          <a:lstStyle/>
+          <a:p>
+            <a:pPr algn="ctr" defTabSz="914099" fontAlgn="base">
+              <a:spcBef>
+                <a:spcPct val="0"/>
+              </a:spcBef>
+              <a:spcAft>
+                <a:spcPct val="0"/>
+              </a:spcAft>
+            </a:pPr>
+            <a:endParaRPr lang="en-US" sz="2200" dirty="0" smtClean="0">
+              <a:gradFill>
+                <a:gsLst>
+                  <a:gs pos="0">
+                    <a:srgbClr val="FFFFFF"/>
+                  </a:gs>
+                  <a:gs pos="100000">
+                    <a:srgbClr val="FFFFFF"/>
+                  </a:gs>
+                </a:gsLst>
+                <a:lin ang="5400000" scaled="0"/>
+              </a:gradFill>
+            </a:endParaRPr>
+          </a:p>
+        </p:txBody>
+      </p:sp>
+    </p:spTree>
+    <p:extLst>
+      <p:ext uri="{BB962C8B-B14F-4D97-AF65-F5344CB8AC3E}">
+        <p14:creationId xmlns:p14="http://schemas.microsoft.com/office/powerpoint/2010/main" val="759072039"/>
+      </p:ext>
+    </p:extLst>
+  </p:cSld>
+  <p:clrMapOvr>
+    <a:masterClrMapping/>
+  </p:clrMapOvr>
+  <p:transition>
+    <p:fade/>
+  </p:transition>
+  <p:timing>
+    <p:tnLst>
+      <p:par>
+        <p:cTn id="1" dur="indefinite" restart="never" nodeType="tmRoot">
+          <p:childTnLst>
+            <p:seq concurrent="1" nextAc="seek">
+              <p:cTn id="2" dur="indefinite" nodeType="mainSeq">
+                <p:childTnLst>
+                  <p:par>
+                    <p:cTn id="3" fill="hold">
+                      <p:stCondLst>
+                        <p:cond delay="indefinite"/>
+                        <p:cond evt="onBegin" delay="0">
+                          <p:tn val="2"/>
+                        </p:cond>
+                      </p:stCondLst>
+                      <p:childTnLst>
+                        <p:par>
+                          <p:cTn id="4" fill="hold">
+                            <p:stCondLst>
+                              <p:cond delay="0"/>
+                            </p:stCondLst>
+                            <p:childTnLst>
+                              <p:par>
+                                <p:cTn id="5" presetID="10" presetClass="entr" presetSubtype="0" fill="hold" grpId="0" nodeType="withEffect">
+                                  <p:stCondLst>
+                                    <p:cond delay="0"/>
+                                  </p:stCondLst>
+                                  <p:childTnLst>
+                                    <p:set>
+                                      <p:cBhvr>
+                                        <p:cTn id="6" dur="1" fill="hold">
+                                          <p:stCondLst>
+                                            <p:cond delay="0"/>
+                                          </p:stCondLst>
+                                        </p:cTn>
+                                        <p:tgtEl>
+                                          <p:spTgt spid="2"/>
+                                        </p:tgtEl>
+                                        <p:attrNameLst>
+                                          <p:attrName>style.visibility</p:attrName>
+                                        </p:attrNameLst>
+                                      </p:cBhvr>
+                                      <p:to>
+                                        <p:strVal val="visible"/>
+                                      </p:to>
+                                    </p:set>
+                                    <p:animEffect transition="in" filter="fade">
+                                      <p:cBhvr>
+                                        <p:cTn id="7" dur="500"/>
+                                        <p:tgtEl>
+                                          <p:spTgt spid="2"/>
+                                        </p:tgtEl>
+                                      </p:cBhvr>
+                                    </p:animEffect>
+                                  </p:childTnLst>
+                                </p:cTn>
+                              </p:par>
+                              <p:par>
+                                <p:cTn id="8" presetID="10" presetClass="entr" presetSubtype="0" fill="hold" nodeType="withEffect">
+                                  <p:stCondLst>
+                                    <p:cond delay="0"/>
+                                  </p:stCondLst>
+                                  <p:childTnLst>
+                                    <p:set>
+                                      <p:cBhvr>
+                                        <p:cTn id="9" dur="1" fill="hold">
+                                          <p:stCondLst>
+                                            <p:cond delay="0"/>
+                                          </p:stCondLst>
+                                        </p:cTn>
+                                        <p:tgtEl>
+                                          <p:spTgt spid="63490"/>
+                                        </p:tgtEl>
+                                        <p:attrNameLst>
+                                          <p:attrName>style.visibility</p:attrName>
+                                        </p:attrNameLst>
+                                      </p:cBhvr>
+                                      <p:to>
+                                        <p:strVal val="visible"/>
+                                      </p:to>
+                                    </p:set>
+                                    <p:animEffect transition="in" filter="fade">
+                                      <p:cBhvr>
+                                        <p:cTn id="10" dur="500"/>
+                                        <p:tgtEl>
+                                          <p:spTgt spid="63490"/>
+                                        </p:tgtEl>
+                                      </p:cBhvr>
+                                    </p:animEffect>
+                                  </p:childTnLst>
+                                </p:cTn>
+                              </p:par>
+                            </p:childTnLst>
+                          </p:cTn>
+                        </p:par>
+                      </p:childTnLst>
+                    </p:cTn>
+                  </p:par>
+                </p:childTnLst>
+              </p:cTn>
+              <p:prevCondLst>
+                <p:cond evt="onPrev" delay="0">
+                  <p:tgtEl>
+                    <p:sldTgt/>
+                  </p:tgtEl>
+                </p:cond>
+              </p:prevCondLst>
+              <p:nextCondLst>
+                <p:cond evt="onNext" delay="0">
+                  <p:tgtEl>
+                    <p:sldTgt/>
+                  </p:tgtEl>
+                </p:cond>
+              </p:nextCondLst>
+            </p:seq>
+          </p:childTnLst>
+        </p:cTn>
+      </p:par>
+    </p:tnLst>
+    <p:bldLst>
+      <p:bldP spid="2" grpId="0" animBg="1"/>
+    </p:bldLst>
+  </p:timing>
+</p:sld>
+</file>
+
+<file path=ppt/slides/slide11.xml><?xml version="1.0" encoding="utf-8"?>
+<p:sld xmlns:a="http://schemas.openxmlformats.org/drawingml/2006/main" xmlns:r="http://schemas.openxmlformats.org/officeDocument/2006/relationships" xmlns:p="http://schemas.openxmlformats.org/presentationml/2006/main">
+  <p:cSld>
+    <p:spTree>
+      <p:nvGrpSpPr>
+        <p:cNvPr id="1" name=""/>
+        <p:cNvGrpSpPr/>
+        <p:nvPr/>
+      </p:nvGrpSpPr>
+      <p:grpSpPr>
+        <a:xfrm>
+          <a:off x="0" y="0"/>
+          <a:ext cx="0" cy="0"/>
+          <a:chOff x="0" y="0"/>
+          <a:chExt cx="0" cy="0"/>
+        </a:xfrm>
+      </p:grpSpPr>
+      <p:sp>
+        <p:nvSpPr>
+          <p:cNvPr id="4" name="Title 3"/>
+          <p:cNvSpPr>
+            <a:spLocks noGrp="1"/>
+          </p:cNvSpPr>
+          <p:nvPr>
+            <p:ph type="title"/>
+          </p:nvPr>
+        </p:nvSpPr>
+        <p:spPr/>
+        <p:txBody>
+          <a:bodyPr/>
+          <a:lstStyle/>
+          <a:p>
+            <a:r>
+              <a:rPr lang="en-US" dirty="0" smtClean="0"/>
+              <a:t>Bundling and Optimization</a:t>
+            </a:r>
+            <a:endParaRPr lang="en-US" dirty="0"/>
+          </a:p>
+        </p:txBody>
+      </p:sp>
+      <p:sp>
+        <p:nvSpPr>
+          <p:cNvPr id="5" name="Text Placeholder 4"/>
+          <p:cNvSpPr>
+            <a:spLocks noGrp="1"/>
+          </p:cNvSpPr>
+          <p:nvPr>
+            <p:ph type="body" sz="quarter" idx="10"/>
+          </p:nvPr>
+        </p:nvSpPr>
+        <p:spPr>
+          <a:xfrm>
+            <a:off x="519111" y="2235450"/>
+            <a:ext cx="11149013" cy="553998"/>
+          </a:xfrm>
+        </p:spPr>
+        <p:txBody>
+          <a:bodyPr/>
+          <a:lstStyle/>
+          <a:p>
+            <a:r>
+              <a:rPr lang="en-US" b="1" dirty="0" smtClean="0">
+                <a:solidFill>
+                  <a:schemeClr val="accent2"/>
+                </a:solidFill>
+              </a:rPr>
+              <a:t>Minification</a:t>
+            </a:r>
+            <a:r>
+              <a:rPr lang="en-US" dirty="0" smtClean="0"/>
+              <a:t> compresses the files before sending</a:t>
+            </a:r>
+          </a:p>
+        </p:txBody>
+      </p:sp>
+      <p:pic>
+        <p:nvPicPr>
+          <p:cNvPr id="63490" name="Picture 2" descr="http://weblogs.asp.net/blogs/scottgu/image_53C34CB0.png"/>
+          <p:cNvPicPr>
+            <a:picLocks noChangeAspect="1" noChangeArrowheads="1"/>
+          </p:cNvPicPr>
+          <p:nvPr/>
+        </p:nvPicPr>
+        <p:blipFill>
+          <a:blip r:embed="rId2">
+            <a:extLst>
+              <a:ext uri="{28A0092B-C50C-407E-A947-70E740481C1C}">
+                <a14:useLocalDpi xmlns:a14="http://schemas.microsoft.com/office/drawing/2010/main" val="0"/>
+              </a:ext>
+            </a:extLst>
+          </a:blip>
+          <a:srcRect/>
+          <a:stretch>
+            <a:fillRect/>
+          </a:stretch>
+        </p:blipFill>
+        <p:spPr bwMode="auto">
+          <a:xfrm>
+            <a:off x="7244438" y="3032156"/>
+            <a:ext cx="4286250" cy="1295401"/>
+          </a:xfrm>
+          <a:prstGeom prst="rect">
+            <a:avLst/>
+          </a:prstGeom>
+          <a:noFill/>
+          <a:extLst>
+            <a:ext uri="{909E8E84-426E-40DD-AFC4-6F175D3DCCD1}">
+              <a14:hiddenFill xmlns:a14="http://schemas.microsoft.com/office/drawing/2010/main">
+                <a:solidFill>
+                  <a:srgbClr val="FFFFFF"/>
+                </a:solidFill>
+              </a14:hiddenFill>
+            </a:ext>
+          </a:extLst>
+        </p:spPr>
+      </p:pic>
+      <p:pic>
+        <p:nvPicPr>
+          <p:cNvPr id="6" name="Picture 2" descr="http://weblogs.asp.net/blogs/scottgu/image_432B51C2.png"/>
+          <p:cNvPicPr>
+            <a:picLocks noChangeAspect="1" noChangeArrowheads="1"/>
+          </p:cNvPicPr>
+          <p:nvPr/>
+        </p:nvPicPr>
+        <p:blipFill>
+          <a:blip r:embed="rId3">
+            <a:extLst>
+              <a:ext uri="{28A0092B-C50C-407E-A947-70E740481C1C}">
+                <a14:useLocalDpi xmlns:a14="http://schemas.microsoft.com/office/drawing/2010/main" val="0"/>
+              </a:ext>
+            </a:extLst>
+          </a:blip>
+          <a:srcRect/>
+          <a:stretch>
+            <a:fillRect/>
+          </a:stretch>
+        </p:blipFill>
+        <p:spPr bwMode="auto">
+          <a:xfrm>
+            <a:off x="519112" y="3032156"/>
+            <a:ext cx="4286250" cy="2438400"/>
+          </a:xfrm>
+          <a:prstGeom prst="rect">
+            <a:avLst/>
+          </a:prstGeom>
+          <a:noFill/>
+          <a:extLst>
+            <a:ext uri="{909E8E84-426E-40DD-AFC4-6F175D3DCCD1}">
+              <a14:hiddenFill xmlns:a14="http://schemas.microsoft.com/office/drawing/2010/main">
+                <a:solidFill>
+                  <a:srgbClr val="FFFFFF"/>
+                </a:solidFill>
+              </a14:hiddenFill>
+            </a:ext>
+          </a:extLst>
+        </p:spPr>
+      </p:pic>
+      <p:sp>
+        <p:nvSpPr>
+          <p:cNvPr id="2" name="Right Arrow 1"/>
+          <p:cNvSpPr/>
+          <p:nvPr/>
+        </p:nvSpPr>
+        <p:spPr bwMode="auto">
+          <a:xfrm>
+            <a:off x="4965644" y="3403725"/>
+            <a:ext cx="2118511" cy="552261"/>
+          </a:xfrm>
+          <a:prstGeom prst="rightArrow">
+            <a:avLst/>
+          </a:prstGeom>
+          <a:solidFill>
+            <a:schemeClr val="accent2"/>
+          </a:solidFill>
+          <a:ln>
+            <a:noFill/>
+            <a:headEnd type="none" w="med" len="med"/>
+            <a:tailEnd type="none" w="med" len="med"/>
+          </a:ln>
+          <a:effectLst/>
+        </p:spPr>
+        <p:style>
+          <a:lnRef idx="1">
+            <a:schemeClr val="accent2"/>
+          </a:lnRef>
+          <a:fillRef idx="3">
+            <a:schemeClr val="accent2"/>
+          </a:fillRef>
+          <a:effectRef idx="2">
+            <a:schemeClr val="accent2"/>
+          </a:effectRef>
+          <a:fontRef idx="minor">
+            <a:schemeClr val="lt1"/>
+          </a:fontRef>
+        </p:style>
+        <p:txBody>
+          <a:bodyPr vert="horz" wrap="square" lIns="91436" tIns="45718" rIns="91436" bIns="45718" numCol="1" rtlCol="0" anchor="ctr" anchorCtr="0" compatLnSpc="1">
+            <a:prstTxWarp prst="textNoShape">
+              <a:avLst/>
+            </a:prstTxWarp>
+          </a:bodyPr>
+          <a:lstStyle/>
+          <a:p>
+            <a:pPr algn="ctr" defTabSz="914099" fontAlgn="base">
+              <a:spcBef>
+                <a:spcPct val="0"/>
+              </a:spcBef>
+              <a:spcAft>
+                <a:spcPct val="0"/>
+              </a:spcAft>
+            </a:pPr>
+            <a:endParaRPr lang="en-US" sz="2200" dirty="0" smtClean="0">
+              <a:gradFill>
+                <a:gsLst>
+                  <a:gs pos="0">
+                    <a:srgbClr val="FFFFFF"/>
+                  </a:gs>
+                  <a:gs pos="100000">
+                    <a:srgbClr val="FFFFFF"/>
+                  </a:gs>
+                </a:gsLst>
+                <a:lin ang="5400000" scaled="0"/>
+              </a:gradFill>
+            </a:endParaRPr>
+          </a:p>
+        </p:txBody>
+      </p:sp>
+      <p:pic>
+        <p:nvPicPr>
+          <p:cNvPr id="7" name="Picture 2" descr="http://weblogs.asp.net/blogs/scottgu/image_20871347.png"/>
+          <p:cNvPicPr>
+            <a:picLocks noChangeAspect="1" noChangeArrowheads="1"/>
+          </p:cNvPicPr>
+          <p:nvPr/>
+        </p:nvPicPr>
+        <p:blipFill>
+          <a:blip r:embed="rId4">
+            <a:extLst>
+              <a:ext uri="{28A0092B-C50C-407E-A947-70E740481C1C}">
+                <a14:useLocalDpi xmlns:a14="http://schemas.microsoft.com/office/drawing/2010/main" val="0"/>
+              </a:ext>
+            </a:extLst>
+          </a:blip>
+          <a:srcRect/>
+          <a:stretch>
+            <a:fillRect/>
+          </a:stretch>
+        </p:blipFill>
+        <p:spPr bwMode="auto">
+          <a:xfrm>
+            <a:off x="7244437" y="3032156"/>
+            <a:ext cx="4286250" cy="1295401"/>
+          </a:xfrm>
+          <a:prstGeom prst="rect">
+            <a:avLst/>
+          </a:prstGeom>
+          <a:noFill/>
+          <a:extLst>
+            <a:ext uri="{909E8E84-426E-40DD-AFC4-6F175D3DCCD1}">
+              <a14:hiddenFill xmlns:a14="http://schemas.microsoft.com/office/drawing/2010/main">
+                <a:solidFill>
+                  <a:srgbClr val="FFFFFF"/>
+                </a:solidFill>
+              </a14:hiddenFill>
+            </a:ext>
+          </a:extLst>
+        </p:spPr>
+      </p:pic>
+    </p:spTree>
+    <p:extLst>
+      <p:ext uri="{BB962C8B-B14F-4D97-AF65-F5344CB8AC3E}">
+        <p14:creationId xmlns:p14="http://schemas.microsoft.com/office/powerpoint/2010/main" val="703784966"/>
+      </p:ext>
+    </p:extLst>
+  </p:cSld>
+  <p:clrMapOvr>
+    <a:masterClrMapping/>
+  </p:clrMapOvr>
+  <p:transition>
+    <p:fade/>
+  </p:transition>
+  <p:timing>
+    <p:tnLst>
+      <p:par>
+        <p:cTn id="1" dur="indefinite" restart="never" nodeType="tmRoot">
+          <p:childTnLst>
+            <p:seq concurrent="1" nextAc="seek">
+              <p:cTn id="2" dur="indefinite" nodeType="mainSeq">
+                <p:childTnLst>
+                  <p:par>
+                    <p:cTn id="3" fill="hold">
+                      <p:stCondLst>
+                        <p:cond delay="indefinite"/>
+                        <p:cond evt="onBegin" delay="0">
+                          <p:tn val="2"/>
+                        </p:cond>
+                      </p:stCondLst>
+                      <p:childTnLst>
+                        <p:par>
+                          <p:cTn id="4" fill="hold">
+                            <p:stCondLst>
+                              <p:cond delay="0"/>
+                            </p:stCondLst>
+                            <p:childTnLst>
+                              <p:par>
+                                <p:cTn id="5" presetID="10" presetClass="entr" presetSubtype="0" fill="hold" nodeType="withEffect">
+                                  <p:stCondLst>
+                                    <p:cond delay="0"/>
+                                  </p:stCondLst>
+                                  <p:childTnLst>
+                                    <p:set>
+                                      <p:cBhvr>
+                                        <p:cTn id="6" dur="1" fill="hold">
+                                          <p:stCondLst>
+                                            <p:cond delay="0"/>
+                                          </p:stCondLst>
+                                        </p:cTn>
+                                        <p:tgtEl>
+                                          <p:spTgt spid="7"/>
+                                        </p:tgtEl>
+                                        <p:attrNameLst>
+                                          <p:attrName>style.visibility</p:attrName>
+                                        </p:attrNameLst>
+                                      </p:cBhvr>
+                                      <p:to>
+                                        <p:strVal val="visible"/>
+                                      </p:to>
+                                    </p:set>
+                                    <p:animEffect transition="in" filter="fade">
+                                      <p:cBhvr>
+                                        <p:cTn id="7" dur="3000"/>
+                                        <p:tgtEl>
+                                          <p:spTgt spid="7"/>
+                                        </p:tgtEl>
+                                      </p:cBhvr>
+                                    </p:animEffect>
+                                  </p:childTnLst>
+                                </p:cTn>
+                              </p:par>
+                            </p:childTnLst>
+                          </p:cTn>
+                        </p:par>
+                      </p:childTnLst>
+                    </p:cTn>
+                  </p:par>
+                </p:childTnLst>
+              </p:cTn>
+              <p:prevCondLst>
+                <p:cond evt="onPrev" delay="0">
+                  <p:tgtEl>
+                    <p:sldTgt/>
+                  </p:tgtEl>
+                </p:cond>
+              </p:prevCondLst>
+              <p:nextCondLst>
+                <p:cond evt="onNext" delay="0">
+                  <p:tgtEl>
+                    <p:sldTgt/>
+                  </p:tgtEl>
+                </p:cond>
+              </p:nextCondLst>
+            </p:seq>
+          </p:childTnLst>
+        </p:cTn>
+      </p:par>
+    </p:tnLst>
+  </p:timing>
+</p:sld>
+</file>
+
+<file path=ppt/slides/slide12.xml><?xml version="1.0" encoding="utf-8"?>
+<p:sld xmlns:a="http://schemas.openxmlformats.org/drawingml/2006/main" xmlns:r="http://schemas.openxmlformats.org/officeDocument/2006/relationships" xmlns:p="http://schemas.openxmlformats.org/presentationml/2006/main">
+  <p:cSld>
+    <p:spTree>
+      <p:nvGrpSpPr>
+        <p:cNvPr id="1" name=""/>
+        <p:cNvGrpSpPr/>
+        <p:nvPr/>
+      </p:nvGrpSpPr>
+      <p:grpSpPr>
+        <a:xfrm>
+          <a:off x="0" y="0"/>
+          <a:ext cx="0" cy="0"/>
+          <a:chOff x="0" y="0"/>
+          <a:chExt cx="0" cy="0"/>
+        </a:xfrm>
+      </p:grpSpPr>
+      <p:sp>
+        <p:nvSpPr>
+          <p:cNvPr id="4" name="Title 3"/>
+          <p:cNvSpPr>
+            <a:spLocks noGrp="1"/>
+          </p:cNvSpPr>
+          <p:nvPr>
+            <p:ph type="title"/>
+          </p:nvPr>
+        </p:nvSpPr>
+        <p:spPr/>
+        <p:txBody>
+          <a:bodyPr/>
+          <a:lstStyle/>
+          <a:p>
+            <a:r>
+              <a:rPr lang="en-US" dirty="0" smtClean="0"/>
+              <a:t>Visual Studio 2012 web </a:t>
+            </a:r>
+            <a:r>
+              <a:rPr lang="en-US" dirty="0" err="1" smtClean="0"/>
+              <a:t>dev</a:t>
+            </a:r>
+            <a:r>
+              <a:rPr lang="en-US" dirty="0" smtClean="0"/>
+              <a:t> features</a:t>
+            </a:r>
+            <a:endParaRPr lang="en-US" dirty="0"/>
+          </a:p>
+        </p:txBody>
+      </p:sp>
+      <p:graphicFrame>
+        <p:nvGraphicFramePr>
+          <p:cNvPr id="2" name="Diagram 1"/>
+          <p:cNvGraphicFramePr/>
+          <p:nvPr>
+            <p:extLst>
+              <p:ext uri="{D42A27DB-BD31-4B8C-83A1-F6EECF244321}">
+                <p14:modId xmlns:p14="http://schemas.microsoft.com/office/powerpoint/2010/main" val="3526968004"/>
+              </p:ext>
+            </p:extLst>
+          </p:nvPr>
+        </p:nvGraphicFramePr>
+        <p:xfrm>
+          <a:off x="519112" y="2461787"/>
+          <a:ext cx="11149013" cy="2562240"/>
+        </p:xfrm>
+        <a:graphic>
+          <a:graphicData uri="http://schemas.openxmlformats.org/drawingml/2006/diagram">
+            <dgm:relIds xmlns:dgm="http://schemas.openxmlformats.org/drawingml/2006/diagram" xmlns:r="http://schemas.openxmlformats.org/officeDocument/2006/relationships" r:dm="rId2" r:lo="rId3" r:qs="rId4" r:cs="rId5"/>
+          </a:graphicData>
+        </a:graphic>
+      </p:graphicFrame>
+    </p:spTree>
+    <p:extLst>
+      <p:ext uri="{BB962C8B-B14F-4D97-AF65-F5344CB8AC3E}">
+        <p14:creationId xmlns:p14="http://schemas.microsoft.com/office/powerpoint/2010/main" val="2353100225"/>
+      </p:ext>
+    </p:extLst>
+  </p:cSld>
+  <p:clrMapOvr>
+    <a:masterClrMapping/>
+  </p:clrMapOvr>
+  <p:transition>
+    <p:fade/>
+  </p:transition>
+  <p:timing>
+    <p:tnLst>
+      <p:par>
+        <p:cTn id="1" dur="indefinite" restart="never" nodeType="tmRoot"/>
+      </p:par>
+    </p:tnLst>
+  </p:timing>
+</p:sld>
+</file>
+
+<file path=ppt/slides/slide13.xml><?xml version="1.0" encoding="utf-8"?>
+<p:sld xmlns:a="http://schemas.openxmlformats.org/drawingml/2006/main" xmlns:r="http://schemas.openxmlformats.org/officeDocument/2006/relationships" xmlns:p="http://schemas.openxmlformats.org/presentationml/2006/main">
+  <p:cSld>
+    <p:spTree>
+      <p:nvGrpSpPr>
+        <p:cNvPr id="1" name=""/>
+        <p:cNvGrpSpPr/>
+        <p:nvPr/>
+      </p:nvGrpSpPr>
+      <p:grpSpPr>
+        <a:xfrm>
+          <a:off x="0" y="0"/>
+          <a:ext cx="0" cy="0"/>
+          <a:chOff x="0" y="0"/>
+          <a:chExt cx="0" cy="0"/>
+        </a:xfrm>
+      </p:grpSpPr>
+      <p:sp>
+        <p:nvSpPr>
+          <p:cNvPr id="2" name="Title 1"/>
+          <p:cNvSpPr>
+            <a:spLocks noGrp="1"/>
+          </p:cNvSpPr>
+          <p:nvPr>
+            <p:ph type="ctrTitle"/>
+          </p:nvPr>
+        </p:nvSpPr>
+        <p:spPr>
+          <a:xfrm>
+            <a:off x="1889124" y="1447800"/>
+            <a:ext cx="5273675" cy="1523494"/>
+          </a:xfrm>
+        </p:spPr>
+        <p:txBody>
+          <a:bodyPr/>
+          <a:lstStyle/>
+          <a:p>
+            <a:r>
+              <a:rPr lang="en-US" dirty="0" smtClean="0"/>
+              <a:t>Visual Studio 2012 and Web Essentials</a:t>
+            </a:r>
+            <a:endParaRPr lang="en-US" dirty="0"/>
+          </a:p>
+        </p:txBody>
+      </p:sp>
+      <p:sp>
+        <p:nvSpPr>
+          <p:cNvPr id="3" name="Subtitle 2"/>
+          <p:cNvSpPr>
+            <a:spLocks noGrp="1"/>
+          </p:cNvSpPr>
+          <p:nvPr>
+            <p:ph type="subTitle" idx="1"/>
+          </p:nvPr>
+        </p:nvSpPr>
+        <p:spPr/>
+        <p:txBody>
+          <a:bodyPr/>
+          <a:lstStyle/>
+          <a:p>
+            <a:endParaRPr lang="en-US"/>
+          </a:p>
+        </p:txBody>
+      </p:sp>
+      <p:sp>
+        <p:nvSpPr>
+          <p:cNvPr id="4" name="Text Placeholder 3"/>
+          <p:cNvSpPr>
+            <a:spLocks noGrp="1"/>
+          </p:cNvSpPr>
+          <p:nvPr>
+            <p:ph type="body" sz="quarter" idx="10"/>
+          </p:nvPr>
+        </p:nvSpPr>
+        <p:spPr/>
+        <p:txBody>
+          <a:bodyPr/>
+          <a:lstStyle/>
+          <a:p>
+            <a:r>
+              <a:rPr lang="en-US" dirty="0" smtClean="0"/>
+              <a:t>demo</a:t>
+            </a:r>
+            <a:endParaRPr lang="en-US" dirty="0"/>
+          </a:p>
+        </p:txBody>
+      </p:sp>
+    </p:spTree>
+    <p:extLst>
+      <p:ext uri="{BB962C8B-B14F-4D97-AF65-F5344CB8AC3E}">
+        <p14:creationId xmlns:p14="http://schemas.microsoft.com/office/powerpoint/2010/main" val="1836187333"/>
+      </p:ext>
+    </p:extLst>
+  </p:cSld>
+  <p:clrMapOvr>
+    <a:masterClrMapping/>
+  </p:clrMapOvr>
+  <p:transition>
+    <p:fade/>
+  </p:transition>
+  <p:timing>
+    <p:tnLst>
+      <p:par>
+        <p:cTn id="1" dur="indefinite" restart="never" nodeType="tmRoot"/>
+      </p:par>
+    </p:tnLst>
+  </p:timing>
+</p:sld>
+</file>
+
+<file path=ppt/slides/slide14.xml><?xml version="1.0" encoding="utf-8"?>
+<p:sld xmlns:a="http://schemas.openxmlformats.org/drawingml/2006/main" xmlns:r="http://schemas.openxmlformats.org/officeDocument/2006/relationships" xmlns:p="http://schemas.openxmlformats.org/presentationml/2006/main">
+  <p:cSld>
+    <p:spTree>
+      <p:nvGrpSpPr>
+        <p:cNvPr id="1" name=""/>
+        <p:cNvGrpSpPr/>
+        <p:nvPr/>
+      </p:nvGrpSpPr>
+      <p:grpSpPr>
+        <a:xfrm>
+          <a:off x="0" y="0"/>
+          <a:ext cx="0" cy="0"/>
+          <a:chOff x="0" y="0"/>
+          <a:chExt cx="0" cy="0"/>
+        </a:xfrm>
+      </p:grpSpPr>
+      <p:graphicFrame>
+        <p:nvGraphicFramePr>
+          <p:cNvPr id="2" name="Object 1" hidden="1"/>
+          <p:cNvGraphicFramePr>
+            <a:graphicFrameLocks noChangeAspect="1"/>
+          </p:cNvGraphicFramePr>
+          <p:nvPr>
+            <p:custDataLst>
+              <p:tags r:id="rId2"/>
+            </p:custDataLst>
+            <p:extLst>
+              <p:ext uri="{D42A27DB-BD31-4B8C-83A1-F6EECF244321}">
+                <p14:modId xmlns:p14="http://schemas.microsoft.com/office/powerpoint/2010/main" val="3859461230"/>
+              </p:ext>
+            </p:extLst>
+          </p:nvPr>
+        </p:nvGraphicFramePr>
+        <p:xfrm>
+          <a:off x="0" y="0"/>
+          <a:ext cx="158750" cy="158750"/>
+        </p:xfrm>
+        <a:graphic>
+          <a:graphicData uri="http://schemas.openxmlformats.org/presentationml/2006/ole">
+            <mc:AlternateContent xmlns:mc="http://schemas.openxmlformats.org/markup-compatibility/2006">
+              <mc:Choice xmlns:v="urn:schemas-microsoft-com:vml" Requires="v">
+                <p:oleObj spid="_x0000_s58476" name="think-cell Slide" r:id="rId4" imgW="270" imgH="270" progId="TCLayout.ActiveDocument.1">
+                  <p:embed/>
+                </p:oleObj>
+              </mc:Choice>
+              <mc:Fallback>
+                <p:oleObj name="think-cell Slide" r:id="rId4" imgW="270" imgH="270" progId="TCLayout.ActiveDocument.1">
+                  <p:embed/>
+                  <p:pic>
+                    <p:nvPicPr>
+                      <p:cNvPr id="0" name=""/>
+                      <p:cNvPicPr/>
+                      <p:nvPr/>
+                    </p:nvPicPr>
+                    <p:blipFill>
+                      <a:blip r:embed="rId5"/>
+                      <a:stretch>
+                        <a:fillRect/>
+                      </a:stretch>
+                    </p:blipFill>
+                    <p:spPr>
+                      <a:xfrm>
+                        <a:off x="0" y="0"/>
+                        <a:ext cx="158750" cy="158750"/>
+                      </a:xfrm>
+                      <a:prstGeom prst="rect">
+                        <a:avLst/>
+                      </a:prstGeom>
+                    </p:spPr>
+                  </p:pic>
+                </p:oleObj>
+              </mc:Fallback>
+            </mc:AlternateContent>
+          </a:graphicData>
+        </a:graphic>
+      </p:graphicFrame>
+    </p:spTree>
+    <p:extLst>
+      <p:ext uri="{BB962C8B-B14F-4D97-AF65-F5344CB8AC3E}">
+        <p14:creationId xmlns:p14="http://schemas.microsoft.com/office/powerpoint/2010/main" val="1847082904"/>
+      </p:ext>
+    </p:extLst>
+  </p:cSld>
+  <p:clrMapOvr>
+    <a:masterClrMapping/>
+  </p:clrMapOvr>
+  <mc:AlternateContent xmlns:mc="http://schemas.openxmlformats.org/markup-compatibility/2006" xmlns:p14="http://schemas.microsoft.com/office/powerpoint/2010/main">
+    <mc:Choice Requires="p14">
+      <p:transition spd="med" p14:dur="700">
+        <p:fade/>
+      </p:transition>
+    </mc:Choice>
+    <mc:Fallback xmlns="">
+      <p:transition spd="med">
+        <p:fade/>
+      </p:transition>
+    </mc:Fallback>
+  </mc:AlternateContent>
+  <p:timing>
+    <p:tnLst>
+      <p:par>
+        <p:cTn id="1" dur="indefinite" restart="never" nodeType="tmRoot"/>
+      </p:par>
+    </p:tnLst>
+  </p:timing>
+</p:sld>
+</file>
+
 <file path=ppt/slides/slide2.xml><?xml version="1.0" encoding="utf-8"?>
 <p:sld xmlns:a="http://schemas.openxmlformats.org/drawingml/2006/main" xmlns:r="http://schemas.openxmlformats.org/officeDocument/2006/relationships" xmlns:p="http://schemas.openxmlformats.org/presentationml/2006/main">
   <p:cSld>
@@ -14483,7 +18719,7 @@
           <a:graphicData uri="http://schemas.openxmlformats.org/presentationml/2006/ole">
             <mc:AlternateContent xmlns:mc="http://schemas.openxmlformats.org/markup-compatibility/2006">
               <mc:Choice xmlns:v="urn:schemas-microsoft-com:vml" Requires="v">
-                <p:oleObj spid="_x0000_s59490" name="think-cell Slide" r:id="rId4" imgW="270" imgH="270" progId="TCLayout.ActiveDocument.1">
+                <p:oleObj spid="_x0000_s59496" name="think-cell Slide" r:id="rId4" imgW="270" imgH="270" progId="TCLayout.ActiveDocument.1">
                   <p:embed/>
                 </p:oleObj>
               </mc:Choice>
@@ -14655,7 +18891,7 @@
           <a:graphicData uri="http://schemas.openxmlformats.org/presentationml/2006/ole">
             <mc:AlternateContent xmlns:mc="http://schemas.openxmlformats.org/markup-compatibility/2006">
               <mc:Choice xmlns:v="urn:schemas-microsoft-com:vml" Requires="v">
-                <p:oleObj spid="_x0000_s23655" name="think-cell Slide" r:id="rId6" imgW="270" imgH="270" progId="TCLayout.ActiveDocument.1">
+                <p:oleObj spid="_x0000_s23662" name="think-cell Slide" r:id="rId6" imgW="270" imgH="270" progId="TCLayout.ActiveDocument.1">
                   <p:embed/>
                 </p:oleObj>
               </mc:Choice>
@@ -14709,7 +18945,7 @@
           <a:lstStyle/>
           <a:p>
             <a:r>
-              <a:rPr lang="en-US" smtClean="0"/>
+              <a:rPr lang="en-US" dirty="0" smtClean="0"/>
               <a:t>Agenda </a:t>
             </a:r>
             <a:endParaRPr lang="en-US" dirty="0"/>
@@ -14731,8 +18967,8 @@
         </p:nvSpPr>
         <p:spPr>
           <a:xfrm>
-            <a:off x="3473803" y="1591778"/>
-            <a:ext cx="8194321" cy="4893647"/>
+            <a:off x="3352801" y="1407112"/>
+            <a:ext cx="8315324" cy="5262979"/>
           </a:xfrm>
         </p:spPr>
         <p:txBody>
@@ -14740,40 +18976,47 @@
           <a:lstStyle/>
           <a:p>
             <a:r>
-              <a:rPr lang="en-US" sz="4000" dirty="0" smtClean="0"/>
-              <a:t>Web Forms Model Binding</a:t>
-            </a:r>
-          </a:p>
-          <a:p>
-            <a:r>
-              <a:rPr lang="en-US" sz="4000" dirty="0" smtClean="0"/>
+              <a:rPr lang="en-US" sz="3600" dirty="0" smtClean="0"/>
+              <a:t>Web Forms: Strongly Typed Data Controls</a:t>
+            </a:r>
+          </a:p>
+          <a:p>
+            <a:r>
+              <a:rPr lang="en-US" sz="3600" dirty="0" smtClean="0"/>
+              <a:t>Web Forms: Model Binding</a:t>
+            </a:r>
+            <a:endParaRPr lang="en-US" sz="3600" dirty="0" smtClean="0"/>
+          </a:p>
+          <a:p>
+            <a:r>
+              <a:rPr lang="en-US" sz="3600" dirty="0" smtClean="0"/>
               <a:t>Friendly URLs</a:t>
             </a:r>
           </a:p>
           <a:p>
             <a:r>
-              <a:rPr lang="en-US" sz="4000" dirty="0" smtClean="0"/>
+              <a:rPr lang="en-US" sz="3600" dirty="0" smtClean="0"/>
               <a:t>Page Inspector</a:t>
             </a:r>
           </a:p>
           <a:p>
             <a:r>
-              <a:rPr lang="en-US" sz="4000" dirty="0" smtClean="0"/>
+              <a:rPr lang="en-US" sz="3600" dirty="0" smtClean="0"/>
               <a:t>Visual Studio web editor features</a:t>
             </a:r>
           </a:p>
           <a:p>
             <a:r>
-              <a:rPr lang="en-US" sz="4000" dirty="0" smtClean="0"/>
+              <a:rPr lang="en-US" sz="3600" dirty="0" smtClean="0"/>
               <a:t>Web Essentials</a:t>
             </a:r>
           </a:p>
           <a:p>
             <a:r>
-              <a:rPr lang="en-US" sz="4000" dirty="0" smtClean="0"/>
+              <a:rPr lang="en-US" sz="3600" dirty="0" smtClean="0"/>
               <a:t>Bundling &amp; Optimization</a:t>
             </a:r>
-            <a:endParaRPr lang="en-US" sz="4000" dirty="0"/>
+            <a:endParaRPr lang="en-US" sz="3600" dirty="0"/>
           </a:p>
         </p:txBody>
       </p:sp>
@@ -14828,6 +19071,4022 @@
       </p:grpSpPr>
       <p:sp>
         <p:nvSpPr>
+          <p:cNvPr id="14" name="Rectangle 13"/>
+          <p:cNvSpPr/>
+          <p:nvPr/>
+        </p:nvSpPr>
+        <p:spPr bwMode="auto">
+          <a:xfrm>
+            <a:off x="0" y="1698670"/>
+            <a:ext cx="12188825" cy="1169551"/>
+          </a:xfrm>
+          <a:prstGeom prst="rect">
+            <a:avLst/>
+          </a:prstGeom>
+          <a:solidFill>
+            <a:schemeClr val="accent2">
+              <a:lumMod val="20000"/>
+              <a:lumOff val="80000"/>
+            </a:schemeClr>
+          </a:solidFill>
+          <a:ln>
+            <a:noFill/>
+            <a:headEnd type="none" w="med" len="med"/>
+            <a:tailEnd type="none" w="med" len="med"/>
+          </a:ln>
+          <a:effectLst/>
+        </p:spPr>
+        <p:style>
+          <a:lnRef idx="1">
+            <a:schemeClr val="accent2"/>
+          </a:lnRef>
+          <a:fillRef idx="3">
+            <a:schemeClr val="accent2"/>
+          </a:fillRef>
+          <a:effectRef idx="2">
+            <a:schemeClr val="accent2"/>
+          </a:effectRef>
+          <a:fontRef idx="minor">
+            <a:schemeClr val="lt1"/>
+          </a:fontRef>
+        </p:style>
+        <p:txBody>
+          <a:bodyPr vert="horz" wrap="square" lIns="91436" tIns="45718" rIns="91436" bIns="45718" numCol="1" rtlCol="0" anchor="ctr" anchorCtr="0" compatLnSpc="1">
+            <a:prstTxWarp prst="textNoShape">
+              <a:avLst/>
+            </a:prstTxWarp>
+          </a:bodyPr>
+          <a:lstStyle/>
+          <a:p>
+            <a:pPr algn="ctr" defTabSz="914099" fontAlgn="base">
+              <a:spcBef>
+                <a:spcPct val="0"/>
+              </a:spcBef>
+              <a:spcAft>
+                <a:spcPct val="0"/>
+              </a:spcAft>
+            </a:pPr>
+            <a:endParaRPr lang="en-US" sz="2200" dirty="0" smtClean="0">
+              <a:gradFill>
+                <a:gsLst>
+                  <a:gs pos="0">
+                    <a:srgbClr val="FFFFFF"/>
+                  </a:gs>
+                  <a:gs pos="100000">
+                    <a:srgbClr val="FFFFFF"/>
+                  </a:gs>
+                </a:gsLst>
+                <a:lin ang="5400000" scaled="0"/>
+              </a:gradFill>
+            </a:endParaRPr>
+          </a:p>
+        </p:txBody>
+      </p:sp>
+      <p:sp>
+        <p:nvSpPr>
+          <p:cNvPr id="3" name="Title 2"/>
+          <p:cNvSpPr>
+            <a:spLocks noGrp="1"/>
+          </p:cNvSpPr>
+          <p:nvPr>
+            <p:ph type="title"/>
+          </p:nvPr>
+        </p:nvSpPr>
+        <p:spPr>
+          <a:xfrm>
+            <a:off x="519112" y="228600"/>
+            <a:ext cx="11149013" cy="1329595"/>
+          </a:xfrm>
+        </p:spPr>
+        <p:txBody>
+          <a:bodyPr/>
+          <a:lstStyle/>
+          <a:p>
+            <a:r>
+              <a:rPr lang="en-US" sz="4800" dirty="0" smtClean="0"/>
+              <a:t>Model </a:t>
+            </a:r>
+            <a:r>
+              <a:rPr lang="en-US" sz="4800" dirty="0" smtClean="0"/>
+              <a:t>Binding with ASP.NET Web </a:t>
+            </a:r>
+            <a:r>
+              <a:rPr lang="en-US" sz="4800" dirty="0" smtClean="0"/>
+              <a:t>Forms:</a:t>
+            </a:r>
+            <a:br>
+              <a:rPr lang="en-US" sz="4800" dirty="0" smtClean="0"/>
+            </a:br>
+            <a:r>
+              <a:rPr lang="en-US" sz="4800" dirty="0" smtClean="0"/>
+              <a:t>Strongly Typed Data Controls</a:t>
+            </a:r>
+            <a:endParaRPr lang="en-US" sz="4800" dirty="0"/>
+          </a:p>
+        </p:txBody>
+      </p:sp>
+      <p:sp>
+        <p:nvSpPr>
+          <p:cNvPr id="5" name="TextBox 4"/>
+          <p:cNvSpPr txBox="1"/>
+          <p:nvPr/>
+        </p:nvSpPr>
+        <p:spPr>
+          <a:xfrm>
+            <a:off x="2948996" y="1698670"/>
+            <a:ext cx="8599876" cy="1169551"/>
+          </a:xfrm>
+          <a:prstGeom prst="rect">
+            <a:avLst/>
+          </a:prstGeom>
+          <a:solidFill>
+            <a:schemeClr val="accent6"/>
+          </a:solidFill>
+          <a:ln>
+            <a:noFill/>
+          </a:ln>
+          <a:effectLst/>
+        </p:spPr>
+        <p:style>
+          <a:lnRef idx="3">
+            <a:schemeClr val="lt1"/>
+          </a:lnRef>
+          <a:fillRef idx="1">
+            <a:schemeClr val="accent3"/>
+          </a:fillRef>
+          <a:effectRef idx="1">
+            <a:schemeClr val="accent3"/>
+          </a:effectRef>
+          <a:fontRef idx="minor">
+            <a:schemeClr val="lt1"/>
+          </a:fontRef>
+        </p:style>
+        <p:txBody>
+          <a:bodyPr wrap="square" rtlCol="0">
+            <a:spAutoFit/>
+          </a:bodyPr>
+          <a:lstStyle/>
+          <a:p>
+            <a:r>
+              <a:rPr lang="en-US" sz="1400" dirty="0">
+                <a:solidFill>
+                  <a:schemeClr val="lt1">
+                    <a:alpha val="99000"/>
+                  </a:schemeClr>
+                </a:solidFill>
+                <a:latin typeface="Consolas" pitchFamily="49" charset="0"/>
+                <a:cs typeface="Consolas" pitchFamily="49" charset="0"/>
+              </a:rPr>
+              <a:t>&lt;</a:t>
+            </a:r>
+            <a:r>
+              <a:rPr lang="en-US" sz="1400" dirty="0" err="1">
+                <a:solidFill>
+                  <a:schemeClr val="lt1">
+                    <a:alpha val="99000"/>
+                  </a:schemeClr>
+                </a:solidFill>
+                <a:latin typeface="Consolas" pitchFamily="49" charset="0"/>
+                <a:cs typeface="Consolas" pitchFamily="49" charset="0"/>
+              </a:rPr>
+              <a:t>ul</a:t>
+            </a:r>
+            <a:r>
+              <a:rPr lang="en-US" sz="1400" dirty="0">
+                <a:solidFill>
+                  <a:schemeClr val="lt1">
+                    <a:alpha val="99000"/>
+                  </a:schemeClr>
+                </a:solidFill>
+                <a:latin typeface="Consolas" pitchFamily="49" charset="0"/>
+                <a:cs typeface="Consolas" pitchFamily="49" charset="0"/>
+              </a:rPr>
+              <a:t>&gt;</a:t>
+            </a:r>
+          </a:p>
+          <a:p>
+            <a:r>
+              <a:rPr lang="en-US" sz="1400" dirty="0">
+                <a:solidFill>
+                  <a:schemeClr val="lt1">
+                    <a:alpha val="99000"/>
+                  </a:schemeClr>
+                </a:solidFill>
+                <a:latin typeface="Consolas" pitchFamily="49" charset="0"/>
+                <a:cs typeface="Consolas" pitchFamily="49" charset="0"/>
+              </a:rPr>
+              <a:t>  &lt;</a:t>
+            </a:r>
+            <a:r>
+              <a:rPr lang="en-US" sz="1400" dirty="0" err="1">
+                <a:solidFill>
+                  <a:schemeClr val="lt1">
+                    <a:alpha val="99000"/>
+                  </a:schemeClr>
+                </a:solidFill>
+                <a:latin typeface="Consolas" pitchFamily="49" charset="0"/>
+                <a:cs typeface="Consolas" pitchFamily="49" charset="0"/>
+              </a:rPr>
+              <a:t>asp:Repeater</a:t>
+            </a:r>
+            <a:r>
+              <a:rPr lang="en-US" sz="1400" dirty="0">
+                <a:solidFill>
+                  <a:schemeClr val="lt1">
+                    <a:alpha val="99000"/>
+                  </a:schemeClr>
+                </a:solidFill>
+                <a:latin typeface="Consolas" pitchFamily="49" charset="0"/>
+                <a:cs typeface="Consolas" pitchFamily="49" charset="0"/>
+              </a:rPr>
+              <a:t> ID="</a:t>
+            </a:r>
+            <a:r>
+              <a:rPr lang="en-US" sz="1400" dirty="0" err="1">
+                <a:solidFill>
+                  <a:schemeClr val="lt1">
+                    <a:alpha val="99000"/>
+                  </a:schemeClr>
+                </a:solidFill>
+                <a:latin typeface="Consolas" pitchFamily="49" charset="0"/>
+                <a:cs typeface="Consolas" pitchFamily="49" charset="0"/>
+              </a:rPr>
+              <a:t>customersRepeater</a:t>
+            </a:r>
+            <a:r>
+              <a:rPr lang="en-US" sz="1400" dirty="0">
+                <a:solidFill>
+                  <a:schemeClr val="lt1">
+                    <a:alpha val="99000"/>
+                  </a:schemeClr>
+                </a:solidFill>
+                <a:latin typeface="Consolas" pitchFamily="49" charset="0"/>
+                <a:cs typeface="Consolas" pitchFamily="49" charset="0"/>
+              </a:rPr>
+              <a:t>" </a:t>
+            </a:r>
+            <a:r>
+              <a:rPr lang="en-US" sz="1400" dirty="0" err="1" smtClean="0">
+                <a:solidFill>
+                  <a:schemeClr val="lt1">
+                    <a:alpha val="99000"/>
+                  </a:schemeClr>
+                </a:solidFill>
+                <a:latin typeface="Consolas" pitchFamily="49" charset="0"/>
+                <a:cs typeface="Consolas" pitchFamily="49" charset="0"/>
+              </a:rPr>
+              <a:t>runat</a:t>
+            </a:r>
+            <a:r>
+              <a:rPr lang="en-US" sz="1400" dirty="0">
+                <a:solidFill>
+                  <a:schemeClr val="lt1">
+                    <a:alpha val="99000"/>
+                  </a:schemeClr>
+                </a:solidFill>
+                <a:latin typeface="Consolas" pitchFamily="49" charset="0"/>
+                <a:cs typeface="Consolas" pitchFamily="49" charset="0"/>
+              </a:rPr>
+              <a:t>="server"</a:t>
+            </a:r>
+            <a:endParaRPr lang="en-US" sz="1400" dirty="0" smtClean="0">
+              <a:solidFill>
+                <a:schemeClr val="lt1">
+                  <a:alpha val="99000"/>
+                </a:schemeClr>
+              </a:solidFill>
+              <a:latin typeface="Consolas" pitchFamily="49" charset="0"/>
+              <a:cs typeface="Consolas" pitchFamily="49" charset="0"/>
+            </a:endParaRPr>
+          </a:p>
+          <a:p>
+            <a:r>
+              <a:rPr lang="en-US" sz="1400" b="1" dirty="0">
+                <a:solidFill>
+                  <a:schemeClr val="lt1">
+                    <a:alpha val="99000"/>
+                  </a:schemeClr>
+                </a:solidFill>
+                <a:latin typeface="Consolas" pitchFamily="49" charset="0"/>
+                <a:cs typeface="Consolas" pitchFamily="49" charset="0"/>
+              </a:rPr>
+              <a:t> </a:t>
+            </a:r>
+            <a:r>
+              <a:rPr lang="en-US" sz="1400" b="1" dirty="0" smtClean="0">
+                <a:solidFill>
+                  <a:schemeClr val="lt1">
+                    <a:alpha val="99000"/>
+                  </a:schemeClr>
+                </a:solidFill>
+                <a:latin typeface="Consolas" pitchFamily="49" charset="0"/>
+                <a:cs typeface="Consolas" pitchFamily="49" charset="0"/>
+              </a:rPr>
+              <a:t>               </a:t>
+            </a:r>
+            <a:r>
+              <a:rPr lang="en-US" sz="1400" b="1" dirty="0" err="1" smtClean="0">
+                <a:solidFill>
+                  <a:schemeClr val="accent4">
+                    <a:lumMod val="20000"/>
+                    <a:lumOff val="80000"/>
+                    <a:alpha val="99000"/>
+                  </a:schemeClr>
+                </a:solidFill>
+                <a:latin typeface="Consolas" pitchFamily="49" charset="0"/>
+                <a:cs typeface="Consolas" pitchFamily="49" charset="0"/>
+              </a:rPr>
+              <a:t>ItemType</a:t>
+            </a:r>
+            <a:r>
+              <a:rPr lang="en-US" sz="1400" dirty="0">
+                <a:solidFill>
+                  <a:schemeClr val="lt1">
+                    <a:alpha val="99000"/>
+                  </a:schemeClr>
+                </a:solidFill>
+                <a:latin typeface="Consolas" pitchFamily="49" charset="0"/>
+                <a:cs typeface="Consolas" pitchFamily="49" charset="0"/>
+              </a:rPr>
+              <a:t>="</a:t>
+            </a:r>
+            <a:r>
+              <a:rPr lang="en-US" sz="1400" dirty="0" err="1" smtClean="0">
+                <a:solidFill>
+                  <a:schemeClr val="lt1">
+                    <a:alpha val="99000"/>
+                  </a:schemeClr>
+                </a:solidFill>
+                <a:latin typeface="Consolas" pitchFamily="49" charset="0"/>
+                <a:cs typeface="Consolas" pitchFamily="49" charset="0"/>
+              </a:rPr>
+              <a:t>WebFormsLab.Model.Customer</a:t>
+            </a:r>
+            <a:r>
+              <a:rPr lang="en-US" sz="1400" dirty="0" smtClean="0">
+                <a:solidFill>
+                  <a:schemeClr val="lt1">
+                    <a:alpha val="99000"/>
+                  </a:schemeClr>
+                </a:solidFill>
+                <a:latin typeface="Consolas" pitchFamily="49" charset="0"/>
+                <a:cs typeface="Consolas" pitchFamily="49" charset="0"/>
+              </a:rPr>
+              <a:t>"&gt;</a:t>
+            </a:r>
+            <a:endParaRPr lang="en-US" sz="1400" dirty="0">
+              <a:solidFill>
+                <a:schemeClr val="lt1">
+                  <a:alpha val="99000"/>
+                </a:schemeClr>
+              </a:solidFill>
+              <a:latin typeface="Consolas" pitchFamily="49" charset="0"/>
+              <a:cs typeface="Consolas" pitchFamily="49" charset="0"/>
+            </a:endParaRPr>
+          </a:p>
+          <a:p>
+            <a:r>
+              <a:rPr lang="en-US" sz="1400" dirty="0" smtClean="0">
+                <a:solidFill>
+                  <a:schemeClr val="lt1">
+                    <a:alpha val="99000"/>
+                  </a:schemeClr>
+                </a:solidFill>
+                <a:latin typeface="Consolas" pitchFamily="49" charset="0"/>
+                <a:cs typeface="Consolas" pitchFamily="49" charset="0"/>
+              </a:rPr>
+              <a:t>  &lt;/</a:t>
+            </a:r>
+            <a:r>
+              <a:rPr lang="en-US" sz="1400" dirty="0" err="1">
+                <a:solidFill>
+                  <a:schemeClr val="lt1">
+                    <a:alpha val="99000"/>
+                  </a:schemeClr>
+                </a:solidFill>
+                <a:latin typeface="Consolas" pitchFamily="49" charset="0"/>
+                <a:cs typeface="Consolas" pitchFamily="49" charset="0"/>
+              </a:rPr>
+              <a:t>asp:Repeater</a:t>
+            </a:r>
+            <a:r>
+              <a:rPr lang="en-US" sz="1400" dirty="0">
+                <a:solidFill>
+                  <a:schemeClr val="lt1">
+                    <a:alpha val="99000"/>
+                  </a:schemeClr>
+                </a:solidFill>
+                <a:latin typeface="Consolas" pitchFamily="49" charset="0"/>
+                <a:cs typeface="Consolas" pitchFamily="49" charset="0"/>
+              </a:rPr>
+              <a:t>&gt;</a:t>
+            </a:r>
+          </a:p>
+          <a:p>
+            <a:r>
+              <a:rPr lang="en-US" sz="1400" dirty="0">
+                <a:solidFill>
+                  <a:schemeClr val="lt1">
+                    <a:alpha val="99000"/>
+                  </a:schemeClr>
+                </a:solidFill>
+                <a:latin typeface="Consolas" pitchFamily="49" charset="0"/>
+                <a:cs typeface="Consolas" pitchFamily="49" charset="0"/>
+              </a:rPr>
+              <a:t>&lt;/</a:t>
+            </a:r>
+            <a:r>
+              <a:rPr lang="en-US" sz="1400" dirty="0" err="1">
+                <a:solidFill>
+                  <a:schemeClr val="lt1">
+                    <a:alpha val="99000"/>
+                  </a:schemeClr>
+                </a:solidFill>
+                <a:latin typeface="Consolas" pitchFamily="49" charset="0"/>
+                <a:cs typeface="Consolas" pitchFamily="49" charset="0"/>
+              </a:rPr>
+              <a:t>ul</a:t>
+            </a:r>
+            <a:r>
+              <a:rPr lang="en-US" sz="1400" dirty="0">
+                <a:solidFill>
+                  <a:schemeClr val="lt1">
+                    <a:alpha val="99000"/>
+                  </a:schemeClr>
+                </a:solidFill>
+                <a:latin typeface="Consolas" pitchFamily="49" charset="0"/>
+                <a:cs typeface="Consolas" pitchFamily="49" charset="0"/>
+              </a:rPr>
+              <a:t>&gt;</a:t>
+            </a:r>
+          </a:p>
+        </p:txBody>
+      </p:sp>
+      <p:sp>
+        <p:nvSpPr>
+          <p:cNvPr id="8" name="Rectangle 7"/>
+          <p:cNvSpPr/>
+          <p:nvPr/>
+        </p:nvSpPr>
+        <p:spPr>
+          <a:xfrm>
+            <a:off x="519112" y="1678268"/>
+            <a:ext cx="2334101" cy="1077218"/>
+          </a:xfrm>
+          <a:prstGeom prst="rect">
+            <a:avLst/>
+          </a:prstGeom>
+        </p:spPr>
+        <p:txBody>
+          <a:bodyPr wrap="none">
+            <a:spAutoFit/>
+          </a:bodyPr>
+          <a:lstStyle/>
+          <a:p>
+            <a:r>
+              <a:rPr lang="en-US" sz="4000" dirty="0" smtClean="0">
+                <a:solidFill>
+                  <a:schemeClr val="accent2">
+                    <a:alpha val="99000"/>
+                  </a:schemeClr>
+                </a:solidFill>
+                <a:latin typeface="Segoe UI Light" pitchFamily="34" charset="0"/>
+              </a:rPr>
+              <a:t>Step 1:</a:t>
+            </a:r>
+            <a:endParaRPr lang="en-US" sz="4000" dirty="0">
+              <a:solidFill>
+                <a:schemeClr val="accent2">
+                  <a:alpha val="99000"/>
+                </a:schemeClr>
+              </a:solidFill>
+              <a:latin typeface="Segoe UI Light" pitchFamily="34" charset="0"/>
+            </a:endParaRPr>
+          </a:p>
+          <a:p>
+            <a:r>
+              <a:rPr lang="en-US" dirty="0" smtClean="0">
+                <a:solidFill>
+                  <a:schemeClr val="tx2">
+                    <a:alpha val="99000"/>
+                  </a:schemeClr>
+                </a:solidFill>
+                <a:latin typeface="Segoe UI Light" pitchFamily="34" charset="0"/>
+              </a:rPr>
+              <a:t>Set the </a:t>
+            </a:r>
+            <a:r>
+              <a:rPr lang="en-US" dirty="0" err="1" smtClean="0">
+                <a:solidFill>
+                  <a:schemeClr val="tx2">
+                    <a:alpha val="99000"/>
+                  </a:schemeClr>
+                </a:solidFill>
+                <a:latin typeface="Segoe UI Light" pitchFamily="34" charset="0"/>
+              </a:rPr>
+              <a:t>ItemType</a:t>
+            </a:r>
+            <a:endParaRPr lang="en-US" dirty="0">
+              <a:solidFill>
+                <a:schemeClr val="tx2">
+                  <a:alpha val="99000"/>
+                </a:schemeClr>
+              </a:solidFill>
+              <a:latin typeface="Segoe UI Light" pitchFamily="34" charset="0"/>
+            </a:endParaRPr>
+          </a:p>
+        </p:txBody>
+      </p:sp>
+      <p:sp>
+        <p:nvSpPr>
+          <p:cNvPr id="12" name="Rectangle 11"/>
+          <p:cNvSpPr/>
+          <p:nvPr/>
+        </p:nvSpPr>
+        <p:spPr bwMode="auto">
+          <a:xfrm>
+            <a:off x="2473" y="3399952"/>
+            <a:ext cx="12188825" cy="2893100"/>
+          </a:xfrm>
+          <a:prstGeom prst="rect">
+            <a:avLst/>
+          </a:prstGeom>
+          <a:solidFill>
+            <a:schemeClr val="accent2">
+              <a:lumMod val="20000"/>
+              <a:lumOff val="80000"/>
+            </a:schemeClr>
+          </a:solidFill>
+          <a:ln>
+            <a:noFill/>
+            <a:headEnd type="none" w="med" len="med"/>
+            <a:tailEnd type="none" w="med" len="med"/>
+          </a:ln>
+          <a:effectLst/>
+        </p:spPr>
+        <p:style>
+          <a:lnRef idx="1">
+            <a:schemeClr val="accent2"/>
+          </a:lnRef>
+          <a:fillRef idx="3">
+            <a:schemeClr val="accent2"/>
+          </a:fillRef>
+          <a:effectRef idx="2">
+            <a:schemeClr val="accent2"/>
+          </a:effectRef>
+          <a:fontRef idx="minor">
+            <a:schemeClr val="lt1"/>
+          </a:fontRef>
+        </p:style>
+        <p:txBody>
+          <a:bodyPr vert="horz" wrap="square" lIns="91436" tIns="45718" rIns="91436" bIns="45718" numCol="1" rtlCol="0" anchor="ctr" anchorCtr="0" compatLnSpc="1">
+            <a:prstTxWarp prst="textNoShape">
+              <a:avLst/>
+            </a:prstTxWarp>
+          </a:bodyPr>
+          <a:lstStyle/>
+          <a:p>
+            <a:pPr algn="ctr" defTabSz="914099" fontAlgn="base">
+              <a:spcBef>
+                <a:spcPct val="0"/>
+              </a:spcBef>
+              <a:spcAft>
+                <a:spcPct val="0"/>
+              </a:spcAft>
+            </a:pPr>
+            <a:endParaRPr lang="en-US" sz="2200" dirty="0" smtClean="0">
+              <a:gradFill>
+                <a:gsLst>
+                  <a:gs pos="0">
+                    <a:srgbClr val="FFFFFF"/>
+                  </a:gs>
+                  <a:gs pos="100000">
+                    <a:srgbClr val="FFFFFF"/>
+                  </a:gs>
+                </a:gsLst>
+                <a:lin ang="5400000" scaled="0"/>
+              </a:gradFill>
+            </a:endParaRPr>
+          </a:p>
+        </p:txBody>
+      </p:sp>
+      <p:sp>
+        <p:nvSpPr>
+          <p:cNvPr id="13" name="TextBox 12"/>
+          <p:cNvSpPr txBox="1"/>
+          <p:nvPr/>
+        </p:nvSpPr>
+        <p:spPr>
+          <a:xfrm>
+            <a:off x="3044779" y="3399952"/>
+            <a:ext cx="8599876" cy="2893100"/>
+          </a:xfrm>
+          <a:prstGeom prst="rect">
+            <a:avLst/>
+          </a:prstGeom>
+          <a:solidFill>
+            <a:schemeClr val="accent6"/>
+          </a:solidFill>
+          <a:ln>
+            <a:noFill/>
+          </a:ln>
+          <a:effectLst/>
+        </p:spPr>
+        <p:style>
+          <a:lnRef idx="3">
+            <a:schemeClr val="lt1"/>
+          </a:lnRef>
+          <a:fillRef idx="1">
+            <a:schemeClr val="accent3"/>
+          </a:fillRef>
+          <a:effectRef idx="1">
+            <a:schemeClr val="accent3"/>
+          </a:effectRef>
+          <a:fontRef idx="minor">
+            <a:schemeClr val="lt1"/>
+          </a:fontRef>
+        </p:style>
+        <p:txBody>
+          <a:bodyPr wrap="square" rtlCol="0">
+            <a:spAutoFit/>
+          </a:bodyPr>
+          <a:lstStyle/>
+          <a:p>
+            <a:r>
+              <a:rPr lang="en-US" sz="1400" dirty="0" smtClean="0">
+                <a:solidFill>
+                  <a:schemeClr val="lt1">
+                    <a:alpha val="99000"/>
+                  </a:schemeClr>
+                </a:solidFill>
+                <a:latin typeface="Consolas" pitchFamily="49" charset="0"/>
+                <a:cs typeface="Consolas" pitchFamily="49" charset="0"/>
+              </a:rPr>
+              <a:t>&lt;</a:t>
+            </a:r>
+            <a:r>
+              <a:rPr lang="en-US" sz="1400" dirty="0" err="1" smtClean="0">
+                <a:solidFill>
+                  <a:schemeClr val="lt1">
+                    <a:alpha val="99000"/>
+                  </a:schemeClr>
+                </a:solidFill>
+                <a:latin typeface="Consolas" pitchFamily="49" charset="0"/>
+                <a:cs typeface="Consolas" pitchFamily="49" charset="0"/>
+              </a:rPr>
+              <a:t>ul</a:t>
+            </a:r>
+            <a:r>
+              <a:rPr lang="en-US" sz="1400" dirty="0" smtClean="0">
+                <a:solidFill>
+                  <a:schemeClr val="lt1">
+                    <a:alpha val="99000"/>
+                  </a:schemeClr>
+                </a:solidFill>
+                <a:latin typeface="Consolas" pitchFamily="49" charset="0"/>
+                <a:cs typeface="Consolas" pitchFamily="49" charset="0"/>
+              </a:rPr>
+              <a:t>&gt;</a:t>
+            </a:r>
+          </a:p>
+          <a:p>
+            <a:r>
+              <a:rPr lang="en-US" sz="1400" dirty="0" smtClean="0">
+                <a:solidFill>
+                  <a:schemeClr val="lt1">
+                    <a:alpha val="99000"/>
+                  </a:schemeClr>
+                </a:solidFill>
+                <a:latin typeface="Consolas" pitchFamily="49" charset="0"/>
+                <a:cs typeface="Consolas" pitchFamily="49" charset="0"/>
+              </a:rPr>
+              <a:t>  &lt;</a:t>
+            </a:r>
+            <a:r>
+              <a:rPr lang="en-US" sz="1400" dirty="0" err="1" smtClean="0">
+                <a:solidFill>
+                  <a:schemeClr val="lt1">
+                    <a:alpha val="99000"/>
+                  </a:schemeClr>
+                </a:solidFill>
+                <a:latin typeface="Consolas" pitchFamily="49" charset="0"/>
+                <a:cs typeface="Consolas" pitchFamily="49" charset="0"/>
+              </a:rPr>
+              <a:t>asp:Repeater</a:t>
+            </a:r>
+            <a:r>
+              <a:rPr lang="en-US" sz="1400" dirty="0" smtClean="0">
+                <a:solidFill>
+                  <a:schemeClr val="lt1">
+                    <a:alpha val="99000"/>
+                  </a:schemeClr>
+                </a:solidFill>
+                <a:latin typeface="Consolas" pitchFamily="49" charset="0"/>
+                <a:cs typeface="Consolas" pitchFamily="49" charset="0"/>
+              </a:rPr>
+              <a:t> ID="</a:t>
+            </a:r>
+            <a:r>
+              <a:rPr lang="en-US" sz="1400" dirty="0" err="1" smtClean="0">
+                <a:solidFill>
+                  <a:schemeClr val="lt1">
+                    <a:alpha val="99000"/>
+                  </a:schemeClr>
+                </a:solidFill>
+                <a:latin typeface="Consolas" pitchFamily="49" charset="0"/>
+                <a:cs typeface="Consolas" pitchFamily="49" charset="0"/>
+              </a:rPr>
+              <a:t>customersRepeater</a:t>
+            </a:r>
+            <a:r>
+              <a:rPr lang="en-US" sz="1400" dirty="0" smtClean="0">
+                <a:solidFill>
+                  <a:schemeClr val="lt1">
+                    <a:alpha val="99000"/>
+                  </a:schemeClr>
+                </a:solidFill>
+                <a:latin typeface="Consolas" pitchFamily="49" charset="0"/>
+                <a:cs typeface="Consolas" pitchFamily="49" charset="0"/>
+              </a:rPr>
+              <a:t>" </a:t>
+            </a:r>
+            <a:r>
+              <a:rPr lang="en-US" sz="1400" dirty="0" err="1" smtClean="0">
+                <a:solidFill>
+                  <a:schemeClr val="lt1">
+                    <a:alpha val="99000"/>
+                  </a:schemeClr>
+                </a:solidFill>
+                <a:latin typeface="Consolas" pitchFamily="49" charset="0"/>
+                <a:cs typeface="Consolas" pitchFamily="49" charset="0"/>
+              </a:rPr>
+              <a:t>runat</a:t>
+            </a:r>
+            <a:r>
+              <a:rPr lang="en-US" sz="1400" dirty="0" smtClean="0">
+                <a:solidFill>
+                  <a:schemeClr val="lt1">
+                    <a:alpha val="99000"/>
+                  </a:schemeClr>
+                </a:solidFill>
+                <a:latin typeface="Consolas" pitchFamily="49" charset="0"/>
+                <a:cs typeface="Consolas" pitchFamily="49" charset="0"/>
+              </a:rPr>
+              <a:t>="server“ </a:t>
+            </a:r>
+            <a:br>
+              <a:rPr lang="en-US" sz="1400" dirty="0" smtClean="0">
+                <a:solidFill>
+                  <a:schemeClr val="lt1">
+                    <a:alpha val="99000"/>
+                  </a:schemeClr>
+                </a:solidFill>
+                <a:latin typeface="Consolas" pitchFamily="49" charset="0"/>
+                <a:cs typeface="Consolas" pitchFamily="49" charset="0"/>
+              </a:rPr>
+            </a:br>
+            <a:r>
+              <a:rPr lang="en-US" sz="1400" dirty="0" smtClean="0">
+                <a:solidFill>
+                  <a:schemeClr val="lt1">
+                    <a:alpha val="99000"/>
+                  </a:schemeClr>
+                </a:solidFill>
+                <a:latin typeface="Consolas" pitchFamily="49" charset="0"/>
+                <a:cs typeface="Consolas" pitchFamily="49" charset="0"/>
+              </a:rPr>
+              <a:t>                </a:t>
+            </a:r>
+            <a:r>
+              <a:rPr lang="en-US" sz="1400" dirty="0" err="1" smtClean="0">
+                <a:solidFill>
+                  <a:schemeClr val="lt1">
+                    <a:alpha val="99000"/>
+                  </a:schemeClr>
+                </a:solidFill>
+                <a:latin typeface="Consolas" pitchFamily="49" charset="0"/>
+                <a:cs typeface="Consolas" pitchFamily="49" charset="0"/>
+              </a:rPr>
+              <a:t>ItemType</a:t>
+            </a:r>
+            <a:r>
+              <a:rPr lang="en-US" sz="1400" dirty="0" smtClean="0">
+                <a:solidFill>
+                  <a:schemeClr val="lt1">
+                    <a:alpha val="99000"/>
+                  </a:schemeClr>
+                </a:solidFill>
+                <a:latin typeface="Consolas" pitchFamily="49" charset="0"/>
+                <a:cs typeface="Consolas" pitchFamily="49" charset="0"/>
+              </a:rPr>
+              <a:t>="</a:t>
+            </a:r>
+            <a:r>
+              <a:rPr lang="en-US" sz="1400" dirty="0" err="1" smtClean="0">
+                <a:solidFill>
+                  <a:schemeClr val="lt1">
+                    <a:alpha val="99000"/>
+                  </a:schemeClr>
+                </a:solidFill>
+                <a:latin typeface="Consolas" pitchFamily="49" charset="0"/>
+                <a:cs typeface="Consolas" pitchFamily="49" charset="0"/>
+              </a:rPr>
+              <a:t>WebFormsLab.Model.Customer</a:t>
+            </a:r>
+            <a:r>
+              <a:rPr lang="en-US" sz="1400" dirty="0" smtClean="0">
+                <a:solidFill>
+                  <a:schemeClr val="lt1">
+                    <a:alpha val="99000"/>
+                  </a:schemeClr>
+                </a:solidFill>
+                <a:latin typeface="Consolas" pitchFamily="49" charset="0"/>
+                <a:cs typeface="Consolas" pitchFamily="49" charset="0"/>
+              </a:rPr>
+              <a:t>"&gt;</a:t>
+            </a:r>
+          </a:p>
+          <a:p>
+            <a:r>
+              <a:rPr lang="en-US" sz="1400" dirty="0" smtClean="0">
+                <a:solidFill>
+                  <a:schemeClr val="lt1">
+                    <a:alpha val="99000"/>
+                  </a:schemeClr>
+                </a:solidFill>
+                <a:latin typeface="Consolas" pitchFamily="49" charset="0"/>
+                <a:cs typeface="Consolas" pitchFamily="49" charset="0"/>
+              </a:rPr>
+              <a:t>    &lt;</a:t>
+            </a:r>
+            <a:r>
+              <a:rPr lang="en-US" sz="1400" dirty="0" err="1" smtClean="0">
+                <a:solidFill>
+                  <a:schemeClr val="lt1">
+                    <a:alpha val="99000"/>
+                  </a:schemeClr>
+                </a:solidFill>
+                <a:latin typeface="Consolas" pitchFamily="49" charset="0"/>
+                <a:cs typeface="Consolas" pitchFamily="49" charset="0"/>
+              </a:rPr>
+              <a:t>ItemTemplate</a:t>
+            </a:r>
+            <a:r>
+              <a:rPr lang="en-US" sz="1400" dirty="0" smtClean="0">
+                <a:solidFill>
+                  <a:schemeClr val="lt1">
+                    <a:alpha val="99000"/>
+                  </a:schemeClr>
+                </a:solidFill>
+                <a:latin typeface="Consolas" pitchFamily="49" charset="0"/>
+                <a:cs typeface="Consolas" pitchFamily="49" charset="0"/>
+              </a:rPr>
+              <a:t>&gt;</a:t>
+            </a:r>
+          </a:p>
+          <a:p>
+            <a:r>
+              <a:rPr lang="en-US" sz="1400" dirty="0" smtClean="0">
+                <a:solidFill>
+                  <a:schemeClr val="lt1">
+                    <a:alpha val="99000"/>
+                  </a:schemeClr>
+                </a:solidFill>
+                <a:latin typeface="Consolas" pitchFamily="49" charset="0"/>
+                <a:cs typeface="Consolas" pitchFamily="49" charset="0"/>
+              </a:rPr>
+              <a:t>      &lt;li&gt;</a:t>
+            </a:r>
+          </a:p>
+          <a:p>
+            <a:r>
+              <a:rPr lang="en-US" sz="1400" dirty="0" smtClean="0">
+                <a:solidFill>
+                  <a:schemeClr val="lt1">
+                    <a:alpha val="99000"/>
+                  </a:schemeClr>
+                </a:solidFill>
+                <a:latin typeface="Consolas" pitchFamily="49" charset="0"/>
+                <a:cs typeface="Consolas" pitchFamily="49" charset="0"/>
+              </a:rPr>
+              <a:t>        &lt;a </a:t>
+            </a:r>
+            <a:r>
+              <a:rPr lang="en-US" sz="1400" dirty="0" err="1" smtClean="0">
+                <a:solidFill>
+                  <a:schemeClr val="lt1">
+                    <a:alpha val="99000"/>
+                  </a:schemeClr>
+                </a:solidFill>
+                <a:latin typeface="Consolas" pitchFamily="49" charset="0"/>
+                <a:cs typeface="Consolas" pitchFamily="49" charset="0"/>
+              </a:rPr>
+              <a:t>href</a:t>
+            </a:r>
+            <a:r>
+              <a:rPr lang="en-US" sz="1400" dirty="0" smtClean="0">
+                <a:solidFill>
+                  <a:schemeClr val="lt1">
+                    <a:alpha val="99000"/>
+                  </a:schemeClr>
+                </a:solidFill>
+                <a:latin typeface="Consolas" pitchFamily="49" charset="0"/>
+                <a:cs typeface="Consolas" pitchFamily="49" charset="0"/>
+              </a:rPr>
+              <a:t>="</a:t>
+            </a:r>
+            <a:r>
+              <a:rPr lang="en-US" sz="1400" dirty="0" err="1" smtClean="0">
+                <a:solidFill>
+                  <a:schemeClr val="lt1">
+                    <a:alpha val="99000"/>
+                  </a:schemeClr>
+                </a:solidFill>
+                <a:latin typeface="Consolas" pitchFamily="49" charset="0"/>
+                <a:cs typeface="Consolas" pitchFamily="49" charset="0"/>
+              </a:rPr>
+              <a:t>CustomerDetails.aspx?id</a:t>
+            </a:r>
+            <a:r>
+              <a:rPr lang="en-US" sz="1400" dirty="0" smtClean="0">
+                <a:solidFill>
+                  <a:schemeClr val="lt1">
+                    <a:alpha val="99000"/>
+                  </a:schemeClr>
+                </a:solidFill>
+                <a:latin typeface="Consolas" pitchFamily="49" charset="0"/>
+                <a:cs typeface="Consolas" pitchFamily="49" charset="0"/>
+              </a:rPr>
+              <a:t>=&lt;%#: </a:t>
+            </a:r>
+            <a:r>
+              <a:rPr lang="en-US" sz="1400" b="1" dirty="0" err="1" smtClean="0">
+                <a:solidFill>
+                  <a:schemeClr val="accent4">
+                    <a:lumMod val="20000"/>
+                    <a:lumOff val="80000"/>
+                    <a:alpha val="99000"/>
+                  </a:schemeClr>
+                </a:solidFill>
+                <a:latin typeface="Consolas" pitchFamily="49" charset="0"/>
+                <a:cs typeface="Consolas" pitchFamily="49" charset="0"/>
+              </a:rPr>
+              <a:t>Item.Id</a:t>
+            </a:r>
+            <a:r>
+              <a:rPr lang="en-US" sz="1400" dirty="0" smtClean="0">
+                <a:solidFill>
+                  <a:schemeClr val="lt1">
+                    <a:alpha val="99000"/>
+                  </a:schemeClr>
+                </a:solidFill>
+                <a:latin typeface="Consolas" pitchFamily="49" charset="0"/>
+                <a:cs typeface="Consolas" pitchFamily="49" charset="0"/>
+              </a:rPr>
+              <a:t> %&gt;"&gt;</a:t>
+            </a:r>
+          </a:p>
+          <a:p>
+            <a:r>
+              <a:rPr lang="en-US" sz="1400" dirty="0" smtClean="0">
+                <a:solidFill>
+                  <a:schemeClr val="lt1">
+                    <a:alpha val="99000"/>
+                  </a:schemeClr>
+                </a:solidFill>
+                <a:latin typeface="Consolas" pitchFamily="49" charset="0"/>
+                <a:cs typeface="Consolas" pitchFamily="49" charset="0"/>
+              </a:rPr>
+              <a:t>          &lt;%#: </a:t>
+            </a:r>
+            <a:r>
+              <a:rPr lang="en-US" sz="1400" b="1" dirty="0" err="1" smtClean="0">
+                <a:solidFill>
+                  <a:schemeClr val="accent4">
+                    <a:lumMod val="20000"/>
+                    <a:lumOff val="80000"/>
+                    <a:alpha val="99000"/>
+                  </a:schemeClr>
+                </a:solidFill>
+                <a:latin typeface="Consolas" pitchFamily="49" charset="0"/>
+                <a:cs typeface="Consolas" pitchFamily="49" charset="0"/>
+              </a:rPr>
+              <a:t>Item.FirstName</a:t>
+            </a:r>
+            <a:r>
+              <a:rPr lang="en-US" sz="1400" dirty="0" smtClean="0">
+                <a:solidFill>
+                  <a:schemeClr val="lt1">
+                    <a:alpha val="99000"/>
+                  </a:schemeClr>
+                </a:solidFill>
+                <a:latin typeface="Consolas" pitchFamily="49" charset="0"/>
+                <a:cs typeface="Consolas" pitchFamily="49" charset="0"/>
+              </a:rPr>
+              <a:t> %&gt; &lt;%#: </a:t>
+            </a:r>
+            <a:r>
+              <a:rPr lang="en-US" sz="1400" b="1" dirty="0" err="1" smtClean="0">
+                <a:solidFill>
+                  <a:schemeClr val="accent4">
+                    <a:lumMod val="20000"/>
+                    <a:lumOff val="80000"/>
+                    <a:alpha val="99000"/>
+                  </a:schemeClr>
+                </a:solidFill>
+                <a:latin typeface="Consolas" pitchFamily="49" charset="0"/>
+                <a:cs typeface="Consolas" pitchFamily="49" charset="0"/>
+              </a:rPr>
+              <a:t>Item.LastName</a:t>
+            </a:r>
+            <a:r>
+              <a:rPr lang="en-US" sz="1400" dirty="0" smtClean="0">
+                <a:solidFill>
+                  <a:schemeClr val="lt1">
+                    <a:alpha val="99000"/>
+                  </a:schemeClr>
+                </a:solidFill>
+                <a:latin typeface="Consolas" pitchFamily="49" charset="0"/>
+                <a:cs typeface="Consolas" pitchFamily="49" charset="0"/>
+              </a:rPr>
+              <a:t> %&gt;</a:t>
+            </a:r>
+          </a:p>
+          <a:p>
+            <a:r>
+              <a:rPr lang="en-US" sz="1400" dirty="0" smtClean="0">
+                <a:solidFill>
+                  <a:schemeClr val="lt1">
+                    <a:alpha val="99000"/>
+                  </a:schemeClr>
+                </a:solidFill>
+                <a:latin typeface="Consolas" pitchFamily="49" charset="0"/>
+                <a:cs typeface="Consolas" pitchFamily="49" charset="0"/>
+              </a:rPr>
+              <a:t>        &lt;/a&gt;</a:t>
+            </a:r>
+          </a:p>
+          <a:p>
+            <a:r>
+              <a:rPr lang="en-US" sz="1400" dirty="0" smtClean="0">
+                <a:solidFill>
+                  <a:schemeClr val="lt1">
+                    <a:alpha val="99000"/>
+                  </a:schemeClr>
+                </a:solidFill>
+                <a:latin typeface="Consolas" pitchFamily="49" charset="0"/>
+                <a:cs typeface="Consolas" pitchFamily="49" charset="0"/>
+              </a:rPr>
+              <a:t>      &lt;/li&gt;</a:t>
+            </a:r>
+          </a:p>
+          <a:p>
+            <a:r>
+              <a:rPr lang="en-US" sz="1400" dirty="0" smtClean="0">
+                <a:solidFill>
+                  <a:schemeClr val="lt1">
+                    <a:alpha val="99000"/>
+                  </a:schemeClr>
+                </a:solidFill>
+                <a:latin typeface="Consolas" pitchFamily="49" charset="0"/>
+                <a:cs typeface="Consolas" pitchFamily="49" charset="0"/>
+              </a:rPr>
+              <a:t>    &lt;/</a:t>
+            </a:r>
+            <a:r>
+              <a:rPr lang="en-US" sz="1400" dirty="0" err="1" smtClean="0">
+                <a:solidFill>
+                  <a:schemeClr val="lt1">
+                    <a:alpha val="99000"/>
+                  </a:schemeClr>
+                </a:solidFill>
+                <a:latin typeface="Consolas" pitchFamily="49" charset="0"/>
+                <a:cs typeface="Consolas" pitchFamily="49" charset="0"/>
+              </a:rPr>
+              <a:t>ItemTemplate</a:t>
+            </a:r>
+            <a:r>
+              <a:rPr lang="en-US" sz="1400" dirty="0" smtClean="0">
+                <a:solidFill>
+                  <a:schemeClr val="lt1">
+                    <a:alpha val="99000"/>
+                  </a:schemeClr>
+                </a:solidFill>
+                <a:latin typeface="Consolas" pitchFamily="49" charset="0"/>
+                <a:cs typeface="Consolas" pitchFamily="49" charset="0"/>
+              </a:rPr>
+              <a:t>&gt;</a:t>
+            </a:r>
+          </a:p>
+          <a:p>
+            <a:r>
+              <a:rPr lang="en-US" sz="1400" dirty="0" smtClean="0">
+                <a:solidFill>
+                  <a:schemeClr val="lt1">
+                    <a:alpha val="99000"/>
+                  </a:schemeClr>
+                </a:solidFill>
+                <a:latin typeface="Consolas" pitchFamily="49" charset="0"/>
+                <a:cs typeface="Consolas" pitchFamily="49" charset="0"/>
+              </a:rPr>
+              <a:t>  &lt;/</a:t>
+            </a:r>
+            <a:r>
+              <a:rPr lang="en-US" sz="1400" dirty="0" err="1" smtClean="0">
+                <a:solidFill>
+                  <a:schemeClr val="lt1">
+                    <a:alpha val="99000"/>
+                  </a:schemeClr>
+                </a:solidFill>
+                <a:latin typeface="Consolas" pitchFamily="49" charset="0"/>
+                <a:cs typeface="Consolas" pitchFamily="49" charset="0"/>
+              </a:rPr>
+              <a:t>asp:Repeater</a:t>
+            </a:r>
+            <a:r>
+              <a:rPr lang="en-US" sz="1400" dirty="0" smtClean="0">
+                <a:solidFill>
+                  <a:schemeClr val="lt1">
+                    <a:alpha val="99000"/>
+                  </a:schemeClr>
+                </a:solidFill>
+                <a:latin typeface="Consolas" pitchFamily="49" charset="0"/>
+                <a:cs typeface="Consolas" pitchFamily="49" charset="0"/>
+              </a:rPr>
+              <a:t>&gt;</a:t>
+            </a:r>
+          </a:p>
+          <a:p>
+            <a:r>
+              <a:rPr lang="en-US" sz="1400" dirty="0" smtClean="0">
+                <a:solidFill>
+                  <a:schemeClr val="lt1">
+                    <a:alpha val="99000"/>
+                  </a:schemeClr>
+                </a:solidFill>
+                <a:latin typeface="Consolas" pitchFamily="49" charset="0"/>
+                <a:cs typeface="Consolas" pitchFamily="49" charset="0"/>
+              </a:rPr>
+              <a:t>&lt;/</a:t>
+            </a:r>
+            <a:r>
+              <a:rPr lang="en-US" sz="1400" dirty="0" err="1" smtClean="0">
+                <a:solidFill>
+                  <a:schemeClr val="lt1">
+                    <a:alpha val="99000"/>
+                  </a:schemeClr>
+                </a:solidFill>
+                <a:latin typeface="Consolas" pitchFamily="49" charset="0"/>
+                <a:cs typeface="Consolas" pitchFamily="49" charset="0"/>
+              </a:rPr>
+              <a:t>ul</a:t>
+            </a:r>
+            <a:r>
+              <a:rPr lang="en-US" sz="1400" dirty="0" smtClean="0">
+                <a:solidFill>
+                  <a:schemeClr val="lt1">
+                    <a:alpha val="99000"/>
+                  </a:schemeClr>
+                </a:solidFill>
+                <a:latin typeface="Consolas" pitchFamily="49" charset="0"/>
+                <a:cs typeface="Consolas" pitchFamily="49" charset="0"/>
+              </a:rPr>
+              <a:t>&gt;</a:t>
+            </a:r>
+          </a:p>
+          <a:p>
+            <a:endParaRPr lang="en-US" sz="1400" dirty="0">
+              <a:solidFill>
+                <a:schemeClr val="lt1">
+                  <a:alpha val="99000"/>
+                </a:schemeClr>
+              </a:solidFill>
+              <a:latin typeface="Consolas" pitchFamily="49" charset="0"/>
+              <a:cs typeface="Consolas" pitchFamily="49" charset="0"/>
+            </a:endParaRPr>
+          </a:p>
+        </p:txBody>
+      </p:sp>
+      <p:sp>
+        <p:nvSpPr>
+          <p:cNvPr id="17" name="Rectangle 16"/>
+          <p:cNvSpPr/>
+          <p:nvPr/>
+        </p:nvSpPr>
+        <p:spPr>
+          <a:xfrm>
+            <a:off x="614894" y="3379549"/>
+            <a:ext cx="2334101" cy="2554545"/>
+          </a:xfrm>
+          <a:prstGeom prst="rect">
+            <a:avLst/>
+          </a:prstGeom>
+        </p:spPr>
+        <p:txBody>
+          <a:bodyPr wrap="square">
+            <a:spAutoFit/>
+          </a:bodyPr>
+          <a:lstStyle/>
+          <a:p>
+            <a:r>
+              <a:rPr lang="en-US" sz="4000" dirty="0" smtClean="0">
+                <a:solidFill>
+                  <a:schemeClr val="accent2">
+                    <a:alpha val="99000"/>
+                  </a:schemeClr>
+                </a:solidFill>
+                <a:latin typeface="Segoe UI Light" pitchFamily="34" charset="0"/>
+              </a:rPr>
+              <a:t>Step 2:</a:t>
+            </a:r>
+            <a:endParaRPr lang="en-US" sz="4000" dirty="0">
+              <a:solidFill>
+                <a:schemeClr val="accent2">
+                  <a:alpha val="99000"/>
+                </a:schemeClr>
+              </a:solidFill>
+              <a:latin typeface="Segoe UI Light" pitchFamily="34" charset="0"/>
+            </a:endParaRPr>
+          </a:p>
+          <a:p>
+            <a:r>
+              <a:rPr lang="en-US" dirty="0" smtClean="0">
+                <a:solidFill>
+                  <a:schemeClr val="tx2">
+                    <a:alpha val="99000"/>
+                  </a:schemeClr>
+                </a:solidFill>
+                <a:latin typeface="Segoe UI Light" pitchFamily="34" charset="0"/>
+              </a:rPr>
+              <a:t>Reference the properties as needed using the Item keyword</a:t>
+            </a:r>
+            <a:endParaRPr lang="en-US" dirty="0">
+              <a:solidFill>
+                <a:schemeClr val="tx2">
+                  <a:alpha val="99000"/>
+                </a:schemeClr>
+              </a:solidFill>
+              <a:latin typeface="Segoe UI Light" pitchFamily="34" charset="0"/>
+            </a:endParaRPr>
+          </a:p>
+        </p:txBody>
+      </p:sp>
+    </p:spTree>
+    <p:extLst>
+      <p:ext uri="{BB962C8B-B14F-4D97-AF65-F5344CB8AC3E}">
+        <p14:creationId xmlns:p14="http://schemas.microsoft.com/office/powerpoint/2010/main" val="2984757742"/>
+      </p:ext>
+    </p:extLst>
+  </p:cSld>
+  <p:clrMapOvr>
+    <a:masterClrMapping/>
+  </p:clrMapOvr>
+  <p:transition>
+    <p:fade/>
+  </p:transition>
+  <p:timing>
+    <p:tnLst>
+      <p:par>
+        <p:cTn id="1" dur="indefinite" restart="never" nodeType="tmRoot"/>
+      </p:par>
+    </p:tnLst>
+  </p:timing>
+</p:sld>
+</file>
+
+<file path=ppt/slides/slide5.xml><?xml version="1.0" encoding="utf-8"?>
+<p:sld xmlns:a="http://schemas.openxmlformats.org/drawingml/2006/main" xmlns:r="http://schemas.openxmlformats.org/officeDocument/2006/relationships" xmlns:p="http://schemas.openxmlformats.org/presentationml/2006/main">
+  <p:cSld>
+    <p:spTree>
+      <p:nvGrpSpPr>
+        <p:cNvPr id="1" name=""/>
+        <p:cNvGrpSpPr/>
+        <p:nvPr/>
+      </p:nvGrpSpPr>
+      <p:grpSpPr>
+        <a:xfrm>
+          <a:off x="0" y="0"/>
+          <a:ext cx="0" cy="0"/>
+          <a:chOff x="0" y="0"/>
+          <a:chExt cx="0" cy="0"/>
+        </a:xfrm>
+      </p:grpSpPr>
+      <p:sp>
+        <p:nvSpPr>
+          <p:cNvPr id="14" name="Rectangle 13"/>
+          <p:cNvSpPr/>
+          <p:nvPr/>
+        </p:nvSpPr>
+        <p:spPr bwMode="auto">
+          <a:xfrm>
+            <a:off x="0" y="1698670"/>
+            <a:ext cx="12188825" cy="1169551"/>
+          </a:xfrm>
+          <a:prstGeom prst="rect">
+            <a:avLst/>
+          </a:prstGeom>
+          <a:solidFill>
+            <a:schemeClr val="accent2">
+              <a:lumMod val="20000"/>
+              <a:lumOff val="80000"/>
+            </a:schemeClr>
+          </a:solidFill>
+          <a:ln>
+            <a:noFill/>
+            <a:headEnd type="none" w="med" len="med"/>
+            <a:tailEnd type="none" w="med" len="med"/>
+          </a:ln>
+          <a:effectLst/>
+        </p:spPr>
+        <p:style>
+          <a:lnRef idx="1">
+            <a:schemeClr val="accent2"/>
+          </a:lnRef>
+          <a:fillRef idx="3">
+            <a:schemeClr val="accent2"/>
+          </a:fillRef>
+          <a:effectRef idx="2">
+            <a:schemeClr val="accent2"/>
+          </a:effectRef>
+          <a:fontRef idx="minor">
+            <a:schemeClr val="lt1"/>
+          </a:fontRef>
+        </p:style>
+        <p:txBody>
+          <a:bodyPr vert="horz" wrap="square" lIns="91436" tIns="45718" rIns="91436" bIns="45718" numCol="1" rtlCol="0" anchor="ctr" anchorCtr="0" compatLnSpc="1">
+            <a:prstTxWarp prst="textNoShape">
+              <a:avLst/>
+            </a:prstTxWarp>
+          </a:bodyPr>
+          <a:lstStyle/>
+          <a:p>
+            <a:pPr algn="ctr" defTabSz="914099" fontAlgn="base">
+              <a:spcBef>
+                <a:spcPct val="0"/>
+              </a:spcBef>
+              <a:spcAft>
+                <a:spcPct val="0"/>
+              </a:spcAft>
+            </a:pPr>
+            <a:endParaRPr lang="en-US" sz="2200" dirty="0" smtClean="0">
+              <a:gradFill>
+                <a:gsLst>
+                  <a:gs pos="0">
+                    <a:srgbClr val="FFFFFF"/>
+                  </a:gs>
+                  <a:gs pos="100000">
+                    <a:srgbClr val="FFFFFF"/>
+                  </a:gs>
+                </a:gsLst>
+                <a:lin ang="5400000" scaled="0"/>
+              </a:gradFill>
+            </a:endParaRPr>
+          </a:p>
+        </p:txBody>
+      </p:sp>
+      <p:sp>
+        <p:nvSpPr>
+          <p:cNvPr id="3" name="Title 2"/>
+          <p:cNvSpPr>
+            <a:spLocks noGrp="1"/>
+          </p:cNvSpPr>
+          <p:nvPr>
+            <p:ph type="title"/>
+          </p:nvPr>
+        </p:nvSpPr>
+        <p:spPr>
+          <a:xfrm>
+            <a:off x="519112" y="228600"/>
+            <a:ext cx="11149013" cy="1329595"/>
+          </a:xfrm>
+        </p:spPr>
+        <p:txBody>
+          <a:bodyPr/>
+          <a:lstStyle/>
+          <a:p>
+            <a:r>
+              <a:rPr lang="en-US" sz="4800" dirty="0"/>
+              <a:t>Web </a:t>
+            </a:r>
+            <a:r>
+              <a:rPr lang="en-US" sz="4800" dirty="0" smtClean="0"/>
+              <a:t>Forms: Model Binding</a:t>
+            </a:r>
+            <a:br>
+              <a:rPr lang="en-US" sz="4800" dirty="0" smtClean="0"/>
+            </a:br>
+            <a:r>
+              <a:rPr lang="en-US" sz="4800" dirty="0" smtClean="0"/>
+              <a:t>Getting Data</a:t>
+            </a:r>
+            <a:endParaRPr lang="en-US" sz="4800" dirty="0"/>
+          </a:p>
+        </p:txBody>
+      </p:sp>
+      <p:sp>
+        <p:nvSpPr>
+          <p:cNvPr id="5" name="TextBox 4"/>
+          <p:cNvSpPr txBox="1"/>
+          <p:nvPr/>
+        </p:nvSpPr>
+        <p:spPr>
+          <a:xfrm>
+            <a:off x="2948996" y="1683430"/>
+            <a:ext cx="8599876" cy="1384995"/>
+          </a:xfrm>
+          <a:prstGeom prst="rect">
+            <a:avLst/>
+          </a:prstGeom>
+          <a:solidFill>
+            <a:schemeClr val="accent6"/>
+          </a:solidFill>
+          <a:ln>
+            <a:noFill/>
+          </a:ln>
+          <a:effectLst/>
+        </p:spPr>
+        <p:style>
+          <a:lnRef idx="3">
+            <a:schemeClr val="lt1"/>
+          </a:lnRef>
+          <a:fillRef idx="1">
+            <a:schemeClr val="accent3"/>
+          </a:fillRef>
+          <a:effectRef idx="1">
+            <a:schemeClr val="accent3"/>
+          </a:effectRef>
+          <a:fontRef idx="minor">
+            <a:schemeClr val="lt1"/>
+          </a:fontRef>
+        </p:style>
+        <p:txBody>
+          <a:bodyPr wrap="square" rtlCol="0">
+            <a:spAutoFit/>
+          </a:bodyPr>
+          <a:lstStyle/>
+          <a:p>
+            <a:r>
+              <a:rPr lang="en-US" sz="1400" dirty="0">
+                <a:solidFill>
+                  <a:schemeClr val="lt1">
+                    <a:alpha val="99000"/>
+                  </a:schemeClr>
+                </a:solidFill>
+                <a:latin typeface="Consolas" pitchFamily="49" charset="0"/>
+                <a:cs typeface="Consolas" pitchFamily="49" charset="0"/>
+              </a:rPr>
+              <a:t>&lt;</a:t>
+            </a:r>
+            <a:r>
+              <a:rPr lang="en-US" sz="1400" dirty="0" err="1">
+                <a:solidFill>
+                  <a:schemeClr val="lt1">
+                    <a:alpha val="99000"/>
+                  </a:schemeClr>
+                </a:solidFill>
+                <a:latin typeface="Consolas" pitchFamily="49" charset="0"/>
+                <a:cs typeface="Consolas" pitchFamily="49" charset="0"/>
+              </a:rPr>
+              <a:t>ul</a:t>
+            </a:r>
+            <a:r>
+              <a:rPr lang="en-US" sz="1400" dirty="0">
+                <a:solidFill>
+                  <a:schemeClr val="lt1">
+                    <a:alpha val="99000"/>
+                  </a:schemeClr>
+                </a:solidFill>
+                <a:latin typeface="Consolas" pitchFamily="49" charset="0"/>
+                <a:cs typeface="Consolas" pitchFamily="49" charset="0"/>
+              </a:rPr>
+              <a:t>&gt;</a:t>
+            </a:r>
+          </a:p>
+          <a:p>
+            <a:r>
+              <a:rPr lang="en-US" sz="1400" dirty="0">
+                <a:solidFill>
+                  <a:schemeClr val="lt1">
+                    <a:alpha val="99000"/>
+                  </a:schemeClr>
+                </a:solidFill>
+                <a:latin typeface="Consolas" pitchFamily="49" charset="0"/>
+                <a:cs typeface="Consolas" pitchFamily="49" charset="0"/>
+              </a:rPr>
+              <a:t>  &lt;</a:t>
+            </a:r>
+            <a:r>
+              <a:rPr lang="en-US" sz="1400" dirty="0" err="1">
+                <a:solidFill>
+                  <a:schemeClr val="lt1">
+                    <a:alpha val="99000"/>
+                  </a:schemeClr>
+                </a:solidFill>
+                <a:latin typeface="Consolas" pitchFamily="49" charset="0"/>
+                <a:cs typeface="Consolas" pitchFamily="49" charset="0"/>
+              </a:rPr>
+              <a:t>asp:Repeater</a:t>
+            </a:r>
+            <a:r>
+              <a:rPr lang="en-US" sz="1400" dirty="0">
+                <a:solidFill>
+                  <a:schemeClr val="lt1">
+                    <a:alpha val="99000"/>
+                  </a:schemeClr>
+                </a:solidFill>
+                <a:latin typeface="Consolas" pitchFamily="49" charset="0"/>
+                <a:cs typeface="Consolas" pitchFamily="49" charset="0"/>
+              </a:rPr>
+              <a:t> ID="</a:t>
+            </a:r>
+            <a:r>
+              <a:rPr lang="en-US" sz="1400" dirty="0" err="1">
+                <a:solidFill>
+                  <a:schemeClr val="lt1">
+                    <a:alpha val="99000"/>
+                  </a:schemeClr>
+                </a:solidFill>
+                <a:latin typeface="Consolas" pitchFamily="49" charset="0"/>
+                <a:cs typeface="Consolas" pitchFamily="49" charset="0"/>
+              </a:rPr>
+              <a:t>customersRepeater</a:t>
+            </a:r>
+            <a:r>
+              <a:rPr lang="en-US" sz="1400" dirty="0">
+                <a:solidFill>
+                  <a:schemeClr val="lt1">
+                    <a:alpha val="99000"/>
+                  </a:schemeClr>
+                </a:solidFill>
+                <a:latin typeface="Consolas" pitchFamily="49" charset="0"/>
+                <a:cs typeface="Consolas" pitchFamily="49" charset="0"/>
+              </a:rPr>
+              <a:t>" </a:t>
+            </a:r>
+            <a:r>
+              <a:rPr lang="en-US" sz="1400" dirty="0" err="1" smtClean="0">
+                <a:solidFill>
+                  <a:schemeClr val="lt1">
+                    <a:alpha val="99000"/>
+                  </a:schemeClr>
+                </a:solidFill>
+                <a:latin typeface="Consolas" pitchFamily="49" charset="0"/>
+                <a:cs typeface="Consolas" pitchFamily="49" charset="0"/>
+              </a:rPr>
+              <a:t>runat</a:t>
+            </a:r>
+            <a:r>
+              <a:rPr lang="en-US" sz="1400" dirty="0">
+                <a:solidFill>
+                  <a:schemeClr val="lt1">
+                    <a:alpha val="99000"/>
+                  </a:schemeClr>
+                </a:solidFill>
+                <a:latin typeface="Consolas" pitchFamily="49" charset="0"/>
+                <a:cs typeface="Consolas" pitchFamily="49" charset="0"/>
+              </a:rPr>
+              <a:t>="server"</a:t>
+            </a:r>
+            <a:endParaRPr lang="en-US" sz="1400" dirty="0" smtClean="0">
+              <a:solidFill>
+                <a:schemeClr val="lt1">
+                  <a:alpha val="99000"/>
+                </a:schemeClr>
+              </a:solidFill>
+              <a:latin typeface="Consolas" pitchFamily="49" charset="0"/>
+              <a:cs typeface="Consolas" pitchFamily="49" charset="0"/>
+            </a:endParaRPr>
+          </a:p>
+          <a:p>
+            <a:r>
+              <a:rPr lang="en-US" sz="1400" b="1" dirty="0">
+                <a:solidFill>
+                  <a:schemeClr val="lt1">
+                    <a:alpha val="99000"/>
+                  </a:schemeClr>
+                </a:solidFill>
+                <a:latin typeface="Consolas" pitchFamily="49" charset="0"/>
+                <a:cs typeface="Consolas" pitchFamily="49" charset="0"/>
+              </a:rPr>
+              <a:t> </a:t>
+            </a:r>
+            <a:r>
+              <a:rPr lang="en-US" sz="1400" b="1" dirty="0" smtClean="0">
+                <a:solidFill>
+                  <a:schemeClr val="lt1">
+                    <a:alpha val="99000"/>
+                  </a:schemeClr>
+                </a:solidFill>
+                <a:latin typeface="Consolas" pitchFamily="49" charset="0"/>
+                <a:cs typeface="Consolas" pitchFamily="49" charset="0"/>
+              </a:rPr>
+              <a:t>               </a:t>
+            </a:r>
+            <a:r>
+              <a:rPr lang="en-US" sz="1400" b="1" dirty="0" err="1" smtClean="0">
+                <a:solidFill>
+                  <a:schemeClr val="accent4">
+                    <a:lumMod val="20000"/>
+                    <a:lumOff val="80000"/>
+                    <a:alpha val="99000"/>
+                  </a:schemeClr>
+                </a:solidFill>
+                <a:latin typeface="Consolas" pitchFamily="49" charset="0"/>
+                <a:cs typeface="Consolas" pitchFamily="49" charset="0"/>
+              </a:rPr>
+              <a:t>ItemType</a:t>
+            </a:r>
+            <a:r>
+              <a:rPr lang="en-US" sz="1400" dirty="0">
+                <a:solidFill>
+                  <a:schemeClr val="lt1">
+                    <a:alpha val="99000"/>
+                  </a:schemeClr>
+                </a:solidFill>
+                <a:latin typeface="Consolas" pitchFamily="49" charset="0"/>
+                <a:cs typeface="Consolas" pitchFamily="49" charset="0"/>
+              </a:rPr>
+              <a:t>="</a:t>
+            </a:r>
+            <a:r>
+              <a:rPr lang="en-US" sz="1400" dirty="0" err="1">
+                <a:solidFill>
+                  <a:schemeClr val="lt1">
+                    <a:alpha val="99000"/>
+                  </a:schemeClr>
+                </a:solidFill>
+                <a:latin typeface="Consolas" pitchFamily="49" charset="0"/>
+                <a:cs typeface="Consolas" pitchFamily="49" charset="0"/>
+              </a:rPr>
+              <a:t>WebFormsLab.Model.Customer</a:t>
+            </a:r>
+            <a:r>
+              <a:rPr lang="en-US" sz="1400" dirty="0">
+                <a:solidFill>
+                  <a:schemeClr val="lt1">
+                    <a:alpha val="99000"/>
+                  </a:schemeClr>
+                </a:solidFill>
+                <a:latin typeface="Consolas" pitchFamily="49" charset="0"/>
+                <a:cs typeface="Consolas" pitchFamily="49" charset="0"/>
+              </a:rPr>
+              <a:t>"</a:t>
+            </a:r>
+            <a:r>
+              <a:rPr lang="en-US" sz="1400" dirty="0" smtClean="0">
+                <a:solidFill>
+                  <a:schemeClr val="lt1">
+                    <a:alpha val="99000"/>
+                  </a:schemeClr>
+                </a:solidFill>
+                <a:latin typeface="Consolas" pitchFamily="49" charset="0"/>
+                <a:cs typeface="Consolas" pitchFamily="49" charset="0"/>
+              </a:rPr>
+              <a:t/>
+            </a:r>
+            <a:br>
+              <a:rPr lang="en-US" sz="1400" dirty="0" smtClean="0">
+                <a:solidFill>
+                  <a:schemeClr val="lt1">
+                    <a:alpha val="99000"/>
+                  </a:schemeClr>
+                </a:solidFill>
+                <a:latin typeface="Consolas" pitchFamily="49" charset="0"/>
+                <a:cs typeface="Consolas" pitchFamily="49" charset="0"/>
+              </a:rPr>
+            </a:br>
+            <a:r>
+              <a:rPr lang="en-US" sz="1400" dirty="0" smtClean="0">
+                <a:solidFill>
+                  <a:schemeClr val="lt1">
+                    <a:alpha val="99000"/>
+                  </a:schemeClr>
+                </a:solidFill>
+                <a:latin typeface="Consolas" pitchFamily="49" charset="0"/>
+                <a:cs typeface="Consolas" pitchFamily="49" charset="0"/>
+              </a:rPr>
+              <a:t>	    </a:t>
+            </a:r>
+            <a:r>
+              <a:rPr lang="en-US" sz="1400" b="1" dirty="0" smtClean="0">
+                <a:solidFill>
+                  <a:srgbClr val="FFFF00">
+                    <a:alpha val="99000"/>
+                  </a:srgbClr>
+                </a:solidFill>
+                <a:latin typeface="Consolas" pitchFamily="49" charset="0"/>
+                <a:cs typeface="Consolas" pitchFamily="49" charset="0"/>
+              </a:rPr>
+              <a:t>SelectMethod</a:t>
+            </a:r>
+            <a:r>
+              <a:rPr lang="en-US" sz="1400" b="1" dirty="0" smtClean="0">
+                <a:solidFill>
+                  <a:srgbClr val="FFFF00">
+                    <a:alpha val="99000"/>
+                  </a:srgbClr>
+                </a:solidFill>
+                <a:latin typeface="Consolas" pitchFamily="49" charset="0"/>
+                <a:cs typeface="Consolas" pitchFamily="49" charset="0"/>
+              </a:rPr>
+              <a:t>=</a:t>
+            </a:r>
+            <a:r>
+              <a:rPr lang="en-US" sz="1400" b="1" dirty="0">
+                <a:solidFill>
+                  <a:srgbClr val="FFFF00">
+                    <a:alpha val="99000"/>
+                  </a:srgbClr>
+                </a:solidFill>
+                <a:latin typeface="Consolas" pitchFamily="49" charset="0"/>
+                <a:cs typeface="Consolas" pitchFamily="49" charset="0"/>
+              </a:rPr>
+              <a:t>"</a:t>
+            </a:r>
+            <a:r>
+              <a:rPr lang="en-US" sz="1400" b="1" dirty="0" err="1" smtClean="0">
+                <a:solidFill>
+                  <a:srgbClr val="FFFF00">
+                    <a:alpha val="99000"/>
+                  </a:srgbClr>
+                </a:solidFill>
+                <a:latin typeface="Consolas" pitchFamily="49" charset="0"/>
+                <a:cs typeface="Consolas" pitchFamily="49" charset="0"/>
+              </a:rPr>
+              <a:t>GetCustomers</a:t>
+            </a:r>
+            <a:r>
+              <a:rPr lang="en-US" sz="1400" b="1" dirty="0">
+                <a:solidFill>
+                  <a:srgbClr val="FFFF00">
+                    <a:alpha val="99000"/>
+                  </a:srgbClr>
+                </a:solidFill>
+                <a:latin typeface="Consolas" pitchFamily="49" charset="0"/>
+                <a:cs typeface="Consolas" pitchFamily="49" charset="0"/>
+              </a:rPr>
+              <a:t>"</a:t>
+            </a:r>
+            <a:r>
+              <a:rPr lang="en-US" sz="1400" dirty="0">
+                <a:solidFill>
+                  <a:schemeClr val="lt1">
+                    <a:alpha val="99000"/>
+                  </a:schemeClr>
+                </a:solidFill>
+                <a:latin typeface="Consolas" pitchFamily="49" charset="0"/>
+                <a:cs typeface="Consolas" pitchFamily="49" charset="0"/>
+              </a:rPr>
+              <a:t>&gt;</a:t>
+            </a:r>
+            <a:endParaRPr lang="en-US" sz="1400" dirty="0">
+              <a:solidFill>
+                <a:schemeClr val="lt1">
+                  <a:alpha val="99000"/>
+                </a:schemeClr>
+              </a:solidFill>
+              <a:latin typeface="Consolas" pitchFamily="49" charset="0"/>
+              <a:cs typeface="Consolas" pitchFamily="49" charset="0"/>
+            </a:endParaRPr>
+          </a:p>
+          <a:p>
+            <a:r>
+              <a:rPr lang="en-US" sz="1400" dirty="0" smtClean="0">
+                <a:solidFill>
+                  <a:schemeClr val="lt1">
+                    <a:alpha val="99000"/>
+                  </a:schemeClr>
+                </a:solidFill>
+                <a:latin typeface="Consolas" pitchFamily="49" charset="0"/>
+                <a:cs typeface="Consolas" pitchFamily="49" charset="0"/>
+              </a:rPr>
+              <a:t>  &lt;/</a:t>
+            </a:r>
+            <a:r>
+              <a:rPr lang="en-US" sz="1400" dirty="0" err="1">
+                <a:solidFill>
+                  <a:schemeClr val="lt1">
+                    <a:alpha val="99000"/>
+                  </a:schemeClr>
+                </a:solidFill>
+                <a:latin typeface="Consolas" pitchFamily="49" charset="0"/>
+                <a:cs typeface="Consolas" pitchFamily="49" charset="0"/>
+              </a:rPr>
+              <a:t>asp:Repeater</a:t>
+            </a:r>
+            <a:r>
+              <a:rPr lang="en-US" sz="1400" dirty="0">
+                <a:solidFill>
+                  <a:schemeClr val="lt1">
+                    <a:alpha val="99000"/>
+                  </a:schemeClr>
+                </a:solidFill>
+                <a:latin typeface="Consolas" pitchFamily="49" charset="0"/>
+                <a:cs typeface="Consolas" pitchFamily="49" charset="0"/>
+              </a:rPr>
+              <a:t>&gt;</a:t>
+            </a:r>
+          </a:p>
+          <a:p>
+            <a:r>
+              <a:rPr lang="en-US" sz="1400" dirty="0">
+                <a:solidFill>
+                  <a:schemeClr val="lt1">
+                    <a:alpha val="99000"/>
+                  </a:schemeClr>
+                </a:solidFill>
+                <a:latin typeface="Consolas" pitchFamily="49" charset="0"/>
+                <a:cs typeface="Consolas" pitchFamily="49" charset="0"/>
+              </a:rPr>
+              <a:t>&lt;/</a:t>
+            </a:r>
+            <a:r>
+              <a:rPr lang="en-US" sz="1400" dirty="0" err="1">
+                <a:solidFill>
+                  <a:schemeClr val="lt1">
+                    <a:alpha val="99000"/>
+                  </a:schemeClr>
+                </a:solidFill>
+                <a:latin typeface="Consolas" pitchFamily="49" charset="0"/>
+                <a:cs typeface="Consolas" pitchFamily="49" charset="0"/>
+              </a:rPr>
+              <a:t>ul</a:t>
+            </a:r>
+            <a:r>
+              <a:rPr lang="en-US" sz="1400" dirty="0">
+                <a:solidFill>
+                  <a:schemeClr val="lt1">
+                    <a:alpha val="99000"/>
+                  </a:schemeClr>
+                </a:solidFill>
+                <a:latin typeface="Consolas" pitchFamily="49" charset="0"/>
+                <a:cs typeface="Consolas" pitchFamily="49" charset="0"/>
+              </a:rPr>
+              <a:t>&gt;</a:t>
+            </a:r>
+          </a:p>
+        </p:txBody>
+      </p:sp>
+      <p:sp>
+        <p:nvSpPr>
+          <p:cNvPr id="8" name="Rectangle 7"/>
+          <p:cNvSpPr/>
+          <p:nvPr/>
+        </p:nvSpPr>
+        <p:spPr>
+          <a:xfrm>
+            <a:off x="272556" y="1708262"/>
+            <a:ext cx="2521844" cy="1077218"/>
+          </a:xfrm>
+          <a:prstGeom prst="rect">
+            <a:avLst/>
+          </a:prstGeom>
+        </p:spPr>
+        <p:txBody>
+          <a:bodyPr wrap="none">
+            <a:spAutoFit/>
+          </a:bodyPr>
+          <a:lstStyle/>
+          <a:p>
+            <a:r>
+              <a:rPr lang="en-US" sz="4000" dirty="0" smtClean="0">
+                <a:solidFill>
+                  <a:schemeClr val="accent2">
+                    <a:alpha val="99000"/>
+                  </a:schemeClr>
+                </a:solidFill>
+                <a:latin typeface="Segoe UI Light" pitchFamily="34" charset="0"/>
+              </a:rPr>
+              <a:t>Step </a:t>
+            </a:r>
+            <a:r>
+              <a:rPr lang="en-US" sz="4000" dirty="0" smtClean="0">
+                <a:solidFill>
+                  <a:schemeClr val="accent2">
+                    <a:alpha val="99000"/>
+                  </a:schemeClr>
+                </a:solidFill>
+                <a:latin typeface="Segoe UI Light" pitchFamily="34" charset="0"/>
+              </a:rPr>
+              <a:t>1:</a:t>
+            </a:r>
+            <a:endParaRPr lang="en-US" sz="4000" dirty="0">
+              <a:solidFill>
+                <a:schemeClr val="accent2">
+                  <a:alpha val="99000"/>
+                </a:schemeClr>
+              </a:solidFill>
+              <a:latin typeface="Segoe UI Light" pitchFamily="34" charset="0"/>
+            </a:endParaRPr>
+          </a:p>
+          <a:p>
+            <a:r>
+              <a:rPr lang="en-US" dirty="0" smtClean="0">
+                <a:solidFill>
+                  <a:schemeClr val="tx2">
+                    <a:alpha val="99000"/>
+                  </a:schemeClr>
+                </a:solidFill>
+                <a:latin typeface="Segoe UI Light" pitchFamily="34" charset="0"/>
+              </a:rPr>
+              <a:t>Set </a:t>
+            </a:r>
+            <a:r>
+              <a:rPr lang="en-US" dirty="0" smtClean="0">
+                <a:solidFill>
+                  <a:schemeClr val="tx2">
+                    <a:alpha val="99000"/>
+                  </a:schemeClr>
+                </a:solidFill>
+                <a:latin typeface="Segoe UI Light" pitchFamily="34" charset="0"/>
+              </a:rPr>
+              <a:t>Select Method</a:t>
+            </a:r>
+            <a:endParaRPr lang="en-US" dirty="0">
+              <a:solidFill>
+                <a:schemeClr val="tx2">
+                  <a:alpha val="99000"/>
+                </a:schemeClr>
+              </a:solidFill>
+              <a:latin typeface="Segoe UI Light" pitchFamily="34" charset="0"/>
+            </a:endParaRPr>
+          </a:p>
+        </p:txBody>
+      </p:sp>
+      <p:sp>
+        <p:nvSpPr>
+          <p:cNvPr id="12" name="Rectangle 11"/>
+          <p:cNvSpPr/>
+          <p:nvPr/>
+        </p:nvSpPr>
+        <p:spPr bwMode="auto">
+          <a:xfrm>
+            <a:off x="2473" y="3399952"/>
+            <a:ext cx="12188825" cy="2893100"/>
+          </a:xfrm>
+          <a:prstGeom prst="rect">
+            <a:avLst/>
+          </a:prstGeom>
+          <a:solidFill>
+            <a:schemeClr val="accent2">
+              <a:lumMod val="20000"/>
+              <a:lumOff val="80000"/>
+            </a:schemeClr>
+          </a:solidFill>
+          <a:ln>
+            <a:noFill/>
+            <a:headEnd type="none" w="med" len="med"/>
+            <a:tailEnd type="none" w="med" len="med"/>
+          </a:ln>
+          <a:effectLst/>
+        </p:spPr>
+        <p:style>
+          <a:lnRef idx="1">
+            <a:schemeClr val="accent2"/>
+          </a:lnRef>
+          <a:fillRef idx="3">
+            <a:schemeClr val="accent2"/>
+          </a:fillRef>
+          <a:effectRef idx="2">
+            <a:schemeClr val="accent2"/>
+          </a:effectRef>
+          <a:fontRef idx="minor">
+            <a:schemeClr val="lt1"/>
+          </a:fontRef>
+        </p:style>
+        <p:txBody>
+          <a:bodyPr vert="horz" wrap="square" lIns="91436" tIns="45718" rIns="91436" bIns="45718" numCol="1" rtlCol="0" anchor="ctr" anchorCtr="0" compatLnSpc="1">
+            <a:prstTxWarp prst="textNoShape">
+              <a:avLst/>
+            </a:prstTxWarp>
+          </a:bodyPr>
+          <a:lstStyle/>
+          <a:p>
+            <a:pPr algn="ctr" defTabSz="914099" fontAlgn="base">
+              <a:spcBef>
+                <a:spcPct val="0"/>
+              </a:spcBef>
+              <a:spcAft>
+                <a:spcPct val="0"/>
+              </a:spcAft>
+            </a:pPr>
+            <a:endParaRPr lang="en-US" sz="2200" dirty="0" smtClean="0">
+              <a:gradFill>
+                <a:gsLst>
+                  <a:gs pos="0">
+                    <a:srgbClr val="FFFFFF"/>
+                  </a:gs>
+                  <a:gs pos="100000">
+                    <a:srgbClr val="FFFFFF"/>
+                  </a:gs>
+                </a:gsLst>
+                <a:lin ang="5400000" scaled="0"/>
+              </a:gradFill>
+            </a:endParaRPr>
+          </a:p>
+        </p:txBody>
+      </p:sp>
+      <p:sp>
+        <p:nvSpPr>
+          <p:cNvPr id="13" name="TextBox 12"/>
+          <p:cNvSpPr txBox="1"/>
+          <p:nvPr/>
+        </p:nvSpPr>
+        <p:spPr>
+          <a:xfrm>
+            <a:off x="3044779" y="3399952"/>
+            <a:ext cx="8599876" cy="2677656"/>
+          </a:xfrm>
+          <a:prstGeom prst="rect">
+            <a:avLst/>
+          </a:prstGeom>
+          <a:solidFill>
+            <a:schemeClr val="accent6"/>
+          </a:solidFill>
+          <a:ln>
+            <a:noFill/>
+          </a:ln>
+          <a:effectLst/>
+        </p:spPr>
+        <p:style>
+          <a:lnRef idx="3">
+            <a:schemeClr val="lt1"/>
+          </a:lnRef>
+          <a:fillRef idx="1">
+            <a:schemeClr val="accent3"/>
+          </a:fillRef>
+          <a:effectRef idx="1">
+            <a:schemeClr val="accent3"/>
+          </a:effectRef>
+          <a:fontRef idx="minor">
+            <a:schemeClr val="lt1"/>
+          </a:fontRef>
+        </p:style>
+        <p:txBody>
+          <a:bodyPr wrap="square" rtlCol="0">
+            <a:spAutoFit/>
+          </a:bodyPr>
+          <a:lstStyle/>
+          <a:p>
+            <a:r>
+              <a:rPr lang="en-US" sz="1400" dirty="0">
+                <a:solidFill>
+                  <a:schemeClr val="lt1">
+                    <a:alpha val="99000"/>
+                  </a:schemeClr>
+                </a:solidFill>
+                <a:latin typeface="Consolas" pitchFamily="49" charset="0"/>
+                <a:cs typeface="Consolas" pitchFamily="49" charset="0"/>
+              </a:rPr>
+              <a:t>public </a:t>
+            </a:r>
+            <a:r>
+              <a:rPr lang="en-US" sz="1400" dirty="0" err="1">
+                <a:solidFill>
+                  <a:schemeClr val="lt1">
+                    <a:alpha val="99000"/>
+                  </a:schemeClr>
+                </a:solidFill>
+                <a:latin typeface="Consolas" pitchFamily="49" charset="0"/>
+                <a:cs typeface="Consolas" pitchFamily="49" charset="0"/>
+              </a:rPr>
+              <a:t>IQueryable</a:t>
+            </a:r>
+            <a:r>
+              <a:rPr lang="en-US" sz="1400" dirty="0">
+                <a:solidFill>
+                  <a:schemeClr val="lt1">
+                    <a:alpha val="99000"/>
+                  </a:schemeClr>
+                </a:solidFill>
+                <a:latin typeface="Consolas" pitchFamily="49" charset="0"/>
+                <a:cs typeface="Consolas" pitchFamily="49" charset="0"/>
+              </a:rPr>
+              <a:t>&lt;Customer&gt; </a:t>
+            </a:r>
+            <a:r>
+              <a:rPr lang="en-US" sz="1400" b="1" dirty="0" err="1">
+                <a:solidFill>
+                  <a:srgbClr val="FFFF00">
+                    <a:alpha val="99000"/>
+                  </a:srgbClr>
+                </a:solidFill>
+                <a:latin typeface="Consolas" pitchFamily="49" charset="0"/>
+                <a:cs typeface="Consolas" pitchFamily="49" charset="0"/>
+              </a:rPr>
+              <a:t>GetCustomers</a:t>
+            </a:r>
+            <a:r>
+              <a:rPr lang="en-US" sz="1400" dirty="0">
+                <a:solidFill>
+                  <a:schemeClr val="lt1">
+                    <a:alpha val="99000"/>
+                  </a:schemeClr>
+                </a:solidFill>
+                <a:latin typeface="Consolas" pitchFamily="49" charset="0"/>
+                <a:cs typeface="Consolas" pitchFamily="49" charset="0"/>
+              </a:rPr>
+              <a:t>([Control]</a:t>
+            </a:r>
+            <a:r>
+              <a:rPr lang="en-US" sz="1400" dirty="0" err="1">
+                <a:solidFill>
+                  <a:schemeClr val="lt1">
+                    <a:alpha val="99000"/>
+                  </a:schemeClr>
+                </a:solidFill>
+                <a:latin typeface="Consolas" pitchFamily="49" charset="0"/>
+                <a:cs typeface="Consolas" pitchFamily="49" charset="0"/>
+              </a:rPr>
+              <a:t>DateTime</a:t>
+            </a:r>
+            <a:r>
+              <a:rPr lang="en-US" sz="1400" dirty="0">
+                <a:solidFill>
+                  <a:schemeClr val="lt1">
+                    <a:alpha val="99000"/>
+                  </a:schemeClr>
+                </a:solidFill>
+                <a:latin typeface="Consolas" pitchFamily="49" charset="0"/>
+                <a:cs typeface="Consolas" pitchFamily="49" charset="0"/>
+              </a:rPr>
+              <a:t>? </a:t>
+            </a:r>
+            <a:r>
+              <a:rPr lang="en-US" sz="1400" dirty="0" err="1">
+                <a:solidFill>
+                  <a:schemeClr val="lt1">
+                    <a:alpha val="99000"/>
+                  </a:schemeClr>
+                </a:solidFill>
+                <a:latin typeface="Consolas" pitchFamily="49" charset="0"/>
+                <a:cs typeface="Consolas" pitchFamily="49" charset="0"/>
+              </a:rPr>
+              <a:t>createdSince</a:t>
+            </a:r>
+            <a:r>
+              <a:rPr lang="en-US" sz="1400" dirty="0">
+                <a:solidFill>
+                  <a:schemeClr val="lt1">
+                    <a:alpha val="99000"/>
+                  </a:schemeClr>
+                </a:solidFill>
+                <a:latin typeface="Consolas" pitchFamily="49" charset="0"/>
+                <a:cs typeface="Consolas" pitchFamily="49" charset="0"/>
+              </a:rPr>
+              <a:t>)</a:t>
+            </a:r>
+          </a:p>
+          <a:p>
+            <a:r>
+              <a:rPr lang="en-US" sz="1400" dirty="0">
+                <a:solidFill>
+                  <a:schemeClr val="lt1">
+                    <a:alpha val="99000"/>
+                  </a:schemeClr>
+                </a:solidFill>
+                <a:latin typeface="Consolas" pitchFamily="49" charset="0"/>
+                <a:cs typeface="Consolas" pitchFamily="49" charset="0"/>
+              </a:rPr>
+              <a:t>{</a:t>
+            </a:r>
+          </a:p>
+          <a:p>
+            <a:r>
+              <a:rPr lang="en-US" sz="1400" dirty="0">
+                <a:solidFill>
+                  <a:schemeClr val="lt1">
+                    <a:alpha val="99000"/>
+                  </a:schemeClr>
+                </a:solidFill>
+                <a:latin typeface="Consolas" pitchFamily="49" charset="0"/>
+                <a:cs typeface="Consolas" pitchFamily="49" charset="0"/>
+              </a:rPr>
+              <a:t>    </a:t>
+            </a:r>
+            <a:r>
+              <a:rPr lang="en-US" sz="1400" dirty="0" err="1">
+                <a:solidFill>
+                  <a:schemeClr val="lt1">
+                    <a:alpha val="99000"/>
+                  </a:schemeClr>
+                </a:solidFill>
+                <a:latin typeface="Consolas" pitchFamily="49" charset="0"/>
+                <a:cs typeface="Consolas" pitchFamily="49" charset="0"/>
+              </a:rPr>
+              <a:t>IQueryable</a:t>
+            </a:r>
+            <a:r>
+              <a:rPr lang="en-US" sz="1400" dirty="0">
+                <a:solidFill>
+                  <a:schemeClr val="lt1">
+                    <a:alpha val="99000"/>
+                  </a:schemeClr>
+                </a:solidFill>
+                <a:latin typeface="Consolas" pitchFamily="49" charset="0"/>
+                <a:cs typeface="Consolas" pitchFamily="49" charset="0"/>
+              </a:rPr>
+              <a:t>&lt;Customer&gt; query = _</a:t>
+            </a:r>
+            <a:r>
+              <a:rPr lang="en-US" sz="1400" dirty="0" err="1">
+                <a:solidFill>
+                  <a:schemeClr val="lt1">
+                    <a:alpha val="99000"/>
+                  </a:schemeClr>
+                </a:solidFill>
+                <a:latin typeface="Consolas" pitchFamily="49" charset="0"/>
+                <a:cs typeface="Consolas" pitchFamily="49" charset="0"/>
+              </a:rPr>
+              <a:t>db.Customers</a:t>
+            </a:r>
+            <a:r>
+              <a:rPr lang="en-US" sz="1400" dirty="0">
+                <a:solidFill>
+                  <a:schemeClr val="lt1">
+                    <a:alpha val="99000"/>
+                  </a:schemeClr>
+                </a:solidFill>
+                <a:latin typeface="Consolas" pitchFamily="49" charset="0"/>
+                <a:cs typeface="Consolas" pitchFamily="49" charset="0"/>
+              </a:rPr>
+              <a:t>;</a:t>
+            </a:r>
+          </a:p>
+          <a:p>
+            <a:endParaRPr lang="en-US" sz="1400" dirty="0">
+              <a:solidFill>
+                <a:schemeClr val="lt1">
+                  <a:alpha val="99000"/>
+                </a:schemeClr>
+              </a:solidFill>
+              <a:latin typeface="Consolas" pitchFamily="49" charset="0"/>
+              <a:cs typeface="Consolas" pitchFamily="49" charset="0"/>
+            </a:endParaRPr>
+          </a:p>
+          <a:p>
+            <a:r>
+              <a:rPr lang="en-US" sz="1400" dirty="0">
+                <a:solidFill>
+                  <a:schemeClr val="lt1">
+                    <a:alpha val="99000"/>
+                  </a:schemeClr>
+                </a:solidFill>
+                <a:latin typeface="Consolas" pitchFamily="49" charset="0"/>
+                <a:cs typeface="Consolas" pitchFamily="49" charset="0"/>
+              </a:rPr>
+              <a:t>    if (</a:t>
+            </a:r>
+            <a:r>
+              <a:rPr lang="en-US" sz="1400" dirty="0" err="1">
+                <a:solidFill>
+                  <a:schemeClr val="lt1">
+                    <a:alpha val="99000"/>
+                  </a:schemeClr>
+                </a:solidFill>
+                <a:latin typeface="Consolas" pitchFamily="49" charset="0"/>
+                <a:cs typeface="Consolas" pitchFamily="49" charset="0"/>
+              </a:rPr>
+              <a:t>createdSince.HasValue</a:t>
+            </a:r>
+            <a:r>
+              <a:rPr lang="en-US" sz="1400" dirty="0">
+                <a:solidFill>
+                  <a:schemeClr val="lt1">
+                    <a:alpha val="99000"/>
+                  </a:schemeClr>
+                </a:solidFill>
+                <a:latin typeface="Consolas" pitchFamily="49" charset="0"/>
+                <a:cs typeface="Consolas" pitchFamily="49" charset="0"/>
+              </a:rPr>
+              <a:t>)</a:t>
+            </a:r>
+          </a:p>
+          <a:p>
+            <a:r>
+              <a:rPr lang="en-US" sz="1400" dirty="0">
+                <a:solidFill>
+                  <a:schemeClr val="lt1">
+                    <a:alpha val="99000"/>
+                  </a:schemeClr>
+                </a:solidFill>
+                <a:latin typeface="Consolas" pitchFamily="49" charset="0"/>
+                <a:cs typeface="Consolas" pitchFamily="49" charset="0"/>
+              </a:rPr>
+              <a:t>    {</a:t>
+            </a:r>
+          </a:p>
+          <a:p>
+            <a:r>
+              <a:rPr lang="en-US" sz="1400" dirty="0">
+                <a:solidFill>
+                  <a:schemeClr val="lt1">
+                    <a:alpha val="99000"/>
+                  </a:schemeClr>
+                </a:solidFill>
+                <a:latin typeface="Consolas" pitchFamily="49" charset="0"/>
+                <a:cs typeface="Consolas" pitchFamily="49" charset="0"/>
+              </a:rPr>
+              <a:t>        query = </a:t>
+            </a:r>
+            <a:r>
+              <a:rPr lang="en-US" sz="1400" dirty="0" err="1">
+                <a:solidFill>
+                  <a:schemeClr val="lt1">
+                    <a:alpha val="99000"/>
+                  </a:schemeClr>
+                </a:solidFill>
+                <a:latin typeface="Consolas" pitchFamily="49" charset="0"/>
+                <a:cs typeface="Consolas" pitchFamily="49" charset="0"/>
+              </a:rPr>
+              <a:t>query.Where</a:t>
+            </a:r>
+            <a:r>
+              <a:rPr lang="en-US" sz="1400" dirty="0">
+                <a:solidFill>
+                  <a:schemeClr val="lt1">
+                    <a:alpha val="99000"/>
+                  </a:schemeClr>
+                </a:solidFill>
+                <a:latin typeface="Consolas" pitchFamily="49" charset="0"/>
+                <a:cs typeface="Consolas" pitchFamily="49" charset="0"/>
+              </a:rPr>
+              <a:t>(</a:t>
+            </a:r>
+          </a:p>
+          <a:p>
+            <a:pPr lvl="2"/>
+            <a:r>
+              <a:rPr lang="en-US" sz="1400" dirty="0" err="1">
+                <a:solidFill>
+                  <a:schemeClr val="lt1">
+                    <a:alpha val="99000"/>
+                  </a:schemeClr>
+                </a:solidFill>
+                <a:latin typeface="Consolas" pitchFamily="49" charset="0"/>
+                <a:cs typeface="Consolas" pitchFamily="49" charset="0"/>
+              </a:rPr>
+              <a:t>i</a:t>
+            </a:r>
+            <a:r>
+              <a:rPr lang="en-US" sz="1400" dirty="0">
+                <a:solidFill>
+                  <a:schemeClr val="lt1">
+                    <a:alpha val="99000"/>
+                  </a:schemeClr>
+                </a:solidFill>
+                <a:latin typeface="Consolas" pitchFamily="49" charset="0"/>
+                <a:cs typeface="Consolas" pitchFamily="49" charset="0"/>
+              </a:rPr>
+              <a:t> =&gt; </a:t>
+            </a:r>
+            <a:r>
+              <a:rPr lang="en-US" sz="1400" dirty="0" err="1">
+                <a:solidFill>
+                  <a:schemeClr val="lt1">
+                    <a:alpha val="99000"/>
+                  </a:schemeClr>
+                </a:solidFill>
+                <a:latin typeface="Consolas" pitchFamily="49" charset="0"/>
+                <a:cs typeface="Consolas" pitchFamily="49" charset="0"/>
+              </a:rPr>
+              <a:t>i.CreatedOn</a:t>
+            </a:r>
+            <a:r>
+              <a:rPr lang="en-US" sz="1400" dirty="0">
+                <a:solidFill>
+                  <a:schemeClr val="lt1">
+                    <a:alpha val="99000"/>
+                  </a:schemeClr>
+                </a:solidFill>
+                <a:latin typeface="Consolas" pitchFamily="49" charset="0"/>
+                <a:cs typeface="Consolas" pitchFamily="49" charset="0"/>
+              </a:rPr>
+              <a:t> &gt;= </a:t>
+            </a:r>
+            <a:r>
+              <a:rPr lang="en-US" sz="1400" dirty="0" err="1">
+                <a:solidFill>
+                  <a:schemeClr val="lt1">
+                    <a:alpha val="99000"/>
+                  </a:schemeClr>
+                </a:solidFill>
+                <a:latin typeface="Consolas" pitchFamily="49" charset="0"/>
+                <a:cs typeface="Consolas" pitchFamily="49" charset="0"/>
+              </a:rPr>
+              <a:t>createdSince.Value</a:t>
+            </a:r>
+            <a:r>
+              <a:rPr lang="en-US" sz="1400" dirty="0">
+                <a:solidFill>
+                  <a:schemeClr val="lt1">
+                    <a:alpha val="99000"/>
+                  </a:schemeClr>
+                </a:solidFill>
+                <a:latin typeface="Consolas" pitchFamily="49" charset="0"/>
+                <a:cs typeface="Consolas" pitchFamily="49" charset="0"/>
+              </a:rPr>
+              <a:t>);</a:t>
+            </a:r>
+          </a:p>
+          <a:p>
+            <a:r>
+              <a:rPr lang="en-US" sz="1400" dirty="0">
+                <a:solidFill>
+                  <a:schemeClr val="lt1">
+                    <a:alpha val="99000"/>
+                  </a:schemeClr>
+                </a:solidFill>
+                <a:latin typeface="Consolas" pitchFamily="49" charset="0"/>
+                <a:cs typeface="Consolas" pitchFamily="49" charset="0"/>
+              </a:rPr>
+              <a:t>    }</a:t>
+            </a:r>
+          </a:p>
+          <a:p>
+            <a:endParaRPr lang="en-US" sz="1400" dirty="0">
+              <a:solidFill>
+                <a:schemeClr val="lt1">
+                  <a:alpha val="99000"/>
+                </a:schemeClr>
+              </a:solidFill>
+              <a:latin typeface="Consolas" pitchFamily="49" charset="0"/>
+              <a:cs typeface="Consolas" pitchFamily="49" charset="0"/>
+            </a:endParaRPr>
+          </a:p>
+          <a:p>
+            <a:r>
+              <a:rPr lang="en-US" sz="1400" dirty="0">
+                <a:solidFill>
+                  <a:schemeClr val="lt1">
+                    <a:alpha val="99000"/>
+                  </a:schemeClr>
+                </a:solidFill>
+                <a:latin typeface="Consolas" pitchFamily="49" charset="0"/>
+                <a:cs typeface="Consolas" pitchFamily="49" charset="0"/>
+              </a:rPr>
+              <a:t>    return query;</a:t>
+            </a:r>
+          </a:p>
+          <a:p>
+            <a:r>
+              <a:rPr lang="en-US" sz="1400" dirty="0" smtClean="0">
+                <a:solidFill>
+                  <a:schemeClr val="lt1">
+                    <a:alpha val="99000"/>
+                  </a:schemeClr>
+                </a:solidFill>
+                <a:latin typeface="Consolas" pitchFamily="49" charset="0"/>
+                <a:cs typeface="Consolas" pitchFamily="49" charset="0"/>
+              </a:rPr>
+              <a:t>}</a:t>
+            </a:r>
+            <a:endParaRPr lang="en-US" sz="1400" dirty="0">
+              <a:solidFill>
+                <a:schemeClr val="lt1">
+                  <a:alpha val="99000"/>
+                </a:schemeClr>
+              </a:solidFill>
+              <a:latin typeface="Consolas" pitchFamily="49" charset="0"/>
+              <a:cs typeface="Consolas" pitchFamily="49" charset="0"/>
+            </a:endParaRPr>
+          </a:p>
+        </p:txBody>
+      </p:sp>
+      <p:sp>
+        <p:nvSpPr>
+          <p:cNvPr id="17" name="Rectangle 16"/>
+          <p:cNvSpPr/>
+          <p:nvPr/>
+        </p:nvSpPr>
+        <p:spPr>
+          <a:xfrm>
+            <a:off x="272556" y="3416624"/>
+            <a:ext cx="2334101" cy="2185214"/>
+          </a:xfrm>
+          <a:prstGeom prst="rect">
+            <a:avLst/>
+          </a:prstGeom>
+        </p:spPr>
+        <p:txBody>
+          <a:bodyPr wrap="square">
+            <a:spAutoFit/>
+          </a:bodyPr>
+          <a:lstStyle/>
+          <a:p>
+            <a:r>
+              <a:rPr lang="en-US" sz="4000" dirty="0" smtClean="0">
+                <a:solidFill>
+                  <a:schemeClr val="accent2">
+                    <a:alpha val="99000"/>
+                  </a:schemeClr>
+                </a:solidFill>
+                <a:latin typeface="Segoe UI Light" pitchFamily="34" charset="0"/>
+              </a:rPr>
+              <a:t>Step 2:</a:t>
+            </a:r>
+            <a:endParaRPr lang="en-US" sz="4000" dirty="0">
+              <a:solidFill>
+                <a:schemeClr val="accent2">
+                  <a:alpha val="99000"/>
+                </a:schemeClr>
+              </a:solidFill>
+              <a:latin typeface="Segoe UI Light" pitchFamily="34" charset="0"/>
+            </a:endParaRPr>
+          </a:p>
+          <a:p>
+            <a:r>
+              <a:rPr lang="en-US" dirty="0" smtClean="0">
+                <a:solidFill>
+                  <a:schemeClr val="tx2">
+                    <a:alpha val="99000"/>
+                  </a:schemeClr>
+                </a:solidFill>
+                <a:latin typeface="Segoe UI Light" pitchFamily="34" charset="0"/>
+              </a:rPr>
+              <a:t>Get method returns </a:t>
+            </a:r>
+            <a:r>
+              <a:rPr lang="en-US" dirty="0" err="1" smtClean="0">
+                <a:solidFill>
+                  <a:schemeClr val="tx2">
+                    <a:alpha val="99000"/>
+                  </a:schemeClr>
+                </a:solidFill>
+                <a:latin typeface="Segoe UI Light" pitchFamily="34" charset="0"/>
+              </a:rPr>
+              <a:t>IEnumerable</a:t>
+            </a:r>
+            <a:r>
+              <a:rPr lang="en-US" dirty="0" smtClean="0">
+                <a:solidFill>
+                  <a:schemeClr val="tx2">
+                    <a:alpha val="99000"/>
+                  </a:schemeClr>
+                </a:solidFill>
+                <a:latin typeface="Segoe UI Light" pitchFamily="34" charset="0"/>
+              </a:rPr>
+              <a:t> or </a:t>
+            </a:r>
+            <a:r>
+              <a:rPr lang="en-US" dirty="0" err="1" smtClean="0">
+                <a:solidFill>
+                  <a:schemeClr val="tx2">
+                    <a:alpha val="99000"/>
+                  </a:schemeClr>
+                </a:solidFill>
+                <a:latin typeface="Segoe UI Light" pitchFamily="34" charset="0"/>
+              </a:rPr>
+              <a:t>IQueryable</a:t>
+            </a:r>
+            <a:endParaRPr lang="en-US" dirty="0">
+              <a:solidFill>
+                <a:schemeClr val="tx2">
+                  <a:alpha val="99000"/>
+                </a:schemeClr>
+              </a:solidFill>
+              <a:latin typeface="Segoe UI Light" pitchFamily="34" charset="0"/>
+            </a:endParaRPr>
+          </a:p>
+        </p:txBody>
+      </p:sp>
+    </p:spTree>
+    <p:extLst>
+      <p:ext uri="{BB962C8B-B14F-4D97-AF65-F5344CB8AC3E}">
+        <p14:creationId xmlns:p14="http://schemas.microsoft.com/office/powerpoint/2010/main" val="1996486406"/>
+      </p:ext>
+    </p:extLst>
+  </p:cSld>
+  <p:clrMapOvr>
+    <a:masterClrMapping/>
+  </p:clrMapOvr>
+  <p:transition>
+    <p:fade/>
+  </p:transition>
+  <p:timing>
+    <p:tnLst>
+      <p:par>
+        <p:cTn id="1" dur="indefinite" restart="never" nodeType="tmRoot"/>
+      </p:par>
+    </p:tnLst>
+  </p:timing>
+</p:sld>
+</file>
+
+<file path=ppt/slides/slide6.xml><?xml version="1.0" encoding="utf-8"?>
+<p:sld xmlns:a="http://schemas.openxmlformats.org/drawingml/2006/main" xmlns:r="http://schemas.openxmlformats.org/officeDocument/2006/relationships" xmlns:p="http://schemas.openxmlformats.org/presentationml/2006/main">
+  <p:cSld>
+    <p:spTree>
+      <p:nvGrpSpPr>
+        <p:cNvPr id="1" name=""/>
+        <p:cNvGrpSpPr/>
+        <p:nvPr/>
+      </p:nvGrpSpPr>
+      <p:grpSpPr>
+        <a:xfrm>
+          <a:off x="0" y="0"/>
+          <a:ext cx="0" cy="0"/>
+          <a:chOff x="0" y="0"/>
+          <a:chExt cx="0" cy="0"/>
+        </a:xfrm>
+      </p:grpSpPr>
+      <p:sp>
+        <p:nvSpPr>
+          <p:cNvPr id="14" name="Rectangle 13"/>
+          <p:cNvSpPr/>
+          <p:nvPr/>
+        </p:nvSpPr>
+        <p:spPr bwMode="auto">
+          <a:xfrm>
+            <a:off x="0" y="1698670"/>
+            <a:ext cx="12188825" cy="1369755"/>
+          </a:xfrm>
+          <a:prstGeom prst="rect">
+            <a:avLst/>
+          </a:prstGeom>
+          <a:solidFill>
+            <a:schemeClr val="accent2">
+              <a:lumMod val="20000"/>
+              <a:lumOff val="80000"/>
+            </a:schemeClr>
+          </a:solidFill>
+          <a:ln>
+            <a:noFill/>
+            <a:headEnd type="none" w="med" len="med"/>
+            <a:tailEnd type="none" w="med" len="med"/>
+          </a:ln>
+          <a:effectLst/>
+        </p:spPr>
+        <p:style>
+          <a:lnRef idx="1">
+            <a:schemeClr val="accent2"/>
+          </a:lnRef>
+          <a:fillRef idx="3">
+            <a:schemeClr val="accent2"/>
+          </a:fillRef>
+          <a:effectRef idx="2">
+            <a:schemeClr val="accent2"/>
+          </a:effectRef>
+          <a:fontRef idx="minor">
+            <a:schemeClr val="lt1"/>
+          </a:fontRef>
+        </p:style>
+        <p:txBody>
+          <a:bodyPr vert="horz" wrap="square" lIns="91436" tIns="45718" rIns="91436" bIns="45718" numCol="1" rtlCol="0" anchor="ctr" anchorCtr="0" compatLnSpc="1">
+            <a:prstTxWarp prst="textNoShape">
+              <a:avLst/>
+            </a:prstTxWarp>
+          </a:bodyPr>
+          <a:lstStyle/>
+          <a:p>
+            <a:pPr algn="ctr" defTabSz="914099" fontAlgn="base">
+              <a:spcBef>
+                <a:spcPct val="0"/>
+              </a:spcBef>
+              <a:spcAft>
+                <a:spcPct val="0"/>
+              </a:spcAft>
+            </a:pPr>
+            <a:endParaRPr lang="en-US" sz="2200" dirty="0" smtClean="0">
+              <a:gradFill>
+                <a:gsLst>
+                  <a:gs pos="0">
+                    <a:srgbClr val="FFFFFF"/>
+                  </a:gs>
+                  <a:gs pos="100000">
+                    <a:srgbClr val="FFFFFF"/>
+                  </a:gs>
+                </a:gsLst>
+                <a:lin ang="5400000" scaled="0"/>
+              </a:gradFill>
+            </a:endParaRPr>
+          </a:p>
+        </p:txBody>
+      </p:sp>
+      <p:sp>
+        <p:nvSpPr>
+          <p:cNvPr id="3" name="Title 2"/>
+          <p:cNvSpPr>
+            <a:spLocks noGrp="1"/>
+          </p:cNvSpPr>
+          <p:nvPr>
+            <p:ph type="title"/>
+          </p:nvPr>
+        </p:nvSpPr>
+        <p:spPr>
+          <a:xfrm>
+            <a:off x="519112" y="228600"/>
+            <a:ext cx="11149013" cy="1329595"/>
+          </a:xfrm>
+        </p:spPr>
+        <p:txBody>
+          <a:bodyPr/>
+          <a:lstStyle/>
+          <a:p>
+            <a:r>
+              <a:rPr lang="en-US" sz="4800" dirty="0"/>
+              <a:t>Web </a:t>
+            </a:r>
+            <a:r>
+              <a:rPr lang="en-US" sz="4800" dirty="0" smtClean="0"/>
+              <a:t>Forms: Model Binding</a:t>
+            </a:r>
+            <a:br>
+              <a:rPr lang="en-US" sz="4800" dirty="0" smtClean="0"/>
+            </a:br>
+            <a:r>
+              <a:rPr lang="en-US" sz="4800" dirty="0" smtClean="0"/>
+              <a:t>Inserting Data</a:t>
+            </a:r>
+            <a:endParaRPr lang="en-US" sz="4800" dirty="0"/>
+          </a:p>
+        </p:txBody>
+      </p:sp>
+      <p:sp>
+        <p:nvSpPr>
+          <p:cNvPr id="5" name="TextBox 4"/>
+          <p:cNvSpPr txBox="1"/>
+          <p:nvPr/>
+        </p:nvSpPr>
+        <p:spPr>
+          <a:xfrm>
+            <a:off x="2948996" y="1683430"/>
+            <a:ext cx="8599876" cy="1384995"/>
+          </a:xfrm>
+          <a:prstGeom prst="rect">
+            <a:avLst/>
+          </a:prstGeom>
+          <a:solidFill>
+            <a:schemeClr val="accent6"/>
+          </a:solidFill>
+          <a:ln>
+            <a:noFill/>
+          </a:ln>
+          <a:effectLst/>
+        </p:spPr>
+        <p:style>
+          <a:lnRef idx="3">
+            <a:schemeClr val="lt1"/>
+          </a:lnRef>
+          <a:fillRef idx="1">
+            <a:schemeClr val="accent3"/>
+          </a:fillRef>
+          <a:effectRef idx="1">
+            <a:schemeClr val="accent3"/>
+          </a:effectRef>
+          <a:fontRef idx="minor">
+            <a:schemeClr val="lt1"/>
+          </a:fontRef>
+        </p:style>
+        <p:txBody>
+          <a:bodyPr wrap="square" rtlCol="0">
+            <a:spAutoFit/>
+          </a:bodyPr>
+          <a:lstStyle/>
+          <a:p>
+            <a:r>
+              <a:rPr lang="en-US" sz="1400" dirty="0">
+                <a:solidFill>
+                  <a:schemeClr val="lt1">
+                    <a:alpha val="99000"/>
+                  </a:schemeClr>
+                </a:solidFill>
+                <a:latin typeface="Consolas" pitchFamily="49" charset="0"/>
+                <a:cs typeface="Consolas" pitchFamily="49" charset="0"/>
+              </a:rPr>
+              <a:t>&lt;</a:t>
+            </a:r>
+            <a:r>
+              <a:rPr lang="en-US" sz="1400" dirty="0" err="1">
+                <a:solidFill>
+                  <a:schemeClr val="lt1">
+                    <a:alpha val="99000"/>
+                  </a:schemeClr>
+                </a:solidFill>
+                <a:latin typeface="Consolas" pitchFamily="49" charset="0"/>
+                <a:cs typeface="Consolas" pitchFamily="49" charset="0"/>
+              </a:rPr>
+              <a:t>asp:FormView</a:t>
+            </a:r>
+            <a:r>
+              <a:rPr lang="en-US" sz="1400" dirty="0">
+                <a:solidFill>
+                  <a:schemeClr val="lt1">
+                    <a:alpha val="99000"/>
+                  </a:schemeClr>
+                </a:solidFill>
+                <a:latin typeface="Consolas" pitchFamily="49" charset="0"/>
+                <a:cs typeface="Consolas" pitchFamily="49" charset="0"/>
+              </a:rPr>
+              <a:t> </a:t>
+            </a:r>
+            <a:r>
+              <a:rPr lang="en-US" sz="1400" dirty="0" err="1">
+                <a:solidFill>
+                  <a:schemeClr val="lt1">
+                    <a:alpha val="99000"/>
+                  </a:schemeClr>
+                </a:solidFill>
+                <a:latin typeface="Consolas" pitchFamily="49" charset="0"/>
+                <a:cs typeface="Consolas" pitchFamily="49" charset="0"/>
+              </a:rPr>
+              <a:t>runat</a:t>
+            </a:r>
+            <a:r>
+              <a:rPr lang="en-US" sz="1400" dirty="0">
+                <a:solidFill>
+                  <a:schemeClr val="lt1">
+                    <a:alpha val="99000"/>
+                  </a:schemeClr>
+                </a:solidFill>
+                <a:latin typeface="Consolas" pitchFamily="49" charset="0"/>
+                <a:cs typeface="Consolas" pitchFamily="49" charset="0"/>
+              </a:rPr>
+              <a:t>="server" ID="</a:t>
+            </a:r>
+            <a:r>
+              <a:rPr lang="en-US" sz="1400" dirty="0" err="1">
+                <a:solidFill>
+                  <a:schemeClr val="lt1">
+                    <a:alpha val="99000"/>
+                  </a:schemeClr>
+                </a:solidFill>
+                <a:latin typeface="Consolas" pitchFamily="49" charset="0"/>
+                <a:cs typeface="Consolas" pitchFamily="49" charset="0"/>
+              </a:rPr>
+              <a:t>customerForm</a:t>
+            </a:r>
+            <a:r>
+              <a:rPr lang="en-US" sz="1400" dirty="0">
+                <a:solidFill>
+                  <a:schemeClr val="lt1">
+                    <a:alpha val="99000"/>
+                  </a:schemeClr>
+                </a:solidFill>
+                <a:latin typeface="Consolas" pitchFamily="49" charset="0"/>
+                <a:cs typeface="Consolas" pitchFamily="49" charset="0"/>
+              </a:rPr>
+              <a:t>"</a:t>
+            </a:r>
+          </a:p>
+          <a:p>
+            <a:r>
+              <a:rPr lang="en-US" sz="1400" dirty="0">
+                <a:solidFill>
+                  <a:schemeClr val="lt1">
+                    <a:alpha val="99000"/>
+                  </a:schemeClr>
+                </a:solidFill>
+                <a:latin typeface="Consolas" pitchFamily="49" charset="0"/>
+                <a:cs typeface="Consolas" pitchFamily="49" charset="0"/>
+              </a:rPr>
+              <a:t>  </a:t>
+            </a:r>
+            <a:r>
+              <a:rPr lang="en-US" sz="1400" b="1" dirty="0" err="1">
+                <a:solidFill>
+                  <a:srgbClr val="FFFF00">
+                    <a:alpha val="99000"/>
+                  </a:srgbClr>
+                </a:solidFill>
+                <a:latin typeface="Consolas" pitchFamily="49" charset="0"/>
+                <a:cs typeface="Consolas" pitchFamily="49" charset="0"/>
+              </a:rPr>
+              <a:t>InsertMethod</a:t>
+            </a:r>
+            <a:r>
+              <a:rPr lang="en-US" sz="1400" b="1" dirty="0">
+                <a:solidFill>
+                  <a:srgbClr val="FFFF00">
+                    <a:alpha val="99000"/>
+                  </a:srgbClr>
+                </a:solidFill>
+                <a:latin typeface="Consolas" pitchFamily="49" charset="0"/>
+                <a:cs typeface="Consolas" pitchFamily="49" charset="0"/>
+              </a:rPr>
+              <a:t>="</a:t>
+            </a:r>
+            <a:r>
+              <a:rPr lang="en-US" sz="1400" b="1" dirty="0" err="1">
+                <a:solidFill>
+                  <a:srgbClr val="FFFF00">
+                    <a:alpha val="99000"/>
+                  </a:srgbClr>
+                </a:solidFill>
+                <a:latin typeface="Consolas" pitchFamily="49" charset="0"/>
+                <a:cs typeface="Consolas" pitchFamily="49" charset="0"/>
+              </a:rPr>
+              <a:t>InsertCustomer</a:t>
+            </a:r>
+            <a:r>
+              <a:rPr lang="en-US" sz="1400" b="1" dirty="0">
+                <a:solidFill>
+                  <a:srgbClr val="FFFF00">
+                    <a:alpha val="99000"/>
+                  </a:srgbClr>
+                </a:solidFill>
+                <a:latin typeface="Consolas" pitchFamily="49" charset="0"/>
+                <a:cs typeface="Consolas" pitchFamily="49" charset="0"/>
+              </a:rPr>
+              <a:t>"</a:t>
+            </a:r>
+            <a:r>
+              <a:rPr lang="en-US" sz="1400" dirty="0">
+                <a:solidFill>
+                  <a:schemeClr val="bg1">
+                    <a:alpha val="99000"/>
+                  </a:schemeClr>
+                </a:solidFill>
+                <a:latin typeface="Consolas" pitchFamily="49" charset="0"/>
+                <a:cs typeface="Consolas" pitchFamily="49" charset="0"/>
+              </a:rPr>
+              <a:t> </a:t>
+            </a:r>
+            <a:r>
+              <a:rPr lang="en-US" sz="1400" dirty="0" err="1">
+                <a:solidFill>
+                  <a:schemeClr val="bg1">
+                    <a:alpha val="99000"/>
+                  </a:schemeClr>
+                </a:solidFill>
+                <a:latin typeface="Consolas" pitchFamily="49" charset="0"/>
+                <a:cs typeface="Consolas" pitchFamily="49" charset="0"/>
+              </a:rPr>
+              <a:t>UpdateMethod</a:t>
+            </a:r>
+            <a:r>
+              <a:rPr lang="en-US" sz="1400" dirty="0">
+                <a:solidFill>
+                  <a:schemeClr val="bg1">
+                    <a:alpha val="99000"/>
+                  </a:schemeClr>
+                </a:solidFill>
+                <a:latin typeface="Consolas" pitchFamily="49" charset="0"/>
+                <a:cs typeface="Consolas" pitchFamily="49" charset="0"/>
+              </a:rPr>
+              <a:t>="</a:t>
+            </a:r>
+            <a:r>
+              <a:rPr lang="en-US" sz="1400" dirty="0" err="1">
+                <a:solidFill>
+                  <a:schemeClr val="bg1">
+                    <a:alpha val="99000"/>
+                  </a:schemeClr>
+                </a:solidFill>
+                <a:latin typeface="Consolas" pitchFamily="49" charset="0"/>
+                <a:cs typeface="Consolas" pitchFamily="49" charset="0"/>
+              </a:rPr>
+              <a:t>UpdateCustomer</a:t>
+            </a:r>
+            <a:r>
+              <a:rPr lang="en-US" sz="1400" dirty="0">
+                <a:solidFill>
+                  <a:schemeClr val="bg1">
+                    <a:alpha val="99000"/>
+                  </a:schemeClr>
+                </a:solidFill>
+                <a:latin typeface="Consolas" pitchFamily="49" charset="0"/>
+                <a:cs typeface="Consolas" pitchFamily="49" charset="0"/>
+              </a:rPr>
+              <a:t>"</a:t>
+            </a:r>
+          </a:p>
+          <a:p>
+            <a:r>
+              <a:rPr lang="en-US" sz="1400" dirty="0">
+                <a:solidFill>
+                  <a:schemeClr val="lt1">
+                    <a:alpha val="99000"/>
+                  </a:schemeClr>
+                </a:solidFill>
+                <a:latin typeface="Consolas" pitchFamily="49" charset="0"/>
+                <a:cs typeface="Consolas" pitchFamily="49" charset="0"/>
+              </a:rPr>
+              <a:t>  &lt;</a:t>
+            </a:r>
+            <a:r>
+              <a:rPr lang="en-US" sz="1400" dirty="0" err="1">
+                <a:solidFill>
+                  <a:schemeClr val="lt1">
+                    <a:alpha val="99000"/>
+                  </a:schemeClr>
+                </a:solidFill>
+                <a:latin typeface="Consolas" pitchFamily="49" charset="0"/>
+                <a:cs typeface="Consolas" pitchFamily="49" charset="0"/>
+              </a:rPr>
+              <a:t>EditItemTemplate</a:t>
+            </a:r>
+            <a:r>
+              <a:rPr lang="en-US" sz="1400" dirty="0">
+                <a:solidFill>
+                  <a:schemeClr val="lt1">
+                    <a:alpha val="99000"/>
+                  </a:schemeClr>
+                </a:solidFill>
+                <a:latin typeface="Consolas" pitchFamily="49" charset="0"/>
+                <a:cs typeface="Consolas" pitchFamily="49" charset="0"/>
+              </a:rPr>
+              <a:t>&gt;</a:t>
+            </a:r>
+          </a:p>
+          <a:p>
+            <a:r>
+              <a:rPr lang="en-US" sz="1400" dirty="0">
+                <a:solidFill>
+                  <a:schemeClr val="lt1">
+                    <a:alpha val="99000"/>
+                  </a:schemeClr>
+                </a:solidFill>
+                <a:latin typeface="Consolas" pitchFamily="49" charset="0"/>
+                <a:cs typeface="Consolas" pitchFamily="49" charset="0"/>
+              </a:rPr>
+              <a:t>    &lt;</a:t>
+            </a:r>
+            <a:r>
+              <a:rPr lang="en-US" sz="1400" dirty="0" err="1">
+                <a:solidFill>
+                  <a:schemeClr val="lt1">
+                    <a:alpha val="99000"/>
+                  </a:schemeClr>
+                </a:solidFill>
+                <a:latin typeface="Consolas" pitchFamily="49" charset="0"/>
+                <a:cs typeface="Consolas" pitchFamily="49" charset="0"/>
+              </a:rPr>
+              <a:t>asp:Label</a:t>
+            </a:r>
+            <a:r>
+              <a:rPr lang="en-US" sz="1400" dirty="0">
+                <a:solidFill>
+                  <a:schemeClr val="lt1">
+                    <a:alpha val="99000"/>
+                  </a:schemeClr>
+                </a:solidFill>
+                <a:latin typeface="Consolas" pitchFamily="49" charset="0"/>
+                <a:cs typeface="Consolas" pitchFamily="49" charset="0"/>
+              </a:rPr>
+              <a:t> </a:t>
+            </a:r>
+            <a:r>
+              <a:rPr lang="en-US" sz="1400" dirty="0" err="1">
+                <a:solidFill>
+                  <a:schemeClr val="lt1">
+                    <a:alpha val="99000"/>
+                  </a:schemeClr>
+                </a:solidFill>
+                <a:latin typeface="Consolas" pitchFamily="49" charset="0"/>
+                <a:cs typeface="Consolas" pitchFamily="49" charset="0"/>
+              </a:rPr>
+              <a:t>runat</a:t>
+            </a:r>
+            <a:r>
+              <a:rPr lang="en-US" sz="1400" dirty="0">
+                <a:solidFill>
+                  <a:schemeClr val="lt1">
+                    <a:alpha val="99000"/>
+                  </a:schemeClr>
+                </a:solidFill>
+                <a:latin typeface="Consolas" pitchFamily="49" charset="0"/>
+                <a:cs typeface="Consolas" pitchFamily="49" charset="0"/>
+              </a:rPr>
+              <a:t>="server" Text="Name:" </a:t>
+            </a:r>
+            <a:r>
+              <a:rPr lang="en-US" sz="1400" dirty="0" err="1">
+                <a:solidFill>
+                  <a:schemeClr val="lt1">
+                    <a:alpha val="99000"/>
+                  </a:schemeClr>
+                </a:solidFill>
+                <a:latin typeface="Consolas" pitchFamily="49" charset="0"/>
+                <a:cs typeface="Consolas" pitchFamily="49" charset="0"/>
+              </a:rPr>
+              <a:t>AssociatedControlID</a:t>
+            </a:r>
+            <a:r>
+              <a:rPr lang="en-US" sz="1400" dirty="0">
+                <a:solidFill>
+                  <a:schemeClr val="lt1">
+                    <a:alpha val="99000"/>
+                  </a:schemeClr>
+                </a:solidFill>
+                <a:latin typeface="Consolas" pitchFamily="49" charset="0"/>
+                <a:cs typeface="Consolas" pitchFamily="49" charset="0"/>
+              </a:rPr>
+              <a:t>="Name" /&gt;</a:t>
+            </a:r>
+          </a:p>
+          <a:p>
+            <a:r>
+              <a:rPr lang="en-US" sz="1400" dirty="0">
+                <a:solidFill>
+                  <a:schemeClr val="lt1">
+                    <a:alpha val="99000"/>
+                  </a:schemeClr>
+                </a:solidFill>
+                <a:latin typeface="Consolas" pitchFamily="49" charset="0"/>
+                <a:cs typeface="Consolas" pitchFamily="49" charset="0"/>
+              </a:rPr>
+              <a:t>    &lt;</a:t>
+            </a:r>
+            <a:r>
+              <a:rPr lang="en-US" sz="1400" dirty="0" err="1">
+                <a:solidFill>
+                  <a:schemeClr val="lt1">
+                    <a:alpha val="99000"/>
+                  </a:schemeClr>
+                </a:solidFill>
+                <a:latin typeface="Consolas" pitchFamily="49" charset="0"/>
+                <a:cs typeface="Consolas" pitchFamily="49" charset="0"/>
+              </a:rPr>
+              <a:t>asp:TextBox</a:t>
+            </a:r>
+            <a:r>
+              <a:rPr lang="en-US" sz="1400" dirty="0">
+                <a:solidFill>
+                  <a:schemeClr val="lt1">
+                    <a:alpha val="99000"/>
+                  </a:schemeClr>
+                </a:solidFill>
+                <a:latin typeface="Consolas" pitchFamily="49" charset="0"/>
+                <a:cs typeface="Consolas" pitchFamily="49" charset="0"/>
+              </a:rPr>
+              <a:t> </a:t>
+            </a:r>
+            <a:r>
+              <a:rPr lang="en-US" sz="1400" dirty="0" err="1">
+                <a:solidFill>
+                  <a:schemeClr val="lt1">
+                    <a:alpha val="99000"/>
+                  </a:schemeClr>
+                </a:solidFill>
+                <a:latin typeface="Consolas" pitchFamily="49" charset="0"/>
+                <a:cs typeface="Consolas" pitchFamily="49" charset="0"/>
+              </a:rPr>
+              <a:t>runat</a:t>
+            </a:r>
+            <a:r>
+              <a:rPr lang="en-US" sz="1400" dirty="0">
+                <a:solidFill>
+                  <a:schemeClr val="lt1">
+                    <a:alpha val="99000"/>
+                  </a:schemeClr>
+                </a:solidFill>
+                <a:latin typeface="Consolas" pitchFamily="49" charset="0"/>
+                <a:cs typeface="Consolas" pitchFamily="49" charset="0"/>
+              </a:rPr>
+              <a:t>="server" ID="Name" Text="&lt;%# </a:t>
+            </a:r>
+            <a:r>
+              <a:rPr lang="en-US" sz="1400" dirty="0" err="1">
+                <a:solidFill>
+                  <a:schemeClr val="lt1">
+                    <a:alpha val="99000"/>
+                  </a:schemeClr>
+                </a:solidFill>
+                <a:latin typeface="Consolas" pitchFamily="49" charset="0"/>
+                <a:cs typeface="Consolas" pitchFamily="49" charset="0"/>
+              </a:rPr>
+              <a:t>BindItem.Name</a:t>
+            </a:r>
+            <a:r>
+              <a:rPr lang="en-US" sz="1400" dirty="0">
+                <a:solidFill>
+                  <a:schemeClr val="lt1">
+                    <a:alpha val="99000"/>
+                  </a:schemeClr>
+                </a:solidFill>
+                <a:latin typeface="Consolas" pitchFamily="49" charset="0"/>
+                <a:cs typeface="Consolas" pitchFamily="49" charset="0"/>
+              </a:rPr>
+              <a:t> %&gt;" /&gt;</a:t>
+            </a:r>
+          </a:p>
+          <a:p>
+            <a:r>
+              <a:rPr lang="en-US" sz="1400" dirty="0">
+                <a:solidFill>
+                  <a:schemeClr val="lt1">
+                    <a:alpha val="99000"/>
+                  </a:schemeClr>
+                </a:solidFill>
+                <a:latin typeface="Consolas" pitchFamily="49" charset="0"/>
+                <a:cs typeface="Consolas" pitchFamily="49" charset="0"/>
+              </a:rPr>
+              <a:t>    &lt;!-- etc. </a:t>
+            </a:r>
+            <a:r>
+              <a:rPr lang="en-US" sz="1400" dirty="0">
+                <a:solidFill>
+                  <a:schemeClr val="lt1">
+                    <a:alpha val="99000"/>
+                  </a:schemeClr>
+                </a:solidFill>
+                <a:latin typeface="Consolas" pitchFamily="49" charset="0"/>
+                <a:cs typeface="Consolas" pitchFamily="49" charset="0"/>
+                <a:sym typeface="Wingdings" panose="05000000000000000000" pitchFamily="2" charset="2"/>
+              </a:rPr>
+              <a:t>--&gt;</a:t>
+            </a:r>
+            <a:endParaRPr lang="en-US" sz="1400" dirty="0">
+              <a:solidFill>
+                <a:schemeClr val="lt1">
+                  <a:alpha val="99000"/>
+                </a:schemeClr>
+              </a:solidFill>
+              <a:latin typeface="Consolas" pitchFamily="49" charset="0"/>
+              <a:cs typeface="Consolas" pitchFamily="49" charset="0"/>
+            </a:endParaRPr>
+          </a:p>
+        </p:txBody>
+      </p:sp>
+      <p:sp>
+        <p:nvSpPr>
+          <p:cNvPr id="8" name="Rectangle 7"/>
+          <p:cNvSpPr/>
+          <p:nvPr/>
+        </p:nvSpPr>
+        <p:spPr>
+          <a:xfrm>
+            <a:off x="81481" y="1708262"/>
+            <a:ext cx="2676755" cy="1077218"/>
+          </a:xfrm>
+          <a:prstGeom prst="rect">
+            <a:avLst/>
+          </a:prstGeom>
+        </p:spPr>
+        <p:txBody>
+          <a:bodyPr wrap="square">
+            <a:spAutoFit/>
+          </a:bodyPr>
+          <a:lstStyle/>
+          <a:p>
+            <a:r>
+              <a:rPr lang="en-US" sz="4000" dirty="0" smtClean="0">
+                <a:solidFill>
+                  <a:schemeClr val="accent2">
+                    <a:alpha val="99000"/>
+                  </a:schemeClr>
+                </a:solidFill>
+                <a:latin typeface="Segoe UI Light" pitchFamily="34" charset="0"/>
+              </a:rPr>
+              <a:t>Step </a:t>
+            </a:r>
+            <a:r>
+              <a:rPr lang="en-US" sz="4000" dirty="0" smtClean="0">
+                <a:solidFill>
+                  <a:schemeClr val="accent2">
+                    <a:alpha val="99000"/>
+                  </a:schemeClr>
+                </a:solidFill>
+                <a:latin typeface="Segoe UI Light" pitchFamily="34" charset="0"/>
+              </a:rPr>
+              <a:t>1:</a:t>
+            </a:r>
+            <a:endParaRPr lang="en-US" sz="4000" dirty="0">
+              <a:solidFill>
+                <a:schemeClr val="accent2">
+                  <a:alpha val="99000"/>
+                </a:schemeClr>
+              </a:solidFill>
+              <a:latin typeface="Segoe UI Light" pitchFamily="34" charset="0"/>
+            </a:endParaRPr>
+          </a:p>
+          <a:p>
+            <a:r>
+              <a:rPr lang="en-US" dirty="0" smtClean="0">
+                <a:solidFill>
+                  <a:schemeClr val="tx2">
+                    <a:alpha val="99000"/>
+                  </a:schemeClr>
+                </a:solidFill>
+                <a:latin typeface="Segoe UI Light" pitchFamily="34" charset="0"/>
+              </a:rPr>
+              <a:t>Set </a:t>
+            </a:r>
+            <a:r>
+              <a:rPr lang="en-US" dirty="0" smtClean="0">
+                <a:solidFill>
+                  <a:schemeClr val="tx2">
+                    <a:alpha val="99000"/>
+                  </a:schemeClr>
+                </a:solidFill>
+                <a:latin typeface="Segoe UI Light" pitchFamily="34" charset="0"/>
+              </a:rPr>
+              <a:t>Insert Method</a:t>
+            </a:r>
+            <a:endParaRPr lang="en-US" dirty="0">
+              <a:solidFill>
+                <a:schemeClr val="tx2">
+                  <a:alpha val="99000"/>
+                </a:schemeClr>
+              </a:solidFill>
+              <a:latin typeface="Segoe UI Light" pitchFamily="34" charset="0"/>
+            </a:endParaRPr>
+          </a:p>
+        </p:txBody>
+      </p:sp>
+      <p:sp>
+        <p:nvSpPr>
+          <p:cNvPr id="12" name="Rectangle 11"/>
+          <p:cNvSpPr/>
+          <p:nvPr/>
+        </p:nvSpPr>
+        <p:spPr bwMode="auto">
+          <a:xfrm>
+            <a:off x="2473" y="3399952"/>
+            <a:ext cx="12188825" cy="2893100"/>
+          </a:xfrm>
+          <a:prstGeom prst="rect">
+            <a:avLst/>
+          </a:prstGeom>
+          <a:solidFill>
+            <a:schemeClr val="accent2">
+              <a:lumMod val="20000"/>
+              <a:lumOff val="80000"/>
+            </a:schemeClr>
+          </a:solidFill>
+          <a:ln>
+            <a:noFill/>
+            <a:headEnd type="none" w="med" len="med"/>
+            <a:tailEnd type="none" w="med" len="med"/>
+          </a:ln>
+          <a:effectLst/>
+        </p:spPr>
+        <p:style>
+          <a:lnRef idx="1">
+            <a:schemeClr val="accent2"/>
+          </a:lnRef>
+          <a:fillRef idx="3">
+            <a:schemeClr val="accent2"/>
+          </a:fillRef>
+          <a:effectRef idx="2">
+            <a:schemeClr val="accent2"/>
+          </a:effectRef>
+          <a:fontRef idx="minor">
+            <a:schemeClr val="lt1"/>
+          </a:fontRef>
+        </p:style>
+        <p:txBody>
+          <a:bodyPr vert="horz" wrap="square" lIns="91436" tIns="45718" rIns="91436" bIns="45718" numCol="1" rtlCol="0" anchor="ctr" anchorCtr="0" compatLnSpc="1">
+            <a:prstTxWarp prst="textNoShape">
+              <a:avLst/>
+            </a:prstTxWarp>
+          </a:bodyPr>
+          <a:lstStyle/>
+          <a:p>
+            <a:pPr algn="ctr" defTabSz="914099" fontAlgn="base">
+              <a:spcBef>
+                <a:spcPct val="0"/>
+              </a:spcBef>
+              <a:spcAft>
+                <a:spcPct val="0"/>
+              </a:spcAft>
+            </a:pPr>
+            <a:endParaRPr lang="en-US" sz="2200" dirty="0" smtClean="0">
+              <a:gradFill>
+                <a:gsLst>
+                  <a:gs pos="0">
+                    <a:srgbClr val="FFFFFF"/>
+                  </a:gs>
+                  <a:gs pos="100000">
+                    <a:srgbClr val="FFFFFF"/>
+                  </a:gs>
+                </a:gsLst>
+                <a:lin ang="5400000" scaled="0"/>
+              </a:gradFill>
+            </a:endParaRPr>
+          </a:p>
+        </p:txBody>
+      </p:sp>
+      <p:sp>
+        <p:nvSpPr>
+          <p:cNvPr id="13" name="TextBox 12"/>
+          <p:cNvSpPr txBox="1"/>
+          <p:nvPr/>
+        </p:nvSpPr>
+        <p:spPr>
+          <a:xfrm>
+            <a:off x="2948996" y="3399952"/>
+            <a:ext cx="8695659" cy="2677656"/>
+          </a:xfrm>
+          <a:prstGeom prst="rect">
+            <a:avLst/>
+          </a:prstGeom>
+          <a:solidFill>
+            <a:schemeClr val="accent6"/>
+          </a:solidFill>
+          <a:ln>
+            <a:noFill/>
+          </a:ln>
+          <a:effectLst/>
+        </p:spPr>
+        <p:style>
+          <a:lnRef idx="3">
+            <a:schemeClr val="lt1"/>
+          </a:lnRef>
+          <a:fillRef idx="1">
+            <a:schemeClr val="accent3"/>
+          </a:fillRef>
+          <a:effectRef idx="1">
+            <a:schemeClr val="accent3"/>
+          </a:effectRef>
+          <a:fontRef idx="minor">
+            <a:schemeClr val="lt1"/>
+          </a:fontRef>
+        </p:style>
+        <p:txBody>
+          <a:bodyPr wrap="square" rtlCol="0">
+            <a:spAutoFit/>
+          </a:bodyPr>
+          <a:lstStyle/>
+          <a:p>
+            <a:r>
+              <a:rPr lang="en-US" sz="1400" dirty="0">
+                <a:solidFill>
+                  <a:schemeClr val="lt1">
+                    <a:alpha val="99000"/>
+                  </a:schemeClr>
+                </a:solidFill>
+                <a:latin typeface="Consolas" pitchFamily="49" charset="0"/>
+                <a:cs typeface="Consolas" pitchFamily="49" charset="0"/>
+              </a:rPr>
+              <a:t>public void </a:t>
+            </a:r>
+            <a:r>
+              <a:rPr lang="en-US" sz="1400" dirty="0" err="1">
+                <a:solidFill>
+                  <a:schemeClr val="lt1">
+                    <a:alpha val="99000"/>
+                  </a:schemeClr>
+                </a:solidFill>
+                <a:latin typeface="Consolas" pitchFamily="49" charset="0"/>
+                <a:cs typeface="Consolas" pitchFamily="49" charset="0"/>
+              </a:rPr>
+              <a:t>InsertCustomer</a:t>
+            </a:r>
+            <a:r>
+              <a:rPr lang="en-US" sz="1400" dirty="0">
+                <a:solidFill>
+                  <a:schemeClr val="lt1">
+                    <a:alpha val="99000"/>
+                  </a:schemeClr>
+                </a:solidFill>
+                <a:latin typeface="Consolas" pitchFamily="49" charset="0"/>
+                <a:cs typeface="Consolas" pitchFamily="49" charset="0"/>
+              </a:rPr>
+              <a:t>()</a:t>
+            </a:r>
+          </a:p>
+          <a:p>
+            <a:r>
+              <a:rPr lang="en-US" sz="1400" dirty="0">
+                <a:solidFill>
+                  <a:schemeClr val="lt1">
+                    <a:alpha val="99000"/>
+                  </a:schemeClr>
+                </a:solidFill>
+                <a:latin typeface="Consolas" pitchFamily="49" charset="0"/>
+                <a:cs typeface="Consolas" pitchFamily="49" charset="0"/>
+              </a:rPr>
+              <a:t>{</a:t>
+            </a:r>
+          </a:p>
+          <a:p>
+            <a:r>
+              <a:rPr lang="en-US" sz="1400" dirty="0">
+                <a:solidFill>
+                  <a:schemeClr val="lt1">
+                    <a:alpha val="99000"/>
+                  </a:schemeClr>
+                </a:solidFill>
+                <a:latin typeface="Consolas" pitchFamily="49" charset="0"/>
+                <a:cs typeface="Consolas" pitchFamily="49" charset="0"/>
+              </a:rPr>
+              <a:t>    </a:t>
+            </a:r>
+            <a:r>
+              <a:rPr lang="en-US" sz="1400" dirty="0" err="1">
+                <a:solidFill>
+                  <a:schemeClr val="lt1">
+                    <a:alpha val="99000"/>
+                  </a:schemeClr>
+                </a:solidFill>
+                <a:latin typeface="Consolas" pitchFamily="49" charset="0"/>
+                <a:cs typeface="Consolas" pitchFamily="49" charset="0"/>
+              </a:rPr>
+              <a:t>var</a:t>
+            </a:r>
+            <a:r>
+              <a:rPr lang="en-US" sz="1400" dirty="0">
+                <a:solidFill>
+                  <a:schemeClr val="lt1">
+                    <a:alpha val="99000"/>
+                  </a:schemeClr>
+                </a:solidFill>
+                <a:latin typeface="Consolas" pitchFamily="49" charset="0"/>
+                <a:cs typeface="Consolas" pitchFamily="49" charset="0"/>
+              </a:rPr>
+              <a:t> customer = new Customer();</a:t>
+            </a:r>
+          </a:p>
+          <a:p>
+            <a:endParaRPr lang="en-US" sz="1400" dirty="0">
+              <a:solidFill>
+                <a:schemeClr val="lt1">
+                  <a:alpha val="99000"/>
+                </a:schemeClr>
+              </a:solidFill>
+              <a:latin typeface="Consolas" pitchFamily="49" charset="0"/>
+              <a:cs typeface="Consolas" pitchFamily="49" charset="0"/>
+            </a:endParaRPr>
+          </a:p>
+          <a:p>
+            <a:r>
+              <a:rPr lang="en-US" sz="1400" dirty="0">
+                <a:solidFill>
+                  <a:schemeClr val="lt1">
+                    <a:alpha val="99000"/>
+                  </a:schemeClr>
+                </a:solidFill>
+                <a:latin typeface="Consolas" pitchFamily="49" charset="0"/>
+                <a:cs typeface="Consolas" pitchFamily="49" charset="0"/>
+              </a:rPr>
+              <a:t>    </a:t>
+            </a:r>
+            <a:r>
+              <a:rPr lang="en-US" sz="1400" b="1" dirty="0" err="1">
+                <a:solidFill>
+                  <a:srgbClr val="FFFF00">
+                    <a:alpha val="99000"/>
+                  </a:srgbClr>
+                </a:solidFill>
+                <a:latin typeface="Consolas" pitchFamily="49" charset="0"/>
+                <a:cs typeface="Consolas" pitchFamily="49" charset="0"/>
+              </a:rPr>
+              <a:t>TryUpdateModel</a:t>
+            </a:r>
+            <a:r>
+              <a:rPr lang="en-US" sz="1400" dirty="0">
+                <a:solidFill>
+                  <a:schemeClr val="lt1">
+                    <a:alpha val="99000"/>
+                  </a:schemeClr>
+                </a:solidFill>
+                <a:latin typeface="Consolas" pitchFamily="49" charset="0"/>
+                <a:cs typeface="Consolas" pitchFamily="49" charset="0"/>
+              </a:rPr>
+              <a:t>(customer);</a:t>
+            </a:r>
+          </a:p>
+          <a:p>
+            <a:endParaRPr lang="en-US" sz="1400" dirty="0">
+              <a:solidFill>
+                <a:schemeClr val="lt1">
+                  <a:alpha val="99000"/>
+                </a:schemeClr>
+              </a:solidFill>
+              <a:latin typeface="Consolas" pitchFamily="49" charset="0"/>
+              <a:cs typeface="Consolas" pitchFamily="49" charset="0"/>
+            </a:endParaRPr>
+          </a:p>
+          <a:p>
+            <a:r>
+              <a:rPr lang="en-US" sz="1400" dirty="0">
+                <a:solidFill>
+                  <a:schemeClr val="lt1">
+                    <a:alpha val="99000"/>
+                  </a:schemeClr>
+                </a:solidFill>
+                <a:latin typeface="Consolas" pitchFamily="49" charset="0"/>
+                <a:cs typeface="Consolas" pitchFamily="49" charset="0"/>
+              </a:rPr>
+              <a:t>    if (</a:t>
+            </a:r>
+            <a:r>
+              <a:rPr lang="en-US" sz="1400" dirty="0" err="1">
+                <a:solidFill>
+                  <a:schemeClr val="lt1">
+                    <a:alpha val="99000"/>
+                  </a:schemeClr>
+                </a:solidFill>
+                <a:latin typeface="Consolas" pitchFamily="49" charset="0"/>
+                <a:cs typeface="Consolas" pitchFamily="49" charset="0"/>
+              </a:rPr>
+              <a:t>ModelState.IsValid</a:t>
+            </a:r>
+            <a:r>
+              <a:rPr lang="en-US" sz="1400" dirty="0">
+                <a:solidFill>
+                  <a:schemeClr val="lt1">
+                    <a:alpha val="99000"/>
+                  </a:schemeClr>
+                </a:solidFill>
+                <a:latin typeface="Consolas" pitchFamily="49" charset="0"/>
+                <a:cs typeface="Consolas" pitchFamily="49" charset="0"/>
+              </a:rPr>
+              <a:t>)</a:t>
+            </a:r>
+          </a:p>
+          <a:p>
+            <a:r>
+              <a:rPr lang="en-US" sz="1400" dirty="0">
+                <a:solidFill>
+                  <a:schemeClr val="lt1">
+                    <a:alpha val="99000"/>
+                  </a:schemeClr>
+                </a:solidFill>
+                <a:latin typeface="Consolas" pitchFamily="49" charset="0"/>
+                <a:cs typeface="Consolas" pitchFamily="49" charset="0"/>
+              </a:rPr>
+              <a:t>    {</a:t>
+            </a:r>
+          </a:p>
+          <a:p>
+            <a:r>
+              <a:rPr lang="en-US" sz="1400" dirty="0">
+                <a:solidFill>
+                  <a:schemeClr val="lt1">
+                    <a:alpha val="99000"/>
+                  </a:schemeClr>
+                </a:solidFill>
+                <a:latin typeface="Consolas" pitchFamily="49" charset="0"/>
+                <a:cs typeface="Consolas" pitchFamily="49" charset="0"/>
+              </a:rPr>
+              <a:t>        _</a:t>
+            </a:r>
+            <a:r>
+              <a:rPr lang="en-US" sz="1400" dirty="0" err="1">
+                <a:solidFill>
+                  <a:schemeClr val="lt1">
+                    <a:alpha val="99000"/>
+                  </a:schemeClr>
+                </a:solidFill>
+                <a:latin typeface="Consolas" pitchFamily="49" charset="0"/>
+                <a:cs typeface="Consolas" pitchFamily="49" charset="0"/>
+              </a:rPr>
+              <a:t>db.Customers.Add</a:t>
+            </a:r>
+            <a:r>
+              <a:rPr lang="en-US" sz="1400" dirty="0">
+                <a:solidFill>
+                  <a:schemeClr val="lt1">
+                    <a:alpha val="99000"/>
+                  </a:schemeClr>
+                </a:solidFill>
+                <a:latin typeface="Consolas" pitchFamily="49" charset="0"/>
+                <a:cs typeface="Consolas" pitchFamily="49" charset="0"/>
+              </a:rPr>
+              <a:t>(customer);</a:t>
+            </a:r>
+          </a:p>
+          <a:p>
+            <a:r>
+              <a:rPr lang="en-US" sz="1400" dirty="0">
+                <a:solidFill>
+                  <a:schemeClr val="lt1">
+                    <a:alpha val="99000"/>
+                  </a:schemeClr>
+                </a:solidFill>
+                <a:latin typeface="Consolas" pitchFamily="49" charset="0"/>
+                <a:cs typeface="Consolas" pitchFamily="49" charset="0"/>
+              </a:rPr>
+              <a:t>        </a:t>
+            </a:r>
+            <a:r>
+              <a:rPr lang="en-US" sz="1400" dirty="0" err="1">
+                <a:solidFill>
+                  <a:schemeClr val="lt1">
+                    <a:alpha val="99000"/>
+                  </a:schemeClr>
+                </a:solidFill>
+                <a:latin typeface="Consolas" pitchFamily="49" charset="0"/>
+                <a:cs typeface="Consolas" pitchFamily="49" charset="0"/>
+              </a:rPr>
+              <a:t>SaveChanges</a:t>
+            </a:r>
+            <a:r>
+              <a:rPr lang="en-US" sz="1400" dirty="0">
+                <a:solidFill>
+                  <a:schemeClr val="lt1">
+                    <a:alpha val="99000"/>
+                  </a:schemeClr>
+                </a:solidFill>
+                <a:latin typeface="Consolas" pitchFamily="49" charset="0"/>
+                <a:cs typeface="Consolas" pitchFamily="49" charset="0"/>
+              </a:rPr>
+              <a:t>(customer);</a:t>
+            </a:r>
+          </a:p>
+          <a:p>
+            <a:r>
+              <a:rPr lang="en-US" sz="1400" dirty="0">
+                <a:solidFill>
+                  <a:schemeClr val="lt1">
+                    <a:alpha val="99000"/>
+                  </a:schemeClr>
+                </a:solidFill>
+                <a:latin typeface="Consolas" pitchFamily="49" charset="0"/>
+                <a:cs typeface="Consolas" pitchFamily="49" charset="0"/>
+              </a:rPr>
+              <a:t>    }</a:t>
+            </a:r>
+          </a:p>
+          <a:p>
+            <a:r>
+              <a:rPr lang="en-US" sz="1400" dirty="0">
+                <a:solidFill>
+                  <a:schemeClr val="lt1">
+                    <a:alpha val="99000"/>
+                  </a:schemeClr>
+                </a:solidFill>
+                <a:latin typeface="Consolas" pitchFamily="49" charset="0"/>
+                <a:cs typeface="Consolas" pitchFamily="49" charset="0"/>
+              </a:rPr>
+              <a:t>}</a:t>
+            </a:r>
+          </a:p>
+        </p:txBody>
+      </p:sp>
+      <p:sp>
+        <p:nvSpPr>
+          <p:cNvPr id="17" name="Rectangle 16"/>
+          <p:cNvSpPr/>
+          <p:nvPr/>
+        </p:nvSpPr>
+        <p:spPr>
+          <a:xfrm>
+            <a:off x="81481" y="3416624"/>
+            <a:ext cx="2867515" cy="1815882"/>
+          </a:xfrm>
+          <a:prstGeom prst="rect">
+            <a:avLst/>
+          </a:prstGeom>
+        </p:spPr>
+        <p:txBody>
+          <a:bodyPr wrap="square">
+            <a:spAutoFit/>
+          </a:bodyPr>
+          <a:lstStyle/>
+          <a:p>
+            <a:r>
+              <a:rPr lang="en-US" sz="4000" dirty="0" smtClean="0">
+                <a:solidFill>
+                  <a:schemeClr val="accent2">
+                    <a:alpha val="99000"/>
+                  </a:schemeClr>
+                </a:solidFill>
+                <a:latin typeface="Segoe UI Light" pitchFamily="34" charset="0"/>
+              </a:rPr>
+              <a:t>Step 2:</a:t>
+            </a:r>
+            <a:endParaRPr lang="en-US" sz="4000" dirty="0">
+              <a:solidFill>
+                <a:schemeClr val="accent2">
+                  <a:alpha val="99000"/>
+                </a:schemeClr>
+              </a:solidFill>
+              <a:latin typeface="Segoe UI Light" pitchFamily="34" charset="0"/>
+            </a:endParaRPr>
+          </a:p>
+          <a:p>
+            <a:r>
+              <a:rPr lang="en-US" dirty="0" smtClean="0">
+                <a:solidFill>
+                  <a:schemeClr val="tx2">
+                    <a:alpha val="99000"/>
+                  </a:schemeClr>
+                </a:solidFill>
+                <a:latin typeface="Segoe UI Light" pitchFamily="34" charset="0"/>
+              </a:rPr>
+              <a:t>Use </a:t>
+            </a:r>
+            <a:r>
+              <a:rPr lang="en-US" dirty="0" err="1" smtClean="0">
+                <a:solidFill>
+                  <a:schemeClr val="tx2">
+                    <a:alpha val="99000"/>
+                  </a:schemeClr>
+                </a:solidFill>
+                <a:latin typeface="Segoe UI Light" pitchFamily="34" charset="0"/>
+              </a:rPr>
+              <a:t>TryUpdateModel</a:t>
+            </a:r>
+            <a:r>
+              <a:rPr lang="en-US" dirty="0" smtClean="0">
+                <a:solidFill>
+                  <a:schemeClr val="tx2">
+                    <a:alpha val="99000"/>
+                  </a:schemeClr>
+                </a:solidFill>
+                <a:latin typeface="Segoe UI Light" pitchFamily="34" charset="0"/>
+              </a:rPr>
+              <a:t> to validate, then save</a:t>
+            </a:r>
+            <a:endParaRPr lang="en-US" dirty="0">
+              <a:solidFill>
+                <a:schemeClr val="tx2">
+                  <a:alpha val="99000"/>
+                </a:schemeClr>
+              </a:solidFill>
+              <a:latin typeface="Segoe UI Light" pitchFamily="34" charset="0"/>
+            </a:endParaRPr>
+          </a:p>
+        </p:txBody>
+      </p:sp>
+    </p:spTree>
+    <p:extLst>
+      <p:ext uri="{BB962C8B-B14F-4D97-AF65-F5344CB8AC3E}">
+        <p14:creationId xmlns:p14="http://schemas.microsoft.com/office/powerpoint/2010/main" val="95848172"/>
+      </p:ext>
+    </p:extLst>
+  </p:cSld>
+  <p:clrMapOvr>
+    <a:masterClrMapping/>
+  </p:clrMapOvr>
+  <p:transition>
+    <p:fade/>
+  </p:transition>
+  <p:timing>
+    <p:tnLst>
+      <p:par>
+        <p:cTn id="1" dur="indefinite" restart="never" nodeType="tmRoot"/>
+      </p:par>
+    </p:tnLst>
+  </p:timing>
+</p:sld>
+</file>
+
+<file path=ppt/slides/slide7.xml><?xml version="1.0" encoding="utf-8"?>
+<p:sld xmlns:a="http://schemas.openxmlformats.org/drawingml/2006/main" xmlns:r="http://schemas.openxmlformats.org/officeDocument/2006/relationships" xmlns:p="http://schemas.openxmlformats.org/presentationml/2006/main">
+  <p:cSld>
+    <p:bg>
+      <p:bgPr>
+        <a:noFill/>
+        <a:effectLst/>
+      </p:bgPr>
+    </p:bg>
+    <p:spTree>
+      <p:nvGrpSpPr>
+        <p:cNvPr id="1" name=""/>
+        <p:cNvGrpSpPr/>
+        <p:nvPr/>
+      </p:nvGrpSpPr>
+      <p:grpSpPr>
+        <a:xfrm>
+          <a:off x="0" y="0"/>
+          <a:ext cx="0" cy="0"/>
+          <a:chOff x="0" y="0"/>
+          <a:chExt cx="0" cy="0"/>
+        </a:xfrm>
+      </p:grpSpPr>
+      <p:sp>
+        <p:nvSpPr>
+          <p:cNvPr id="7" name="Rectangle 6"/>
+          <p:cNvSpPr/>
+          <p:nvPr/>
+        </p:nvSpPr>
+        <p:spPr bwMode="auto">
+          <a:xfrm>
+            <a:off x="-796" y="4455561"/>
+            <a:ext cx="12188825" cy="1125856"/>
+          </a:xfrm>
+          <a:prstGeom prst="rect">
+            <a:avLst/>
+          </a:prstGeom>
+          <a:solidFill>
+            <a:schemeClr val="accent2">
+              <a:lumMod val="20000"/>
+              <a:lumOff val="80000"/>
+            </a:schemeClr>
+          </a:solidFill>
+          <a:ln>
+            <a:noFill/>
+            <a:headEnd type="none" w="med" len="med"/>
+            <a:tailEnd type="none" w="med" len="med"/>
+          </a:ln>
+          <a:effectLst/>
+        </p:spPr>
+        <p:style>
+          <a:lnRef idx="1">
+            <a:schemeClr val="accent2"/>
+          </a:lnRef>
+          <a:fillRef idx="3">
+            <a:schemeClr val="accent2"/>
+          </a:fillRef>
+          <a:effectRef idx="2">
+            <a:schemeClr val="accent2"/>
+          </a:effectRef>
+          <a:fontRef idx="minor">
+            <a:schemeClr val="lt1"/>
+          </a:fontRef>
+        </p:style>
+        <p:txBody>
+          <a:bodyPr vert="horz" wrap="square" lIns="91436" tIns="45718" rIns="91436" bIns="45718" numCol="1" rtlCol="0" anchor="ctr" anchorCtr="0" compatLnSpc="1">
+            <a:prstTxWarp prst="textNoShape">
+              <a:avLst/>
+            </a:prstTxWarp>
+          </a:bodyPr>
+          <a:lstStyle/>
+          <a:p>
+            <a:pPr algn="ctr" defTabSz="914099" fontAlgn="base">
+              <a:spcBef>
+                <a:spcPct val="0"/>
+              </a:spcBef>
+              <a:spcAft>
+                <a:spcPct val="0"/>
+              </a:spcAft>
+            </a:pPr>
+            <a:endParaRPr lang="en-US" sz="2200" dirty="0" smtClean="0">
+              <a:gradFill>
+                <a:gsLst>
+                  <a:gs pos="0">
+                    <a:srgbClr val="FFFFFF"/>
+                  </a:gs>
+                  <a:gs pos="100000">
+                    <a:srgbClr val="FFFFFF"/>
+                  </a:gs>
+                </a:gsLst>
+                <a:lin ang="5400000" scaled="0"/>
+              </a:gradFill>
+            </a:endParaRPr>
+          </a:p>
+        </p:txBody>
+      </p:sp>
+      <p:sp>
+        <p:nvSpPr>
+          <p:cNvPr id="6" name="Rectangle 5"/>
+          <p:cNvSpPr/>
+          <p:nvPr/>
+        </p:nvSpPr>
+        <p:spPr bwMode="auto">
+          <a:xfrm>
+            <a:off x="0" y="1075427"/>
+            <a:ext cx="12188825" cy="3095626"/>
+          </a:xfrm>
+          <a:prstGeom prst="rect">
+            <a:avLst/>
+          </a:prstGeom>
+          <a:solidFill>
+            <a:schemeClr val="accent2">
+              <a:lumMod val="20000"/>
+              <a:lumOff val="80000"/>
+            </a:schemeClr>
+          </a:solidFill>
+          <a:ln>
+            <a:noFill/>
+            <a:headEnd type="none" w="med" len="med"/>
+            <a:tailEnd type="none" w="med" len="med"/>
+          </a:ln>
+          <a:effectLst/>
+        </p:spPr>
+        <p:style>
+          <a:lnRef idx="1">
+            <a:schemeClr val="accent2"/>
+          </a:lnRef>
+          <a:fillRef idx="3">
+            <a:schemeClr val="accent2"/>
+          </a:fillRef>
+          <a:effectRef idx="2">
+            <a:schemeClr val="accent2"/>
+          </a:effectRef>
+          <a:fontRef idx="minor">
+            <a:schemeClr val="lt1"/>
+          </a:fontRef>
+        </p:style>
+        <p:txBody>
+          <a:bodyPr vert="horz" wrap="square" lIns="91436" tIns="45718" rIns="91436" bIns="45718" numCol="1" rtlCol="0" anchor="ctr" anchorCtr="0" compatLnSpc="1">
+            <a:prstTxWarp prst="textNoShape">
+              <a:avLst/>
+            </a:prstTxWarp>
+          </a:bodyPr>
+          <a:lstStyle/>
+          <a:p>
+            <a:pPr algn="ctr" defTabSz="914099" fontAlgn="base">
+              <a:spcBef>
+                <a:spcPct val="0"/>
+              </a:spcBef>
+              <a:spcAft>
+                <a:spcPct val="0"/>
+              </a:spcAft>
+            </a:pPr>
+            <a:endParaRPr lang="en-US" sz="2200" dirty="0" smtClean="0">
+              <a:gradFill>
+                <a:gsLst>
+                  <a:gs pos="0">
+                    <a:srgbClr val="FFFFFF"/>
+                  </a:gs>
+                  <a:gs pos="100000">
+                    <a:srgbClr val="FFFFFF"/>
+                  </a:gs>
+                </a:gsLst>
+                <a:lin ang="5400000" scaled="0"/>
+              </a:gradFill>
+            </a:endParaRPr>
+          </a:p>
+        </p:txBody>
+      </p:sp>
+      <p:sp>
+        <p:nvSpPr>
           <p:cNvPr id="4" name="Title 3"/>
           <p:cNvSpPr>
             <a:spLocks noGrp="1"/>
@@ -14843,7 +23102,7 @@
           <a:p>
             <a:r>
               <a:rPr lang="en-US" dirty="0" smtClean="0"/>
-              <a:t>Web Forms: Model Binding</a:t>
+              <a:t>Web Forms: Friendly URLs</a:t>
             </a:r>
             <a:endParaRPr lang="en-US" dirty="0"/>
           </a:p>
@@ -14851,7 +23110,681 @@
       </p:sp>
       <p:sp>
         <p:nvSpPr>
-          <p:cNvPr id="5" name="Text Placeholder 4"/>
+          <p:cNvPr id="2" name="Rectangle 3"/>
+          <p:cNvSpPr>
+            <a:spLocks noGrp="1" noChangeArrowheads="1"/>
+          </p:cNvSpPr>
+          <p:nvPr>
+            <p:ph type="body" sz="quarter" idx="10"/>
+          </p:nvPr>
+        </p:nvSpPr>
+        <p:spPr bwMode="auto">
+          <a:xfrm>
+            <a:off x="5407559" y="4447762"/>
+            <a:ext cx="6381750" cy="1121846"/>
+          </a:xfrm>
+          <a:prstGeom prst="rect">
+            <a:avLst/>
+          </a:prstGeom>
+          <a:solidFill>
+            <a:schemeClr val="accent6"/>
+          </a:solidFill>
+          <a:ln>
+            <a:noFill/>
+          </a:ln>
+          <a:effectLst/>
+        </p:spPr>
+        <p:style>
+          <a:lnRef idx="3">
+            <a:schemeClr val="lt1"/>
+          </a:lnRef>
+          <a:fillRef idx="1">
+            <a:schemeClr val="accent3"/>
+          </a:fillRef>
+          <a:effectRef idx="1">
+            <a:schemeClr val="accent3"/>
+          </a:effectRef>
+          <a:fontRef idx="minor">
+            <a:schemeClr val="lt1"/>
+          </a:fontRef>
+        </p:style>
+        <p:txBody>
+          <a:bodyPr wrap="square" rtlCol="0">
+            <a:spAutoFit/>
+          </a:bodyPr>
+          <a:lstStyle/>
+          <a:p>
+            <a:pPr marL="0" defTabSz="1218987"/>
+            <a:r>
+              <a:rPr lang="en-US" sz="1400" dirty="0">
+                <a:solidFill>
+                  <a:schemeClr val="lt1">
+                    <a:alpha val="99000"/>
+                  </a:schemeClr>
+                </a:solidFill>
+                <a:latin typeface="Consolas" pitchFamily="49" charset="0"/>
+                <a:cs typeface="Consolas" pitchFamily="49" charset="0"/>
+              </a:rPr>
+              <a:t>public Album </a:t>
+            </a:r>
+            <a:r>
+              <a:rPr lang="en-US" sz="1400" dirty="0" err="1">
+                <a:solidFill>
+                  <a:schemeClr val="lt1">
+                    <a:alpha val="99000"/>
+                  </a:schemeClr>
+                </a:solidFill>
+                <a:latin typeface="Consolas" pitchFamily="49" charset="0"/>
+                <a:cs typeface="Consolas" pitchFamily="49" charset="0"/>
+              </a:rPr>
+              <a:t>EditAlbum_GetItem</a:t>
+            </a:r>
+            <a:r>
+              <a:rPr lang="en-US" sz="1400" dirty="0">
+                <a:solidFill>
+                  <a:schemeClr val="lt1">
+                    <a:alpha val="99000"/>
+                  </a:schemeClr>
+                </a:solidFill>
+                <a:latin typeface="Consolas" pitchFamily="49" charset="0"/>
+                <a:cs typeface="Consolas" pitchFamily="49" charset="0"/>
+              </a:rPr>
+              <a:t>(</a:t>
+            </a:r>
+            <a:r>
+              <a:rPr lang="en-US" sz="1400" b="1" dirty="0">
+                <a:solidFill>
+                  <a:srgbClr val="FFFF00">
+                    <a:alpha val="99000"/>
+                  </a:srgbClr>
+                </a:solidFill>
+                <a:latin typeface="Consolas" pitchFamily="49" charset="0"/>
+                <a:cs typeface="Consolas" pitchFamily="49" charset="0"/>
+              </a:rPr>
+              <a:t>[</a:t>
+            </a:r>
+            <a:r>
+              <a:rPr lang="en-US" sz="1400" b="1" dirty="0" err="1">
+                <a:solidFill>
+                  <a:srgbClr val="FFFF00">
+                    <a:alpha val="99000"/>
+                  </a:srgbClr>
+                </a:solidFill>
+                <a:latin typeface="Consolas" pitchFamily="49" charset="0"/>
+                <a:cs typeface="Consolas" pitchFamily="49" charset="0"/>
+              </a:rPr>
+              <a:t>FriendlyUrlSegments</a:t>
+            </a:r>
+            <a:r>
+              <a:rPr lang="en-US" sz="1400" b="1" dirty="0">
+                <a:solidFill>
+                  <a:srgbClr val="FFFF00">
+                    <a:alpha val="99000"/>
+                  </a:srgbClr>
+                </a:solidFill>
+                <a:latin typeface="Consolas" pitchFamily="49" charset="0"/>
+                <a:cs typeface="Consolas" pitchFamily="49" charset="0"/>
+              </a:rPr>
+              <a:t>]</a:t>
+            </a:r>
+            <a:r>
+              <a:rPr lang="en-US" sz="1400" dirty="0">
+                <a:solidFill>
+                  <a:schemeClr val="lt1">
+                    <a:alpha val="99000"/>
+                  </a:schemeClr>
+                </a:solidFill>
+                <a:latin typeface="Consolas" pitchFamily="49" charset="0"/>
+                <a:cs typeface="Consolas" pitchFamily="49" charset="0"/>
+              </a:rPr>
+              <a:t> </a:t>
+            </a:r>
+            <a:r>
+              <a:rPr lang="en-US" sz="1400" dirty="0" err="1">
+                <a:solidFill>
+                  <a:schemeClr val="lt1">
+                    <a:alpha val="99000"/>
+                  </a:schemeClr>
+                </a:solidFill>
+                <a:latin typeface="Consolas" pitchFamily="49" charset="0"/>
+                <a:cs typeface="Consolas" pitchFamily="49" charset="0"/>
+              </a:rPr>
+              <a:t>int</a:t>
+            </a:r>
+            <a:r>
+              <a:rPr lang="en-US" sz="1400" dirty="0">
+                <a:solidFill>
+                  <a:schemeClr val="lt1">
+                    <a:alpha val="99000"/>
+                  </a:schemeClr>
+                </a:solidFill>
+                <a:latin typeface="Consolas" pitchFamily="49" charset="0"/>
+                <a:cs typeface="Consolas" pitchFamily="49" charset="0"/>
+              </a:rPr>
+              <a:t>? id)</a:t>
+            </a:r>
+          </a:p>
+          <a:p>
+            <a:pPr marL="0" defTabSz="1218987"/>
+            <a:r>
+              <a:rPr lang="en-US" sz="1400" dirty="0">
+                <a:solidFill>
+                  <a:schemeClr val="lt1">
+                    <a:alpha val="99000"/>
+                  </a:schemeClr>
+                </a:solidFill>
+                <a:latin typeface="Consolas" pitchFamily="49" charset="0"/>
+                <a:cs typeface="Consolas" pitchFamily="49" charset="0"/>
+              </a:rPr>
+              <a:t>{</a:t>
+            </a:r>
+          </a:p>
+          <a:p>
+            <a:pPr marL="0" defTabSz="1218987"/>
+            <a:r>
+              <a:rPr lang="en-US" sz="1400" dirty="0">
+                <a:solidFill>
+                  <a:schemeClr val="lt1">
+                    <a:alpha val="99000"/>
+                  </a:schemeClr>
+                </a:solidFill>
+                <a:latin typeface="Consolas" pitchFamily="49" charset="0"/>
+                <a:cs typeface="Consolas" pitchFamily="49" charset="0"/>
+              </a:rPr>
+              <a:t>	return _</a:t>
+            </a:r>
+            <a:r>
+              <a:rPr lang="en-US" sz="1400" dirty="0" err="1">
+                <a:solidFill>
+                  <a:schemeClr val="lt1">
+                    <a:alpha val="99000"/>
+                  </a:schemeClr>
+                </a:solidFill>
+                <a:latin typeface="Consolas" pitchFamily="49" charset="0"/>
+                <a:cs typeface="Consolas" pitchFamily="49" charset="0"/>
+              </a:rPr>
+              <a:t>db.Albums.Find</a:t>
+            </a:r>
+            <a:r>
+              <a:rPr lang="en-US" sz="1400" dirty="0">
+                <a:solidFill>
+                  <a:schemeClr val="lt1">
+                    <a:alpha val="99000"/>
+                  </a:schemeClr>
+                </a:solidFill>
+                <a:latin typeface="Consolas" pitchFamily="49" charset="0"/>
+                <a:cs typeface="Consolas" pitchFamily="49" charset="0"/>
+              </a:rPr>
+              <a:t>(id);</a:t>
+            </a:r>
+          </a:p>
+          <a:p>
+            <a:pPr marL="0" defTabSz="1218987"/>
+            <a:r>
+              <a:rPr lang="en-US" sz="1400" dirty="0">
+                <a:solidFill>
+                  <a:schemeClr val="lt1">
+                    <a:alpha val="99000"/>
+                  </a:schemeClr>
+                </a:solidFill>
+                <a:latin typeface="Consolas" pitchFamily="49" charset="0"/>
+                <a:cs typeface="Consolas" pitchFamily="49" charset="0"/>
+              </a:rPr>
+              <a:t>}</a:t>
+            </a:r>
+          </a:p>
+        </p:txBody>
+      </p:sp>
+      <p:pic>
+        <p:nvPicPr>
+          <p:cNvPr id="9" name="Picture 8"/>
+          <p:cNvPicPr>
+            <a:picLocks noChangeAspect="1"/>
+          </p:cNvPicPr>
+          <p:nvPr/>
+        </p:nvPicPr>
+        <p:blipFill>
+          <a:blip r:embed="rId2">
+            <a:extLst>
+              <a:ext uri="{28A0092B-C50C-407E-A947-70E740481C1C}">
+                <a14:useLocalDpi xmlns:a14="http://schemas.microsoft.com/office/drawing/2010/main" val="0"/>
+              </a:ext>
+            </a:extLst>
+          </a:blip>
+          <a:stretch>
+            <a:fillRect/>
+          </a:stretch>
+        </p:blipFill>
+        <p:spPr>
+          <a:xfrm>
+            <a:off x="5407559" y="1084953"/>
+            <a:ext cx="6381750" cy="3086100"/>
+          </a:xfrm>
+          <a:prstGeom prst="rect">
+            <a:avLst/>
+          </a:prstGeom>
+        </p:spPr>
+      </p:pic>
+      <p:sp>
+        <p:nvSpPr>
+          <p:cNvPr id="10" name="TextBox 9"/>
+          <p:cNvSpPr txBox="1"/>
+          <p:nvPr/>
+        </p:nvSpPr>
+        <p:spPr>
+          <a:xfrm>
+            <a:off x="587752" y="1448554"/>
+            <a:ext cx="2584041" cy="443198"/>
+          </a:xfrm>
+          <a:prstGeom prst="rect">
+            <a:avLst/>
+          </a:prstGeom>
+          <a:noFill/>
+        </p:spPr>
+        <p:txBody>
+          <a:bodyPr wrap="none" lIns="0" tIns="0" rIns="0" bIns="0" rtlCol="0">
+            <a:spAutoFit/>
+          </a:bodyPr>
+          <a:lstStyle/>
+          <a:p>
+            <a:pPr>
+              <a:lnSpc>
+                <a:spcPct val="90000"/>
+              </a:lnSpc>
+              <a:spcBef>
+                <a:spcPct val="20000"/>
+              </a:spcBef>
+              <a:buSzPct val="80000"/>
+            </a:pPr>
+            <a:r>
+              <a:rPr lang="en-US" sz="3200" dirty="0" smtClean="0">
+                <a:gradFill>
+                  <a:gsLst>
+                    <a:gs pos="0">
+                      <a:srgbClr val="292929">
+                        <a:lumMod val="90000"/>
+                        <a:lumOff val="10000"/>
+                      </a:srgbClr>
+                    </a:gs>
+                    <a:gs pos="86000">
+                      <a:srgbClr val="292929">
+                        <a:lumMod val="90000"/>
+                        <a:lumOff val="10000"/>
+                      </a:srgbClr>
+                    </a:gs>
+                  </a:gsLst>
+                  <a:lin ang="5400000" scaled="0"/>
+                </a:gradFill>
+              </a:rPr>
+              <a:t>/Album/Edit/1</a:t>
+            </a:r>
+            <a:endParaRPr lang="en-US" sz="3200" dirty="0">
+              <a:gradFill>
+                <a:gsLst>
+                  <a:gs pos="0">
+                    <a:srgbClr val="292929">
+                      <a:lumMod val="90000"/>
+                      <a:lumOff val="10000"/>
+                    </a:srgbClr>
+                  </a:gs>
+                  <a:gs pos="86000">
+                    <a:srgbClr val="292929">
+                      <a:lumMod val="90000"/>
+                      <a:lumOff val="10000"/>
+                    </a:srgbClr>
+                  </a:gs>
+                </a:gsLst>
+                <a:lin ang="5400000" scaled="0"/>
+              </a:gradFill>
+            </a:endParaRPr>
+          </a:p>
+        </p:txBody>
+      </p:sp>
+      <p:sp>
+        <p:nvSpPr>
+          <p:cNvPr id="12" name="TextBox 11"/>
+          <p:cNvSpPr txBox="1"/>
+          <p:nvPr/>
+        </p:nvSpPr>
+        <p:spPr>
+          <a:xfrm>
+            <a:off x="587752" y="2835979"/>
+            <a:ext cx="3815596" cy="984885"/>
+          </a:xfrm>
+          <a:prstGeom prst="rect">
+            <a:avLst/>
+          </a:prstGeom>
+          <a:noFill/>
+        </p:spPr>
+        <p:txBody>
+          <a:bodyPr wrap="none" lIns="0" tIns="0" rIns="0" bIns="0" rtlCol="0">
+            <a:spAutoFit/>
+          </a:bodyPr>
+          <a:lstStyle/>
+          <a:p>
+            <a:pPr>
+              <a:lnSpc>
+                <a:spcPct val="90000"/>
+              </a:lnSpc>
+              <a:spcBef>
+                <a:spcPct val="20000"/>
+              </a:spcBef>
+              <a:buSzPct val="80000"/>
+            </a:pPr>
+            <a:r>
+              <a:rPr lang="en-US" sz="3200" dirty="0" smtClean="0">
+                <a:gradFill>
+                  <a:gsLst>
+                    <a:gs pos="0">
+                      <a:srgbClr val="292929">
+                        <a:lumMod val="90000"/>
+                        <a:lumOff val="10000"/>
+                      </a:srgbClr>
+                    </a:gs>
+                    <a:gs pos="86000">
+                      <a:srgbClr val="292929">
+                        <a:lumMod val="90000"/>
+                        <a:lumOff val="10000"/>
+                      </a:srgbClr>
+                    </a:gs>
+                  </a:gsLst>
+                  <a:lin ang="5400000" scaled="0"/>
+                </a:gradFill>
+              </a:rPr>
+              <a:t>\Album\Edit.aspx</a:t>
+            </a:r>
+            <a:endParaRPr lang="en-US" sz="3200" dirty="0">
+              <a:gradFill>
+                <a:gsLst>
+                  <a:gs pos="0">
+                    <a:srgbClr val="292929">
+                      <a:lumMod val="90000"/>
+                      <a:lumOff val="10000"/>
+                    </a:srgbClr>
+                  </a:gs>
+                  <a:gs pos="86000">
+                    <a:srgbClr val="292929">
+                      <a:lumMod val="90000"/>
+                      <a:lumOff val="10000"/>
+                    </a:srgbClr>
+                  </a:gs>
+                </a:gsLst>
+                <a:lin ang="5400000" scaled="0"/>
+              </a:gradFill>
+            </a:endParaRPr>
+          </a:p>
+          <a:p>
+            <a:pPr>
+              <a:lnSpc>
+                <a:spcPct val="90000"/>
+              </a:lnSpc>
+              <a:spcBef>
+                <a:spcPct val="20000"/>
+              </a:spcBef>
+              <a:buSzPct val="80000"/>
+            </a:pPr>
+            <a:r>
+              <a:rPr lang="en-US" sz="3200" dirty="0" smtClean="0">
+                <a:gradFill>
+                  <a:gsLst>
+                    <a:gs pos="0">
+                      <a:srgbClr val="292929">
+                        <a:lumMod val="90000"/>
+                        <a:lumOff val="10000"/>
+                      </a:srgbClr>
+                    </a:gs>
+                    <a:gs pos="86000">
+                      <a:srgbClr val="292929">
+                        <a:lumMod val="90000"/>
+                        <a:lumOff val="10000"/>
+                      </a:srgbClr>
+                    </a:gs>
+                  </a:gsLst>
+                  <a:lin ang="5400000" scaled="0"/>
+                </a:gradFill>
+              </a:rPr>
+              <a:t>ID passed to controls</a:t>
+            </a:r>
+            <a:endParaRPr lang="en-US" sz="3200" dirty="0" smtClean="0">
+              <a:gradFill>
+                <a:gsLst>
+                  <a:gs pos="0">
+                    <a:srgbClr val="292929">
+                      <a:lumMod val="90000"/>
+                      <a:lumOff val="10000"/>
+                    </a:srgbClr>
+                  </a:gs>
+                  <a:gs pos="86000">
+                    <a:srgbClr val="292929">
+                      <a:lumMod val="90000"/>
+                      <a:lumOff val="10000"/>
+                    </a:srgbClr>
+                  </a:gs>
+                </a:gsLst>
+                <a:lin ang="5400000" scaled="0"/>
+              </a:gradFill>
+            </a:endParaRPr>
+          </a:p>
+        </p:txBody>
+      </p:sp>
+      <p:sp>
+        <p:nvSpPr>
+          <p:cNvPr id="11" name="Down Arrow 10"/>
+          <p:cNvSpPr/>
+          <p:nvPr/>
+        </p:nvSpPr>
+        <p:spPr bwMode="auto">
+          <a:xfrm>
+            <a:off x="1535740" y="1970756"/>
+            <a:ext cx="688063" cy="815758"/>
+          </a:xfrm>
+          <a:prstGeom prst="downArrow">
+            <a:avLst/>
+          </a:prstGeom>
+          <a:solidFill>
+            <a:schemeClr val="accent2"/>
+          </a:solidFill>
+          <a:ln>
+            <a:noFill/>
+            <a:headEnd type="none" w="med" len="med"/>
+            <a:tailEnd type="none" w="med" len="med"/>
+          </a:ln>
+          <a:effectLst/>
+        </p:spPr>
+        <p:style>
+          <a:lnRef idx="1">
+            <a:schemeClr val="accent2"/>
+          </a:lnRef>
+          <a:fillRef idx="3">
+            <a:schemeClr val="accent2"/>
+          </a:fillRef>
+          <a:effectRef idx="2">
+            <a:schemeClr val="accent2"/>
+          </a:effectRef>
+          <a:fontRef idx="minor">
+            <a:schemeClr val="lt1"/>
+          </a:fontRef>
+        </p:style>
+        <p:txBody>
+          <a:bodyPr vert="horz" wrap="square" lIns="91436" tIns="45718" rIns="91436" bIns="45718" numCol="1" rtlCol="0" anchor="ctr" anchorCtr="0" compatLnSpc="1">
+            <a:prstTxWarp prst="textNoShape">
+              <a:avLst/>
+            </a:prstTxWarp>
+          </a:bodyPr>
+          <a:lstStyle/>
+          <a:p>
+            <a:pPr algn="ctr" defTabSz="914099" fontAlgn="base">
+              <a:spcBef>
+                <a:spcPct val="0"/>
+              </a:spcBef>
+              <a:spcAft>
+                <a:spcPct val="0"/>
+              </a:spcAft>
+            </a:pPr>
+            <a:endParaRPr lang="en-US" sz="2200" dirty="0" smtClean="0">
+              <a:gradFill>
+                <a:gsLst>
+                  <a:gs pos="0">
+                    <a:srgbClr val="FFFFFF"/>
+                  </a:gs>
+                  <a:gs pos="100000">
+                    <a:srgbClr val="FFFFFF"/>
+                  </a:gs>
+                </a:gsLst>
+                <a:lin ang="5400000" scaled="0"/>
+              </a:gradFill>
+            </a:endParaRPr>
+          </a:p>
+        </p:txBody>
+      </p:sp>
+      <p:sp>
+        <p:nvSpPr>
+          <p:cNvPr id="14" name="TextBox 13"/>
+          <p:cNvSpPr txBox="1"/>
+          <p:nvPr/>
+        </p:nvSpPr>
+        <p:spPr>
+          <a:xfrm>
+            <a:off x="165814" y="4529087"/>
+            <a:ext cx="5112355" cy="886397"/>
+          </a:xfrm>
+          <a:prstGeom prst="rect">
+            <a:avLst/>
+          </a:prstGeom>
+          <a:noFill/>
+        </p:spPr>
+        <p:txBody>
+          <a:bodyPr wrap="square" lIns="0" tIns="0" rIns="0" bIns="0" rtlCol="0">
+            <a:spAutoFit/>
+          </a:bodyPr>
+          <a:lstStyle/>
+          <a:p>
+            <a:pPr>
+              <a:lnSpc>
+                <a:spcPct val="90000"/>
+              </a:lnSpc>
+              <a:spcBef>
+                <a:spcPct val="20000"/>
+              </a:spcBef>
+              <a:buSzPct val="80000"/>
+            </a:pPr>
+            <a:r>
+              <a:rPr lang="en-US" sz="3200" dirty="0" smtClean="0">
+                <a:gradFill>
+                  <a:gsLst>
+                    <a:gs pos="0">
+                      <a:srgbClr val="292929">
+                        <a:lumMod val="90000"/>
+                        <a:lumOff val="10000"/>
+                      </a:srgbClr>
+                    </a:gs>
+                    <a:gs pos="86000">
+                      <a:srgbClr val="292929">
+                        <a:lumMod val="90000"/>
+                        <a:lumOff val="10000"/>
+                      </a:srgbClr>
+                    </a:gs>
+                  </a:gsLst>
+                  <a:lin ang="5400000" scaled="0"/>
+                </a:gradFill>
+              </a:rPr>
+              <a:t>Segments can be bound or accessed programmatically</a:t>
+            </a:r>
+          </a:p>
+        </p:txBody>
+      </p:sp>
+    </p:spTree>
+    <p:extLst>
+      <p:ext uri="{BB962C8B-B14F-4D97-AF65-F5344CB8AC3E}">
+        <p14:creationId xmlns:p14="http://schemas.microsoft.com/office/powerpoint/2010/main" val="2367441720"/>
+      </p:ext>
+    </p:extLst>
+  </p:cSld>
+  <p:clrMapOvr>
+    <a:masterClrMapping/>
+  </p:clrMapOvr>
+  <p:transition>
+    <p:fade/>
+  </p:transition>
+  <p:timing>
+    <p:tnLst>
+      <p:par>
+        <p:cTn id="1" dur="indefinite" restart="never" nodeType="tmRoot"/>
+      </p:par>
+    </p:tnLst>
+  </p:timing>
+</p:sld>
+</file>
+
+<file path=ppt/slides/slide8.xml><?xml version="1.0" encoding="utf-8"?>
+<p:sld xmlns:a="http://schemas.openxmlformats.org/drawingml/2006/main" xmlns:r="http://schemas.openxmlformats.org/officeDocument/2006/relationships" xmlns:p="http://schemas.openxmlformats.org/presentationml/2006/main">
+  <p:cSld>
+    <p:spTree>
+      <p:nvGrpSpPr>
+        <p:cNvPr id="1" name=""/>
+        <p:cNvGrpSpPr/>
+        <p:nvPr/>
+      </p:nvGrpSpPr>
+      <p:grpSpPr>
+        <a:xfrm>
+          <a:off x="0" y="0"/>
+          <a:ext cx="0" cy="0"/>
+          <a:chOff x="0" y="0"/>
+          <a:chExt cx="0" cy="0"/>
+        </a:xfrm>
+      </p:grpSpPr>
+      <p:sp>
+        <p:nvSpPr>
+          <p:cNvPr id="2" name="Title 1"/>
+          <p:cNvSpPr>
+            <a:spLocks noGrp="1"/>
+          </p:cNvSpPr>
+          <p:nvPr>
+            <p:ph type="ctrTitle"/>
+          </p:nvPr>
+        </p:nvSpPr>
+        <p:spPr/>
+        <p:txBody>
+          <a:bodyPr/>
+          <a:lstStyle/>
+          <a:p>
+            <a:r>
+              <a:rPr lang="en-US" dirty="0" smtClean="0"/>
+              <a:t>Web Forms</a:t>
+            </a:r>
+            <a:br>
+              <a:rPr lang="en-US" dirty="0" smtClean="0"/>
+            </a:br>
+            <a:r>
+              <a:rPr lang="en-US" dirty="0" smtClean="0"/>
+              <a:t>Model Binding &amp; Friendly URLs</a:t>
+            </a:r>
+            <a:endParaRPr lang="en-US" dirty="0"/>
+          </a:p>
+        </p:txBody>
+      </p:sp>
+      <p:sp>
+        <p:nvSpPr>
+          <p:cNvPr id="3" name="Subtitle 2"/>
+          <p:cNvSpPr>
+            <a:spLocks noGrp="1"/>
+          </p:cNvSpPr>
+          <p:nvPr>
+            <p:ph type="subTitle" idx="1"/>
+          </p:nvPr>
+        </p:nvSpPr>
+        <p:spPr/>
+        <p:txBody>
+          <a:bodyPr/>
+          <a:lstStyle/>
+          <a:p>
+            <a:endParaRPr lang="en-US"/>
+          </a:p>
+        </p:txBody>
+      </p:sp>
+      <p:sp>
+        <p:nvSpPr>
+          <p:cNvPr id="4" name="Text Placeholder 3"/>
           <p:cNvSpPr>
             <a:spLocks noGrp="1"/>
           </p:cNvSpPr>
@@ -14864,14 +23797,18 @@
           <a:bodyPr/>
           <a:lstStyle/>
           <a:p>
-            <a:endParaRPr lang="en-US"/>
+            <a:r>
+              <a:rPr lang="en-US" dirty="0" smtClean="0"/>
+              <a:t>demo…</a:t>
+            </a:r>
+            <a:endParaRPr lang="en-US" dirty="0"/>
           </a:p>
         </p:txBody>
       </p:sp>
     </p:spTree>
     <p:extLst>
       <p:ext uri="{BB962C8B-B14F-4D97-AF65-F5344CB8AC3E}">
-        <p14:creationId xmlns:p14="http://schemas.microsoft.com/office/powerpoint/2010/main" val="1593210750"/>
+        <p14:creationId xmlns:p14="http://schemas.microsoft.com/office/powerpoint/2010/main" val="2104945311"/>
       </p:ext>
     </p:extLst>
   </p:cSld>
@@ -14881,10 +23818,17 @@
   <p:transition>
     <p:fade/>
   </p:transition>
+  <p:timing>
+    <p:tnLst>
+      <p:par>
+        <p:cTn id="1" dur="indefinite" restart="never" nodeType="tmRoot"/>
+      </p:par>
+    </p:tnLst>
+  </p:timing>
 </p:sld>
 </file>
 
-<file path=ppt/slides/slide5.xml><?xml version="1.0" encoding="utf-8"?>
+<file path=ppt/slides/slide9.xml><?xml version="1.0" encoding="utf-8"?>
 <p:sld xmlns:a="http://schemas.openxmlformats.org/drawingml/2006/main" xmlns:r="http://schemas.openxmlformats.org/officeDocument/2006/relationships" xmlns:p="http://schemas.openxmlformats.org/presentationml/2006/main">
   <p:cSld>
     <p:spTree>
@@ -14918,165 +23862,7 @@
           <a:p>
             <a:r>
               <a:rPr lang="en-US" dirty="0" smtClean="0"/>
-              <a:t>Web Forms: Friendly URLs</a:t>
-            </a:r>
-            <a:endParaRPr lang="en-US" dirty="0"/>
-          </a:p>
-        </p:txBody>
-      </p:sp>
-      <p:sp>
-        <p:nvSpPr>
-          <p:cNvPr id="5" name="Text Placeholder 4"/>
-          <p:cNvSpPr>
-            <a:spLocks noGrp="1"/>
-          </p:cNvSpPr>
-          <p:nvPr>
-            <p:ph type="body" sz="quarter" idx="10"/>
-          </p:nvPr>
-        </p:nvSpPr>
-        <p:spPr/>
-        <p:txBody>
-          <a:bodyPr/>
-          <a:lstStyle/>
-          <a:p>
-            <a:endParaRPr lang="en-US"/>
-          </a:p>
-        </p:txBody>
-      </p:sp>
-    </p:spTree>
-    <p:extLst>
-      <p:ext uri="{BB962C8B-B14F-4D97-AF65-F5344CB8AC3E}">
-        <p14:creationId xmlns:p14="http://schemas.microsoft.com/office/powerpoint/2010/main" val="2367441720"/>
-      </p:ext>
-    </p:extLst>
-  </p:cSld>
-  <p:clrMapOvr>
-    <a:masterClrMapping/>
-  </p:clrMapOvr>
-  <p:transition>
-    <p:fade/>
-  </p:transition>
-</p:sld>
-</file>
-
-<file path=ppt/slides/slide6.xml><?xml version="1.0" encoding="utf-8"?>
-<p:sld xmlns:a="http://schemas.openxmlformats.org/drawingml/2006/main" xmlns:r="http://schemas.openxmlformats.org/officeDocument/2006/relationships" xmlns:p="http://schemas.openxmlformats.org/presentationml/2006/main">
-  <p:cSld>
-    <p:spTree>
-      <p:nvGrpSpPr>
-        <p:cNvPr id="1" name=""/>
-        <p:cNvGrpSpPr/>
-        <p:nvPr/>
-      </p:nvGrpSpPr>
-      <p:grpSpPr>
-        <a:xfrm>
-          <a:off x="0" y="0"/>
-          <a:ext cx="0" cy="0"/>
-          <a:chOff x="0" y="0"/>
-          <a:chExt cx="0" cy="0"/>
-        </a:xfrm>
-      </p:grpSpPr>
-      <p:sp>
-        <p:nvSpPr>
-          <p:cNvPr id="4" name="Title 3"/>
-          <p:cNvSpPr>
-            <a:spLocks noGrp="1"/>
-          </p:cNvSpPr>
-          <p:nvPr>
-            <p:ph type="title"/>
-          </p:nvPr>
-        </p:nvSpPr>
-        <p:spPr/>
-        <p:txBody>
-          <a:bodyPr/>
-          <a:lstStyle/>
-          <a:p>
-            <a:r>
-              <a:rPr lang="en-US" dirty="0" smtClean="0"/>
               <a:t>Bundling and Optimization</a:t>
-            </a:r>
-            <a:endParaRPr lang="en-US" dirty="0"/>
-          </a:p>
-        </p:txBody>
-      </p:sp>
-      <p:sp>
-        <p:nvSpPr>
-          <p:cNvPr id="5" name="Text Placeholder 4"/>
-          <p:cNvSpPr>
-            <a:spLocks noGrp="1"/>
-          </p:cNvSpPr>
-          <p:nvPr>
-            <p:ph type="body" sz="quarter" idx="10"/>
-          </p:nvPr>
-        </p:nvSpPr>
-        <p:spPr/>
-        <p:txBody>
-          <a:bodyPr/>
-          <a:lstStyle/>
-          <a:p>
-            <a:endParaRPr lang="en-US"/>
-          </a:p>
-        </p:txBody>
-      </p:sp>
-    </p:spTree>
-    <p:extLst>
-      <p:ext uri="{BB962C8B-B14F-4D97-AF65-F5344CB8AC3E}">
-        <p14:creationId xmlns:p14="http://schemas.microsoft.com/office/powerpoint/2010/main" val="2442005903"/>
-      </p:ext>
-    </p:extLst>
-  </p:cSld>
-  <p:clrMapOvr>
-    <a:masterClrMapping/>
-  </p:clrMapOvr>
-  <p:transition>
-    <p:fade/>
-  </p:transition>
-</p:sld>
-</file>
-
-<file path=ppt/slides/slide7.xml><?xml version="1.0" encoding="utf-8"?>
-<p:sld xmlns:a="http://schemas.openxmlformats.org/drawingml/2006/main" xmlns:r="http://schemas.openxmlformats.org/officeDocument/2006/relationships" xmlns:p="http://schemas.openxmlformats.org/presentationml/2006/main">
-  <p:cSld>
-    <p:spTree>
-      <p:nvGrpSpPr>
-        <p:cNvPr id="1" name=""/>
-        <p:cNvGrpSpPr/>
-        <p:nvPr/>
-      </p:nvGrpSpPr>
-      <p:grpSpPr>
-        <a:xfrm>
-          <a:off x="0" y="0"/>
-          <a:ext cx="0" cy="0"/>
-          <a:chOff x="0" y="0"/>
-          <a:chExt cx="0" cy="0"/>
-        </a:xfrm>
-      </p:grpSpPr>
-      <p:sp>
-        <p:nvSpPr>
-          <p:cNvPr id="4" name="Title 3"/>
-          <p:cNvSpPr>
-            <a:spLocks noGrp="1"/>
-          </p:cNvSpPr>
-          <p:nvPr>
-            <p:ph type="title"/>
-          </p:nvPr>
-        </p:nvSpPr>
-        <p:spPr/>
-        <p:txBody>
-          <a:bodyPr/>
-          <a:lstStyle/>
-          <a:p>
-            <a:r>
-              <a:rPr lang="en-US" dirty="0" smtClean="0"/>
-              <a:t>Visual Studio 2012 web </a:t>
-            </a:r>
-            <a:r>
-              <a:rPr lang="en-US" dirty="0" err="1" smtClean="0"/>
-              <a:t>dev</a:t>
-            </a:r>
-            <a:r>
-              <a:rPr lang="en-US" dirty="0" smtClean="0"/>
-              <a:t> features</a:t>
             </a:r>
             <a:endParaRPr lang="en-US" dirty="0"/>
           </a:p>
@@ -15095,59 +23881,76 @@
         <p:spPr>
           <a:xfrm>
             <a:off x="519112" y="1447799"/>
-            <a:ext cx="11149013" cy="2562240"/>
+            <a:ext cx="11149013" cy="1223412"/>
           </a:xfrm>
         </p:spPr>
         <p:txBody>
           <a:bodyPr/>
           <a:lstStyle/>
           <a:p>
-            <a:pPr marL="574675" indent="-571500">
-              <a:buFont typeface="Arial" panose="020B0604020202020204" pitchFamily="34" charset="0"/>
-              <a:buChar char="•"/>
-            </a:pPr>
             <a:r>
               <a:rPr lang="en-US" dirty="0" smtClean="0"/>
-              <a:t>Page Inspector</a:t>
-            </a:r>
-          </a:p>
-          <a:p>
-            <a:pPr marL="574675" indent="-571500">
-              <a:buFont typeface="Arial" panose="020B0604020202020204" pitchFamily="34" charset="0"/>
-              <a:buChar char="•"/>
-            </a:pPr>
+              <a:t>Web pages have many external references:</a:t>
+            </a:r>
+            <a:endParaRPr lang="en-US" dirty="0"/>
+          </a:p>
+          <a:p>
+            <a:r>
+              <a:rPr lang="en-US" dirty="0"/>
+              <a:t>	</a:t>
+            </a:r>
             <a:r>
               <a:rPr lang="en-US" dirty="0" smtClean="0"/>
-              <a:t>CSS and HTML editor</a:t>
-            </a:r>
-          </a:p>
-          <a:p>
-            <a:pPr marL="574675" indent="-571500">
-              <a:buFont typeface="Arial" panose="020B0604020202020204" pitchFamily="34" charset="0"/>
-              <a:buChar char="•"/>
-            </a:pPr>
-            <a:r>
-              <a:rPr lang="en-US" dirty="0" smtClean="0"/>
-              <a:t>JavaScript editor</a:t>
-            </a:r>
-          </a:p>
-          <a:p>
-            <a:pPr marL="574675" indent="-571500">
-              <a:buFont typeface="Arial" panose="020B0604020202020204" pitchFamily="34" charset="0"/>
-              <a:buChar char="•"/>
-            </a:pPr>
-            <a:r>
-              <a:rPr lang="en-US" dirty="0" smtClean="0"/>
-              <a:t>Web Essentials</a:t>
-            </a:r>
-            <a:endParaRPr lang="en-US" dirty="0"/>
+              <a:t>CSS, Images, JavaScript</a:t>
+            </a:r>
           </a:p>
         </p:txBody>
       </p:sp>
+      <p:pic>
+        <p:nvPicPr>
+          <p:cNvPr id="61442" name="Picture 2" descr="http://weblogs.asp.net/blogs/scottgu/image_432B51C2.png"/>
+          <p:cNvPicPr>
+            <a:picLocks noChangeAspect="1" noChangeArrowheads="1"/>
+          </p:cNvPicPr>
+          <p:nvPr/>
+        </p:nvPicPr>
+        <p:blipFill>
+          <a:blip r:embed="rId2">
+            <a:extLst>
+              <a:ext uri="{28A0092B-C50C-407E-A947-70E740481C1C}">
+                <a14:useLocalDpi xmlns:a14="http://schemas.microsoft.com/office/drawing/2010/main" val="0"/>
+              </a:ext>
+            </a:extLst>
+          </a:blip>
+          <a:srcRect/>
+          <a:stretch>
+            <a:fillRect/>
+          </a:stretch>
+        </p:blipFill>
+        <p:spPr bwMode="auto">
+          <a:xfrm>
+            <a:off x="3533916" y="3421455"/>
+            <a:ext cx="4286250" cy="2438400"/>
+          </a:xfrm>
+          <a:prstGeom prst="rect">
+            <a:avLst/>
+          </a:prstGeom>
+          <a:noFill/>
+          <a:extLst>
+            <a:ext uri="{909E8E84-426E-40DD-AFC4-6F175D3DCCD1}">
+              <a14:hiddenFill xmlns:a14="http://schemas.microsoft.com/office/drawing/2010/main">
+                <a:solidFill>
+                  <a:srgbClr val="FFFFFF"/>
+                </a:solidFill>
+              </a14:hiddenFill>
+            </a:ext>
+          </a:extLst>
+        </p:spPr>
+      </p:pic>
     </p:spTree>
     <p:extLst>
       <p:ext uri="{BB962C8B-B14F-4D97-AF65-F5344CB8AC3E}">
-        <p14:creationId xmlns:p14="http://schemas.microsoft.com/office/powerpoint/2010/main" val="2353100225"/>
+        <p14:creationId xmlns:p14="http://schemas.microsoft.com/office/powerpoint/2010/main" val="2442005903"/>
       </p:ext>
     </p:extLst>
   </p:cSld>
@@ -15157,211 +23960,6 @@
   <p:transition>
     <p:fade/>
   </p:transition>
-</p:sld>
-</file>
-
-<file path=ppt/slides/slide8.xml><?xml version="1.0" encoding="utf-8"?>
-<p:sld xmlns:a="http://schemas.openxmlformats.org/drawingml/2006/main" xmlns:r="http://schemas.openxmlformats.org/officeDocument/2006/relationships" xmlns:p="http://schemas.openxmlformats.org/presentationml/2006/main">
-  <p:cSld>
-    <p:spTree>
-      <p:nvGrpSpPr>
-        <p:cNvPr id="1" name=""/>
-        <p:cNvGrpSpPr/>
-        <p:nvPr/>
-      </p:nvGrpSpPr>
-      <p:grpSpPr>
-        <a:xfrm>
-          <a:off x="0" y="0"/>
-          <a:ext cx="0" cy="0"/>
-          <a:chOff x="0" y="0"/>
-          <a:chExt cx="0" cy="0"/>
-        </a:xfrm>
-      </p:grpSpPr>
-      <p:sp>
-        <p:nvSpPr>
-          <p:cNvPr id="2" name="Title 1"/>
-          <p:cNvSpPr>
-            <a:spLocks noGrp="1"/>
-          </p:cNvSpPr>
-          <p:nvPr>
-            <p:ph type="ctrTitle"/>
-          </p:nvPr>
-        </p:nvSpPr>
-        <p:spPr>
-          <a:xfrm>
-            <a:off x="1889124" y="1447800"/>
-            <a:ext cx="5273675" cy="1523494"/>
-          </a:xfrm>
-        </p:spPr>
-        <p:txBody>
-          <a:bodyPr/>
-          <a:lstStyle/>
-          <a:p>
-            <a:r>
-              <a:rPr lang="en-US" dirty="0" smtClean="0"/>
-              <a:t>Visual Studio 2012 and Web Essentials</a:t>
-            </a:r>
-            <a:endParaRPr lang="en-US" dirty="0"/>
-          </a:p>
-        </p:txBody>
-      </p:sp>
-      <p:sp>
-        <p:nvSpPr>
-          <p:cNvPr id="3" name="Subtitle 2"/>
-          <p:cNvSpPr>
-            <a:spLocks noGrp="1"/>
-          </p:cNvSpPr>
-          <p:nvPr>
-            <p:ph type="subTitle" idx="1"/>
-          </p:nvPr>
-        </p:nvSpPr>
-        <p:spPr/>
-        <p:txBody>
-          <a:bodyPr/>
-          <a:lstStyle/>
-          <a:p>
-            <a:endParaRPr lang="en-US"/>
-          </a:p>
-        </p:txBody>
-      </p:sp>
-      <p:sp>
-        <p:nvSpPr>
-          <p:cNvPr id="4" name="Text Placeholder 3"/>
-          <p:cNvSpPr>
-            <a:spLocks noGrp="1"/>
-          </p:cNvSpPr>
-          <p:nvPr>
-            <p:ph type="body" sz="quarter" idx="10"/>
-          </p:nvPr>
-        </p:nvSpPr>
-        <p:spPr/>
-        <p:txBody>
-          <a:bodyPr/>
-          <a:lstStyle/>
-          <a:p>
-            <a:r>
-              <a:rPr lang="en-US" dirty="0" smtClean="0"/>
-              <a:t>demo</a:t>
-            </a:r>
-            <a:endParaRPr lang="en-US" dirty="0"/>
-          </a:p>
-        </p:txBody>
-      </p:sp>
-    </p:spTree>
-    <p:extLst>
-      <p:ext uri="{BB962C8B-B14F-4D97-AF65-F5344CB8AC3E}">
-        <p14:creationId xmlns:p14="http://schemas.microsoft.com/office/powerpoint/2010/main" val="1836187333"/>
-      </p:ext>
-    </p:extLst>
-  </p:cSld>
-  <p:clrMapOvr>
-    <a:masterClrMapping/>
-  </p:clrMapOvr>
-  <p:transition>
-    <p:fade/>
-  </p:transition>
-</p:sld>
-</file>
-
-<file path=ppt/slides/slide9.xml><?xml version="1.0" encoding="utf-8"?>
-<p:sld xmlns:a="http://schemas.openxmlformats.org/drawingml/2006/main" xmlns:r="http://schemas.openxmlformats.org/officeDocument/2006/relationships" xmlns:p="http://schemas.openxmlformats.org/presentationml/2006/main">
-  <p:cSld>
-    <p:spTree>
-      <p:nvGrpSpPr>
-        <p:cNvPr id="1" name=""/>
-        <p:cNvGrpSpPr/>
-        <p:nvPr/>
-      </p:nvGrpSpPr>
-      <p:grpSpPr>
-        <a:xfrm>
-          <a:off x="0" y="0"/>
-          <a:ext cx="0" cy="0"/>
-          <a:chOff x="0" y="0"/>
-          <a:chExt cx="0" cy="0"/>
-        </a:xfrm>
-      </p:grpSpPr>
-      <p:graphicFrame>
-        <p:nvGraphicFramePr>
-          <p:cNvPr id="2" name="Object 1" hidden="1"/>
-          <p:cNvGraphicFramePr>
-            <a:graphicFrameLocks noChangeAspect="1"/>
-          </p:cNvGraphicFramePr>
-          <p:nvPr>
-            <p:custDataLst>
-              <p:tags r:id="rId2"/>
-            </p:custDataLst>
-            <p:extLst>
-              <p:ext uri="{D42A27DB-BD31-4B8C-83A1-F6EECF244321}">
-                <p14:modId xmlns:p14="http://schemas.microsoft.com/office/powerpoint/2010/main" val="3859461230"/>
-              </p:ext>
-            </p:extLst>
-          </p:nvPr>
-        </p:nvGraphicFramePr>
-        <p:xfrm>
-          <a:off x="0" y="0"/>
-          <a:ext cx="158750" cy="158750"/>
-        </p:xfrm>
-        <a:graphic>
-          <a:graphicData uri="http://schemas.openxmlformats.org/presentationml/2006/ole">
-            <mc:AlternateContent xmlns:mc="http://schemas.openxmlformats.org/markup-compatibility/2006">
-              <mc:Choice xmlns:v="urn:schemas-microsoft-com:vml" Requires="v">
-                <p:oleObj spid="_x0000_s58470" name="think-cell Slide" r:id="rId4" imgW="270" imgH="270" progId="TCLayout.ActiveDocument.1">
-                  <p:embed/>
-                </p:oleObj>
-              </mc:Choice>
-              <mc:Fallback>
-                <p:oleObj name="think-cell Slide" r:id="rId4" imgW="270" imgH="270" progId="TCLayout.ActiveDocument.1">
-                  <p:embed/>
-                  <p:pic>
-                    <p:nvPicPr>
-                      <p:cNvPr id="0" name=""/>
-                      <p:cNvPicPr/>
-                      <p:nvPr/>
-                    </p:nvPicPr>
-                    <p:blipFill>
-                      <a:blip r:embed="rId5"/>
-                      <a:stretch>
-                        <a:fillRect/>
-                      </a:stretch>
-                    </p:blipFill>
-                    <p:spPr>
-                      <a:xfrm>
-                        <a:off x="0" y="0"/>
-                        <a:ext cx="158750" cy="158750"/>
-                      </a:xfrm>
-                      <a:prstGeom prst="rect">
-                        <a:avLst/>
-                      </a:prstGeom>
-                    </p:spPr>
-                  </p:pic>
-                </p:oleObj>
-              </mc:Fallback>
-            </mc:AlternateContent>
-          </a:graphicData>
-        </a:graphic>
-      </p:graphicFrame>
-    </p:spTree>
-    <p:extLst>
-      <p:ext uri="{BB962C8B-B14F-4D97-AF65-F5344CB8AC3E}">
-        <p14:creationId xmlns:p14="http://schemas.microsoft.com/office/powerpoint/2010/main" val="1847082904"/>
-      </p:ext>
-    </p:extLst>
-  </p:cSld>
-  <p:clrMapOvr>
-    <a:masterClrMapping/>
-  </p:clrMapOvr>
-  <mc:AlternateContent xmlns:mc="http://schemas.openxmlformats.org/markup-compatibility/2006" xmlns:p14="http://schemas.microsoft.com/office/powerpoint/2010/main">
-    <mc:Choice Requires="p14">
-      <p:transition spd="med" p14:dur="700">
-        <p:fade/>
-      </p:transition>
-    </mc:Choice>
-    <mc:Fallback xmlns="">
-      <p:transition spd="med">
-        <p:fade/>
-      </p:transition>
-    </mc:Fallback>
-  </mc:AlternateContent>
   <p:timing>
     <p:tnLst>
       <p:par>
@@ -16614,12 +25212,14 @@
 </file>
 
 <file path=customXml/item1.xml><?xml version="1.0" encoding="utf-8"?>
-<?mso-contentType ?>
-<FormTemplates xmlns="http://schemas.microsoft.com/sharepoint/v3/contenttype/forms">
-  <Display>DocumentLibraryForm</Display>
-  <Edit>DocumentLibraryForm</Edit>
-  <New>DocumentLibraryForm</New>
-</FormTemplates>
+<p:properties xmlns:p="http://schemas.microsoft.com/office/2006/metadata/properties" xmlns:xsi="http://www.w3.org/2001/XMLSchema-instance" xmlns:pc="http://schemas.microsoft.com/office/infopath/2007/PartnerControls">
+  <documentManagement>
+    <TaxKeywordTaxHTField xmlns="230e9df3-be65-4c73-a93b-d1236ebd677e">
+      <Terms xmlns="http://schemas.microsoft.com/office/infopath/2007/PartnerControls"/>
+    </TaxKeywordTaxHTField>
+    <TaxCatchAll xmlns="230e9df3-be65-4c73-a93b-d1236ebd677e"/>
+  </documentManagement>
+</p:properties>
 </file>
 
 <file path=customXml/item2.xml><?xml version="1.0" encoding="utf-8"?>
@@ -16775,20 +25375,26 @@
 </file>
 
 <file path=customXml/item3.xml><?xml version="1.0" encoding="utf-8"?>
-<p:properties xmlns:p="http://schemas.microsoft.com/office/2006/metadata/properties" xmlns:xsi="http://www.w3.org/2001/XMLSchema-instance" xmlns:pc="http://schemas.microsoft.com/office/infopath/2007/PartnerControls">
-  <documentManagement>
-    <TaxKeywordTaxHTField xmlns="230e9df3-be65-4c73-a93b-d1236ebd677e">
-      <Terms xmlns="http://schemas.microsoft.com/office/infopath/2007/PartnerControls"/>
-    </TaxKeywordTaxHTField>
-    <TaxCatchAll xmlns="230e9df3-be65-4c73-a93b-d1236ebd677e"/>
-  </documentManagement>
-</p:properties>
+<?mso-contentType ?>
+<FormTemplates xmlns="http://schemas.microsoft.com/sharepoint/v3/contenttype/forms">
+  <Display>DocumentLibraryForm</Display>
+  <Edit>DocumentLibraryForm</Edit>
+  <New>DocumentLibraryForm</New>
+</FormTemplates>
 </file>
 
 <file path=customXml/itemProps1.xml><?xml version="1.0" encoding="utf-8"?>
-<ds:datastoreItem xmlns:ds="http://schemas.openxmlformats.org/officeDocument/2006/customXml" ds:itemID="{B882D8D6-9D38-4159-A398-AAC3689D3D7C}">
+<ds:datastoreItem xmlns:ds="http://schemas.openxmlformats.org/officeDocument/2006/customXml" ds:itemID="{69B2F97D-0457-4986-9734-D03EB073C5EA}">
   <ds:schemaRefs>
-    <ds:schemaRef ds:uri="http://schemas.microsoft.com/sharepoint/v3/contenttype/forms"/>
+    <ds:schemaRef ds:uri="http://schemas.microsoft.com/office/infopath/2007/PartnerControls"/>
+    <ds:schemaRef ds:uri="http://purl.org/dc/terms/"/>
+    <ds:schemaRef ds:uri="http://schemas.microsoft.com/office/2006/documentManagement/types"/>
+    <ds:schemaRef ds:uri="http://purl.org/dc/elements/1.1/"/>
+    <ds:schemaRef ds:uri="http://schemas.openxmlformats.org/package/2006/metadata/core-properties"/>
+    <ds:schemaRef ds:uri="230e9df3-be65-4c73-a93b-d1236ebd677e"/>
+    <ds:schemaRef ds:uri="http://schemas.microsoft.com/office/2006/metadata/properties"/>
+    <ds:schemaRef ds:uri="http://www.w3.org/XML/1998/namespace"/>
+    <ds:schemaRef ds:uri="http://purl.org/dc/dcmitype/"/>
   </ds:schemaRefs>
 </ds:datastoreItem>
 </file>
@@ -16812,17 +25418,9 @@
 </file>
 
 <file path=customXml/itemProps3.xml><?xml version="1.0" encoding="utf-8"?>
-<ds:datastoreItem xmlns:ds="http://schemas.openxmlformats.org/officeDocument/2006/customXml" ds:itemID="{69B2F97D-0457-4986-9734-D03EB073C5EA}">
+<ds:datastoreItem xmlns:ds="http://schemas.openxmlformats.org/officeDocument/2006/customXml" ds:itemID="{B882D8D6-9D38-4159-A398-AAC3689D3D7C}">
   <ds:schemaRefs>
-    <ds:schemaRef ds:uri="http://schemas.microsoft.com/office/infopath/2007/PartnerControls"/>
-    <ds:schemaRef ds:uri="http://purl.org/dc/terms/"/>
-    <ds:schemaRef ds:uri="http://schemas.microsoft.com/office/2006/documentManagement/types"/>
-    <ds:schemaRef ds:uri="http://purl.org/dc/elements/1.1/"/>
-    <ds:schemaRef ds:uri="http://schemas.openxmlformats.org/package/2006/metadata/core-properties"/>
-    <ds:schemaRef ds:uri="230e9df3-be65-4c73-a93b-d1236ebd677e"/>
-    <ds:schemaRef ds:uri="http://schemas.microsoft.com/office/2006/metadata/properties"/>
-    <ds:schemaRef ds:uri="http://www.w3.org/XML/1998/namespace"/>
-    <ds:schemaRef ds:uri="http://purl.org/dc/dcmitype/"/>
+    <ds:schemaRef ds:uri="http://schemas.microsoft.com/sharepoint/v3/contenttype/forms"/>
   </ds:schemaRefs>
 </ds:datastoreItem>
 </file>
--- a/WhatsNewInASPNET45.pptx
+++ b/WhatsNewInASPNET45.pptx
@@ -1141,6 +1141,13 @@
         </dgm:presLayoutVars>
       </dgm:prSet>
       <dgm:spPr/>
+      <dgm:t>
+        <a:bodyPr/>
+        <a:lstStyle/>
+        <a:p>
+          <a:endParaRPr lang="en-US"/>
+        </a:p>
+      </dgm:t>
     </dgm:pt>
     <dgm:pt modelId="{DF0449B5-FF59-4BCF-836A-626BACA7A9DD}" type="pres">
       <dgm:prSet presAssocID="{DE5C8380-D856-41AF-BE8A-22DDDC2E60CD}" presName="node" presStyleLbl="node1" presStyleIdx="0" presStyleCnt="4">
@@ -1149,6 +1156,13 @@
         </dgm:presLayoutVars>
       </dgm:prSet>
       <dgm:spPr/>
+      <dgm:t>
+        <a:bodyPr/>
+        <a:lstStyle/>
+        <a:p>
+          <a:endParaRPr lang="en-US"/>
+        </a:p>
+      </dgm:t>
     </dgm:pt>
     <dgm:pt modelId="{C5A61973-D579-4BB1-BAC6-B48A66B39627}" type="pres">
       <dgm:prSet presAssocID="{F22CB3D8-761E-4E0E-B4BE-AD53D190E50B}" presName="sibTrans" presStyleCnt="0"/>
@@ -1161,6 +1175,13 @@
         </dgm:presLayoutVars>
       </dgm:prSet>
       <dgm:spPr/>
+      <dgm:t>
+        <a:bodyPr/>
+        <a:lstStyle/>
+        <a:p>
+          <a:endParaRPr lang="en-US"/>
+        </a:p>
+      </dgm:t>
     </dgm:pt>
     <dgm:pt modelId="{24B66693-2C85-4808-8F25-FA83EE61FE55}" type="pres">
       <dgm:prSet presAssocID="{6CB0C62F-01F5-432C-AD93-2F234BEBF8E5}" presName="sibTrans" presStyleCnt="0"/>
@@ -1173,6 +1194,13 @@
         </dgm:presLayoutVars>
       </dgm:prSet>
       <dgm:spPr/>
+      <dgm:t>
+        <a:bodyPr/>
+        <a:lstStyle/>
+        <a:p>
+          <a:endParaRPr lang="en-US"/>
+        </a:p>
+      </dgm:t>
     </dgm:pt>
     <dgm:pt modelId="{1A6A4B05-01BC-4325-80D1-D85805E27964}" type="pres">
       <dgm:prSet presAssocID="{223A6FA0-E002-4168-BF56-249BF17895F7}" presName="sibTrans" presStyleCnt="0"/>
@@ -1185,6 +1213,13 @@
         </dgm:presLayoutVars>
       </dgm:prSet>
       <dgm:spPr/>
+      <dgm:t>
+        <a:bodyPr/>
+        <a:lstStyle/>
+        <a:p>
+          <a:endParaRPr lang="en-US"/>
+        </a:p>
+      </dgm:t>
     </dgm:pt>
   </dgm:ptLst>
   <dgm:cxnLst>
@@ -1209,7 +1244,7 @@
   <dgm:whole/>
   <dgm:extLst>
     <a:ext uri="http://schemas.microsoft.com/office/drawing/2008/diagram">
-      <dsp:dataModelExt xmlns:dsp="http://schemas.microsoft.com/office/drawing/2008/diagram" relId="rId6" minVer="http://schemas.openxmlformats.org/drawingml/2006/diagram"/>
+      <dsp:dataModelExt xmlns:dsp="http://schemas.microsoft.com/office/drawing/2008/diagram" relId="rId7" minVer="http://schemas.openxmlformats.org/drawingml/2006/diagram"/>
     </a:ext>
   </dgm:extLst>
 </dgm:dataModel>
@@ -2808,7 +2843,7 @@
               <a:rPr lang="en-US" smtClean="0">
                 <a:latin typeface="Segoe UI" pitchFamily="34" charset="0"/>
               </a:rPr>
-              <a:t>11/21/2012</a:t>
+              <a:t>12/7/2012</a:t>
             </a:fld>
             <a:endParaRPr lang="en-US" dirty="0">
               <a:latin typeface="Segoe UI" pitchFamily="34" charset="0"/>
@@ -2990,7 +3025,7 @@
             <a:fld id="{CAE3F082-F902-42D8-A765-720E172C3194}" type="datetimeFigureOut">
               <a:rPr lang="en-US" smtClean="0"/>
               <a:pPr/>
-              <a:t>11/21/2012</a:t>
+              <a:t>12/7/2012</a:t>
             </a:fld>
             <a:endParaRPr lang="en-US" dirty="0"/>
           </a:p>
@@ -4107,6 +4142,204 @@
     <p:extLst>
       <p:ext uri="{BB962C8B-B14F-4D97-AF65-F5344CB8AC3E}">
         <p14:creationId xmlns:p14="http://schemas.microsoft.com/office/powerpoint/2010/main" val="3146662772"/>
+      </p:ext>
+    </p:extLst>
+  </p:cSld>
+  <p:clrMapOvr>
+    <a:masterClrMapping/>
+  </p:clrMapOvr>
+</p:notes>
+</file>
+
+<file path=ppt/notesSlides/notesSlide5.xml><?xml version="1.0" encoding="utf-8"?>
+<p:notes xmlns:a="http://schemas.openxmlformats.org/drawingml/2006/main" xmlns:r="http://schemas.openxmlformats.org/officeDocument/2006/relationships" xmlns:p="http://schemas.openxmlformats.org/presentationml/2006/main">
+  <p:cSld>
+    <p:spTree>
+      <p:nvGrpSpPr>
+        <p:cNvPr id="1" name=""/>
+        <p:cNvGrpSpPr/>
+        <p:nvPr/>
+      </p:nvGrpSpPr>
+      <p:grpSpPr>
+        <a:xfrm>
+          <a:off x="0" y="0"/>
+          <a:ext cx="0" cy="0"/>
+          <a:chOff x="0" y="0"/>
+          <a:chExt cx="0" cy="0"/>
+        </a:xfrm>
+      </p:grpSpPr>
+      <p:sp>
+        <p:nvSpPr>
+          <p:cNvPr id="2" name="Slide Image Placeholder 1"/>
+          <p:cNvSpPr>
+            <a:spLocks noGrp="1" noRot="1" noChangeAspect="1"/>
+          </p:cNvSpPr>
+          <p:nvPr>
+            <p:ph type="sldImg"/>
+          </p:nvPr>
+        </p:nvSpPr>
+        <p:spPr/>
+      </p:sp>
+      <p:sp>
+        <p:nvSpPr>
+          <p:cNvPr id="3" name="Notes Placeholder 2"/>
+          <p:cNvSpPr>
+            <a:spLocks noGrp="1"/>
+          </p:cNvSpPr>
+          <p:nvPr>
+            <p:ph type="body" idx="1"/>
+          </p:nvPr>
+        </p:nvSpPr>
+        <p:spPr/>
+        <p:txBody>
+          <a:bodyPr/>
+          <a:lstStyle/>
+          <a:p>
+            <a:r>
+              <a:rPr lang="en-US" dirty="0" smtClean="0"/>
+              <a:t>HTML - HTML5</a:t>
+            </a:r>
+            <a:r>
+              <a:rPr lang="en-US" baseline="0" dirty="0" smtClean="0"/>
+              <a:t> audio</a:t>
+            </a:r>
+          </a:p>
+          <a:p>
+            <a:r>
+              <a:rPr lang="en-US" baseline="0" dirty="0" smtClean="0"/>
+              <a:t>CSS – Regions, snippets (e.g. media)</a:t>
+            </a:r>
+          </a:p>
+          <a:p>
+            <a:r>
+              <a:rPr lang="en-US" baseline="0" smtClean="0"/>
+              <a:t>JavaScript – Regions, </a:t>
+            </a:r>
+            <a:r>
+              <a:rPr lang="en-US" baseline="0" dirty="0" smtClean="0"/>
+              <a:t>DOM</a:t>
+            </a:r>
+            <a:endParaRPr lang="en-US" dirty="0"/>
+          </a:p>
+        </p:txBody>
+      </p:sp>
+      <p:sp>
+        <p:nvSpPr>
+          <p:cNvPr id="4" name="Slide Number Placeholder 3"/>
+          <p:cNvSpPr>
+            <a:spLocks noGrp="1"/>
+          </p:cNvSpPr>
+          <p:nvPr>
+            <p:ph type="sldNum" sz="quarter" idx="10"/>
+          </p:nvPr>
+        </p:nvSpPr>
+        <p:spPr/>
+        <p:txBody>
+          <a:bodyPr/>
+          <a:lstStyle/>
+          <a:p>
+            <a:fld id="{82AABF77-E2E4-44CA-BA5C-65E132CF08D8}" type="slidenum">
+              <a:rPr lang="en-US" smtClean="0"/>
+              <a:pPr/>
+              <a:t>12</a:t>
+            </a:fld>
+            <a:endParaRPr lang="en-US" dirty="0"/>
+          </a:p>
+        </p:txBody>
+      </p:sp>
+    </p:spTree>
+    <p:extLst>
+      <p:ext uri="{BB962C8B-B14F-4D97-AF65-F5344CB8AC3E}">
+        <p14:creationId xmlns:p14="http://schemas.microsoft.com/office/powerpoint/2010/main" val="2511118348"/>
+      </p:ext>
+    </p:extLst>
+  </p:cSld>
+  <p:clrMapOvr>
+    <a:masterClrMapping/>
+  </p:clrMapOvr>
+</p:notes>
+</file>
+
+<file path=ppt/notesSlides/notesSlide6.xml><?xml version="1.0" encoding="utf-8"?>
+<p:notes xmlns:a="http://schemas.openxmlformats.org/drawingml/2006/main" xmlns:r="http://schemas.openxmlformats.org/officeDocument/2006/relationships" xmlns:p="http://schemas.openxmlformats.org/presentationml/2006/main">
+  <p:cSld>
+    <p:spTree>
+      <p:nvGrpSpPr>
+        <p:cNvPr id="1" name=""/>
+        <p:cNvGrpSpPr/>
+        <p:nvPr/>
+      </p:nvGrpSpPr>
+      <p:grpSpPr>
+        <a:xfrm>
+          <a:off x="0" y="0"/>
+          <a:ext cx="0" cy="0"/>
+          <a:chOff x="0" y="0"/>
+          <a:chExt cx="0" cy="0"/>
+        </a:xfrm>
+      </p:grpSpPr>
+      <p:sp>
+        <p:nvSpPr>
+          <p:cNvPr id="2" name="Slide Image Placeholder 1"/>
+          <p:cNvSpPr>
+            <a:spLocks noGrp="1" noRot="1" noChangeAspect="1"/>
+          </p:cNvSpPr>
+          <p:nvPr>
+            <p:ph type="sldImg"/>
+          </p:nvPr>
+        </p:nvSpPr>
+        <p:spPr/>
+      </p:sp>
+      <p:sp>
+        <p:nvSpPr>
+          <p:cNvPr id="3" name="Notes Placeholder 2"/>
+          <p:cNvSpPr>
+            <a:spLocks noGrp="1"/>
+          </p:cNvSpPr>
+          <p:nvPr>
+            <p:ph type="body" idx="1"/>
+          </p:nvPr>
+        </p:nvSpPr>
+        <p:spPr/>
+        <p:txBody>
+          <a:bodyPr/>
+          <a:lstStyle/>
+          <a:p>
+            <a:r>
+              <a:rPr lang="en-US" smtClean="0"/>
+              <a:t>http://visualstudiogallery.msdn.microsoft.com/07d54d12-7133-4e15-becb-6f451ea3bea6</a:t>
+            </a:r>
+            <a:endParaRPr lang="en-US"/>
+          </a:p>
+        </p:txBody>
+      </p:sp>
+      <p:sp>
+        <p:nvSpPr>
+          <p:cNvPr id="4" name="Slide Number Placeholder 3"/>
+          <p:cNvSpPr>
+            <a:spLocks noGrp="1"/>
+          </p:cNvSpPr>
+          <p:nvPr>
+            <p:ph type="sldNum" sz="quarter" idx="10"/>
+          </p:nvPr>
+        </p:nvSpPr>
+        <p:spPr/>
+        <p:txBody>
+          <a:bodyPr/>
+          <a:lstStyle/>
+          <a:p>
+            <a:fld id="{82AABF77-E2E4-44CA-BA5C-65E132CF08D8}" type="slidenum">
+              <a:rPr lang="en-US" smtClean="0"/>
+              <a:pPr/>
+              <a:t>13</a:t>
+            </a:fld>
+            <a:endParaRPr lang="en-US" dirty="0"/>
+          </a:p>
+        </p:txBody>
+      </p:sp>
+    </p:spTree>
+    <p:extLst>
+      <p:ext uri="{BB962C8B-B14F-4D97-AF65-F5344CB8AC3E}">
+        <p14:creationId xmlns:p14="http://schemas.microsoft.com/office/powerpoint/2010/main" val="798270663"/>
       </p:ext>
     </p:extLst>
   </p:cSld>
@@ -15790,23 +16023,6 @@
                 </a:rPr>
               </a:br>
               <a:r>
-                <a:rPr lang="en-US" sz="2600" spc="-100" dirty="0" err="1">
-                  <a:gradFill>
-                    <a:gsLst>
-                      <a:gs pos="0">
-                        <a:srgbClr val="595959"/>
-                      </a:gs>
-                      <a:gs pos="86000">
-                        <a:srgbClr val="595959"/>
-                      </a:gs>
-                    </a:gsLst>
-                    <a:lin ang="5400000" scaled="0"/>
-                  </a:gradFill>
-                  <a:latin typeface="Segoe UI Light" pitchFamily="34" charset="0"/>
-                </a:rPr>
-                <a:t>Hashtag</a:t>
-              </a:r>
-              <a:r>
                 <a:rPr lang="en-US" sz="2600" spc="-100" dirty="0">
                   <a:gradFill>
                     <a:gsLst>
@@ -15821,7 +16037,7 @@
                   </a:gradFill>
                   <a:latin typeface="Segoe UI Light" pitchFamily="34" charset="0"/>
                 </a:rPr>
-                <a:t> </a:t>
+                <a:t>Hashtag </a:t>
               </a:r>
               <a:r>
                 <a:rPr lang="en-US" sz="2600" spc="-100" dirty="0" smtClean="0">
@@ -15841,7 +16057,7 @@
                 <a:t>#</a:t>
               </a:r>
               <a:r>
-                <a:rPr lang="en-US" sz="2600" spc="-100" smtClean="0">
+                <a:rPr lang="en-US" sz="2600" spc="-100" dirty="0" err="1" smtClean="0">
                   <a:gradFill>
                     <a:gsLst>
                       <a:gs pos="0">
@@ -15855,7 +16071,7 @@
                   </a:gradFill>
                   <a:latin typeface="Segoe UI Light" pitchFamily="34" charset="0"/>
                 </a:rPr>
-                <a:t>devamps</a:t>
+                <a:t>webcamps</a:t>
               </a:r>
               <a:endParaRPr lang="en-US" sz="2600" spc="-100" dirty="0">
                 <a:gradFill>
@@ -15883,7 +16099,7 @@
                 <a:buSzPct val="80000"/>
               </a:pPr>
               <a:r>
-                <a:rPr lang="en-US" sz="2600" spc="-100" dirty="0">
+                <a:rPr lang="en-US" sz="2600" spc="-100" dirty="0" smtClean="0">
                   <a:gradFill>
                     <a:gsLst>
                       <a:gs pos="0">
@@ -15897,8 +16113,22 @@
                   </a:gradFill>
                   <a:latin typeface="Segoe UI Light" pitchFamily="34" charset="0"/>
                 </a:rPr>
-                <a:t>SPEAKER NAME/HANDLE HERE</a:t>
+                <a:t>SPEAKER / @HANDLE</a:t>
               </a:r>
+              <a:endParaRPr lang="en-US" sz="2600" spc="-100" dirty="0">
+                <a:gradFill>
+                  <a:gsLst>
+                    <a:gs pos="0">
+                      <a:srgbClr val="595959"/>
+                    </a:gs>
+                    <a:gs pos="86000">
+                      <a:srgbClr val="595959"/>
+                    </a:gs>
+                  </a:gsLst>
+                  <a:lin ang="5400000" scaled="0"/>
+                </a:gradFill>
+                <a:latin typeface="Segoe UI Light" pitchFamily="34" charset="0"/>
+              </a:endParaRPr>
             </a:p>
           </p:txBody>
         </p:sp>
@@ -18431,7 +18661,7 @@
         </p:xfrm>
         <a:graphic>
           <a:graphicData uri="http://schemas.openxmlformats.org/drawingml/2006/diagram">
-            <dgm:relIds xmlns:dgm="http://schemas.openxmlformats.org/drawingml/2006/diagram" xmlns:r="http://schemas.openxmlformats.org/officeDocument/2006/relationships" r:dm="rId2" r:lo="rId3" r:qs="rId4" r:cs="rId5"/>
+            <dgm:relIds xmlns:dgm="http://schemas.openxmlformats.org/drawingml/2006/diagram" xmlns:r="http://schemas.openxmlformats.org/officeDocument/2006/relationships" r:dm="rId3" r:lo="rId4" r:qs="rId5" r:cs="rId6"/>
           </a:graphicData>
         </a:graphic>
       </p:graphicFrame>
@@ -18610,7 +18840,7 @@
           <a:graphicData uri="http://schemas.openxmlformats.org/presentationml/2006/ole">
             <mc:AlternateContent xmlns:mc="http://schemas.openxmlformats.org/markup-compatibility/2006">
               <mc:Choice xmlns:v="urn:schemas-microsoft-com:vml" Requires="v">
-                <p:oleObj spid="_x0000_s58476" name="think-cell Slide" r:id="rId4" imgW="270" imgH="270" progId="TCLayout.ActiveDocument.1">
+                <p:oleObj spid="_x0000_s58482" name="think-cell Slide" r:id="rId4" imgW="270" imgH="270" progId="TCLayout.ActiveDocument.1">
                   <p:embed/>
                 </p:oleObj>
               </mc:Choice>
@@ -18719,7 +18949,7 @@
           <a:graphicData uri="http://schemas.openxmlformats.org/presentationml/2006/ole">
             <mc:AlternateContent xmlns:mc="http://schemas.openxmlformats.org/markup-compatibility/2006">
               <mc:Choice xmlns:v="urn:schemas-microsoft-com:vml" Requires="v">
-                <p:oleObj spid="_x0000_s59496" name="think-cell Slide" r:id="rId4" imgW="270" imgH="270" progId="TCLayout.ActiveDocument.1">
+                <p:oleObj spid="_x0000_s59502" name="think-cell Slide" r:id="rId4" imgW="270" imgH="270" progId="TCLayout.ActiveDocument.1">
                   <p:embed/>
                 </p:oleObj>
               </mc:Choice>
@@ -18766,8 +18996,8 @@
         </p:nvSpPr>
         <p:spPr>
           <a:xfrm>
-            <a:off x="519113" y="2234114"/>
-            <a:ext cx="9893248" cy="1359196"/>
+            <a:off x="519112" y="2234114"/>
+            <a:ext cx="11319961" cy="1359196"/>
           </a:xfrm>
         </p:spPr>
         <p:txBody>
@@ -18775,8 +19005,8 @@
           <a:lstStyle/>
           <a:p>
             <a:r>
-              <a:rPr lang="en-US" smtClean="0"/>
-              <a:t>What’s New In ASP.NET 4.5</a:t>
+              <a:rPr lang="en-US" dirty="0" smtClean="0"/>
+              <a:t>What’s New In ASP.NET 4.5 and Visual Studio 2012 for Web</a:t>
             </a:r>
             <a:endParaRPr lang="en-US" dirty="0"/>
           </a:p>
@@ -18792,28 +19022,33 @@
             <p:ph type="body" sz="quarter" idx="11"/>
           </p:nvPr>
         </p:nvSpPr>
-        <p:spPr/>
+        <p:spPr>
+          <a:xfrm>
+            <a:off x="519113" y="4612341"/>
+            <a:ext cx="5454333" cy="1144929"/>
+          </a:xfrm>
+        </p:spPr>
         <p:txBody>
           <a:bodyPr/>
           <a:lstStyle/>
           <a:p>
             <a:r>
-              <a:rPr lang="en-US" smtClean="0"/>
+              <a:rPr lang="en-US" dirty="0" smtClean="0"/>
               <a:t>Name</a:t>
             </a:r>
           </a:p>
           <a:p>
             <a:r>
-              <a:rPr lang="en-US" smtClean="0"/>
+              <a:rPr lang="en-US" dirty="0" smtClean="0"/>
               <a:t>Title</a:t>
             </a:r>
           </a:p>
           <a:p>
             <a:r>
-              <a:rPr lang="en-US" smtClean="0"/>
-              <a:t>Microsoft Corporation</a:t>
-            </a:r>
-            <a:endParaRPr lang="en-US" dirty="0"/>
+              <a:rPr lang="en-US" dirty="0" smtClean="0"/>
+              <a:t>Company</a:t>
+            </a:r>
+            <a:endParaRPr lang="en-US" dirty="0" smtClean="0"/>
           </a:p>
         </p:txBody>
       </p:sp>
@@ -18891,7 +19126,7 @@
           <a:graphicData uri="http://schemas.openxmlformats.org/presentationml/2006/ole">
             <mc:AlternateContent xmlns:mc="http://schemas.openxmlformats.org/markup-compatibility/2006">
               <mc:Choice xmlns:v="urn:schemas-microsoft-com:vml" Requires="v">
-                <p:oleObj spid="_x0000_s23662" name="think-cell Slide" r:id="rId6" imgW="270" imgH="270" progId="TCLayout.ActiveDocument.1">
+                <p:oleObj spid="_x0000_s23668" name="think-cell Slide" r:id="rId6" imgW="270" imgH="270" progId="TCLayout.ActiveDocument.1">
                   <p:embed/>
                 </p:oleObj>
               </mc:Choice>
@@ -18985,7 +19220,6 @@
               <a:rPr lang="en-US" sz="3600" dirty="0" smtClean="0"/>
               <a:t>Web Forms: Model Binding</a:t>
             </a:r>
-            <a:endParaRPr lang="en-US" sz="3600" dirty="0" smtClean="0"/>
           </a:p>
           <a:p>
             <a:r>
@@ -19164,15 +19398,7 @@
           <a:p>
             <a:r>
               <a:rPr lang="en-US" sz="4800" dirty="0" smtClean="0"/>
-              <a:t>Model </a:t>
-            </a:r>
-            <a:r>
-              <a:rPr lang="en-US" sz="4800" dirty="0" smtClean="0"/>
-              <a:t>Binding with ASP.NET Web </a:t>
-            </a:r>
-            <a:r>
-              <a:rPr lang="en-US" sz="4800" dirty="0" smtClean="0"/>
-              <a:t>Forms:</a:t>
+              <a:t>Model Binding with ASP.NET Web Forms:</a:t>
             </a:r>
             <a:br>
               <a:rPr lang="en-US" sz="4800" dirty="0" smtClean="0"/>
@@ -20777,19 +21003,7 @@
                 <a:latin typeface="Consolas" pitchFamily="49" charset="0"/>
                 <a:cs typeface="Consolas" pitchFamily="49" charset="0"/>
               </a:rPr>
-              <a:t>SelectMethod</a:t>
-            </a:r>
-            <a:r>
-              <a:rPr lang="en-US" sz="1400" b="1" dirty="0" smtClean="0">
-                <a:solidFill>
-                  <a:srgbClr val="FFFF00">
-                    <a:alpha val="99000"/>
-                  </a:srgbClr>
-                </a:solidFill>
-                <a:latin typeface="Consolas" pitchFamily="49" charset="0"/>
-                <a:cs typeface="Consolas" pitchFamily="49" charset="0"/>
-              </a:rPr>
-              <a:t>=</a:t>
+              <a:t>SelectMethod=</a:t>
             </a:r>
             <a:r>
               <a:rPr lang="en-US" sz="1400" b="1" dirty="0">
@@ -20839,15 +21053,6 @@
               </a:rPr>
               <a:t>&gt;</a:t>
             </a:r>
-            <a:endParaRPr lang="en-US" sz="1400" dirty="0">
-              <a:solidFill>
-                <a:schemeClr val="lt1">
-                  <a:alpha val="99000"/>
-                </a:schemeClr>
-              </a:solidFill>
-              <a:latin typeface="Consolas" pitchFamily="49" charset="0"/>
-              <a:cs typeface="Consolas" pitchFamily="49" charset="0"/>
-            </a:endParaRPr>
           </a:p>
           <a:p>
             <a:r>
@@ -20957,18 +21162,7 @@
                 </a:solidFill>
                 <a:latin typeface="Segoe UI Light" pitchFamily="34" charset="0"/>
               </a:rPr>
-              <a:t>Step </a:t>
-            </a:r>
-            <a:r>
-              <a:rPr lang="en-US" sz="4000" dirty="0" smtClean="0">
-                <a:solidFill>
-                  <a:schemeClr val="accent2">
-                    <a:alpha val="99000"/>
-                  </a:schemeClr>
-                </a:solidFill>
-                <a:latin typeface="Segoe UI Light" pitchFamily="34" charset="0"/>
-              </a:rPr>
-              <a:t>1:</a:t>
+              <a:t>Step 1:</a:t>
             </a:r>
             <a:endParaRPr lang="en-US" sz="4000" dirty="0">
               <a:solidFill>
@@ -20989,18 +21183,7 @@
                 </a:solidFill>
                 <a:latin typeface="Segoe UI Light" pitchFamily="34" charset="0"/>
               </a:rPr>
-              <a:t>Set </a:t>
-            </a:r>
-            <a:r>
-              <a:rPr lang="en-US" dirty="0" smtClean="0">
-                <a:solidFill>
-                  <a:schemeClr val="tx2">
-                    <a:alpha val="99000"/>
-                  </a:schemeClr>
-                </a:solidFill>
-                <a:latin typeface="Segoe UI Light" pitchFamily="34" charset="0"/>
-              </a:rPr>
-              <a:t>Select Method</a:t>
+              <a:t>Set Select Method</a:t>
             </a:r>
             <a:endParaRPr lang="en-US" dirty="0">
               <a:solidFill>
@@ -22329,18 +22512,7 @@
                 </a:solidFill>
                 <a:latin typeface="Segoe UI Light" pitchFamily="34" charset="0"/>
               </a:rPr>
-              <a:t>Step </a:t>
-            </a:r>
-            <a:r>
-              <a:rPr lang="en-US" sz="4000" dirty="0" smtClean="0">
-                <a:solidFill>
-                  <a:schemeClr val="accent2">
-                    <a:alpha val="99000"/>
-                  </a:schemeClr>
-                </a:solidFill>
-                <a:latin typeface="Segoe UI Light" pitchFamily="34" charset="0"/>
-              </a:rPr>
-              <a:t>1:</a:t>
+              <a:t>Step 1:</a:t>
             </a:r>
             <a:endParaRPr lang="en-US" sz="4000" dirty="0">
               <a:solidFill>
@@ -22361,18 +22533,7 @@
                 </a:solidFill>
                 <a:latin typeface="Segoe UI Light" pitchFamily="34" charset="0"/>
               </a:rPr>
-              <a:t>Set </a:t>
-            </a:r>
-            <a:r>
-              <a:rPr lang="en-US" dirty="0" smtClean="0">
-                <a:solidFill>
-                  <a:schemeClr val="tx2">
-                    <a:alpha val="99000"/>
-                  </a:schemeClr>
-                </a:solidFill>
-                <a:latin typeface="Segoe UI Light" pitchFamily="34" charset="0"/>
-              </a:rPr>
-              <a:t>Insert Method</a:t>
+              <a:t>Set Insert Method</a:t>
             </a:r>
             <a:endParaRPr lang="en-US" dirty="0">
               <a:solidFill>
@@ -23545,25 +23706,6 @@
               </a:rPr>
               <a:t>ID passed to controls</a:t>
             </a:r>
-            <a:endParaRPr lang="en-US" sz="3200" dirty="0" smtClean="0">
-              <a:gradFill>
-                <a:gsLst>
-                  <a:gs pos="0">
-                    <a:srgbClr val="292929">
-                      <a:lumMod val="90000"/>
-                      <a:lumOff val="10000"/>
-                    </a:srgbClr>
-                  </a:gs>
-                  <a:gs pos="86000">
-                    <a:srgbClr val="292929">
-                      <a:lumMod val="90000"/>
-                      <a:lumOff val="10000"/>
-                    </a:srgbClr>
-                  </a:gs>
-                </a:gsLst>
-                <a:lin ang="5400000" scaled="0"/>
-              </a:gradFill>
-            </a:endParaRPr>
           </a:p>
         </p:txBody>
       </p:sp>
@@ -25212,17 +25354,6 @@
 </file>
 
 <file path=customXml/item1.xml><?xml version="1.0" encoding="utf-8"?>
-<p:properties xmlns:p="http://schemas.microsoft.com/office/2006/metadata/properties" xmlns:xsi="http://www.w3.org/2001/XMLSchema-instance" xmlns:pc="http://schemas.microsoft.com/office/infopath/2007/PartnerControls">
-  <documentManagement>
-    <TaxKeywordTaxHTField xmlns="230e9df3-be65-4c73-a93b-d1236ebd677e">
-      <Terms xmlns="http://schemas.microsoft.com/office/infopath/2007/PartnerControls"/>
-    </TaxKeywordTaxHTField>
-    <TaxCatchAll xmlns="230e9df3-be65-4c73-a93b-d1236ebd677e"/>
-  </documentManagement>
-</p:properties>
-</file>
-
-<file path=customXml/item2.xml><?xml version="1.0" encoding="utf-8"?>
 <ct:contentTypeSchema xmlns:ct="http://schemas.microsoft.com/office/2006/metadata/contentType" xmlns:ma="http://schemas.microsoft.com/office/2006/metadata/properties/metaAttributes" ct:_="" ma:_="" ma:contentTypeName="Document" ma:contentTypeID="0x010100CA05B43BE68FE54B90DD26FDFB72BB05" ma:contentTypeVersion="0" ma:contentTypeDescription="Create a new document." ma:contentTypeScope="" ma:versionID="6df1bece345c1749bd9b91e82fa4a03a">
   <xsd:schema xmlns:xsd="http://www.w3.org/2001/XMLSchema" xmlns:xs="http://www.w3.org/2001/XMLSchema" xmlns:p="http://schemas.microsoft.com/office/2006/metadata/properties" xmlns:ns2="230e9df3-be65-4c73-a93b-d1236ebd677e" targetNamespace="http://schemas.microsoft.com/office/2006/metadata/properties" ma:root="true" ma:fieldsID="e317b0b832c9845d3aae3abd1bb0954e" ns2:_="">
     <xsd:import namespace="230e9df3-be65-4c73-a93b-d1236ebd677e"/>
@@ -25374,7 +25505,7 @@
 </ct:contentTypeSchema>
 </file>
 
-<file path=customXml/item3.xml><?xml version="1.0" encoding="utf-8"?>
+<file path=customXml/item2.xml><?xml version="1.0" encoding="utf-8"?>
 <?mso-contentType ?>
 <FormTemplates xmlns="http://schemas.microsoft.com/sharepoint/v3/contenttype/forms">
   <Display>DocumentLibraryForm</Display>
@@ -25383,23 +25514,18 @@
 </FormTemplates>
 </file>
 
-<file path=customXml/itemProps1.xml><?xml version="1.0" encoding="utf-8"?>
-<ds:datastoreItem xmlns:ds="http://schemas.openxmlformats.org/officeDocument/2006/customXml" ds:itemID="{69B2F97D-0457-4986-9734-D03EB073C5EA}">
-  <ds:schemaRefs>
-    <ds:schemaRef ds:uri="http://schemas.microsoft.com/office/infopath/2007/PartnerControls"/>
-    <ds:schemaRef ds:uri="http://purl.org/dc/terms/"/>
-    <ds:schemaRef ds:uri="http://schemas.microsoft.com/office/2006/documentManagement/types"/>
-    <ds:schemaRef ds:uri="http://purl.org/dc/elements/1.1/"/>
-    <ds:schemaRef ds:uri="http://schemas.openxmlformats.org/package/2006/metadata/core-properties"/>
-    <ds:schemaRef ds:uri="230e9df3-be65-4c73-a93b-d1236ebd677e"/>
-    <ds:schemaRef ds:uri="http://schemas.microsoft.com/office/2006/metadata/properties"/>
-    <ds:schemaRef ds:uri="http://www.w3.org/XML/1998/namespace"/>
-    <ds:schemaRef ds:uri="http://purl.org/dc/dcmitype/"/>
-  </ds:schemaRefs>
-</ds:datastoreItem>
+<file path=customXml/item3.xml><?xml version="1.0" encoding="utf-8"?>
+<p:properties xmlns:p="http://schemas.microsoft.com/office/2006/metadata/properties" xmlns:xsi="http://www.w3.org/2001/XMLSchema-instance" xmlns:pc="http://schemas.microsoft.com/office/infopath/2007/PartnerControls">
+  <documentManagement>
+    <TaxKeywordTaxHTField xmlns="230e9df3-be65-4c73-a93b-d1236ebd677e">
+      <Terms xmlns="http://schemas.microsoft.com/office/infopath/2007/PartnerControls"/>
+    </TaxKeywordTaxHTField>
+    <TaxCatchAll xmlns="230e9df3-be65-4c73-a93b-d1236ebd677e"/>
+  </documentManagement>
+</p:properties>
 </file>
 
-<file path=customXml/itemProps2.xml><?xml version="1.0" encoding="utf-8"?>
+<file path=customXml/itemProps1.xml><?xml version="1.0" encoding="utf-8"?>
 <ds:datastoreItem xmlns:ds="http://schemas.openxmlformats.org/officeDocument/2006/customXml" ds:itemID="{8F590144-748D-417B-8B69-088F107B0F98}">
   <ds:schemaRefs>
     <ds:schemaRef ds:uri="http://schemas.microsoft.com/office/2006/metadata/contentType"/>
@@ -25417,10 +25543,26 @@
 </ds:datastoreItem>
 </file>
 
-<file path=customXml/itemProps3.xml><?xml version="1.0" encoding="utf-8"?>
+<file path=customXml/itemProps2.xml><?xml version="1.0" encoding="utf-8"?>
 <ds:datastoreItem xmlns:ds="http://schemas.openxmlformats.org/officeDocument/2006/customXml" ds:itemID="{B882D8D6-9D38-4159-A398-AAC3689D3D7C}">
   <ds:schemaRefs>
     <ds:schemaRef ds:uri="http://schemas.microsoft.com/sharepoint/v3/contenttype/forms"/>
   </ds:schemaRefs>
 </ds:datastoreItem>
+</file>
+
+<file path=customXml/itemProps3.xml><?xml version="1.0" encoding="utf-8"?>
+<ds:datastoreItem xmlns:ds="http://schemas.openxmlformats.org/officeDocument/2006/customXml" ds:itemID="{69B2F97D-0457-4986-9734-D03EB073C5EA}">
+  <ds:schemaRefs>
+    <ds:schemaRef ds:uri="http://schemas.microsoft.com/office/infopath/2007/PartnerControls"/>
+    <ds:schemaRef ds:uri="http://purl.org/dc/terms/"/>
+    <ds:schemaRef ds:uri="http://schemas.microsoft.com/office/2006/documentManagement/types"/>
+    <ds:schemaRef ds:uri="http://purl.org/dc/elements/1.1/"/>
+    <ds:schemaRef ds:uri="http://schemas.openxmlformats.org/package/2006/metadata/core-properties"/>
+    <ds:schemaRef ds:uri="230e9df3-be65-4c73-a93b-d1236ebd677e"/>
+    <ds:schemaRef ds:uri="http://schemas.microsoft.com/office/2006/metadata/properties"/>
+    <ds:schemaRef ds:uri="http://www.w3.org/XML/1998/namespace"/>
+    <ds:schemaRef ds:uri="http://purl.org/dc/dcmitype/"/>
+  </ds:schemaRefs>
+</ds:datastoreItem>
 </file>
--- a/WhatsNewInASPNET45.pptx
+++ b/WhatsNewInASPNET45.pptx
@@ -1258,314 +1258,6 @@
       <dsp:cNvGrpSpPr/>
     </dsp:nvGrpSpPr>
     <dsp:grpSpPr/>
-    <dsp:sp modelId="{DF0449B5-FF59-4BCF-836A-626BACA7A9DD}">
-      <dsp:nvSpPr>
-        <dsp:cNvPr id="0" name=""/>
-        <dsp:cNvSpPr/>
-      </dsp:nvSpPr>
-      <dsp:spPr>
-        <a:xfrm>
-          <a:off x="3266" y="503737"/>
-          <a:ext cx="2591274" cy="1554764"/>
-        </a:xfrm>
-        <a:prstGeom prst="rect">
-          <a:avLst/>
-        </a:prstGeom>
-        <a:solidFill>
-          <a:schemeClr val="accent3">
-            <a:hueOff val="0"/>
-            <a:satOff val="0"/>
-            <a:lumOff val="0"/>
-            <a:alphaOff val="0"/>
-          </a:schemeClr>
-        </a:solidFill>
-        <a:ln w="25400" cap="flat" cmpd="sng" algn="ctr">
-          <a:solidFill>
-            <a:schemeClr val="lt1">
-              <a:hueOff val="0"/>
-              <a:satOff val="0"/>
-              <a:lumOff val="0"/>
-              <a:alphaOff val="0"/>
-            </a:schemeClr>
-          </a:solidFill>
-          <a:prstDash val="solid"/>
-        </a:ln>
-        <a:effectLst/>
-      </dsp:spPr>
-      <dsp:style>
-        <a:lnRef idx="2">
-          <a:scrgbClr r="0" g="0" b="0"/>
-        </a:lnRef>
-        <a:fillRef idx="1">
-          <a:scrgbClr r="0" g="0" b="0"/>
-        </a:fillRef>
-        <a:effectRef idx="0">
-          <a:scrgbClr r="0" g="0" b="0"/>
-        </a:effectRef>
-        <a:fontRef idx="minor">
-          <a:schemeClr val="lt1"/>
-        </a:fontRef>
-      </dsp:style>
-      <dsp:txBody>
-        <a:bodyPr spcFirstLastPara="0" vert="horz" wrap="square" lIns="125730" tIns="125730" rIns="125730" bIns="125730" numCol="1" spcCol="1270" anchor="ctr" anchorCtr="0">
-          <a:noAutofit/>
-        </a:bodyPr>
-        <a:lstStyle/>
-        <a:p>
-          <a:pPr lvl="0" algn="ctr" defTabSz="1466850" rtl="0">
-            <a:lnSpc>
-              <a:spcPct val="90000"/>
-            </a:lnSpc>
-            <a:spcBef>
-              <a:spcPct val="0"/>
-            </a:spcBef>
-            <a:spcAft>
-              <a:spcPct val="35000"/>
-            </a:spcAft>
-          </a:pPr>
-          <a:r>
-            <a:rPr lang="en-US" sz="3300" kern="1200" baseline="0" smtClean="0"/>
-            <a:t>Page Inspector</a:t>
-          </a:r>
-          <a:endParaRPr lang="en-US" sz="3300" kern="1200"/>
-        </a:p>
-      </dsp:txBody>
-      <dsp:txXfrm>
-        <a:off x="3266" y="503737"/>
-        <a:ext cx="2591274" cy="1554764"/>
-      </dsp:txXfrm>
-    </dsp:sp>
-    <dsp:sp modelId="{2E613A4B-4AEC-43D1-B2CD-91759A8A8A43}">
-      <dsp:nvSpPr>
-        <dsp:cNvPr id="0" name=""/>
-        <dsp:cNvSpPr/>
-      </dsp:nvSpPr>
-      <dsp:spPr>
-        <a:xfrm>
-          <a:off x="2853668" y="503737"/>
-          <a:ext cx="2591274" cy="1554764"/>
-        </a:xfrm>
-        <a:prstGeom prst="rect">
-          <a:avLst/>
-        </a:prstGeom>
-        <a:solidFill>
-          <a:schemeClr val="accent3">
-            <a:hueOff val="-4448485"/>
-            <a:satOff val="0"/>
-            <a:lumOff val="3464"/>
-            <a:alphaOff val="0"/>
-          </a:schemeClr>
-        </a:solidFill>
-        <a:ln w="25400" cap="flat" cmpd="sng" algn="ctr">
-          <a:solidFill>
-            <a:schemeClr val="lt1">
-              <a:hueOff val="0"/>
-              <a:satOff val="0"/>
-              <a:lumOff val="0"/>
-              <a:alphaOff val="0"/>
-            </a:schemeClr>
-          </a:solidFill>
-          <a:prstDash val="solid"/>
-        </a:ln>
-        <a:effectLst/>
-      </dsp:spPr>
-      <dsp:style>
-        <a:lnRef idx="2">
-          <a:scrgbClr r="0" g="0" b="0"/>
-        </a:lnRef>
-        <a:fillRef idx="1">
-          <a:scrgbClr r="0" g="0" b="0"/>
-        </a:fillRef>
-        <a:effectRef idx="0">
-          <a:scrgbClr r="0" g="0" b="0"/>
-        </a:effectRef>
-        <a:fontRef idx="minor">
-          <a:schemeClr val="lt1"/>
-        </a:fontRef>
-      </dsp:style>
-      <dsp:txBody>
-        <a:bodyPr spcFirstLastPara="0" vert="horz" wrap="square" lIns="125730" tIns="125730" rIns="125730" bIns="125730" numCol="1" spcCol="1270" anchor="ctr" anchorCtr="0">
-          <a:noAutofit/>
-        </a:bodyPr>
-        <a:lstStyle/>
-        <a:p>
-          <a:pPr lvl="0" algn="ctr" defTabSz="1466850" rtl="0">
-            <a:lnSpc>
-              <a:spcPct val="90000"/>
-            </a:lnSpc>
-            <a:spcBef>
-              <a:spcPct val="0"/>
-            </a:spcBef>
-            <a:spcAft>
-              <a:spcPct val="35000"/>
-            </a:spcAft>
-          </a:pPr>
-          <a:r>
-            <a:rPr lang="en-US" sz="3300" kern="1200" baseline="0" smtClean="0"/>
-            <a:t>CSS and HTML editor</a:t>
-          </a:r>
-          <a:endParaRPr lang="en-US" sz="3300" kern="1200"/>
-        </a:p>
-      </dsp:txBody>
-      <dsp:txXfrm>
-        <a:off x="2853668" y="503737"/>
-        <a:ext cx="2591274" cy="1554764"/>
-      </dsp:txXfrm>
-    </dsp:sp>
-    <dsp:sp modelId="{500A1CB0-53AC-479C-975D-29358BF3A54E}">
-      <dsp:nvSpPr>
-        <dsp:cNvPr id="0" name=""/>
-        <dsp:cNvSpPr/>
-      </dsp:nvSpPr>
-      <dsp:spPr>
-        <a:xfrm>
-          <a:off x="5704070" y="503737"/>
-          <a:ext cx="2591274" cy="1554764"/>
-        </a:xfrm>
-        <a:prstGeom prst="rect">
-          <a:avLst/>
-        </a:prstGeom>
-        <a:solidFill>
-          <a:schemeClr val="accent3">
-            <a:hueOff val="-8896970"/>
-            <a:satOff val="0"/>
-            <a:lumOff val="6928"/>
-            <a:alphaOff val="0"/>
-          </a:schemeClr>
-        </a:solidFill>
-        <a:ln w="25400" cap="flat" cmpd="sng" algn="ctr">
-          <a:solidFill>
-            <a:schemeClr val="lt1">
-              <a:hueOff val="0"/>
-              <a:satOff val="0"/>
-              <a:lumOff val="0"/>
-              <a:alphaOff val="0"/>
-            </a:schemeClr>
-          </a:solidFill>
-          <a:prstDash val="solid"/>
-        </a:ln>
-        <a:effectLst/>
-      </dsp:spPr>
-      <dsp:style>
-        <a:lnRef idx="2">
-          <a:scrgbClr r="0" g="0" b="0"/>
-        </a:lnRef>
-        <a:fillRef idx="1">
-          <a:scrgbClr r="0" g="0" b="0"/>
-        </a:fillRef>
-        <a:effectRef idx="0">
-          <a:scrgbClr r="0" g="0" b="0"/>
-        </a:effectRef>
-        <a:fontRef idx="minor">
-          <a:schemeClr val="lt1"/>
-        </a:fontRef>
-      </dsp:style>
-      <dsp:txBody>
-        <a:bodyPr spcFirstLastPara="0" vert="horz" wrap="square" lIns="125730" tIns="125730" rIns="125730" bIns="125730" numCol="1" spcCol="1270" anchor="ctr" anchorCtr="0">
-          <a:noAutofit/>
-        </a:bodyPr>
-        <a:lstStyle/>
-        <a:p>
-          <a:pPr lvl="0" algn="ctr" defTabSz="1466850" rtl="0">
-            <a:lnSpc>
-              <a:spcPct val="90000"/>
-            </a:lnSpc>
-            <a:spcBef>
-              <a:spcPct val="0"/>
-            </a:spcBef>
-            <a:spcAft>
-              <a:spcPct val="35000"/>
-            </a:spcAft>
-          </a:pPr>
-          <a:r>
-            <a:rPr lang="en-US" sz="3300" kern="1200" baseline="0" smtClean="0"/>
-            <a:t>JavaScript editor</a:t>
-          </a:r>
-          <a:endParaRPr lang="en-US" sz="3300" kern="1200"/>
-        </a:p>
-      </dsp:txBody>
-      <dsp:txXfrm>
-        <a:off x="5704070" y="503737"/>
-        <a:ext cx="2591274" cy="1554764"/>
-      </dsp:txXfrm>
-    </dsp:sp>
-    <dsp:sp modelId="{301A6D02-1F2B-4599-9D6B-3F92086250EC}">
-      <dsp:nvSpPr>
-        <dsp:cNvPr id="0" name=""/>
-        <dsp:cNvSpPr/>
-      </dsp:nvSpPr>
-      <dsp:spPr>
-        <a:xfrm>
-          <a:off x="8554472" y="503737"/>
-          <a:ext cx="2591274" cy="1554764"/>
-        </a:xfrm>
-        <a:prstGeom prst="rect">
-          <a:avLst/>
-        </a:prstGeom>
-        <a:solidFill>
-          <a:schemeClr val="accent3">
-            <a:hueOff val="-13345455"/>
-            <a:satOff val="0"/>
-            <a:lumOff val="10392"/>
-            <a:alphaOff val="0"/>
-          </a:schemeClr>
-        </a:solidFill>
-        <a:ln w="25400" cap="flat" cmpd="sng" algn="ctr">
-          <a:solidFill>
-            <a:schemeClr val="lt1">
-              <a:hueOff val="0"/>
-              <a:satOff val="0"/>
-              <a:lumOff val="0"/>
-              <a:alphaOff val="0"/>
-            </a:schemeClr>
-          </a:solidFill>
-          <a:prstDash val="solid"/>
-        </a:ln>
-        <a:effectLst/>
-      </dsp:spPr>
-      <dsp:style>
-        <a:lnRef idx="2">
-          <a:scrgbClr r="0" g="0" b="0"/>
-        </a:lnRef>
-        <a:fillRef idx="1">
-          <a:scrgbClr r="0" g="0" b="0"/>
-        </a:fillRef>
-        <a:effectRef idx="0">
-          <a:scrgbClr r="0" g="0" b="0"/>
-        </a:effectRef>
-        <a:fontRef idx="minor">
-          <a:schemeClr val="lt1"/>
-        </a:fontRef>
-      </dsp:style>
-      <dsp:txBody>
-        <a:bodyPr spcFirstLastPara="0" vert="horz" wrap="square" lIns="125730" tIns="125730" rIns="125730" bIns="125730" numCol="1" spcCol="1270" anchor="ctr" anchorCtr="0">
-          <a:noAutofit/>
-        </a:bodyPr>
-        <a:lstStyle/>
-        <a:p>
-          <a:pPr lvl="0" algn="ctr" defTabSz="1466850" rtl="0">
-            <a:lnSpc>
-              <a:spcPct val="90000"/>
-            </a:lnSpc>
-            <a:spcBef>
-              <a:spcPct val="0"/>
-            </a:spcBef>
-            <a:spcAft>
-              <a:spcPct val="35000"/>
-            </a:spcAft>
-          </a:pPr>
-          <a:r>
-            <a:rPr lang="en-US" sz="3300" kern="1200" baseline="0" smtClean="0"/>
-            <a:t>Web Essentials</a:t>
-          </a:r>
-          <a:endParaRPr lang="en-US" sz="3300" kern="1200"/>
-        </a:p>
-      </dsp:txBody>
-      <dsp:txXfrm>
-        <a:off x="8554472" y="503737"/>
-        <a:ext cx="2591274" cy="1554764"/>
-      </dsp:txXfrm>
-    </dsp:sp>
   </dsp:spTree>
 </dsp:drawing>
 </file>
@@ -2843,7 +2535,7 @@
               <a:rPr lang="en-US" smtClean="0">
                 <a:latin typeface="Segoe UI" pitchFamily="34" charset="0"/>
               </a:rPr>
-              <a:t>12/7/2012</a:t>
+              <a:t>12/10/2012</a:t>
             </a:fld>
             <a:endParaRPr lang="en-US" dirty="0">
               <a:latin typeface="Segoe UI" pitchFamily="34" charset="0"/>
@@ -3025,7 +2717,7 @@
             <a:fld id="{CAE3F082-F902-42D8-A765-720E172C3194}" type="datetimeFigureOut">
               <a:rPr lang="en-US" smtClean="0"/>
               <a:pPr/>
-              <a:t>12/7/2012</a:t>
+              <a:t>12/10/2012</a:t>
             </a:fld>
             <a:endParaRPr lang="en-US" dirty="0"/>
           </a:p>
@@ -18840,7 +18532,7 @@
           <a:graphicData uri="http://schemas.openxmlformats.org/presentationml/2006/ole">
             <mc:AlternateContent xmlns:mc="http://schemas.openxmlformats.org/markup-compatibility/2006">
               <mc:Choice xmlns:v="urn:schemas-microsoft-com:vml" Requires="v">
-                <p:oleObj spid="_x0000_s58482" name="think-cell Slide" r:id="rId4" imgW="270" imgH="270" progId="TCLayout.ActiveDocument.1">
+                <p:oleObj spid="_x0000_s58483" name="think-cell Slide" r:id="rId4" imgW="270" imgH="270" progId="TCLayout.ActiveDocument.1">
                   <p:embed/>
                 </p:oleObj>
               </mc:Choice>
@@ -18949,7 +18641,7 @@
           <a:graphicData uri="http://schemas.openxmlformats.org/presentationml/2006/ole">
             <mc:AlternateContent xmlns:mc="http://schemas.openxmlformats.org/markup-compatibility/2006">
               <mc:Choice xmlns:v="urn:schemas-microsoft-com:vml" Requires="v">
-                <p:oleObj spid="_x0000_s59502" name="think-cell Slide" r:id="rId4" imgW="270" imgH="270" progId="TCLayout.ActiveDocument.1">
+                <p:oleObj spid="_x0000_s59503" name="think-cell Slide" r:id="rId4" imgW="270" imgH="270" progId="TCLayout.ActiveDocument.1">
                   <p:embed/>
                 </p:oleObj>
               </mc:Choice>
@@ -19048,7 +18740,6 @@
               <a:rPr lang="en-US" dirty="0" smtClean="0"/>
               <a:t>Company</a:t>
             </a:r>
-            <a:endParaRPr lang="en-US" dirty="0" smtClean="0"/>
           </a:p>
         </p:txBody>
       </p:sp>
@@ -19126,7 +18817,7 @@
           <a:graphicData uri="http://schemas.openxmlformats.org/presentationml/2006/ole">
             <mc:AlternateContent xmlns:mc="http://schemas.openxmlformats.org/markup-compatibility/2006">
               <mc:Choice xmlns:v="urn:schemas-microsoft-com:vml" Requires="v">
-                <p:oleObj spid="_x0000_s23668" name="think-cell Slide" r:id="rId6" imgW="270" imgH="270" progId="TCLayout.ActiveDocument.1">
+                <p:oleObj spid="_x0000_s23669" name="think-cell Slide" r:id="rId6" imgW="270" imgH="270" progId="TCLayout.ActiveDocument.1">
                   <p:embed/>
                 </p:oleObj>
               </mc:Choice>
@@ -25354,6 +25045,26 @@
 </file>
 
 <file path=customXml/item1.xml><?xml version="1.0" encoding="utf-8"?>
+<p:properties xmlns:p="http://schemas.microsoft.com/office/2006/metadata/properties" xmlns:xsi="http://www.w3.org/2001/XMLSchema-instance" xmlns:pc="http://schemas.microsoft.com/office/infopath/2007/PartnerControls">
+  <documentManagement>
+    <TaxKeywordTaxHTField xmlns="230e9df3-be65-4c73-a93b-d1236ebd677e">
+      <Terms xmlns="http://schemas.microsoft.com/office/infopath/2007/PartnerControls"/>
+    </TaxKeywordTaxHTField>
+    <TaxCatchAll xmlns="230e9df3-be65-4c73-a93b-d1236ebd677e"/>
+  </documentManagement>
+</p:properties>
+</file>
+
+<file path=customXml/item2.xml><?xml version="1.0" encoding="utf-8"?>
+<?mso-contentType ?>
+<FormTemplates xmlns="http://schemas.microsoft.com/sharepoint/v3/contenttype/forms">
+  <Display>DocumentLibraryForm</Display>
+  <Edit>DocumentLibraryForm</Edit>
+  <New>DocumentLibraryForm</New>
+</FormTemplates>
+</file>
+
+<file path=customXml/item3.xml><?xml version="1.0" encoding="utf-8"?>
 <ct:contentTypeSchema xmlns:ct="http://schemas.microsoft.com/office/2006/metadata/contentType" xmlns:ma="http://schemas.microsoft.com/office/2006/metadata/properties/metaAttributes" ct:_="" ma:_="" ma:contentTypeName="Document" ma:contentTypeID="0x010100CA05B43BE68FE54B90DD26FDFB72BB05" ma:contentTypeVersion="0" ma:contentTypeDescription="Create a new document." ma:contentTypeScope="" ma:versionID="6df1bece345c1749bd9b91e82fa4a03a">
   <xsd:schema xmlns:xsd="http://www.w3.org/2001/XMLSchema" xmlns:xs="http://www.w3.org/2001/XMLSchema" xmlns:p="http://schemas.microsoft.com/office/2006/metadata/properties" xmlns:ns2="230e9df3-be65-4c73-a93b-d1236ebd677e" targetNamespace="http://schemas.microsoft.com/office/2006/metadata/properties" ma:root="true" ma:fieldsID="e317b0b832c9845d3aae3abd1bb0954e" ns2:_="">
     <xsd:import namespace="230e9df3-be65-4c73-a93b-d1236ebd677e"/>
@@ -25505,27 +25216,31 @@
 </ct:contentTypeSchema>
 </file>
 
-<file path=customXml/item2.xml><?xml version="1.0" encoding="utf-8"?>
-<?mso-contentType ?>
-<FormTemplates xmlns="http://schemas.microsoft.com/sharepoint/v3/contenttype/forms">
-  <Display>DocumentLibraryForm</Display>
-  <Edit>DocumentLibraryForm</Edit>
-  <New>DocumentLibraryForm</New>
-</FormTemplates>
+<file path=customXml/itemProps1.xml><?xml version="1.0" encoding="utf-8"?>
+<ds:datastoreItem xmlns:ds="http://schemas.openxmlformats.org/officeDocument/2006/customXml" ds:itemID="{69B2F97D-0457-4986-9734-D03EB073C5EA}">
+  <ds:schemaRefs>
+    <ds:schemaRef ds:uri="230e9df3-be65-4c73-a93b-d1236ebd677e"/>
+    <ds:schemaRef ds:uri="http://purl.org/dc/terms/"/>
+    <ds:schemaRef ds:uri="http://schemas.microsoft.com/office/2006/metadata/properties"/>
+    <ds:schemaRef ds:uri="http://schemas.microsoft.com/office/2006/documentManagement/types"/>
+    <ds:schemaRef ds:uri="http://purl.org/dc/elements/1.1/"/>
+    <ds:schemaRef ds:uri="http://schemas.openxmlformats.org/package/2006/metadata/core-properties"/>
+    <ds:schemaRef ds:uri="http://purl.org/dc/dcmitype/"/>
+    <ds:schemaRef ds:uri="http://schemas.microsoft.com/office/infopath/2007/PartnerControls"/>
+    <ds:schemaRef ds:uri="http://www.w3.org/XML/1998/namespace"/>
+  </ds:schemaRefs>
+</ds:datastoreItem>
 </file>
 
-<file path=customXml/item3.xml><?xml version="1.0" encoding="utf-8"?>
-<p:properties xmlns:p="http://schemas.microsoft.com/office/2006/metadata/properties" xmlns:xsi="http://www.w3.org/2001/XMLSchema-instance" xmlns:pc="http://schemas.microsoft.com/office/infopath/2007/PartnerControls">
-  <documentManagement>
-    <TaxKeywordTaxHTField xmlns="230e9df3-be65-4c73-a93b-d1236ebd677e">
-      <Terms xmlns="http://schemas.microsoft.com/office/infopath/2007/PartnerControls"/>
-    </TaxKeywordTaxHTField>
-    <TaxCatchAll xmlns="230e9df3-be65-4c73-a93b-d1236ebd677e"/>
-  </documentManagement>
-</p:properties>
+<file path=customXml/itemProps2.xml><?xml version="1.0" encoding="utf-8"?>
+<ds:datastoreItem xmlns:ds="http://schemas.openxmlformats.org/officeDocument/2006/customXml" ds:itemID="{B882D8D6-9D38-4159-A398-AAC3689D3D7C}">
+  <ds:schemaRefs>
+    <ds:schemaRef ds:uri="http://schemas.microsoft.com/sharepoint/v3/contenttype/forms"/>
+  </ds:schemaRefs>
+</ds:datastoreItem>
 </file>
 
-<file path=customXml/itemProps1.xml><?xml version="1.0" encoding="utf-8"?>
+<file path=customXml/itemProps3.xml><?xml version="1.0" encoding="utf-8"?>
 <ds:datastoreItem xmlns:ds="http://schemas.openxmlformats.org/officeDocument/2006/customXml" ds:itemID="{8F590144-748D-417B-8B69-088F107B0F98}">
   <ds:schemaRefs>
     <ds:schemaRef ds:uri="http://schemas.microsoft.com/office/2006/metadata/contentType"/>
@@ -25541,28 +25256,4 @@
     <ds:schemaRef ds:uri="http://schemas.microsoft.com/internal/obd"/>
   </ds:schemaRefs>
 </ds:datastoreItem>
-</file>
-
-<file path=customXml/itemProps2.xml><?xml version="1.0" encoding="utf-8"?>
-<ds:datastoreItem xmlns:ds="http://schemas.openxmlformats.org/officeDocument/2006/customXml" ds:itemID="{B882D8D6-9D38-4159-A398-AAC3689D3D7C}">
-  <ds:schemaRefs>
-    <ds:schemaRef ds:uri="http://schemas.microsoft.com/sharepoint/v3/contenttype/forms"/>
-  </ds:schemaRefs>
-</ds:datastoreItem>
-</file>
-
-<file path=customXml/itemProps3.xml><?xml version="1.0" encoding="utf-8"?>
-<ds:datastoreItem xmlns:ds="http://schemas.openxmlformats.org/officeDocument/2006/customXml" ds:itemID="{69B2F97D-0457-4986-9734-D03EB073C5EA}">
-  <ds:schemaRefs>
-    <ds:schemaRef ds:uri="http://schemas.microsoft.com/office/infopath/2007/PartnerControls"/>
-    <ds:schemaRef ds:uri="http://purl.org/dc/terms/"/>
-    <ds:schemaRef ds:uri="http://schemas.microsoft.com/office/2006/documentManagement/types"/>
-    <ds:schemaRef ds:uri="http://purl.org/dc/elements/1.1/"/>
-    <ds:schemaRef ds:uri="http://schemas.openxmlformats.org/package/2006/metadata/core-properties"/>
-    <ds:schemaRef ds:uri="230e9df3-be65-4c73-a93b-d1236ebd677e"/>
-    <ds:schemaRef ds:uri="http://schemas.microsoft.com/office/2006/metadata/properties"/>
-    <ds:schemaRef ds:uri="http://www.w3.org/XML/1998/namespace"/>
-    <ds:schemaRef ds:uri="http://purl.org/dc/dcmitype/"/>
-  </ds:schemaRefs>
-</ds:datastoreItem>
 </file>
--- a/WhatsNewInASPNET45.pptx
+++ b/WhatsNewInASPNET45.pptx
@@ -2535,7 +2535,7 @@
               <a:rPr lang="en-US" smtClean="0">
                 <a:latin typeface="Segoe UI" pitchFamily="34" charset="0"/>
               </a:rPr>
-              <a:t>12/10/2012</a:t>
+              <a:t>12/20/2012</a:t>
             </a:fld>
             <a:endParaRPr lang="en-US" dirty="0">
               <a:latin typeface="Segoe UI" pitchFamily="34" charset="0"/>
@@ -2717,7 +2717,7 @@
             <a:fld id="{CAE3F082-F902-42D8-A765-720E172C3194}" type="datetimeFigureOut">
               <a:rPr lang="en-US" smtClean="0"/>
               <a:pPr/>
-              <a:t>12/10/2012</a:t>
+              <a:t>12/20/2012</a:t>
             </a:fld>
             <a:endParaRPr lang="en-US" dirty="0"/>
           </a:p>
@@ -3887,30 +3887,6 @@
           <a:bodyPr/>
           <a:lstStyle/>
           <a:p>
-            <a:r>
-              <a:rPr lang="en-US" dirty="0" smtClean="0"/>
-              <a:t>HTML - HTML5</a:t>
-            </a:r>
-            <a:r>
-              <a:rPr lang="en-US" baseline="0" dirty="0" smtClean="0"/>
-              <a:t> audio</a:t>
-            </a:r>
-          </a:p>
-          <a:p>
-            <a:r>
-              <a:rPr lang="en-US" baseline="0" dirty="0" smtClean="0"/>
-              <a:t>CSS – Regions, snippets (e.g. media)</a:t>
-            </a:r>
-          </a:p>
-          <a:p>
-            <a:r>
-              <a:rPr lang="en-US" baseline="0" smtClean="0"/>
-              <a:t>JavaScript – Regions, </a:t>
-            </a:r>
-            <a:r>
-              <a:rPr lang="en-US" baseline="0" dirty="0" smtClean="0"/>
-              <a:t>DOM</a:t>
-            </a:r>
             <a:endParaRPr lang="en-US" dirty="0"/>
           </a:p>
         </p:txBody>
@@ -3933,6 +3909,120 @@
             <a:fld id="{82AABF77-E2E4-44CA-BA5C-65E132CF08D8}" type="slidenum">
               <a:rPr lang="en-US" smtClean="0"/>
               <a:pPr/>
+              <a:t>8</a:t>
+            </a:fld>
+            <a:endParaRPr lang="en-US" dirty="0"/>
+          </a:p>
+        </p:txBody>
+      </p:sp>
+    </p:spTree>
+    <p:extLst>
+      <p:ext uri="{BB962C8B-B14F-4D97-AF65-F5344CB8AC3E}">
+        <p14:creationId xmlns:p14="http://schemas.microsoft.com/office/powerpoint/2010/main" val="4049714863"/>
+      </p:ext>
+    </p:extLst>
+  </p:cSld>
+  <p:clrMapOvr>
+    <a:masterClrMapping/>
+  </p:clrMapOvr>
+</p:notes>
+</file>
+
+<file path=ppt/notesSlides/notesSlide6.xml><?xml version="1.0" encoding="utf-8"?>
+<p:notes xmlns:a="http://schemas.openxmlformats.org/drawingml/2006/main" xmlns:r="http://schemas.openxmlformats.org/officeDocument/2006/relationships" xmlns:p="http://schemas.openxmlformats.org/presentationml/2006/main">
+  <p:cSld>
+    <p:spTree>
+      <p:nvGrpSpPr>
+        <p:cNvPr id="1" name=""/>
+        <p:cNvGrpSpPr/>
+        <p:nvPr/>
+      </p:nvGrpSpPr>
+      <p:grpSpPr>
+        <a:xfrm>
+          <a:off x="0" y="0"/>
+          <a:ext cx="0" cy="0"/>
+          <a:chOff x="0" y="0"/>
+          <a:chExt cx="0" cy="0"/>
+        </a:xfrm>
+      </p:grpSpPr>
+      <p:sp>
+        <p:nvSpPr>
+          <p:cNvPr id="2" name="Slide Image Placeholder 1"/>
+          <p:cNvSpPr>
+            <a:spLocks noGrp="1" noRot="1" noChangeAspect="1"/>
+          </p:cNvSpPr>
+          <p:nvPr>
+            <p:ph type="sldImg"/>
+          </p:nvPr>
+        </p:nvSpPr>
+        <p:spPr/>
+      </p:sp>
+      <p:sp>
+        <p:nvSpPr>
+          <p:cNvPr id="3" name="Notes Placeholder 2"/>
+          <p:cNvSpPr>
+            <a:spLocks noGrp="1"/>
+          </p:cNvSpPr>
+          <p:nvPr>
+            <p:ph type="body" idx="1"/>
+          </p:nvPr>
+        </p:nvSpPr>
+        <p:spPr/>
+        <p:txBody>
+          <a:bodyPr/>
+          <a:lstStyle/>
+          <a:p>
+            <a:r>
+              <a:rPr lang="en-US" dirty="0" smtClean="0"/>
+              <a:t>HTML - HTML5</a:t>
+            </a:r>
+            <a:r>
+              <a:rPr lang="en-US" baseline="0" dirty="0" smtClean="0"/>
+              <a:t> audio</a:t>
+            </a:r>
+          </a:p>
+          <a:p>
+            <a:r>
+              <a:rPr lang="en-US" baseline="0" dirty="0" smtClean="0"/>
+              <a:t>CSS – Regions, snippets (e.g. media)</a:t>
+            </a:r>
+          </a:p>
+          <a:p>
+            <a:r>
+              <a:rPr lang="en-US" baseline="0" dirty="0" smtClean="0"/>
+              <a:t>JavaScript – Regions, DOM</a:t>
+            </a:r>
+          </a:p>
+          <a:p>
+            <a:endParaRPr lang="en-US" baseline="0" dirty="0" smtClean="0"/>
+          </a:p>
+          <a:p>
+            <a:r>
+              <a:rPr lang="en-US" baseline="0" dirty="0" smtClean="0"/>
+              <a:t>2012.2 – Knockout, Paste JSON as classes</a:t>
+            </a:r>
+            <a:endParaRPr lang="en-US" dirty="0"/>
+          </a:p>
+        </p:txBody>
+      </p:sp>
+      <p:sp>
+        <p:nvSpPr>
+          <p:cNvPr id="4" name="Slide Number Placeholder 3"/>
+          <p:cNvSpPr>
+            <a:spLocks noGrp="1"/>
+          </p:cNvSpPr>
+          <p:nvPr>
+            <p:ph type="sldNum" sz="quarter" idx="10"/>
+          </p:nvPr>
+        </p:nvSpPr>
+        <p:spPr/>
+        <p:txBody>
+          <a:bodyPr/>
+          <a:lstStyle/>
+          <a:p>
+            <a:fld id="{82AABF77-E2E4-44CA-BA5C-65E132CF08D8}" type="slidenum">
+              <a:rPr lang="en-US" smtClean="0"/>
+              <a:pPr/>
               <a:t>12</a:t>
             </a:fld>
             <a:endParaRPr lang="en-US" dirty="0"/>
@@ -3952,7 +4042,7 @@
 </p:notes>
 </file>
 
-<file path=ppt/notesSlides/notesSlide6.xml><?xml version="1.0" encoding="utf-8"?>
+<file path=ppt/notesSlides/notesSlide7.xml><?xml version="1.0" encoding="utf-8"?>
 <p:notes xmlns:a="http://schemas.openxmlformats.org/drawingml/2006/main" xmlns:r="http://schemas.openxmlformats.org/officeDocument/2006/relationships" xmlns:p="http://schemas.openxmlformats.org/presentationml/2006/main">
   <p:cSld>
     <p:spTree>
@@ -8301,40 +8391,6 @@
           <a:chExt cx="0" cy="0"/>
         </a:xfrm>
       </p:grpSpPr>
-      <p:pic>
-        <p:nvPicPr>
-          <p:cNvPr id="2" name="Picture 2"/>
-          <p:cNvPicPr>
-            <a:picLocks noChangeAspect="1" noChangeArrowheads="1"/>
-          </p:cNvPicPr>
-          <p:nvPr userDrawn="1"/>
-        </p:nvPicPr>
-        <p:blipFill>
-          <a:blip r:embed="rId3">
-            <a:extLst>
-              <a:ext uri="{28A0092B-C50C-407E-A947-70E740481C1C}">
-                <a14:useLocalDpi xmlns:a14="http://schemas.microsoft.com/office/drawing/2010/main" val="0"/>
-              </a:ext>
-            </a:extLst>
-          </a:blip>
-          <a:stretch>
-            <a:fillRect/>
-          </a:stretch>
-        </p:blipFill>
-        <p:spPr bwMode="black">
-          <a:xfrm>
-            <a:off x="4321174" y="3140274"/>
-            <a:ext cx="3546476" cy="577452"/>
-          </a:xfrm>
-          <a:prstGeom prst="rect">
-            <a:avLst/>
-          </a:prstGeom>
-          <a:noFill/>
-          <a:ln>
-            <a:noFill/>
-          </a:ln>
-        </p:spPr>
-      </p:pic>
       <p:sp>
         <p:nvSpPr>
           <p:cNvPr id="3" name="Text Box 3"/>
@@ -8448,6 +8504,36 @@
           </a:p>
         </p:txBody>
       </p:sp>
+      <p:pic>
+        <p:nvPicPr>
+          <p:cNvPr id="4" name="Picture 3"/>
+          <p:cNvPicPr>
+            <a:picLocks noChangeAspect="1"/>
+          </p:cNvPicPr>
+          <p:nvPr userDrawn="1"/>
+        </p:nvPicPr>
+        <p:blipFill>
+          <a:blip r:embed="rId3" cstate="print">
+            <a:extLst>
+              <a:ext uri="{28A0092B-C50C-407E-A947-70E740481C1C}">
+                <a14:useLocalDpi xmlns:a14="http://schemas.microsoft.com/office/drawing/2010/main" val="0"/>
+              </a:ext>
+            </a:extLst>
+          </a:blip>
+          <a:stretch>
+            <a:fillRect/>
+          </a:stretch>
+        </p:blipFill>
+        <p:spPr bwMode="invGray">
+          <a:xfrm>
+            <a:off x="4482902" y="3072036"/>
+            <a:ext cx="3223021" cy="690417"/>
+          </a:xfrm>
+          <a:prstGeom prst="rect">
+            <a:avLst/>
+          </a:prstGeom>
+        </p:spPr>
+      </p:pic>
     </p:spTree>
     <p:extLst>
       <p:ext uri="{BB962C8B-B14F-4D97-AF65-F5344CB8AC3E}">
@@ -15805,7 +15891,41 @@
                   </a:gradFill>
                   <a:latin typeface="Segoe UI Light" pitchFamily="34" charset="0"/>
                 </a:rPr>
-                <a:t>SPEAKER / @HANDLE</a:t>
+                <a:t>[Speaker] </a:t>
+              </a:r>
+              <a:r>
+                <a:rPr lang="en-US" sz="2600" spc="-100" dirty="0" smtClean="0">
+                  <a:gradFill>
+                    <a:gsLst>
+                      <a:gs pos="0">
+                        <a:srgbClr val="595959"/>
+                      </a:gs>
+                      <a:gs pos="86000">
+                        <a:srgbClr val="595959"/>
+                      </a:gs>
+                    </a:gsLst>
+                    <a:lin ang="5400000" scaled="0"/>
+                  </a:gradFill>
+                  <a:latin typeface="Segoe UI Light" pitchFamily="34" charset="0"/>
+                </a:rPr>
+                <a:t>/ </a:t>
+              </a:r>
+              <a:r>
+                <a:rPr lang="en-US" sz="2600" spc="-100" dirty="0" smtClean="0">
+                  <a:gradFill>
+                    <a:gsLst>
+                      <a:gs pos="0">
+                        <a:srgbClr val="595959"/>
+                      </a:gs>
+                      <a:gs pos="86000">
+                        <a:srgbClr val="595959"/>
+                      </a:gs>
+                    </a:gsLst>
+                    <a:lin ang="5400000" scaled="0"/>
+                  </a:gradFill>
+                  <a:latin typeface="Segoe UI Light" pitchFamily="34" charset="0"/>
+                </a:rPr>
+                <a:t>[Twitter]</a:t>
               </a:r>
               <a:endParaRPr lang="en-US" sz="2600" spc="-100" dirty="0">
                 <a:gradFill>
@@ -18222,10 +18342,17 @@
                             </p:stCondLst>
                             <p:childTnLst>
                               <p:par>
-                                <p:cTn id="5" presetID="10" presetClass="entr" presetSubtype="0" fill="hold" nodeType="withEffect">
+                                <p:cTn id="5" presetID="10" presetClass="entr" presetSubtype="0" repeatCount="indefinite" fill="hold" nodeType="withEffect">
                                   <p:stCondLst>
-                                    <p:cond delay="0"/>
+                                    <p:cond delay="2000"/>
                                   </p:stCondLst>
+                                  <p:endCondLst>
+                                    <p:cond evt="onNext" delay="0">
+                                      <p:tgtEl>
+                                        <p:sldTgt/>
+                                      </p:tgtEl>
+                                    </p:cond>
+                                  </p:endCondLst>
                                   <p:childTnLst>
                                     <p:set>
                                       <p:cBhvr>
@@ -18247,7 +18374,7 @@
                                     </p:set>
                                     <p:animEffect transition="in" filter="fade">
                                       <p:cBhvr>
-                                        <p:cTn id="7" dur="3000"/>
+                                        <p:cTn id="7" dur="5000"/>
                                         <p:tgtEl>
                                           <p:spTgt spid="7"/>
                                         </p:tgtEl>
@@ -18532,7 +18659,7 @@
           <a:graphicData uri="http://schemas.openxmlformats.org/presentationml/2006/ole">
             <mc:AlternateContent xmlns:mc="http://schemas.openxmlformats.org/markup-compatibility/2006">
               <mc:Choice xmlns:v="urn:schemas-microsoft-com:vml" Requires="v">
-                <p:oleObj spid="_x0000_s58483" name="think-cell Slide" r:id="rId4" imgW="270" imgH="270" progId="TCLayout.ActiveDocument.1">
+                <p:oleObj spid="_x0000_s58488" name="think-cell Slide" r:id="rId4" imgW="270" imgH="270" progId="TCLayout.ActiveDocument.1">
                   <p:embed/>
                 </p:oleObj>
               </mc:Choice>
@@ -18641,7 +18768,7 @@
           <a:graphicData uri="http://schemas.openxmlformats.org/presentationml/2006/ole">
             <mc:AlternateContent xmlns:mc="http://schemas.openxmlformats.org/markup-compatibility/2006">
               <mc:Choice xmlns:v="urn:schemas-microsoft-com:vml" Requires="v">
-                <p:oleObj spid="_x0000_s59503" name="think-cell Slide" r:id="rId4" imgW="270" imgH="270" progId="TCLayout.ActiveDocument.1">
+                <p:oleObj spid="_x0000_s59508" name="think-cell Slide" r:id="rId4" imgW="270" imgH="270" progId="TCLayout.ActiveDocument.1">
                   <p:embed/>
                 </p:oleObj>
               </mc:Choice>
@@ -18716,8 +18843,8 @@
         </p:nvSpPr>
         <p:spPr>
           <a:xfrm>
-            <a:off x="519113" y="4612341"/>
-            <a:ext cx="5454333" cy="1144929"/>
+            <a:off x="519112" y="5267661"/>
+            <a:ext cx="5454333" cy="738664"/>
           </a:xfrm>
         </p:spPr>
         <p:txBody>
@@ -18726,20 +18853,15 @@
           <a:p>
             <a:r>
               <a:rPr lang="en-US" dirty="0" smtClean="0"/>
-              <a:t>Name</a:t>
+              <a:t>[Speaker]</a:t>
             </a:r>
           </a:p>
           <a:p>
             <a:r>
               <a:rPr lang="en-US" dirty="0" smtClean="0"/>
-              <a:t>Title</a:t>
-            </a:r>
-          </a:p>
-          <a:p>
-            <a:r>
-              <a:rPr lang="en-US" dirty="0" smtClean="0"/>
-              <a:t>Company</a:t>
-            </a:r>
+              <a:t>[Company]</a:t>
+            </a:r>
+            <a:endParaRPr lang="en-US" dirty="0"/>
           </a:p>
         </p:txBody>
       </p:sp>
@@ -18817,7 +18939,7 @@
           <a:graphicData uri="http://schemas.openxmlformats.org/presentationml/2006/ole">
             <mc:AlternateContent xmlns:mc="http://schemas.openxmlformats.org/markup-compatibility/2006">
               <mc:Choice xmlns:v="urn:schemas-microsoft-com:vml" Requires="v">
-                <p:oleObj spid="_x0000_s23669" name="think-cell Slide" r:id="rId6" imgW="270" imgH="270" progId="TCLayout.ActiveDocument.1">
+                <p:oleObj spid="_x0000_s23674" name="think-cell Slide" r:id="rId6" imgW="270" imgH="270" progId="TCLayout.ActiveDocument.1">
                   <p:embed/>
                 </p:oleObj>
               </mc:Choice>
@@ -23590,7 +23712,14 @@
             </a:br>
             <a:r>
               <a:rPr lang="en-US" dirty="0" smtClean="0"/>
-              <a:t>Model Binding &amp; Friendly URLs</a:t>
+              <a:t>Model Binding &amp; Friendly URLs,</a:t>
+            </a:r>
+            <a:br>
+              <a:rPr lang="en-US" dirty="0" smtClean="0"/>
+            </a:br>
+            <a:r>
+              <a:rPr lang="en-US" smtClean="0"/>
+              <a:t>Mobile Support</a:t>
             </a:r>
             <a:endParaRPr lang="en-US" dirty="0"/>
           </a:p>
@@ -25056,15 +25185,6 @@
 </file>
 
 <file path=customXml/item2.xml><?xml version="1.0" encoding="utf-8"?>
-<?mso-contentType ?>
-<FormTemplates xmlns="http://schemas.microsoft.com/sharepoint/v3/contenttype/forms">
-  <Display>DocumentLibraryForm</Display>
-  <Edit>DocumentLibraryForm</Edit>
-  <New>DocumentLibraryForm</New>
-</FormTemplates>
-</file>
-
-<file path=customXml/item3.xml><?xml version="1.0" encoding="utf-8"?>
 <ct:contentTypeSchema xmlns:ct="http://schemas.microsoft.com/office/2006/metadata/contentType" xmlns:ma="http://schemas.microsoft.com/office/2006/metadata/properties/metaAttributes" ct:_="" ma:_="" ma:contentTypeName="Document" ma:contentTypeID="0x010100CA05B43BE68FE54B90DD26FDFB72BB05" ma:contentTypeVersion="0" ma:contentTypeDescription="Create a new document." ma:contentTypeScope="" ma:versionID="6df1bece345c1749bd9b91e82fa4a03a">
   <xsd:schema xmlns:xsd="http://www.w3.org/2001/XMLSchema" xmlns:xs="http://www.w3.org/2001/XMLSchema" xmlns:p="http://schemas.microsoft.com/office/2006/metadata/properties" xmlns:ns2="230e9df3-be65-4c73-a93b-d1236ebd677e" targetNamespace="http://schemas.microsoft.com/office/2006/metadata/properties" ma:root="true" ma:fieldsID="e317b0b832c9845d3aae3abd1bb0954e" ns2:_="">
     <xsd:import namespace="230e9df3-be65-4c73-a93b-d1236ebd677e"/>
@@ -25216,6 +25336,15 @@
 </ct:contentTypeSchema>
 </file>
 
+<file path=customXml/item3.xml><?xml version="1.0" encoding="utf-8"?>
+<?mso-contentType ?>
+<FormTemplates xmlns="http://schemas.microsoft.com/sharepoint/v3/contenttype/forms">
+  <Display>DocumentLibraryForm</Display>
+  <Edit>DocumentLibraryForm</Edit>
+  <New>DocumentLibraryForm</New>
+</FormTemplates>
+</file>
+
 <file path=customXml/itemProps1.xml><?xml version="1.0" encoding="utf-8"?>
 <ds:datastoreItem xmlns:ds="http://schemas.openxmlformats.org/officeDocument/2006/customXml" ds:itemID="{69B2F97D-0457-4986-9734-D03EB073C5EA}">
   <ds:schemaRefs>
@@ -25233,14 +25362,6 @@
 </file>
 
 <file path=customXml/itemProps2.xml><?xml version="1.0" encoding="utf-8"?>
-<ds:datastoreItem xmlns:ds="http://schemas.openxmlformats.org/officeDocument/2006/customXml" ds:itemID="{B882D8D6-9D38-4159-A398-AAC3689D3D7C}">
-  <ds:schemaRefs>
-    <ds:schemaRef ds:uri="http://schemas.microsoft.com/sharepoint/v3/contenttype/forms"/>
-  </ds:schemaRefs>
-</ds:datastoreItem>
-</file>
-
-<file path=customXml/itemProps3.xml><?xml version="1.0" encoding="utf-8"?>
 <ds:datastoreItem xmlns:ds="http://schemas.openxmlformats.org/officeDocument/2006/customXml" ds:itemID="{8F590144-748D-417B-8B69-088F107B0F98}">
   <ds:schemaRefs>
     <ds:schemaRef ds:uri="http://schemas.microsoft.com/office/2006/metadata/contentType"/>
@@ -25256,4 +25377,12 @@
     <ds:schemaRef ds:uri="http://schemas.microsoft.com/internal/obd"/>
   </ds:schemaRefs>
 </ds:datastoreItem>
+</file>
+
+<file path=customXml/itemProps3.xml><?xml version="1.0" encoding="utf-8"?>
+<ds:datastoreItem xmlns:ds="http://schemas.openxmlformats.org/officeDocument/2006/customXml" ds:itemID="{B882D8D6-9D38-4159-A398-AAC3689D3D7C}">
+  <ds:schemaRefs>
+    <ds:schemaRef ds:uri="http://schemas.microsoft.com/sharepoint/v3/contenttype/forms"/>
+  </ds:schemaRefs>
+</ds:datastoreItem>
 </file>